--- a/report/Grafiken.pptx
+++ b/report/Grafiken.pptx
@@ -7,6 +7,8 @@
   <p:sldIdLst>
     <p:sldId id="256" r:id="rId2"/>
     <p:sldId id="257" r:id="rId3"/>
+    <p:sldId id="258" r:id="rId4"/>
+    <p:sldId id="259" r:id="rId5"/>
   </p:sldIdLst>
   <p:sldSz cx="12192000" cy="6858000"/>
   <p:notesSz cx="6858000" cy="9144000"/>
@@ -105,6 +107,11 @@
       </a:defRPr>
     </a:lvl9pPr>
   </p:defaultTextStyle>
+  <p:extLst>
+    <p:ext uri="{EFAFB233-063F-42B5-8137-9DF3F51BA10A}">
+      <p15:sldGuideLst xmlns:p15="http://schemas.microsoft.com/office/powerpoint/2012/main"/>
+    </p:ext>
+  </p:extLst>
 </p:presentation>
 </file>
 
@@ -255,7 +262,7 @@
           <a:p>
             <a:fld id="{BD6D4D59-C437-4C1C-911D-483A8492AF6D}" type="datetimeFigureOut">
               <a:rPr lang="de-DE" smtClean="0"/>
-              <a:t>10.01.2024</a:t>
+              <a:t>20.01.2024</a:t>
             </a:fld>
             <a:endParaRPr lang="de-DE"/>
           </a:p>
@@ -453,7 +460,7 @@
           <a:p>
             <a:fld id="{BD6D4D59-C437-4C1C-911D-483A8492AF6D}" type="datetimeFigureOut">
               <a:rPr lang="de-DE" smtClean="0"/>
-              <a:t>10.01.2024</a:t>
+              <a:t>20.01.2024</a:t>
             </a:fld>
             <a:endParaRPr lang="de-DE"/>
           </a:p>
@@ -661,7 +668,7 @@
           <a:p>
             <a:fld id="{BD6D4D59-C437-4C1C-911D-483A8492AF6D}" type="datetimeFigureOut">
               <a:rPr lang="de-DE" smtClean="0"/>
-              <a:t>10.01.2024</a:t>
+              <a:t>20.01.2024</a:t>
             </a:fld>
             <a:endParaRPr lang="de-DE"/>
           </a:p>
@@ -859,7 +866,7 @@
           <a:p>
             <a:fld id="{BD6D4D59-C437-4C1C-911D-483A8492AF6D}" type="datetimeFigureOut">
               <a:rPr lang="de-DE" smtClean="0"/>
-              <a:t>10.01.2024</a:t>
+              <a:t>20.01.2024</a:t>
             </a:fld>
             <a:endParaRPr lang="de-DE"/>
           </a:p>
@@ -1134,7 +1141,7 @@
           <a:p>
             <a:fld id="{BD6D4D59-C437-4C1C-911D-483A8492AF6D}" type="datetimeFigureOut">
               <a:rPr lang="de-DE" smtClean="0"/>
-              <a:t>10.01.2024</a:t>
+              <a:t>20.01.2024</a:t>
             </a:fld>
             <a:endParaRPr lang="de-DE"/>
           </a:p>
@@ -1399,7 +1406,7 @@
           <a:p>
             <a:fld id="{BD6D4D59-C437-4C1C-911D-483A8492AF6D}" type="datetimeFigureOut">
               <a:rPr lang="de-DE" smtClean="0"/>
-              <a:t>10.01.2024</a:t>
+              <a:t>20.01.2024</a:t>
             </a:fld>
             <a:endParaRPr lang="de-DE"/>
           </a:p>
@@ -1811,7 +1818,7 @@
           <a:p>
             <a:fld id="{BD6D4D59-C437-4C1C-911D-483A8492AF6D}" type="datetimeFigureOut">
               <a:rPr lang="de-DE" smtClean="0"/>
-              <a:t>10.01.2024</a:t>
+              <a:t>20.01.2024</a:t>
             </a:fld>
             <a:endParaRPr lang="de-DE"/>
           </a:p>
@@ -1952,7 +1959,7 @@
           <a:p>
             <a:fld id="{BD6D4D59-C437-4C1C-911D-483A8492AF6D}" type="datetimeFigureOut">
               <a:rPr lang="de-DE" smtClean="0"/>
-              <a:t>10.01.2024</a:t>
+              <a:t>20.01.2024</a:t>
             </a:fld>
             <a:endParaRPr lang="de-DE"/>
           </a:p>
@@ -2065,7 +2072,7 @@
           <a:p>
             <a:fld id="{BD6D4D59-C437-4C1C-911D-483A8492AF6D}" type="datetimeFigureOut">
               <a:rPr lang="de-DE" smtClean="0"/>
-              <a:t>10.01.2024</a:t>
+              <a:t>20.01.2024</a:t>
             </a:fld>
             <a:endParaRPr lang="de-DE"/>
           </a:p>
@@ -2376,7 +2383,7 @@
           <a:p>
             <a:fld id="{BD6D4D59-C437-4C1C-911D-483A8492AF6D}" type="datetimeFigureOut">
               <a:rPr lang="de-DE" smtClean="0"/>
-              <a:t>10.01.2024</a:t>
+              <a:t>20.01.2024</a:t>
             </a:fld>
             <a:endParaRPr lang="de-DE"/>
           </a:p>
@@ -2664,7 +2671,7 @@
           <a:p>
             <a:fld id="{BD6D4D59-C437-4C1C-911D-483A8492AF6D}" type="datetimeFigureOut">
               <a:rPr lang="de-DE" smtClean="0"/>
-              <a:t>10.01.2024</a:t>
+              <a:t>20.01.2024</a:t>
             </a:fld>
             <a:endParaRPr lang="de-DE"/>
           </a:p>
@@ -2905,7 +2912,7 @@
           <a:p>
             <a:fld id="{BD6D4D59-C437-4C1C-911D-483A8492AF6D}" type="datetimeFigureOut">
               <a:rPr lang="de-DE" smtClean="0"/>
-              <a:t>10.01.2024</a:t>
+              <a:t>20.01.2024</a:t>
             </a:fld>
             <a:endParaRPr lang="de-DE"/>
           </a:p>
@@ -6065,6 +6072,1399 @@
 </p:sld>
 </file>
 
+<file path=ppt/slides/slide3.xml><?xml version="1.0" encoding="utf-8"?>
+<p:sld xmlns:a="http://schemas.openxmlformats.org/drawingml/2006/main" xmlns:r="http://schemas.openxmlformats.org/officeDocument/2006/relationships" xmlns:p="http://schemas.openxmlformats.org/presentationml/2006/main">
+  <p:cSld>
+    <p:spTree>
+      <p:nvGrpSpPr>
+        <p:cNvPr id="1" name=""/>
+        <p:cNvGrpSpPr/>
+        <p:nvPr/>
+      </p:nvGrpSpPr>
+      <p:grpSpPr>
+        <a:xfrm>
+          <a:off x="0" y="0"/>
+          <a:ext cx="0" cy="0"/>
+          <a:chOff x="0" y="0"/>
+          <a:chExt cx="0" cy="0"/>
+        </a:xfrm>
+      </p:grpSpPr>
+      <p:grpSp>
+        <p:nvGrpSpPr>
+          <p:cNvPr id="66" name="Gruppieren 65">
+            <a:extLst>
+              <a:ext uri="{FF2B5EF4-FFF2-40B4-BE49-F238E27FC236}">
+                <a16:creationId xmlns:a16="http://schemas.microsoft.com/office/drawing/2014/main" id="{46A88438-BAE1-7334-27B7-2AF2D9A7A0E9}"/>
+              </a:ext>
+            </a:extLst>
+          </p:cNvPr>
+          <p:cNvGrpSpPr/>
+          <p:nvPr/>
+        </p:nvGrpSpPr>
+        <p:grpSpPr>
+          <a:xfrm>
+            <a:off x="4221716" y="1418391"/>
+            <a:ext cx="3633335" cy="3814672"/>
+            <a:chOff x="3872094" y="1342191"/>
+            <a:chExt cx="3633335" cy="3814672"/>
+          </a:xfrm>
+        </p:grpSpPr>
+        <p:sp>
+          <p:nvSpPr>
+            <p:cNvPr id="64" name="Freihandform: Form 63">
+              <a:extLst>
+                <a:ext uri="{FF2B5EF4-FFF2-40B4-BE49-F238E27FC236}">
+                  <a16:creationId xmlns:a16="http://schemas.microsoft.com/office/drawing/2014/main" id="{7B2E050F-4A2A-B849-0529-27529BA79768}"/>
+                </a:ext>
+              </a:extLst>
+            </p:cNvPr>
+            <p:cNvSpPr/>
+            <p:nvPr/>
+          </p:nvSpPr>
+          <p:spPr>
+            <a:xfrm>
+              <a:off x="4455305" y="2396406"/>
+              <a:ext cx="2595952" cy="2254587"/>
+            </a:xfrm>
+            <a:custGeom>
+              <a:avLst/>
+              <a:gdLst>
+                <a:gd name="connsiteX0" fmla="*/ 2173089 w 2595952"/>
+                <a:gd name="connsiteY0" fmla="*/ 0 h 2254587"/>
+                <a:gd name="connsiteX1" fmla="*/ 2215784 w 2595952"/>
+                <a:gd name="connsiteY1" fmla="*/ 38804 h 2254587"/>
+                <a:gd name="connsiteX2" fmla="*/ 2595952 w 2595952"/>
+                <a:gd name="connsiteY2" fmla="*/ 956611 h 2254587"/>
+                <a:gd name="connsiteX3" fmla="*/ 1297976 w 2595952"/>
+                <a:gd name="connsiteY3" fmla="*/ 2254587 h 2254587"/>
+                <a:gd name="connsiteX4" fmla="*/ 0 w 2595952"/>
+                <a:gd name="connsiteY4" fmla="*/ 956611 h 2254587"/>
+                <a:gd name="connsiteX5" fmla="*/ 221674 w 2595952"/>
+                <a:gd name="connsiteY5" fmla="*/ 230901 h 2254587"/>
+                <a:gd name="connsiteX6" fmla="*/ 233758 w 2595952"/>
+                <a:gd name="connsiteY6" fmla="*/ 214741 h 2254587"/>
+                <a:gd name="connsiteX7" fmla="*/ 1443432 w 2595952"/>
+                <a:gd name="connsiteY7" fmla="*/ 2232887 h 2254587"/>
+              </a:gdLst>
+              <a:ahLst/>
+              <a:cxnLst>
+                <a:cxn ang="0">
+                  <a:pos x="connsiteX0" y="connsiteY0"/>
+                </a:cxn>
+                <a:cxn ang="0">
+                  <a:pos x="connsiteX1" y="connsiteY1"/>
+                </a:cxn>
+                <a:cxn ang="0">
+                  <a:pos x="connsiteX2" y="connsiteY2"/>
+                </a:cxn>
+                <a:cxn ang="0">
+                  <a:pos x="connsiteX3" y="connsiteY3"/>
+                </a:cxn>
+                <a:cxn ang="0">
+                  <a:pos x="connsiteX4" y="connsiteY4"/>
+                </a:cxn>
+                <a:cxn ang="0">
+                  <a:pos x="connsiteX5" y="connsiteY5"/>
+                </a:cxn>
+                <a:cxn ang="0">
+                  <a:pos x="connsiteX6" y="connsiteY6"/>
+                </a:cxn>
+                <a:cxn ang="0">
+                  <a:pos x="connsiteX7" y="connsiteY7"/>
+                </a:cxn>
+              </a:cxnLst>
+              <a:rect l="l" t="t" r="r" b="b"/>
+              <a:pathLst>
+                <a:path w="2595952" h="2254587">
+                  <a:moveTo>
+                    <a:pt x="2173089" y="0"/>
+                  </a:moveTo>
+                  <a:lnTo>
+                    <a:pt x="2215784" y="38804"/>
+                  </a:lnTo>
+                  <a:cubicBezTo>
+                    <a:pt x="2450671" y="273691"/>
+                    <a:pt x="2595952" y="598185"/>
+                    <a:pt x="2595952" y="956611"/>
+                  </a:cubicBezTo>
+                  <a:cubicBezTo>
+                    <a:pt x="2595952" y="1673463"/>
+                    <a:pt x="2014828" y="2254587"/>
+                    <a:pt x="1297976" y="2254587"/>
+                  </a:cubicBezTo>
+                  <a:cubicBezTo>
+                    <a:pt x="581124" y="2254587"/>
+                    <a:pt x="0" y="1673463"/>
+                    <a:pt x="0" y="956611"/>
+                  </a:cubicBezTo>
+                  <a:cubicBezTo>
+                    <a:pt x="0" y="687792"/>
+                    <a:pt x="81721" y="438059"/>
+                    <a:pt x="221674" y="230901"/>
+                  </a:cubicBezTo>
+                  <a:lnTo>
+                    <a:pt x="233758" y="214741"/>
+                  </a:lnTo>
+                  <a:lnTo>
+                    <a:pt x="1443432" y="2232887"/>
+                  </a:lnTo>
+                  <a:close/>
+                </a:path>
+              </a:pathLst>
+            </a:custGeom>
+            <a:solidFill>
+              <a:schemeClr val="bg1">
+                <a:lumMod val="95000"/>
+              </a:schemeClr>
+            </a:solidFill>
+            <a:ln w="19050">
+              <a:solidFill>
+                <a:schemeClr val="bg1">
+                  <a:lumMod val="95000"/>
+                </a:schemeClr>
+              </a:solidFill>
+            </a:ln>
+          </p:spPr>
+          <p:style>
+            <a:lnRef idx="2">
+              <a:schemeClr val="accent1">
+                <a:shade val="15000"/>
+              </a:schemeClr>
+            </a:lnRef>
+            <a:fillRef idx="1">
+              <a:schemeClr val="accent1"/>
+            </a:fillRef>
+            <a:effectRef idx="0">
+              <a:schemeClr val="accent1"/>
+            </a:effectRef>
+            <a:fontRef idx="minor">
+              <a:schemeClr val="lt1"/>
+            </a:fontRef>
+          </p:style>
+          <p:txBody>
+            <a:bodyPr wrap="square" rtlCol="0" anchor="ctr">
+              <a:noAutofit/>
+            </a:bodyPr>
+            <a:lstStyle/>
+            <a:p>
+              <a:pPr algn="ctr"/>
+              <a:endParaRPr lang="de-DE"/>
+            </a:p>
+          </p:txBody>
+        </p:sp>
+        <p:sp>
+          <p:nvSpPr>
+            <p:cNvPr id="5" name="Gleichschenkliges Dreieck 4">
+              <a:extLst>
+                <a:ext uri="{FF2B5EF4-FFF2-40B4-BE49-F238E27FC236}">
+                  <a16:creationId xmlns:a16="http://schemas.microsoft.com/office/drawing/2014/main" id="{7C42D129-1BE2-CB92-EDE7-75330DDAEE65}"/>
+                </a:ext>
+              </a:extLst>
+            </p:cNvPr>
+            <p:cNvSpPr/>
+            <p:nvPr/>
+          </p:nvSpPr>
+          <p:spPr>
+            <a:xfrm rot="9866727">
+              <a:off x="4771617" y="1830117"/>
+              <a:ext cx="2546800" cy="2707003"/>
+            </a:xfrm>
+            <a:prstGeom prst="triangle">
+              <a:avLst>
+                <a:gd name="adj" fmla="val 70755"/>
+              </a:avLst>
+            </a:prstGeom>
+            <a:noFill/>
+            <a:ln w="19050">
+              <a:solidFill>
+                <a:schemeClr val="tx1"/>
+              </a:solidFill>
+            </a:ln>
+          </p:spPr>
+          <p:style>
+            <a:lnRef idx="2">
+              <a:schemeClr val="accent1">
+                <a:shade val="15000"/>
+              </a:schemeClr>
+            </a:lnRef>
+            <a:fillRef idx="1">
+              <a:schemeClr val="accent1"/>
+            </a:fillRef>
+            <a:effectRef idx="0">
+              <a:schemeClr val="accent1"/>
+            </a:effectRef>
+            <a:fontRef idx="minor">
+              <a:schemeClr val="lt1"/>
+            </a:fontRef>
+          </p:style>
+          <p:txBody>
+            <a:bodyPr rtlCol="0" anchor="ctr"/>
+            <a:lstStyle/>
+            <a:p>
+              <a:pPr algn="ctr"/>
+              <a:endParaRPr lang="de-DE"/>
+            </a:p>
+          </p:txBody>
+        </p:sp>
+        <p:sp>
+          <p:nvSpPr>
+            <p:cNvPr id="6" name="Ellipse 5">
+              <a:extLst>
+                <a:ext uri="{FF2B5EF4-FFF2-40B4-BE49-F238E27FC236}">
+                  <a16:creationId xmlns:a16="http://schemas.microsoft.com/office/drawing/2014/main" id="{8624DD78-9A21-EAF9-BF62-EA65FB50FFC7}"/>
+                </a:ext>
+              </a:extLst>
+            </p:cNvPr>
+            <p:cNvSpPr/>
+            <p:nvPr/>
+          </p:nvSpPr>
+          <p:spPr>
+            <a:xfrm>
+              <a:off x="4455306" y="2055041"/>
+              <a:ext cx="2595951" cy="2595951"/>
+            </a:xfrm>
+            <a:prstGeom prst="ellipse">
+              <a:avLst/>
+            </a:prstGeom>
+            <a:noFill/>
+            <a:ln w="19050">
+              <a:solidFill>
+                <a:schemeClr val="tx1"/>
+              </a:solidFill>
+            </a:ln>
+          </p:spPr>
+          <p:style>
+            <a:lnRef idx="2">
+              <a:schemeClr val="accent1">
+                <a:shade val="15000"/>
+              </a:schemeClr>
+            </a:lnRef>
+            <a:fillRef idx="1">
+              <a:schemeClr val="accent1"/>
+            </a:fillRef>
+            <a:effectRef idx="0">
+              <a:schemeClr val="accent1"/>
+            </a:effectRef>
+            <a:fontRef idx="minor">
+              <a:schemeClr val="lt1"/>
+            </a:fontRef>
+          </p:style>
+          <p:txBody>
+            <a:bodyPr rtlCol="0" anchor="ctr"/>
+            <a:lstStyle/>
+            <a:p>
+              <a:pPr algn="ctr"/>
+              <a:endParaRPr lang="de-DE"/>
+            </a:p>
+          </p:txBody>
+        </p:sp>
+        <p:cxnSp>
+          <p:nvCxnSpPr>
+            <p:cNvPr id="8" name="Gerader Verbinder 7">
+              <a:extLst>
+                <a:ext uri="{FF2B5EF4-FFF2-40B4-BE49-F238E27FC236}">
+                  <a16:creationId xmlns:a16="http://schemas.microsoft.com/office/drawing/2014/main" id="{E1B766E3-3D1E-5671-773A-A363E13D8237}"/>
+                </a:ext>
+              </a:extLst>
+            </p:cNvPr>
+            <p:cNvCxnSpPr>
+              <a:cxnSpLocks/>
+            </p:cNvCxnSpPr>
+            <p:nvPr/>
+          </p:nvCxnSpPr>
+          <p:spPr>
+            <a:xfrm>
+              <a:off x="5746377" y="1568823"/>
+              <a:ext cx="0" cy="3406589"/>
+            </a:xfrm>
+            <a:prstGeom prst="line">
+              <a:avLst/>
+            </a:prstGeom>
+            <a:ln>
+              <a:solidFill>
+                <a:schemeClr val="bg2">
+                  <a:lumMod val="50000"/>
+                </a:schemeClr>
+              </a:solidFill>
+              <a:prstDash val="lgDash"/>
+            </a:ln>
+          </p:spPr>
+          <p:style>
+            <a:lnRef idx="1">
+              <a:schemeClr val="accent1"/>
+            </a:lnRef>
+            <a:fillRef idx="0">
+              <a:schemeClr val="accent1"/>
+            </a:fillRef>
+            <a:effectRef idx="0">
+              <a:schemeClr val="accent1"/>
+            </a:effectRef>
+            <a:fontRef idx="minor">
+              <a:schemeClr val="tx1"/>
+            </a:fontRef>
+          </p:style>
+        </p:cxnSp>
+        <p:cxnSp>
+          <p:nvCxnSpPr>
+            <p:cNvPr id="11" name="Gerader Verbinder 10">
+              <a:extLst>
+                <a:ext uri="{FF2B5EF4-FFF2-40B4-BE49-F238E27FC236}">
+                  <a16:creationId xmlns:a16="http://schemas.microsoft.com/office/drawing/2014/main" id="{C4B9A275-EFF1-B966-46AC-6BDF5D2788E7}"/>
+                </a:ext>
+              </a:extLst>
+            </p:cNvPr>
+            <p:cNvCxnSpPr>
+              <a:cxnSpLocks/>
+            </p:cNvCxnSpPr>
+            <p:nvPr/>
+          </p:nvCxnSpPr>
+          <p:spPr>
+            <a:xfrm flipH="1">
+              <a:off x="4072378" y="3349149"/>
+              <a:ext cx="3348000" cy="0"/>
+            </a:xfrm>
+            <a:prstGeom prst="line">
+              <a:avLst/>
+            </a:prstGeom>
+            <a:ln>
+              <a:solidFill>
+                <a:schemeClr val="bg2">
+                  <a:lumMod val="50000"/>
+                </a:schemeClr>
+              </a:solidFill>
+              <a:prstDash val="lgDash"/>
+            </a:ln>
+          </p:spPr>
+          <p:style>
+            <a:lnRef idx="1">
+              <a:schemeClr val="accent1"/>
+            </a:lnRef>
+            <a:fillRef idx="0">
+              <a:schemeClr val="accent1"/>
+            </a:fillRef>
+            <a:effectRef idx="0">
+              <a:schemeClr val="accent1"/>
+            </a:effectRef>
+            <a:fontRef idx="minor">
+              <a:schemeClr val="tx1"/>
+            </a:fontRef>
+          </p:style>
+        </p:cxnSp>
+        <mc:AlternateContent xmlns:mc="http://schemas.openxmlformats.org/markup-compatibility/2006">
+          <mc:Choice xmlns:a14="http://schemas.microsoft.com/office/drawing/2010/main" Requires="a14">
+            <p:sp>
+              <p:nvSpPr>
+                <p:cNvPr id="19" name="Textfeld 18">
+                  <a:extLst>
+                    <a:ext uri="{FF2B5EF4-FFF2-40B4-BE49-F238E27FC236}">
+                      <a16:creationId xmlns:a16="http://schemas.microsoft.com/office/drawing/2014/main" id="{4981A054-67AC-4B7F-BD1D-850F7DC78A06}"/>
+                    </a:ext>
+                  </a:extLst>
+                </p:cNvPr>
+                <p:cNvSpPr txBox="1"/>
+                <p:nvPr/>
+              </p:nvSpPr>
+              <p:spPr>
+                <a:xfrm>
+                  <a:off x="5767400" y="3049678"/>
+                  <a:ext cx="487056" cy="523220"/>
+                </a:xfrm>
+                <a:prstGeom prst="rect">
+                  <a:avLst/>
+                </a:prstGeom>
+                <a:noFill/>
+              </p:spPr>
+              <p:txBody>
+                <a:bodyPr wrap="none" rtlCol="0">
+                  <a:spAutoFit/>
+                </a:bodyPr>
+                <a:lstStyle/>
+                <a:p>
+                  <a14:m>
+                    <m:oMathPara xmlns:m="http://schemas.openxmlformats.org/officeDocument/2006/math">
+                      <m:oMathParaPr>
+                        <m:jc m:val="centerGroup"/>
+                      </m:oMathParaPr>
+                      <m:oMath xmlns:m="http://schemas.openxmlformats.org/officeDocument/2006/math">
+                        <m:r>
+                          <a:rPr lang="de-DE" sz="2800" i="1" smtClean="0">
+                            <a:latin typeface="Latin Modern Math" panose="02000503000000000000" pitchFamily="50" charset="0"/>
+                            <a:ea typeface="Latin Modern Math" panose="02000503000000000000" pitchFamily="50" charset="0"/>
+                          </a:rPr>
+                          <m:t>𝑝</m:t>
+                        </m:r>
+                      </m:oMath>
+                    </m:oMathPara>
+                  </a14:m>
+                  <a:endParaRPr lang="de-DE" sz="2800" i="1">
+                    <a:latin typeface="Latin Modern Math" panose="02000503000000000000" pitchFamily="50" charset="0"/>
+                    <a:ea typeface="Latin Modern Math" panose="02000503000000000000" pitchFamily="50" charset="0"/>
+                  </a:endParaRPr>
+                </a:p>
+              </p:txBody>
+            </p:sp>
+          </mc:Choice>
+          <mc:Fallback>
+            <p:sp>
+              <p:nvSpPr>
+                <p:cNvPr id="19" name="Textfeld 18">
+                  <a:extLst>
+                    <a:ext uri="{FF2B5EF4-FFF2-40B4-BE49-F238E27FC236}">
+                      <a16:creationId xmlns:a16="http://schemas.microsoft.com/office/drawing/2014/main" id="{4981A054-67AC-4B7F-BD1D-850F7DC78A06}"/>
+                    </a:ext>
+                  </a:extLst>
+                </p:cNvPr>
+                <p:cNvSpPr txBox="1">
+                  <a:spLocks noRot="1" noChangeAspect="1" noMove="1" noResize="1" noEditPoints="1" noAdjustHandles="1" noChangeArrowheads="1" noChangeShapeType="1" noTextEdit="1"/>
+                </p:cNvSpPr>
+                <p:nvPr/>
+              </p:nvSpPr>
+              <p:spPr>
+                <a:xfrm>
+                  <a:off x="5767400" y="3049678"/>
+                  <a:ext cx="487056" cy="523220"/>
+                </a:xfrm>
+                <a:prstGeom prst="rect">
+                  <a:avLst/>
+                </a:prstGeom>
+                <a:blipFill>
+                  <a:blip r:embed="rId2"/>
+                  <a:stretch>
+                    <a:fillRect/>
+                  </a:stretch>
+                </a:blipFill>
+              </p:spPr>
+              <p:txBody>
+                <a:bodyPr/>
+                <a:lstStyle/>
+                <a:p>
+                  <a:r>
+                    <a:rPr lang="de-DE">
+                      <a:noFill/>
+                    </a:rPr>
+                    <a:t> </a:t>
+                  </a:r>
+                </a:p>
+              </p:txBody>
+            </p:sp>
+          </mc:Fallback>
+        </mc:AlternateContent>
+        <mc:AlternateContent xmlns:mc="http://schemas.openxmlformats.org/markup-compatibility/2006">
+          <mc:Choice xmlns:a14="http://schemas.microsoft.com/office/drawing/2010/main" Requires="a14">
+            <p:sp>
+              <p:nvSpPr>
+                <p:cNvPr id="20" name="Textfeld 19">
+                  <a:extLst>
+                    <a:ext uri="{FF2B5EF4-FFF2-40B4-BE49-F238E27FC236}">
+                      <a16:creationId xmlns:a16="http://schemas.microsoft.com/office/drawing/2014/main" id="{662677B5-999A-577A-AB45-A193B48DAF77}"/>
+                    </a:ext>
+                  </a:extLst>
+                </p:cNvPr>
+                <p:cNvSpPr txBox="1"/>
+                <p:nvPr/>
+              </p:nvSpPr>
+              <p:spPr>
+                <a:xfrm>
+                  <a:off x="6893915" y="1342191"/>
+                  <a:ext cx="611514" cy="523220"/>
+                </a:xfrm>
+                <a:prstGeom prst="rect">
+                  <a:avLst/>
+                </a:prstGeom>
+                <a:noFill/>
+              </p:spPr>
+              <p:txBody>
+                <a:bodyPr wrap="none" rtlCol="0">
+                  <a:spAutoFit/>
+                </a:bodyPr>
+                <a:lstStyle/>
+                <a:p>
+                  <a14:m>
+                    <m:oMathPara xmlns:m="http://schemas.openxmlformats.org/officeDocument/2006/math">
+                      <m:oMathParaPr>
+                        <m:jc m:val="centerGroup"/>
+                      </m:oMathParaPr>
+                      <m:oMath xmlns:m="http://schemas.openxmlformats.org/officeDocument/2006/math">
+                        <m:sSub>
+                          <m:sSubPr>
+                            <m:ctrlPr>
+                              <a:rPr lang="de-DE" sz="2800" b="0" i="1" smtClean="0">
+                                <a:latin typeface="Latin Modern Math" panose="02000503000000000000" pitchFamily="50" charset="0"/>
+                                <a:ea typeface="Latin Modern Math" panose="02000503000000000000" pitchFamily="50" charset="0"/>
+                              </a:rPr>
+                            </m:ctrlPr>
+                          </m:sSubPr>
+                          <m:e>
+                            <m:r>
+                              <a:rPr lang="de-DE" sz="2800" b="0" i="1" smtClean="0">
+                                <a:latin typeface="Latin Modern Math" panose="02000503000000000000" pitchFamily="50" charset="0"/>
+                                <a:ea typeface="Latin Modern Math" panose="02000503000000000000" pitchFamily="50" charset="0"/>
+                              </a:rPr>
+                              <m:t>𝑐</m:t>
+                            </m:r>
+                          </m:e>
+                          <m:sub>
+                            <m:r>
+                              <a:rPr lang="de-DE" sz="2800" b="0" i="1" smtClean="0">
+                                <a:latin typeface="Cambria Math" panose="02040503050406030204" pitchFamily="18" charset="0"/>
+                                <a:ea typeface="Latin Modern Math" panose="02000503000000000000" pitchFamily="50" charset="0"/>
+                              </a:rPr>
+                              <m:t>2</m:t>
+                            </m:r>
+                          </m:sub>
+                        </m:sSub>
+                      </m:oMath>
+                    </m:oMathPara>
+                  </a14:m>
+                  <a:endParaRPr lang="de-DE" sz="2800" i="1">
+                    <a:latin typeface="Latin Modern Math" panose="02000503000000000000" pitchFamily="50" charset="0"/>
+                    <a:ea typeface="Latin Modern Math" panose="02000503000000000000" pitchFamily="50" charset="0"/>
+                  </a:endParaRPr>
+                </a:p>
+              </p:txBody>
+            </p:sp>
+          </mc:Choice>
+          <mc:Fallback>
+            <p:sp>
+              <p:nvSpPr>
+                <p:cNvPr id="20" name="Textfeld 19">
+                  <a:extLst>
+                    <a:ext uri="{FF2B5EF4-FFF2-40B4-BE49-F238E27FC236}">
+                      <a16:creationId xmlns:a16="http://schemas.microsoft.com/office/drawing/2014/main" id="{662677B5-999A-577A-AB45-A193B48DAF77}"/>
+                    </a:ext>
+                  </a:extLst>
+                </p:cNvPr>
+                <p:cNvSpPr txBox="1">
+                  <a:spLocks noRot="1" noChangeAspect="1" noMove="1" noResize="1" noEditPoints="1" noAdjustHandles="1" noChangeArrowheads="1" noChangeShapeType="1" noTextEdit="1"/>
+                </p:cNvSpPr>
+                <p:nvPr/>
+              </p:nvSpPr>
+              <p:spPr>
+                <a:xfrm>
+                  <a:off x="6893915" y="1342191"/>
+                  <a:ext cx="611514" cy="523220"/>
+                </a:xfrm>
+                <a:prstGeom prst="rect">
+                  <a:avLst/>
+                </a:prstGeom>
+                <a:blipFill>
+                  <a:blip r:embed="rId3"/>
+                  <a:stretch>
+                    <a:fillRect/>
+                  </a:stretch>
+                </a:blipFill>
+              </p:spPr>
+              <p:txBody>
+                <a:bodyPr/>
+                <a:lstStyle/>
+                <a:p>
+                  <a:r>
+                    <a:rPr lang="de-DE">
+                      <a:noFill/>
+                    </a:rPr>
+                    <a:t> </a:t>
+                  </a:r>
+                </a:p>
+              </p:txBody>
+            </p:sp>
+          </mc:Fallback>
+        </mc:AlternateContent>
+        <mc:AlternateContent xmlns:mc="http://schemas.openxmlformats.org/markup-compatibility/2006">
+          <mc:Choice xmlns:a14="http://schemas.microsoft.com/office/drawing/2010/main" Requires="a14">
+            <p:sp>
+              <p:nvSpPr>
+                <p:cNvPr id="21" name="Textfeld 20">
+                  <a:extLst>
+                    <a:ext uri="{FF2B5EF4-FFF2-40B4-BE49-F238E27FC236}">
+                      <a16:creationId xmlns:a16="http://schemas.microsoft.com/office/drawing/2014/main" id="{31EFE651-69CB-C1B3-34B8-0D12E07AF0F0}"/>
+                    </a:ext>
+                  </a:extLst>
+                </p:cNvPr>
+                <p:cNvSpPr txBox="1"/>
+                <p:nvPr/>
+              </p:nvSpPr>
+              <p:spPr>
+                <a:xfrm>
+                  <a:off x="3872094" y="1964114"/>
+                  <a:ext cx="619529" cy="523220"/>
+                </a:xfrm>
+                <a:prstGeom prst="rect">
+                  <a:avLst/>
+                </a:prstGeom>
+                <a:noFill/>
+              </p:spPr>
+              <p:txBody>
+                <a:bodyPr wrap="none" rtlCol="0">
+                  <a:spAutoFit/>
+                </a:bodyPr>
+                <a:lstStyle/>
+                <a:p>
+                  <a14:m>
+                    <m:oMathPara xmlns:m="http://schemas.openxmlformats.org/officeDocument/2006/math">
+                      <m:oMathParaPr>
+                        <m:jc m:val="centerGroup"/>
+                      </m:oMathParaPr>
+                      <m:oMath xmlns:m="http://schemas.openxmlformats.org/officeDocument/2006/math">
+                        <m:sSub>
+                          <m:sSubPr>
+                            <m:ctrlPr>
+                              <a:rPr lang="de-DE" sz="2800" b="0" i="1" smtClean="0">
+                                <a:latin typeface="Latin Modern Math" panose="02000503000000000000" pitchFamily="50" charset="0"/>
+                                <a:ea typeface="Latin Modern Math" panose="02000503000000000000" pitchFamily="50" charset="0"/>
+                              </a:rPr>
+                            </m:ctrlPr>
+                          </m:sSubPr>
+                          <m:e>
+                            <m:r>
+                              <a:rPr lang="de-DE" sz="2800" b="0" i="1" smtClean="0">
+                                <a:latin typeface="Latin Modern Math" panose="02000503000000000000" pitchFamily="50" charset="0"/>
+                                <a:ea typeface="Latin Modern Math" panose="02000503000000000000" pitchFamily="50" charset="0"/>
+                              </a:rPr>
+                              <m:t>𝑐</m:t>
+                            </m:r>
+                          </m:e>
+                          <m:sub>
+                            <m:r>
+                              <a:rPr lang="de-DE" sz="2800" b="0" i="1" smtClean="0">
+                                <a:latin typeface="Cambria Math" panose="02040503050406030204" pitchFamily="18" charset="0"/>
+                                <a:ea typeface="Cambria Math" panose="02040503050406030204" pitchFamily="18" charset="0"/>
+                              </a:rPr>
+                              <m:t>1</m:t>
+                            </m:r>
+                          </m:sub>
+                        </m:sSub>
+                      </m:oMath>
+                    </m:oMathPara>
+                  </a14:m>
+                  <a:endParaRPr lang="de-DE" sz="2800" i="1">
+                    <a:latin typeface="Latin Modern Math" panose="02000503000000000000" pitchFamily="50" charset="0"/>
+                    <a:ea typeface="Latin Modern Math" panose="02000503000000000000" pitchFamily="50" charset="0"/>
+                  </a:endParaRPr>
+                </a:p>
+              </p:txBody>
+            </p:sp>
+          </mc:Choice>
+          <mc:Fallback>
+            <p:sp>
+              <p:nvSpPr>
+                <p:cNvPr id="21" name="Textfeld 20">
+                  <a:extLst>
+                    <a:ext uri="{FF2B5EF4-FFF2-40B4-BE49-F238E27FC236}">
+                      <a16:creationId xmlns:a16="http://schemas.microsoft.com/office/drawing/2014/main" id="{31EFE651-69CB-C1B3-34B8-0D12E07AF0F0}"/>
+                    </a:ext>
+                  </a:extLst>
+                </p:cNvPr>
+                <p:cNvSpPr txBox="1">
+                  <a:spLocks noRot="1" noChangeAspect="1" noMove="1" noResize="1" noEditPoints="1" noAdjustHandles="1" noChangeArrowheads="1" noChangeShapeType="1" noTextEdit="1"/>
+                </p:cNvSpPr>
+                <p:nvPr/>
+              </p:nvSpPr>
+              <p:spPr>
+                <a:xfrm>
+                  <a:off x="3872094" y="1964114"/>
+                  <a:ext cx="619529" cy="523220"/>
+                </a:xfrm>
+                <a:prstGeom prst="rect">
+                  <a:avLst/>
+                </a:prstGeom>
+                <a:blipFill>
+                  <a:blip r:embed="rId4"/>
+                  <a:stretch>
+                    <a:fillRect/>
+                  </a:stretch>
+                </a:blipFill>
+              </p:spPr>
+              <p:txBody>
+                <a:bodyPr/>
+                <a:lstStyle/>
+                <a:p>
+                  <a:r>
+                    <a:rPr lang="de-DE">
+                      <a:noFill/>
+                    </a:rPr>
+                    <a:t> </a:t>
+                  </a:r>
+                </a:p>
+              </p:txBody>
+            </p:sp>
+          </mc:Fallback>
+        </mc:AlternateContent>
+        <mc:AlternateContent xmlns:mc="http://schemas.openxmlformats.org/markup-compatibility/2006">
+          <mc:Choice xmlns:a14="http://schemas.microsoft.com/office/drawing/2010/main" Requires="a14">
+            <p:sp>
+              <p:nvSpPr>
+                <p:cNvPr id="22" name="Textfeld 21">
+                  <a:extLst>
+                    <a:ext uri="{FF2B5EF4-FFF2-40B4-BE49-F238E27FC236}">
+                      <a16:creationId xmlns:a16="http://schemas.microsoft.com/office/drawing/2014/main" id="{9EC456D7-59C8-E05A-B2FA-DD63AB60389C}"/>
+                    </a:ext>
+                  </a:extLst>
+                </p:cNvPr>
+                <p:cNvSpPr txBox="1"/>
+                <p:nvPr/>
+              </p:nvSpPr>
+              <p:spPr>
+                <a:xfrm>
+                  <a:off x="5849361" y="4725976"/>
+                  <a:ext cx="278474" cy="430887"/>
+                </a:xfrm>
+                <a:prstGeom prst="rect">
+                  <a:avLst/>
+                </a:prstGeom>
+                <a:noFill/>
+              </p:spPr>
+              <p:txBody>
+                <a:bodyPr wrap="none" lIns="0" tIns="0" rIns="0" bIns="0" rtlCol="0">
+                  <a:spAutoFit/>
+                </a:bodyPr>
+                <a:lstStyle/>
+                <a:p>
+                  <a14:m>
+                    <m:oMathPara xmlns:m="http://schemas.openxmlformats.org/officeDocument/2006/math">
+                      <m:oMathParaPr>
+                        <m:jc m:val="centerGroup"/>
+                      </m:oMathParaPr>
+                      <m:oMath xmlns:m="http://schemas.openxmlformats.org/officeDocument/2006/math">
+                        <m:r>
+                          <a:rPr lang="de-DE" sz="2800" b="0" i="1" smtClean="0">
+                            <a:latin typeface="Latin Modern Math" panose="02000503000000000000" pitchFamily="50" charset="0"/>
+                            <a:ea typeface="Latin Modern Math" panose="02000503000000000000" pitchFamily="50" charset="0"/>
+                          </a:rPr>
+                          <m:t>𝑐</m:t>
+                        </m:r>
+                      </m:oMath>
+                    </m:oMathPara>
+                  </a14:m>
+                  <a:endParaRPr lang="de-DE" sz="2800">
+                    <a:latin typeface="Latin Modern Math" panose="02000503000000000000" pitchFamily="50" charset="0"/>
+                    <a:ea typeface="Latin Modern Math" panose="02000503000000000000" pitchFamily="50" charset="0"/>
+                  </a:endParaRPr>
+                </a:p>
+              </p:txBody>
+            </p:sp>
+          </mc:Choice>
+          <mc:Fallback>
+            <p:sp>
+              <p:nvSpPr>
+                <p:cNvPr id="22" name="Textfeld 21">
+                  <a:extLst>
+                    <a:ext uri="{FF2B5EF4-FFF2-40B4-BE49-F238E27FC236}">
+                      <a16:creationId xmlns:a16="http://schemas.microsoft.com/office/drawing/2014/main" id="{9EC456D7-59C8-E05A-B2FA-DD63AB60389C}"/>
+                    </a:ext>
+                  </a:extLst>
+                </p:cNvPr>
+                <p:cNvSpPr txBox="1">
+                  <a:spLocks noRot="1" noChangeAspect="1" noMove="1" noResize="1" noEditPoints="1" noAdjustHandles="1" noChangeArrowheads="1" noChangeShapeType="1" noTextEdit="1"/>
+                </p:cNvSpPr>
+                <p:nvPr/>
+              </p:nvSpPr>
+              <p:spPr>
+                <a:xfrm>
+                  <a:off x="5849361" y="4725976"/>
+                  <a:ext cx="278474" cy="430887"/>
+                </a:xfrm>
+                <a:prstGeom prst="rect">
+                  <a:avLst/>
+                </a:prstGeom>
+                <a:blipFill>
+                  <a:blip r:embed="rId5"/>
+                  <a:stretch>
+                    <a:fillRect l="-6522" r="-4348"/>
+                  </a:stretch>
+                </a:blipFill>
+              </p:spPr>
+              <p:txBody>
+                <a:bodyPr/>
+                <a:lstStyle/>
+                <a:p>
+                  <a:r>
+                    <a:rPr lang="de-DE">
+                      <a:noFill/>
+                    </a:rPr>
+                    <a:t> </a:t>
+                  </a:r>
+                </a:p>
+              </p:txBody>
+            </p:sp>
+          </mc:Fallback>
+        </mc:AlternateContent>
+        <p:sp>
+          <p:nvSpPr>
+            <p:cNvPr id="23" name="Ellipse 22">
+              <a:extLst>
+                <a:ext uri="{FF2B5EF4-FFF2-40B4-BE49-F238E27FC236}">
+                  <a16:creationId xmlns:a16="http://schemas.microsoft.com/office/drawing/2014/main" id="{F72CAE53-45ED-6C0F-F8BF-A702BDB1DA2F}"/>
+                </a:ext>
+              </a:extLst>
+            </p:cNvPr>
+            <p:cNvSpPr/>
+            <p:nvPr/>
+          </p:nvSpPr>
+          <p:spPr>
+            <a:xfrm>
+              <a:off x="6839961" y="1495801"/>
+              <a:ext cx="108000" cy="108000"/>
+            </a:xfrm>
+            <a:prstGeom prst="ellipse">
+              <a:avLst/>
+            </a:prstGeom>
+            <a:solidFill>
+              <a:schemeClr val="tx1"/>
+            </a:solidFill>
+            <a:ln>
+              <a:solidFill>
+                <a:schemeClr val="tx1"/>
+              </a:solidFill>
+            </a:ln>
+          </p:spPr>
+          <p:style>
+            <a:lnRef idx="2">
+              <a:schemeClr val="accent1">
+                <a:shade val="15000"/>
+              </a:schemeClr>
+            </a:lnRef>
+            <a:fillRef idx="1">
+              <a:schemeClr val="accent1"/>
+            </a:fillRef>
+            <a:effectRef idx="0">
+              <a:schemeClr val="accent1"/>
+            </a:effectRef>
+            <a:fontRef idx="minor">
+              <a:schemeClr val="lt1"/>
+            </a:fontRef>
+          </p:style>
+          <p:txBody>
+            <a:bodyPr rtlCol="0" anchor="ctr"/>
+            <a:lstStyle/>
+            <a:p>
+              <a:pPr algn="ctr"/>
+              <a:endParaRPr lang="de-DE"/>
+            </a:p>
+          </p:txBody>
+        </p:sp>
+        <p:sp>
+          <p:nvSpPr>
+            <p:cNvPr id="24" name="Ellipse 23">
+              <a:extLst>
+                <a:ext uri="{FF2B5EF4-FFF2-40B4-BE49-F238E27FC236}">
+                  <a16:creationId xmlns:a16="http://schemas.microsoft.com/office/drawing/2014/main" id="{4C867078-FABB-E7A0-A5FB-866694FAB640}"/>
+                </a:ext>
+              </a:extLst>
+            </p:cNvPr>
+            <p:cNvSpPr/>
+            <p:nvPr/>
+          </p:nvSpPr>
+          <p:spPr>
+            <a:xfrm>
+              <a:off x="4416801" y="2173981"/>
+              <a:ext cx="108000" cy="108000"/>
+            </a:xfrm>
+            <a:prstGeom prst="ellipse">
+              <a:avLst/>
+            </a:prstGeom>
+            <a:solidFill>
+              <a:schemeClr val="tx1"/>
+            </a:solidFill>
+            <a:ln>
+              <a:solidFill>
+                <a:schemeClr val="tx1"/>
+              </a:solidFill>
+            </a:ln>
+          </p:spPr>
+          <p:style>
+            <a:lnRef idx="2">
+              <a:schemeClr val="accent1">
+                <a:shade val="15000"/>
+              </a:schemeClr>
+            </a:lnRef>
+            <a:fillRef idx="1">
+              <a:schemeClr val="accent1"/>
+            </a:fillRef>
+            <a:effectRef idx="0">
+              <a:schemeClr val="accent1"/>
+            </a:effectRef>
+            <a:fontRef idx="minor">
+              <a:schemeClr val="lt1"/>
+            </a:fontRef>
+          </p:style>
+          <p:txBody>
+            <a:bodyPr rtlCol="0" anchor="ctr"/>
+            <a:lstStyle/>
+            <a:p>
+              <a:pPr algn="ctr"/>
+              <a:endParaRPr lang="de-DE"/>
+            </a:p>
+          </p:txBody>
+        </p:sp>
+        <p:sp>
+          <p:nvSpPr>
+            <p:cNvPr id="25" name="Ellipse 24">
+              <a:extLst>
+                <a:ext uri="{FF2B5EF4-FFF2-40B4-BE49-F238E27FC236}">
+                  <a16:creationId xmlns:a16="http://schemas.microsoft.com/office/drawing/2014/main" id="{1D24B727-923F-7909-4856-D261480D37C1}"/>
+                </a:ext>
+              </a:extLst>
+            </p:cNvPr>
+            <p:cNvSpPr/>
+            <p:nvPr/>
+          </p:nvSpPr>
+          <p:spPr>
+            <a:xfrm>
+              <a:off x="5849361" y="4597141"/>
+              <a:ext cx="108000" cy="108000"/>
+            </a:xfrm>
+            <a:prstGeom prst="ellipse">
+              <a:avLst/>
+            </a:prstGeom>
+            <a:solidFill>
+              <a:schemeClr val="tx1"/>
+            </a:solidFill>
+            <a:ln>
+              <a:solidFill>
+                <a:schemeClr val="tx1"/>
+              </a:solidFill>
+            </a:ln>
+          </p:spPr>
+          <p:style>
+            <a:lnRef idx="2">
+              <a:schemeClr val="accent1">
+                <a:shade val="15000"/>
+              </a:schemeClr>
+            </a:lnRef>
+            <a:fillRef idx="1">
+              <a:schemeClr val="accent1"/>
+            </a:fillRef>
+            <a:effectRef idx="0">
+              <a:schemeClr val="accent1"/>
+            </a:effectRef>
+            <a:fontRef idx="minor">
+              <a:schemeClr val="lt1"/>
+            </a:fontRef>
+          </p:style>
+          <p:txBody>
+            <a:bodyPr rtlCol="0" anchor="ctr"/>
+            <a:lstStyle/>
+            <a:p>
+              <a:pPr algn="ctr"/>
+              <a:endParaRPr lang="de-DE"/>
+            </a:p>
+          </p:txBody>
+        </p:sp>
+        <p:cxnSp>
+          <p:nvCxnSpPr>
+            <p:cNvPr id="27" name="Gerade Verbindung mit Pfeil 26">
+              <a:extLst>
+                <a:ext uri="{FF2B5EF4-FFF2-40B4-BE49-F238E27FC236}">
+                  <a16:creationId xmlns:a16="http://schemas.microsoft.com/office/drawing/2014/main" id="{2CEC33B6-722A-7DFA-216D-48BE0EB67154}"/>
+                </a:ext>
+              </a:extLst>
+            </p:cNvPr>
+            <p:cNvCxnSpPr>
+              <a:cxnSpLocks/>
+            </p:cNvCxnSpPr>
+            <p:nvPr/>
+          </p:nvCxnSpPr>
+          <p:spPr>
+            <a:xfrm flipH="1" flipV="1">
+              <a:off x="5504438" y="1407475"/>
+              <a:ext cx="241699" cy="1944669"/>
+            </a:xfrm>
+            <a:prstGeom prst="straightConnector1">
+              <a:avLst/>
+            </a:prstGeom>
+            <a:ln w="19050">
+              <a:solidFill>
+                <a:srgbClr val="DA0000"/>
+              </a:solidFill>
+              <a:tailEnd type="stealth" w="med" len="lg"/>
+            </a:ln>
+          </p:spPr>
+          <p:style>
+            <a:lnRef idx="1">
+              <a:schemeClr val="accent1"/>
+            </a:lnRef>
+            <a:fillRef idx="0">
+              <a:schemeClr val="accent1"/>
+            </a:fillRef>
+            <a:effectRef idx="0">
+              <a:schemeClr val="accent1"/>
+            </a:effectRef>
+            <a:fontRef idx="minor">
+              <a:schemeClr val="tx1"/>
+            </a:fontRef>
+          </p:style>
+        </p:cxnSp>
+        <p:cxnSp>
+          <p:nvCxnSpPr>
+            <p:cNvPr id="30" name="Gerader Verbinder 29">
+              <a:extLst>
+                <a:ext uri="{FF2B5EF4-FFF2-40B4-BE49-F238E27FC236}">
+                  <a16:creationId xmlns:a16="http://schemas.microsoft.com/office/drawing/2014/main" id="{35C23938-8E9C-16DE-4103-E3A5C110CAEF}"/>
+                </a:ext>
+              </a:extLst>
+            </p:cNvPr>
+            <p:cNvCxnSpPr>
+              <a:cxnSpLocks/>
+            </p:cNvCxnSpPr>
+            <p:nvPr/>
+          </p:nvCxnSpPr>
+          <p:spPr>
+            <a:xfrm>
+              <a:off x="5745956" y="3345656"/>
+              <a:ext cx="159544" cy="1309688"/>
+            </a:xfrm>
+            <a:prstGeom prst="line">
+              <a:avLst/>
+            </a:prstGeom>
+            <a:ln w="12700">
+              <a:solidFill>
+                <a:srgbClr val="DA0000"/>
+              </a:solidFill>
+              <a:prstDash val="sysDot"/>
+            </a:ln>
+          </p:spPr>
+          <p:style>
+            <a:lnRef idx="1">
+              <a:schemeClr val="accent1"/>
+            </a:lnRef>
+            <a:fillRef idx="0">
+              <a:schemeClr val="accent1"/>
+            </a:fillRef>
+            <a:effectRef idx="0">
+              <a:schemeClr val="accent1"/>
+            </a:effectRef>
+            <a:fontRef idx="minor">
+              <a:schemeClr val="tx1"/>
+            </a:fontRef>
+          </p:style>
+        </p:cxnSp>
+        <p:cxnSp>
+          <p:nvCxnSpPr>
+            <p:cNvPr id="35" name="Gerade Verbindung mit Pfeil 34">
+              <a:extLst>
+                <a:ext uri="{FF2B5EF4-FFF2-40B4-BE49-F238E27FC236}">
+                  <a16:creationId xmlns:a16="http://schemas.microsoft.com/office/drawing/2014/main" id="{68F3B519-7CD4-C7C3-14BC-D8F2493721D8}"/>
+                </a:ext>
+              </a:extLst>
+            </p:cNvPr>
+            <p:cNvCxnSpPr>
+              <a:cxnSpLocks/>
+            </p:cNvCxnSpPr>
+            <p:nvPr/>
+          </p:nvCxnSpPr>
+          <p:spPr>
+            <a:xfrm flipH="1">
+              <a:off x="4588670" y="3356011"/>
+              <a:ext cx="1148400" cy="1796400"/>
+            </a:xfrm>
+            <a:prstGeom prst="straightConnector1">
+              <a:avLst/>
+            </a:prstGeom>
+            <a:ln w="19050">
+              <a:solidFill>
+                <a:srgbClr val="DA0000"/>
+              </a:solidFill>
+              <a:tailEnd type="stealth" w="med" len="lg"/>
+            </a:ln>
+          </p:spPr>
+          <p:style>
+            <a:lnRef idx="1">
+              <a:schemeClr val="accent1"/>
+            </a:lnRef>
+            <a:fillRef idx="0">
+              <a:schemeClr val="accent1"/>
+            </a:fillRef>
+            <a:effectRef idx="0">
+              <a:schemeClr val="accent1"/>
+            </a:effectRef>
+            <a:fontRef idx="minor">
+              <a:schemeClr val="tx1"/>
+            </a:fontRef>
+          </p:style>
+        </p:cxnSp>
+        <p:cxnSp>
+          <p:nvCxnSpPr>
+            <p:cNvPr id="38" name="Gerade Verbindung mit Pfeil 37">
+              <a:extLst>
+                <a:ext uri="{FF2B5EF4-FFF2-40B4-BE49-F238E27FC236}">
+                  <a16:creationId xmlns:a16="http://schemas.microsoft.com/office/drawing/2014/main" id="{6E5A8033-F562-4061-FA28-A00ACD4DB8D0}"/>
+                </a:ext>
+              </a:extLst>
+            </p:cNvPr>
+            <p:cNvCxnSpPr>
+              <a:cxnSpLocks/>
+            </p:cNvCxnSpPr>
+            <p:nvPr/>
+          </p:nvCxnSpPr>
+          <p:spPr>
+            <a:xfrm>
+              <a:off x="5752673" y="3354566"/>
+              <a:ext cx="1533526" cy="1349433"/>
+            </a:xfrm>
+            <a:prstGeom prst="straightConnector1">
+              <a:avLst/>
+            </a:prstGeom>
+            <a:ln w="19050">
+              <a:solidFill>
+                <a:srgbClr val="DA0000"/>
+              </a:solidFill>
+              <a:tailEnd type="stealth" w="med" len="lg"/>
+            </a:ln>
+          </p:spPr>
+          <p:style>
+            <a:lnRef idx="1">
+              <a:schemeClr val="accent1"/>
+            </a:lnRef>
+            <a:fillRef idx="0">
+              <a:schemeClr val="accent1"/>
+            </a:fillRef>
+            <a:effectRef idx="0">
+              <a:schemeClr val="accent1"/>
+            </a:effectRef>
+            <a:fontRef idx="minor">
+              <a:schemeClr val="tx1"/>
+            </a:fontRef>
+          </p:style>
+        </p:cxnSp>
+        <p:cxnSp>
+          <p:nvCxnSpPr>
+            <p:cNvPr id="44" name="Gerader Verbinder 43">
+              <a:extLst>
+                <a:ext uri="{FF2B5EF4-FFF2-40B4-BE49-F238E27FC236}">
+                  <a16:creationId xmlns:a16="http://schemas.microsoft.com/office/drawing/2014/main" id="{832F7C1B-1F3D-746A-2A89-4D04CA6D40D1}"/>
+                </a:ext>
+              </a:extLst>
+            </p:cNvPr>
+            <p:cNvCxnSpPr>
+              <a:cxnSpLocks/>
+            </p:cNvCxnSpPr>
+            <p:nvPr/>
+          </p:nvCxnSpPr>
+          <p:spPr>
+            <a:xfrm flipH="1">
+              <a:off x="5748338" y="1547813"/>
+              <a:ext cx="1147762" cy="1797843"/>
+            </a:xfrm>
+            <a:prstGeom prst="line">
+              <a:avLst/>
+            </a:prstGeom>
+            <a:ln w="12700">
+              <a:solidFill>
+                <a:srgbClr val="DA0000"/>
+              </a:solidFill>
+              <a:prstDash val="sysDot"/>
+            </a:ln>
+          </p:spPr>
+          <p:style>
+            <a:lnRef idx="1">
+              <a:schemeClr val="accent1"/>
+            </a:lnRef>
+            <a:fillRef idx="0">
+              <a:schemeClr val="accent1"/>
+            </a:fillRef>
+            <a:effectRef idx="0">
+              <a:schemeClr val="accent1"/>
+            </a:effectRef>
+            <a:fontRef idx="minor">
+              <a:schemeClr val="tx1"/>
+            </a:fontRef>
+          </p:style>
+        </p:cxnSp>
+        <p:cxnSp>
+          <p:nvCxnSpPr>
+            <p:cNvPr id="49" name="Gerader Verbinder 48">
+              <a:extLst>
+                <a:ext uri="{FF2B5EF4-FFF2-40B4-BE49-F238E27FC236}">
+                  <a16:creationId xmlns:a16="http://schemas.microsoft.com/office/drawing/2014/main" id="{E6164B2E-D0BA-6EBE-C4D4-879173070C4C}"/>
+                </a:ext>
+              </a:extLst>
+            </p:cNvPr>
+            <p:cNvCxnSpPr>
+              <a:cxnSpLocks/>
+            </p:cNvCxnSpPr>
+            <p:nvPr/>
+          </p:nvCxnSpPr>
+          <p:spPr>
+            <a:xfrm flipH="1" flipV="1">
+              <a:off x="4476750" y="2231231"/>
+              <a:ext cx="1269206" cy="1116807"/>
+            </a:xfrm>
+            <a:prstGeom prst="line">
+              <a:avLst/>
+            </a:prstGeom>
+            <a:ln w="12700">
+              <a:solidFill>
+                <a:srgbClr val="DA0000"/>
+              </a:solidFill>
+              <a:prstDash val="sysDot"/>
+            </a:ln>
+          </p:spPr>
+          <p:style>
+            <a:lnRef idx="1">
+              <a:schemeClr val="accent1"/>
+            </a:lnRef>
+            <a:fillRef idx="0">
+              <a:schemeClr val="accent1"/>
+            </a:fillRef>
+            <a:effectRef idx="0">
+              <a:schemeClr val="accent1"/>
+            </a:effectRef>
+            <a:fontRef idx="minor">
+              <a:schemeClr val="tx1"/>
+            </a:fontRef>
+          </p:style>
+        </p:cxnSp>
+        <p:grpSp>
+          <p:nvGrpSpPr>
+            <p:cNvPr id="18" name="Gruppieren 17">
+              <a:extLst>
+                <a:ext uri="{FF2B5EF4-FFF2-40B4-BE49-F238E27FC236}">
+                  <a16:creationId xmlns:a16="http://schemas.microsoft.com/office/drawing/2014/main" id="{811CE7A9-FE9D-4D5C-570B-6FBBEC272B8D}"/>
+                </a:ext>
+              </a:extLst>
+            </p:cNvPr>
+            <p:cNvGrpSpPr/>
+            <p:nvPr/>
+          </p:nvGrpSpPr>
+          <p:grpSpPr>
+            <a:xfrm>
+              <a:off x="5674138" y="3276920"/>
+              <a:ext cx="144000" cy="144000"/>
+              <a:chOff x="10362382" y="2655862"/>
+              <a:chExt cx="108000" cy="108000"/>
+            </a:xfrm>
+          </p:grpSpPr>
+          <p:cxnSp>
+            <p:nvCxnSpPr>
+              <p:cNvPr id="14" name="Gerader Verbinder 13">
+                <a:extLst>
+                  <a:ext uri="{FF2B5EF4-FFF2-40B4-BE49-F238E27FC236}">
+                    <a16:creationId xmlns:a16="http://schemas.microsoft.com/office/drawing/2014/main" id="{4C5B26C5-399B-EAFE-86AD-AB4D88027414}"/>
+                  </a:ext>
+                </a:extLst>
+              </p:cNvPr>
+              <p:cNvCxnSpPr>
+                <a:cxnSpLocks/>
+              </p:cNvCxnSpPr>
+              <p:nvPr/>
+            </p:nvCxnSpPr>
+            <p:spPr>
+              <a:xfrm>
+                <a:off x="10416382" y="2655862"/>
+                <a:ext cx="0" cy="108000"/>
+              </a:xfrm>
+              <a:prstGeom prst="line">
+                <a:avLst/>
+              </a:prstGeom>
+              <a:ln w="19050">
+                <a:solidFill>
+                  <a:schemeClr val="tx1"/>
+                </a:solidFill>
+              </a:ln>
+            </p:spPr>
+            <p:style>
+              <a:lnRef idx="1">
+                <a:schemeClr val="accent1"/>
+              </a:lnRef>
+              <a:fillRef idx="0">
+                <a:schemeClr val="accent1"/>
+              </a:fillRef>
+              <a:effectRef idx="0">
+                <a:schemeClr val="accent1"/>
+              </a:effectRef>
+              <a:fontRef idx="minor">
+                <a:schemeClr val="tx1"/>
+              </a:fontRef>
+            </p:style>
+          </p:cxnSp>
+          <p:cxnSp>
+            <p:nvCxnSpPr>
+              <p:cNvPr id="16" name="Gerader Verbinder 15">
+                <a:extLst>
+                  <a:ext uri="{FF2B5EF4-FFF2-40B4-BE49-F238E27FC236}">
+                    <a16:creationId xmlns:a16="http://schemas.microsoft.com/office/drawing/2014/main" id="{9F1B3393-AFA5-C8C1-F9F8-328DA584BB90}"/>
+                  </a:ext>
+                </a:extLst>
+              </p:cNvPr>
+              <p:cNvCxnSpPr>
+                <a:cxnSpLocks/>
+              </p:cNvCxnSpPr>
+              <p:nvPr/>
+            </p:nvCxnSpPr>
+            <p:spPr>
+              <a:xfrm>
+                <a:off x="10362382" y="2709862"/>
+                <a:ext cx="108000" cy="0"/>
+              </a:xfrm>
+              <a:prstGeom prst="line">
+                <a:avLst/>
+              </a:prstGeom>
+              <a:ln w="19050">
+                <a:solidFill>
+                  <a:schemeClr val="tx1"/>
+                </a:solidFill>
+              </a:ln>
+            </p:spPr>
+            <p:style>
+              <a:lnRef idx="1">
+                <a:schemeClr val="accent1"/>
+              </a:lnRef>
+              <a:fillRef idx="0">
+                <a:schemeClr val="accent1"/>
+              </a:fillRef>
+              <a:effectRef idx="0">
+                <a:schemeClr val="accent1"/>
+              </a:effectRef>
+              <a:fontRef idx="minor">
+                <a:schemeClr val="tx1"/>
+              </a:fontRef>
+            </p:style>
+          </p:cxnSp>
+        </p:grpSp>
+      </p:grpSp>
+    </p:spTree>
+    <p:extLst>
+      <p:ext uri="{BB962C8B-B14F-4D97-AF65-F5344CB8AC3E}">
+        <p14:creationId xmlns:p14="http://schemas.microsoft.com/office/powerpoint/2010/main" val="1031087409"/>
+      </p:ext>
+    </p:extLst>
+  </p:cSld>
+  <p:clrMapOvr>
+    <a:masterClrMapping/>
+  </p:clrMapOvr>
+</p:sld>
+</file>
+
+<file path=ppt/slides/slide4.xml><?xml version="1.0" encoding="utf-8"?>
+<p:sld xmlns:a="http://schemas.openxmlformats.org/drawingml/2006/main" xmlns:r="http://schemas.openxmlformats.org/officeDocument/2006/relationships" xmlns:p="http://schemas.openxmlformats.org/presentationml/2006/main">
+  <p:cSld>
+    <p:spTree>
+      <p:nvGrpSpPr>
+        <p:cNvPr id="1" name=""/>
+        <p:cNvGrpSpPr/>
+        <p:nvPr/>
+      </p:nvGrpSpPr>
+      <p:grpSpPr>
+        <a:xfrm>
+          <a:off x="0" y="0"/>
+          <a:ext cx="0" cy="0"/>
+          <a:chOff x="0" y="0"/>
+          <a:chExt cx="0" cy="0"/>
+        </a:xfrm>
+      </p:grpSpPr>
+    </p:spTree>
+    <p:extLst>
+      <p:ext uri="{BB962C8B-B14F-4D97-AF65-F5344CB8AC3E}">
+        <p14:creationId xmlns:p14="http://schemas.microsoft.com/office/powerpoint/2010/main" val="2162343271"/>
+      </p:ext>
+    </p:extLst>
+  </p:cSld>
+  <p:clrMapOvr>
+    <a:masterClrMapping/>
+  </p:clrMapOvr>
+</p:sld>
+</file>
+
 <file path=ppt/theme/theme1.xml><?xml version="1.0" encoding="utf-8"?>
 <a:theme xmlns:a="http://schemas.openxmlformats.org/drawingml/2006/main" name="Office">
   <a:themeElements>

--- a/report/Grafiken.pptx
+++ b/report/Grafiken.pptx
@@ -7,8 +7,10 @@
   <p:sldIdLst>
     <p:sldId id="256" r:id="rId2"/>
     <p:sldId id="257" r:id="rId3"/>
-    <p:sldId id="258" r:id="rId4"/>
-    <p:sldId id="259" r:id="rId5"/>
+    <p:sldId id="259" r:id="rId4"/>
+    <p:sldId id="260" r:id="rId5"/>
+    <p:sldId id="261" r:id="rId6"/>
+    <p:sldId id="258" r:id="rId7"/>
   </p:sldIdLst>
   <p:sldSz cx="12192000" cy="6858000"/>
   <p:notesSz cx="6858000" cy="9144000"/>
@@ -262,7 +264,7 @@
           <a:p>
             <a:fld id="{BD6D4D59-C437-4C1C-911D-483A8492AF6D}" type="datetimeFigureOut">
               <a:rPr lang="de-DE" smtClean="0"/>
-              <a:t>20.01.2024</a:t>
+              <a:t>24.01.2024</a:t>
             </a:fld>
             <a:endParaRPr lang="de-DE"/>
           </a:p>
@@ -460,7 +462,7 @@
           <a:p>
             <a:fld id="{BD6D4D59-C437-4C1C-911D-483A8492AF6D}" type="datetimeFigureOut">
               <a:rPr lang="de-DE" smtClean="0"/>
-              <a:t>20.01.2024</a:t>
+              <a:t>24.01.2024</a:t>
             </a:fld>
             <a:endParaRPr lang="de-DE"/>
           </a:p>
@@ -668,7 +670,7 @@
           <a:p>
             <a:fld id="{BD6D4D59-C437-4C1C-911D-483A8492AF6D}" type="datetimeFigureOut">
               <a:rPr lang="de-DE" smtClean="0"/>
-              <a:t>20.01.2024</a:t>
+              <a:t>24.01.2024</a:t>
             </a:fld>
             <a:endParaRPr lang="de-DE"/>
           </a:p>
@@ -866,7 +868,7 @@
           <a:p>
             <a:fld id="{BD6D4D59-C437-4C1C-911D-483A8492AF6D}" type="datetimeFigureOut">
               <a:rPr lang="de-DE" smtClean="0"/>
-              <a:t>20.01.2024</a:t>
+              <a:t>24.01.2024</a:t>
             </a:fld>
             <a:endParaRPr lang="de-DE"/>
           </a:p>
@@ -1141,7 +1143,7 @@
           <a:p>
             <a:fld id="{BD6D4D59-C437-4C1C-911D-483A8492AF6D}" type="datetimeFigureOut">
               <a:rPr lang="de-DE" smtClean="0"/>
-              <a:t>20.01.2024</a:t>
+              <a:t>24.01.2024</a:t>
             </a:fld>
             <a:endParaRPr lang="de-DE"/>
           </a:p>
@@ -1406,7 +1408,7 @@
           <a:p>
             <a:fld id="{BD6D4D59-C437-4C1C-911D-483A8492AF6D}" type="datetimeFigureOut">
               <a:rPr lang="de-DE" smtClean="0"/>
-              <a:t>20.01.2024</a:t>
+              <a:t>24.01.2024</a:t>
             </a:fld>
             <a:endParaRPr lang="de-DE"/>
           </a:p>
@@ -1818,7 +1820,7 @@
           <a:p>
             <a:fld id="{BD6D4D59-C437-4C1C-911D-483A8492AF6D}" type="datetimeFigureOut">
               <a:rPr lang="de-DE" smtClean="0"/>
-              <a:t>20.01.2024</a:t>
+              <a:t>24.01.2024</a:t>
             </a:fld>
             <a:endParaRPr lang="de-DE"/>
           </a:p>
@@ -1959,7 +1961,7 @@
           <a:p>
             <a:fld id="{BD6D4D59-C437-4C1C-911D-483A8492AF6D}" type="datetimeFigureOut">
               <a:rPr lang="de-DE" smtClean="0"/>
-              <a:t>20.01.2024</a:t>
+              <a:t>24.01.2024</a:t>
             </a:fld>
             <a:endParaRPr lang="de-DE"/>
           </a:p>
@@ -2072,7 +2074,7 @@
           <a:p>
             <a:fld id="{BD6D4D59-C437-4C1C-911D-483A8492AF6D}" type="datetimeFigureOut">
               <a:rPr lang="de-DE" smtClean="0"/>
-              <a:t>20.01.2024</a:t>
+              <a:t>24.01.2024</a:t>
             </a:fld>
             <a:endParaRPr lang="de-DE"/>
           </a:p>
@@ -2383,7 +2385,7 @@
           <a:p>
             <a:fld id="{BD6D4D59-C437-4C1C-911D-483A8492AF6D}" type="datetimeFigureOut">
               <a:rPr lang="de-DE" smtClean="0"/>
-              <a:t>20.01.2024</a:t>
+              <a:t>24.01.2024</a:t>
             </a:fld>
             <a:endParaRPr lang="de-DE"/>
           </a:p>
@@ -2671,7 +2673,7 @@
           <a:p>
             <a:fld id="{BD6D4D59-C437-4C1C-911D-483A8492AF6D}" type="datetimeFigureOut">
               <a:rPr lang="de-DE" smtClean="0"/>
-              <a:t>20.01.2024</a:t>
+              <a:t>24.01.2024</a:t>
             </a:fld>
             <a:endParaRPr lang="de-DE"/>
           </a:p>
@@ -2912,7 +2914,7 @@
           <a:p>
             <a:fld id="{BD6D4D59-C437-4C1C-911D-483A8492AF6D}" type="datetimeFigureOut">
               <a:rPr lang="de-DE" smtClean="0"/>
-              <a:t>20.01.2024</a:t>
+              <a:t>24.01.2024</a:t>
             </a:fld>
             <a:endParaRPr lang="de-DE"/>
           </a:p>
@@ -6091,10 +6093,10 @@
       </p:grpSpPr>
       <p:grpSp>
         <p:nvGrpSpPr>
-          <p:cNvPr id="66" name="Gruppieren 65">
+          <p:cNvPr id="46" name="Gruppieren 45">
             <a:extLst>
               <a:ext uri="{FF2B5EF4-FFF2-40B4-BE49-F238E27FC236}">
-                <a16:creationId xmlns:a16="http://schemas.microsoft.com/office/drawing/2014/main" id="{46A88438-BAE1-7334-27B7-2AF2D9A7A0E9}"/>
+                <a16:creationId xmlns:a16="http://schemas.microsoft.com/office/drawing/2014/main" id="{87451828-AAC1-D2DC-2AB6-421DEEEFE312}"/>
               </a:ext>
             </a:extLst>
           </p:cNvPr>
@@ -6111,153 +6113,10 @@
         </p:grpSpPr>
         <p:sp>
           <p:nvSpPr>
-            <p:cNvPr id="64" name="Freihandform: Form 63">
+            <p:cNvPr id="48" name="Gleichschenkliges Dreieck 47">
               <a:extLst>
                 <a:ext uri="{FF2B5EF4-FFF2-40B4-BE49-F238E27FC236}">
-                  <a16:creationId xmlns:a16="http://schemas.microsoft.com/office/drawing/2014/main" id="{7B2E050F-4A2A-B849-0529-27529BA79768}"/>
-                </a:ext>
-              </a:extLst>
-            </p:cNvPr>
-            <p:cNvSpPr/>
-            <p:nvPr/>
-          </p:nvSpPr>
-          <p:spPr>
-            <a:xfrm>
-              <a:off x="4455305" y="2396406"/>
-              <a:ext cx="2595952" cy="2254587"/>
-            </a:xfrm>
-            <a:custGeom>
-              <a:avLst/>
-              <a:gdLst>
-                <a:gd name="connsiteX0" fmla="*/ 2173089 w 2595952"/>
-                <a:gd name="connsiteY0" fmla="*/ 0 h 2254587"/>
-                <a:gd name="connsiteX1" fmla="*/ 2215784 w 2595952"/>
-                <a:gd name="connsiteY1" fmla="*/ 38804 h 2254587"/>
-                <a:gd name="connsiteX2" fmla="*/ 2595952 w 2595952"/>
-                <a:gd name="connsiteY2" fmla="*/ 956611 h 2254587"/>
-                <a:gd name="connsiteX3" fmla="*/ 1297976 w 2595952"/>
-                <a:gd name="connsiteY3" fmla="*/ 2254587 h 2254587"/>
-                <a:gd name="connsiteX4" fmla="*/ 0 w 2595952"/>
-                <a:gd name="connsiteY4" fmla="*/ 956611 h 2254587"/>
-                <a:gd name="connsiteX5" fmla="*/ 221674 w 2595952"/>
-                <a:gd name="connsiteY5" fmla="*/ 230901 h 2254587"/>
-                <a:gd name="connsiteX6" fmla="*/ 233758 w 2595952"/>
-                <a:gd name="connsiteY6" fmla="*/ 214741 h 2254587"/>
-                <a:gd name="connsiteX7" fmla="*/ 1443432 w 2595952"/>
-                <a:gd name="connsiteY7" fmla="*/ 2232887 h 2254587"/>
-              </a:gdLst>
-              <a:ahLst/>
-              <a:cxnLst>
-                <a:cxn ang="0">
-                  <a:pos x="connsiteX0" y="connsiteY0"/>
-                </a:cxn>
-                <a:cxn ang="0">
-                  <a:pos x="connsiteX1" y="connsiteY1"/>
-                </a:cxn>
-                <a:cxn ang="0">
-                  <a:pos x="connsiteX2" y="connsiteY2"/>
-                </a:cxn>
-                <a:cxn ang="0">
-                  <a:pos x="connsiteX3" y="connsiteY3"/>
-                </a:cxn>
-                <a:cxn ang="0">
-                  <a:pos x="connsiteX4" y="connsiteY4"/>
-                </a:cxn>
-                <a:cxn ang="0">
-                  <a:pos x="connsiteX5" y="connsiteY5"/>
-                </a:cxn>
-                <a:cxn ang="0">
-                  <a:pos x="connsiteX6" y="connsiteY6"/>
-                </a:cxn>
-                <a:cxn ang="0">
-                  <a:pos x="connsiteX7" y="connsiteY7"/>
-                </a:cxn>
-              </a:cxnLst>
-              <a:rect l="l" t="t" r="r" b="b"/>
-              <a:pathLst>
-                <a:path w="2595952" h="2254587">
-                  <a:moveTo>
-                    <a:pt x="2173089" y="0"/>
-                  </a:moveTo>
-                  <a:lnTo>
-                    <a:pt x="2215784" y="38804"/>
-                  </a:lnTo>
-                  <a:cubicBezTo>
-                    <a:pt x="2450671" y="273691"/>
-                    <a:pt x="2595952" y="598185"/>
-                    <a:pt x="2595952" y="956611"/>
-                  </a:cubicBezTo>
-                  <a:cubicBezTo>
-                    <a:pt x="2595952" y="1673463"/>
-                    <a:pt x="2014828" y="2254587"/>
-                    <a:pt x="1297976" y="2254587"/>
-                  </a:cubicBezTo>
-                  <a:cubicBezTo>
-                    <a:pt x="581124" y="2254587"/>
-                    <a:pt x="0" y="1673463"/>
-                    <a:pt x="0" y="956611"/>
-                  </a:cubicBezTo>
-                  <a:cubicBezTo>
-                    <a:pt x="0" y="687792"/>
-                    <a:pt x="81721" y="438059"/>
-                    <a:pt x="221674" y="230901"/>
-                  </a:cubicBezTo>
-                  <a:lnTo>
-                    <a:pt x="233758" y="214741"/>
-                  </a:lnTo>
-                  <a:lnTo>
-                    <a:pt x="1443432" y="2232887"/>
-                  </a:lnTo>
-                  <a:close/>
-                </a:path>
-              </a:pathLst>
-            </a:custGeom>
-            <a:solidFill>
-              <a:schemeClr val="bg1">
-                <a:lumMod val="95000"/>
-              </a:schemeClr>
-            </a:solidFill>
-            <a:ln w="19050">
-              <a:solidFill>
-                <a:schemeClr val="bg1">
-                  <a:lumMod val="95000"/>
-                </a:schemeClr>
-              </a:solidFill>
-            </a:ln>
-          </p:spPr>
-          <p:style>
-            <a:lnRef idx="2">
-              <a:schemeClr val="accent1">
-                <a:shade val="15000"/>
-              </a:schemeClr>
-            </a:lnRef>
-            <a:fillRef idx="1">
-              <a:schemeClr val="accent1"/>
-            </a:fillRef>
-            <a:effectRef idx="0">
-              <a:schemeClr val="accent1"/>
-            </a:effectRef>
-            <a:fontRef idx="minor">
-              <a:schemeClr val="lt1"/>
-            </a:fontRef>
-          </p:style>
-          <p:txBody>
-            <a:bodyPr wrap="square" rtlCol="0" anchor="ctr">
-              <a:noAutofit/>
-            </a:bodyPr>
-            <a:lstStyle/>
-            <a:p>
-              <a:pPr algn="ctr"/>
-              <a:endParaRPr lang="de-DE"/>
-            </a:p>
-          </p:txBody>
-        </p:sp>
-        <p:sp>
-          <p:nvSpPr>
-            <p:cNvPr id="5" name="Gleichschenkliges Dreieck 4">
-              <a:extLst>
-                <a:ext uri="{FF2B5EF4-FFF2-40B4-BE49-F238E27FC236}">
-                  <a16:creationId xmlns:a16="http://schemas.microsoft.com/office/drawing/2014/main" id="{7C42D129-1BE2-CB92-EDE7-75330DDAEE65}"/>
+                  <a16:creationId xmlns:a16="http://schemas.microsoft.com/office/drawing/2014/main" id="{A394F00A-406E-25FA-C88E-831903BA18E0}"/>
                 </a:ext>
               </a:extLst>
             </p:cNvPr>
@@ -6308,10 +6167,10 @@
         </p:sp>
         <p:sp>
           <p:nvSpPr>
-            <p:cNvPr id="6" name="Ellipse 5">
+            <p:cNvPr id="49" name="Ellipse 48">
               <a:extLst>
                 <a:ext uri="{FF2B5EF4-FFF2-40B4-BE49-F238E27FC236}">
-                  <a16:creationId xmlns:a16="http://schemas.microsoft.com/office/drawing/2014/main" id="{8624DD78-9A21-EAF9-BF62-EA65FB50FFC7}"/>
+                  <a16:creationId xmlns:a16="http://schemas.microsoft.com/office/drawing/2014/main" id="{D2E85088-E336-79ED-B99E-73A917CE92DC}"/>
                 </a:ext>
               </a:extLst>
             </p:cNvPr>
@@ -6360,10 +6219,10 @@
         </p:sp>
         <p:cxnSp>
           <p:nvCxnSpPr>
-            <p:cNvPr id="8" name="Gerader Verbinder 7">
+            <p:cNvPr id="50" name="Gerader Verbinder 49">
               <a:extLst>
                 <a:ext uri="{FF2B5EF4-FFF2-40B4-BE49-F238E27FC236}">
-                  <a16:creationId xmlns:a16="http://schemas.microsoft.com/office/drawing/2014/main" id="{E1B766E3-3D1E-5671-773A-A363E13D8237}"/>
+                  <a16:creationId xmlns:a16="http://schemas.microsoft.com/office/drawing/2014/main" id="{355C9228-4186-7609-C80D-BAF68759E6E8}"/>
                 </a:ext>
               </a:extLst>
             </p:cNvPr>
@@ -6406,10 +6265,10 @@
         </p:cxnSp>
         <p:cxnSp>
           <p:nvCxnSpPr>
-            <p:cNvPr id="11" name="Gerader Verbinder 10">
+            <p:cNvPr id="51" name="Gerader Verbinder 50">
               <a:extLst>
                 <a:ext uri="{FF2B5EF4-FFF2-40B4-BE49-F238E27FC236}">
-                  <a16:creationId xmlns:a16="http://schemas.microsoft.com/office/drawing/2014/main" id="{C4B9A275-EFF1-B966-46AC-6BDF5D2788E7}"/>
+                  <a16:creationId xmlns:a16="http://schemas.microsoft.com/office/drawing/2014/main" id="{B932AAEE-B38D-F30F-DFE6-8568D5567405}"/>
                 </a:ext>
               </a:extLst>
             </p:cNvPr>
@@ -6450,14 +6309,14 @@
             </a:fontRef>
           </p:style>
         </p:cxnSp>
-        <mc:AlternateContent xmlns:mc="http://schemas.openxmlformats.org/markup-compatibility/2006">
-          <mc:Choice xmlns:a14="http://schemas.microsoft.com/office/drawing/2010/main" Requires="a14">
+        <mc:AlternateContent xmlns:mc="http://schemas.openxmlformats.org/markup-compatibility/2006" xmlns:a14="http://schemas.microsoft.com/office/drawing/2010/main">
+          <mc:Choice Requires="a14">
             <p:sp>
               <p:nvSpPr>
-                <p:cNvPr id="19" name="Textfeld 18">
+                <p:cNvPr id="52" name="Textfeld 51">
                   <a:extLst>
                     <a:ext uri="{FF2B5EF4-FFF2-40B4-BE49-F238E27FC236}">
-                      <a16:creationId xmlns:a16="http://schemas.microsoft.com/office/drawing/2014/main" id="{4981A054-67AC-4B7F-BD1D-850F7DC78A06}"/>
+                      <a16:creationId xmlns:a16="http://schemas.microsoft.com/office/drawing/2014/main" id="{10BDA816-01EC-50B1-6E09-E5DBBE7C0F3F}"/>
                     </a:ext>
                   </a:extLst>
                 </p:cNvPr>
@@ -6480,6 +6339,7 @@
                 </a:bodyPr>
                 <a:lstStyle/>
                 <a:p>
+                  <a:pPr/>
                   <a14:m>
                     <m:oMathPara xmlns:m="http://schemas.openxmlformats.org/officeDocument/2006/math">
                       <m:oMathParaPr>
@@ -6488,7 +6348,7 @@
                       <m:oMath xmlns:m="http://schemas.openxmlformats.org/officeDocument/2006/math">
                         <m:r>
                           <a:rPr lang="de-DE" sz="2800" i="1" smtClean="0">
-                            <a:latin typeface="Latin Modern Math" panose="02000503000000000000" pitchFamily="50" charset="0"/>
+                            <a:latin typeface="Cambria Math" panose="02040503050406030204" pitchFamily="18" charset="0"/>
                             <a:ea typeface="Latin Modern Math" panose="02000503000000000000" pitchFamily="50" charset="0"/>
                           </a:rPr>
                           <m:t>𝑝</m:t>
@@ -6504,7 +6364,7 @@
               </p:txBody>
             </p:sp>
           </mc:Choice>
-          <mc:Fallback>
+          <mc:Fallback xmlns="">
             <p:sp>
               <p:nvSpPr>
                 <p:cNvPr id="19" name="Textfeld 18">
@@ -6549,14 +6409,14 @@
             </p:sp>
           </mc:Fallback>
         </mc:AlternateContent>
-        <mc:AlternateContent xmlns:mc="http://schemas.openxmlformats.org/markup-compatibility/2006">
-          <mc:Choice xmlns:a14="http://schemas.microsoft.com/office/drawing/2010/main" Requires="a14">
+        <mc:AlternateContent xmlns:mc="http://schemas.openxmlformats.org/markup-compatibility/2006" xmlns:a14="http://schemas.microsoft.com/office/drawing/2010/main">
+          <mc:Choice Requires="a14">
             <p:sp>
               <p:nvSpPr>
-                <p:cNvPr id="20" name="Textfeld 19">
+                <p:cNvPr id="53" name="Textfeld 52">
                   <a:extLst>
                     <a:ext uri="{FF2B5EF4-FFF2-40B4-BE49-F238E27FC236}">
-                      <a16:creationId xmlns:a16="http://schemas.microsoft.com/office/drawing/2014/main" id="{662677B5-999A-577A-AB45-A193B48DAF77}"/>
+                      <a16:creationId xmlns:a16="http://schemas.microsoft.com/office/drawing/2014/main" id="{5A62697A-9F49-5ABE-4C11-25732664110B}"/>
                     </a:ext>
                   </a:extLst>
                 </p:cNvPr>
@@ -6579,6 +6439,7 @@
                 </a:bodyPr>
                 <a:lstStyle/>
                 <a:p>
+                  <a:pPr/>
                   <a14:m>
                     <m:oMathPara xmlns:m="http://schemas.openxmlformats.org/officeDocument/2006/math">
                       <m:oMathParaPr>
@@ -6589,7 +6450,7 @@
                           <m:sSubPr>
                             <m:ctrlPr>
                               <a:rPr lang="de-DE" sz="2800" b="0" i="1" smtClean="0">
-                                <a:latin typeface="Latin Modern Math" panose="02000503000000000000" pitchFamily="50" charset="0"/>
+                                <a:latin typeface="Cambria Math" panose="02040503050406030204" pitchFamily="18" charset="0"/>
                                 <a:ea typeface="Latin Modern Math" panose="02000503000000000000" pitchFamily="50" charset="0"/>
                               </a:rPr>
                             </m:ctrlPr>
@@ -6597,7 +6458,7 @@
                           <m:e>
                             <m:r>
                               <a:rPr lang="de-DE" sz="2800" b="0" i="1" smtClean="0">
-                                <a:latin typeface="Latin Modern Math" panose="02000503000000000000" pitchFamily="50" charset="0"/>
+                                <a:latin typeface="Cambria Math" panose="02040503050406030204" pitchFamily="18" charset="0"/>
                                 <a:ea typeface="Latin Modern Math" panose="02000503000000000000" pitchFamily="50" charset="0"/>
                               </a:rPr>
                               <m:t>𝑐</m:t>
@@ -6624,7 +6485,7 @@
               </p:txBody>
             </p:sp>
           </mc:Choice>
-          <mc:Fallback>
+          <mc:Fallback xmlns="">
             <p:sp>
               <p:nvSpPr>
                 <p:cNvPr id="20" name="Textfeld 19">
@@ -6669,14 +6530,14 @@
             </p:sp>
           </mc:Fallback>
         </mc:AlternateContent>
-        <mc:AlternateContent xmlns:mc="http://schemas.openxmlformats.org/markup-compatibility/2006">
-          <mc:Choice xmlns:a14="http://schemas.microsoft.com/office/drawing/2010/main" Requires="a14">
+        <mc:AlternateContent xmlns:mc="http://schemas.openxmlformats.org/markup-compatibility/2006" xmlns:a14="http://schemas.microsoft.com/office/drawing/2010/main">
+          <mc:Choice Requires="a14">
             <p:sp>
               <p:nvSpPr>
-                <p:cNvPr id="21" name="Textfeld 20">
+                <p:cNvPr id="54" name="Textfeld 53">
                   <a:extLst>
                     <a:ext uri="{FF2B5EF4-FFF2-40B4-BE49-F238E27FC236}">
-                      <a16:creationId xmlns:a16="http://schemas.microsoft.com/office/drawing/2014/main" id="{31EFE651-69CB-C1B3-34B8-0D12E07AF0F0}"/>
+                      <a16:creationId xmlns:a16="http://schemas.microsoft.com/office/drawing/2014/main" id="{A1C8ACED-365B-D6F1-B561-DCCCDA46B9C1}"/>
                     </a:ext>
                   </a:extLst>
                 </p:cNvPr>
@@ -6699,6 +6560,7 @@
                 </a:bodyPr>
                 <a:lstStyle/>
                 <a:p>
+                  <a:pPr/>
                   <a14:m>
                     <m:oMathPara xmlns:m="http://schemas.openxmlformats.org/officeDocument/2006/math">
                       <m:oMathParaPr>
@@ -6709,7 +6571,7 @@
                           <m:sSubPr>
                             <m:ctrlPr>
                               <a:rPr lang="de-DE" sz="2800" b="0" i="1" smtClean="0">
-                                <a:latin typeface="Latin Modern Math" panose="02000503000000000000" pitchFamily="50" charset="0"/>
+                                <a:latin typeface="Cambria Math" panose="02040503050406030204" pitchFamily="18" charset="0"/>
                                 <a:ea typeface="Latin Modern Math" panose="02000503000000000000" pitchFamily="50" charset="0"/>
                               </a:rPr>
                             </m:ctrlPr>
@@ -6717,7 +6579,7 @@
                           <m:e>
                             <m:r>
                               <a:rPr lang="de-DE" sz="2800" b="0" i="1" smtClean="0">
-                                <a:latin typeface="Latin Modern Math" panose="02000503000000000000" pitchFamily="50" charset="0"/>
+                                <a:latin typeface="Cambria Math" panose="02040503050406030204" pitchFamily="18" charset="0"/>
                                 <a:ea typeface="Latin Modern Math" panose="02000503000000000000" pitchFamily="50" charset="0"/>
                               </a:rPr>
                               <m:t>𝑐</m:t>
@@ -6744,7 +6606,7 @@
               </p:txBody>
             </p:sp>
           </mc:Choice>
-          <mc:Fallback>
+          <mc:Fallback xmlns="">
             <p:sp>
               <p:nvSpPr>
                 <p:cNvPr id="21" name="Textfeld 20">
@@ -6789,14 +6651,14 @@
             </p:sp>
           </mc:Fallback>
         </mc:AlternateContent>
-        <mc:AlternateContent xmlns:mc="http://schemas.openxmlformats.org/markup-compatibility/2006">
-          <mc:Choice xmlns:a14="http://schemas.microsoft.com/office/drawing/2010/main" Requires="a14">
+        <mc:AlternateContent xmlns:mc="http://schemas.openxmlformats.org/markup-compatibility/2006" xmlns:a14="http://schemas.microsoft.com/office/drawing/2010/main">
+          <mc:Choice Requires="a14">
             <p:sp>
               <p:nvSpPr>
-                <p:cNvPr id="22" name="Textfeld 21">
+                <p:cNvPr id="55" name="Textfeld 54">
                   <a:extLst>
                     <a:ext uri="{FF2B5EF4-FFF2-40B4-BE49-F238E27FC236}">
-                      <a16:creationId xmlns:a16="http://schemas.microsoft.com/office/drawing/2014/main" id="{9EC456D7-59C8-E05A-B2FA-DD63AB60389C}"/>
+                      <a16:creationId xmlns:a16="http://schemas.microsoft.com/office/drawing/2014/main" id="{6D978CEF-0AE8-B8E0-3791-A6FD88C22AE9}"/>
                     </a:ext>
                   </a:extLst>
                 </p:cNvPr>
@@ -6819,6 +6681,7 @@
                 </a:bodyPr>
                 <a:lstStyle/>
                 <a:p>
+                  <a:pPr/>
                   <a14:m>
                     <m:oMathPara xmlns:m="http://schemas.openxmlformats.org/officeDocument/2006/math">
                       <m:oMathParaPr>
@@ -6827,7 +6690,7 @@
                       <m:oMath xmlns:m="http://schemas.openxmlformats.org/officeDocument/2006/math">
                         <m:r>
                           <a:rPr lang="de-DE" sz="2800" b="0" i="1" smtClean="0">
-                            <a:latin typeface="Latin Modern Math" panose="02000503000000000000" pitchFamily="50" charset="0"/>
+                            <a:latin typeface="Cambria Math" panose="02040503050406030204" pitchFamily="18" charset="0"/>
                             <a:ea typeface="Latin Modern Math" panose="02000503000000000000" pitchFamily="50" charset="0"/>
                           </a:rPr>
                           <m:t>𝑐</m:t>
@@ -6843,7 +6706,7 @@
               </p:txBody>
             </p:sp>
           </mc:Choice>
-          <mc:Fallback>
+          <mc:Fallback xmlns="">
             <p:sp>
               <p:nvSpPr>
                 <p:cNvPr id="22" name="Textfeld 21">
@@ -6890,10 +6753,10 @@
         </mc:AlternateContent>
         <p:sp>
           <p:nvSpPr>
-            <p:cNvPr id="23" name="Ellipse 22">
+            <p:cNvPr id="56" name="Ellipse 55">
               <a:extLst>
                 <a:ext uri="{FF2B5EF4-FFF2-40B4-BE49-F238E27FC236}">
-                  <a16:creationId xmlns:a16="http://schemas.microsoft.com/office/drawing/2014/main" id="{F72CAE53-45ED-6C0F-F8BF-A702BDB1DA2F}"/>
+                  <a16:creationId xmlns:a16="http://schemas.microsoft.com/office/drawing/2014/main" id="{EAD8D5BE-03B9-3830-3DFF-FBD0FC477F42}"/>
                 </a:ext>
               </a:extLst>
             </p:cNvPr>
@@ -6944,10 +6807,10 @@
         </p:sp>
         <p:sp>
           <p:nvSpPr>
-            <p:cNvPr id="24" name="Ellipse 23">
+            <p:cNvPr id="57" name="Ellipse 56">
               <a:extLst>
                 <a:ext uri="{FF2B5EF4-FFF2-40B4-BE49-F238E27FC236}">
-                  <a16:creationId xmlns:a16="http://schemas.microsoft.com/office/drawing/2014/main" id="{4C867078-FABB-E7A0-A5FB-866694FAB640}"/>
+                  <a16:creationId xmlns:a16="http://schemas.microsoft.com/office/drawing/2014/main" id="{154B009B-5FD0-661A-1338-264D78A7C165}"/>
                 </a:ext>
               </a:extLst>
             </p:cNvPr>
@@ -6998,10 +6861,10 @@
         </p:sp>
         <p:sp>
           <p:nvSpPr>
-            <p:cNvPr id="25" name="Ellipse 24">
+            <p:cNvPr id="58" name="Ellipse 57">
               <a:extLst>
                 <a:ext uri="{FF2B5EF4-FFF2-40B4-BE49-F238E27FC236}">
-                  <a16:creationId xmlns:a16="http://schemas.microsoft.com/office/drawing/2014/main" id="{1D24B727-923F-7909-4856-D261480D37C1}"/>
+                  <a16:creationId xmlns:a16="http://schemas.microsoft.com/office/drawing/2014/main" id="{7E0CC2CC-F59C-4005-3813-EF12FB76379A}"/>
                 </a:ext>
               </a:extLst>
             </p:cNvPr>
@@ -7052,10 +6915,10 @@
         </p:sp>
         <p:cxnSp>
           <p:nvCxnSpPr>
-            <p:cNvPr id="27" name="Gerade Verbindung mit Pfeil 26">
+            <p:cNvPr id="59" name="Gerade Verbindung mit Pfeil 58">
               <a:extLst>
                 <a:ext uri="{FF2B5EF4-FFF2-40B4-BE49-F238E27FC236}">
-                  <a16:creationId xmlns:a16="http://schemas.microsoft.com/office/drawing/2014/main" id="{2CEC33B6-722A-7DFA-216D-48BE0EB67154}"/>
+                  <a16:creationId xmlns:a16="http://schemas.microsoft.com/office/drawing/2014/main" id="{F5A34477-AD79-40C1-8485-D2D20A583BDF}"/>
                 </a:ext>
               </a:extLst>
             </p:cNvPr>
@@ -7096,10 +6959,10 @@
         </p:cxnSp>
         <p:cxnSp>
           <p:nvCxnSpPr>
-            <p:cNvPr id="30" name="Gerader Verbinder 29">
+            <p:cNvPr id="60" name="Gerader Verbinder 59">
               <a:extLst>
                 <a:ext uri="{FF2B5EF4-FFF2-40B4-BE49-F238E27FC236}">
-                  <a16:creationId xmlns:a16="http://schemas.microsoft.com/office/drawing/2014/main" id="{35C23938-8E9C-16DE-4103-E3A5C110CAEF}"/>
+                  <a16:creationId xmlns:a16="http://schemas.microsoft.com/office/drawing/2014/main" id="{121CF659-C1ED-116A-2032-DEA17C36F2F4}"/>
                 </a:ext>
               </a:extLst>
             </p:cNvPr>
@@ -7140,10 +7003,10 @@
         </p:cxnSp>
         <p:cxnSp>
           <p:nvCxnSpPr>
-            <p:cNvPr id="35" name="Gerade Verbindung mit Pfeil 34">
+            <p:cNvPr id="61" name="Gerade Verbindung mit Pfeil 60">
               <a:extLst>
                 <a:ext uri="{FF2B5EF4-FFF2-40B4-BE49-F238E27FC236}">
-                  <a16:creationId xmlns:a16="http://schemas.microsoft.com/office/drawing/2014/main" id="{68F3B519-7CD4-C7C3-14BC-D8F2493721D8}"/>
+                  <a16:creationId xmlns:a16="http://schemas.microsoft.com/office/drawing/2014/main" id="{B618544E-A287-05C5-C81E-FA3815334DE3}"/>
                 </a:ext>
               </a:extLst>
             </p:cNvPr>
@@ -7184,10 +7047,10 @@
         </p:cxnSp>
         <p:cxnSp>
           <p:nvCxnSpPr>
-            <p:cNvPr id="38" name="Gerade Verbindung mit Pfeil 37">
+            <p:cNvPr id="62" name="Gerade Verbindung mit Pfeil 61">
               <a:extLst>
                 <a:ext uri="{FF2B5EF4-FFF2-40B4-BE49-F238E27FC236}">
-                  <a16:creationId xmlns:a16="http://schemas.microsoft.com/office/drawing/2014/main" id="{6E5A8033-F562-4061-FA28-A00ACD4DB8D0}"/>
+                  <a16:creationId xmlns:a16="http://schemas.microsoft.com/office/drawing/2014/main" id="{35FF6A42-505C-6860-F648-C0DF8E1A9AC4}"/>
                 </a:ext>
               </a:extLst>
             </p:cNvPr>
@@ -7228,10 +7091,10 @@
         </p:cxnSp>
         <p:cxnSp>
           <p:nvCxnSpPr>
-            <p:cNvPr id="44" name="Gerader Verbinder 43">
+            <p:cNvPr id="63" name="Gerader Verbinder 62">
               <a:extLst>
                 <a:ext uri="{FF2B5EF4-FFF2-40B4-BE49-F238E27FC236}">
-                  <a16:creationId xmlns:a16="http://schemas.microsoft.com/office/drawing/2014/main" id="{832F7C1B-1F3D-746A-2A89-4D04CA6D40D1}"/>
+                  <a16:creationId xmlns:a16="http://schemas.microsoft.com/office/drawing/2014/main" id="{66A60C97-E17B-2570-56F2-F5C017A6EFDF}"/>
                 </a:ext>
               </a:extLst>
             </p:cNvPr>
@@ -7272,10 +7135,10 @@
         </p:cxnSp>
         <p:cxnSp>
           <p:nvCxnSpPr>
-            <p:cNvPr id="49" name="Gerader Verbinder 48">
+            <p:cNvPr id="64" name="Gerader Verbinder 63">
               <a:extLst>
                 <a:ext uri="{FF2B5EF4-FFF2-40B4-BE49-F238E27FC236}">
-                  <a16:creationId xmlns:a16="http://schemas.microsoft.com/office/drawing/2014/main" id="{E6164B2E-D0BA-6EBE-C4D4-879173070C4C}"/>
+                  <a16:creationId xmlns:a16="http://schemas.microsoft.com/office/drawing/2014/main" id="{E122023D-1AA7-C30F-3293-A858BFAF8999}"/>
                 </a:ext>
               </a:extLst>
             </p:cNvPr>
@@ -7316,10 +7179,10 @@
         </p:cxnSp>
         <p:grpSp>
           <p:nvGrpSpPr>
-            <p:cNvPr id="18" name="Gruppieren 17">
+            <p:cNvPr id="65" name="Gruppieren 64">
               <a:extLst>
                 <a:ext uri="{FF2B5EF4-FFF2-40B4-BE49-F238E27FC236}">
-                  <a16:creationId xmlns:a16="http://schemas.microsoft.com/office/drawing/2014/main" id="{811CE7A9-FE9D-4D5C-570B-6FBBEC272B8D}"/>
+                  <a16:creationId xmlns:a16="http://schemas.microsoft.com/office/drawing/2014/main" id="{01DE532B-12DD-B0A1-6371-F8D6D7482A5B}"/>
                 </a:ext>
               </a:extLst>
             </p:cNvPr>
@@ -7336,10 +7199,10 @@
           </p:grpSpPr>
           <p:cxnSp>
             <p:nvCxnSpPr>
-              <p:cNvPr id="14" name="Gerader Verbinder 13">
+              <p:cNvPr id="66" name="Gerader Verbinder 65">
                 <a:extLst>
                   <a:ext uri="{FF2B5EF4-FFF2-40B4-BE49-F238E27FC236}">
-                    <a16:creationId xmlns:a16="http://schemas.microsoft.com/office/drawing/2014/main" id="{4C5B26C5-399B-EAFE-86AD-AB4D88027414}"/>
+                    <a16:creationId xmlns:a16="http://schemas.microsoft.com/office/drawing/2014/main" id="{9E3268E3-802A-9C33-71D5-5D66E8FD91B4}"/>
                   </a:ext>
                 </a:extLst>
               </p:cNvPr>
@@ -7379,10 +7242,10 @@
           </p:cxnSp>
           <p:cxnSp>
             <p:nvCxnSpPr>
-              <p:cNvPr id="16" name="Gerader Verbinder 15">
+              <p:cNvPr id="67" name="Gerader Verbinder 66">
                 <a:extLst>
                   <a:ext uri="{FF2B5EF4-FFF2-40B4-BE49-F238E27FC236}">
-                    <a16:creationId xmlns:a16="http://schemas.microsoft.com/office/drawing/2014/main" id="{9F1B3393-AFA5-C8C1-F9F8-328DA584BB90}"/>
+                    <a16:creationId xmlns:a16="http://schemas.microsoft.com/office/drawing/2014/main" id="{E7BC6F9D-7F84-055A-8CA2-22773483F100}"/>
                   </a:ext>
                 </a:extLst>
               </p:cNvPr>
@@ -7425,7 +7288,7 @@
     </p:spTree>
     <p:extLst>
       <p:ext uri="{BB962C8B-B14F-4D97-AF65-F5344CB8AC3E}">
-        <p14:creationId xmlns:p14="http://schemas.microsoft.com/office/powerpoint/2010/main" val="1031087409"/>
+        <p14:creationId xmlns:p14="http://schemas.microsoft.com/office/powerpoint/2010/main" val="2162343271"/>
       </p:ext>
     </p:extLst>
   </p:cSld>
@@ -7452,10 +7315,4266 @@
           <a:chExt cx="0" cy="0"/>
         </a:xfrm>
       </p:grpSpPr>
+      <p:grpSp>
+        <p:nvGrpSpPr>
+          <p:cNvPr id="38" name="Gruppieren 37">
+            <a:extLst>
+              <a:ext uri="{FF2B5EF4-FFF2-40B4-BE49-F238E27FC236}">
+                <a16:creationId xmlns:a16="http://schemas.microsoft.com/office/drawing/2014/main" id="{EFC4DA6B-2C9F-AA4B-2F65-D48DD6245FBF}"/>
+              </a:ext>
+            </a:extLst>
+          </p:cNvPr>
+          <p:cNvGrpSpPr/>
+          <p:nvPr/>
+        </p:nvGrpSpPr>
+        <p:grpSpPr>
+          <a:xfrm>
+            <a:off x="3070860" y="1341120"/>
+            <a:ext cx="6179820" cy="3909060"/>
+            <a:chOff x="3070860" y="1341120"/>
+            <a:chExt cx="6179820" cy="3909060"/>
+          </a:xfrm>
+        </p:grpSpPr>
+        <p:grpSp>
+          <p:nvGrpSpPr>
+            <p:cNvPr id="36" name="Gruppieren 35">
+              <a:extLst>
+                <a:ext uri="{FF2B5EF4-FFF2-40B4-BE49-F238E27FC236}">
+                  <a16:creationId xmlns:a16="http://schemas.microsoft.com/office/drawing/2014/main" id="{FD159B37-68C7-8784-0FFF-49D5B36FACDA}"/>
+                </a:ext>
+              </a:extLst>
+            </p:cNvPr>
+            <p:cNvGrpSpPr/>
+            <p:nvPr/>
+          </p:nvGrpSpPr>
+          <p:grpSpPr>
+            <a:xfrm>
+              <a:off x="3070860" y="1341120"/>
+              <a:ext cx="6179820" cy="3909060"/>
+              <a:chOff x="3070860" y="1341120"/>
+              <a:chExt cx="6179820" cy="3909060"/>
+            </a:xfrm>
+          </p:grpSpPr>
+          <p:grpSp>
+            <p:nvGrpSpPr>
+              <p:cNvPr id="4" name="Gruppieren 3">
+                <a:extLst>
+                  <a:ext uri="{FF2B5EF4-FFF2-40B4-BE49-F238E27FC236}">
+                    <a16:creationId xmlns:a16="http://schemas.microsoft.com/office/drawing/2014/main" id="{BF2F705E-F8D1-902A-C87D-03B2E738A98D}"/>
+                  </a:ext>
+                </a:extLst>
+              </p:cNvPr>
+              <p:cNvGrpSpPr/>
+              <p:nvPr/>
+            </p:nvGrpSpPr>
+            <p:grpSpPr>
+              <a:xfrm>
+                <a:off x="3070860" y="1341120"/>
+                <a:ext cx="6179820" cy="3909060"/>
+                <a:chOff x="2721238" y="1264920"/>
+                <a:chExt cx="6179820" cy="3909060"/>
+              </a:xfrm>
+            </p:grpSpPr>
+            <p:sp>
+              <p:nvSpPr>
+                <p:cNvPr id="5" name="Gleichschenkliges Dreieck 4">
+                  <a:extLst>
+                    <a:ext uri="{FF2B5EF4-FFF2-40B4-BE49-F238E27FC236}">
+                      <a16:creationId xmlns:a16="http://schemas.microsoft.com/office/drawing/2014/main" id="{5B28C389-D29A-7CEE-9738-DD9E7499A8AF}"/>
+                    </a:ext>
+                  </a:extLst>
+                </p:cNvPr>
+                <p:cNvSpPr/>
+                <p:nvPr/>
+              </p:nvSpPr>
+              <p:spPr>
+                <a:xfrm rot="9866727">
+                  <a:off x="4704757" y="1839247"/>
+                  <a:ext cx="2546800" cy="2208338"/>
+                </a:xfrm>
+                <a:prstGeom prst="triangle">
+                  <a:avLst>
+                    <a:gd name="adj" fmla="val 51362"/>
+                  </a:avLst>
+                </a:prstGeom>
+                <a:noFill/>
+                <a:ln w="19050">
+                  <a:solidFill>
+                    <a:schemeClr val="tx1"/>
+                  </a:solidFill>
+                </a:ln>
+              </p:spPr>
+              <p:style>
+                <a:lnRef idx="2">
+                  <a:schemeClr val="accent1">
+                    <a:shade val="15000"/>
+                  </a:schemeClr>
+                </a:lnRef>
+                <a:fillRef idx="1">
+                  <a:schemeClr val="accent1"/>
+                </a:fillRef>
+                <a:effectRef idx="0">
+                  <a:schemeClr val="accent1"/>
+                </a:effectRef>
+                <a:fontRef idx="minor">
+                  <a:schemeClr val="lt1"/>
+                </a:fontRef>
+              </p:style>
+              <p:txBody>
+                <a:bodyPr rtlCol="0" anchor="ctr"/>
+                <a:lstStyle/>
+                <a:p>
+                  <a:pPr algn="ctr"/>
+                  <a:endParaRPr lang="de-DE"/>
+                </a:p>
+              </p:txBody>
+            </p:sp>
+            <p:cxnSp>
+              <p:nvCxnSpPr>
+                <p:cNvPr id="7" name="Gerader Verbinder 6">
+                  <a:extLst>
+                    <a:ext uri="{FF2B5EF4-FFF2-40B4-BE49-F238E27FC236}">
+                      <a16:creationId xmlns:a16="http://schemas.microsoft.com/office/drawing/2014/main" id="{30833C97-AA60-DC73-7B5E-0BA65E9AF8FA}"/>
+                    </a:ext>
+                  </a:extLst>
+                </p:cNvPr>
+                <p:cNvCxnSpPr>
+                  <a:cxnSpLocks/>
+                </p:cNvCxnSpPr>
+                <p:nvPr/>
+              </p:nvCxnSpPr>
+              <p:spPr>
+                <a:xfrm>
+                  <a:off x="5746377" y="1264920"/>
+                  <a:ext cx="0" cy="3909060"/>
+                </a:xfrm>
+                <a:prstGeom prst="line">
+                  <a:avLst/>
+                </a:prstGeom>
+                <a:ln>
+                  <a:solidFill>
+                    <a:schemeClr val="bg2">
+                      <a:lumMod val="50000"/>
+                    </a:schemeClr>
+                  </a:solidFill>
+                  <a:prstDash val="lgDash"/>
+                </a:ln>
+              </p:spPr>
+              <p:style>
+                <a:lnRef idx="1">
+                  <a:schemeClr val="accent1"/>
+                </a:lnRef>
+                <a:fillRef idx="0">
+                  <a:schemeClr val="accent1"/>
+                </a:fillRef>
+                <a:effectRef idx="0">
+                  <a:schemeClr val="accent1"/>
+                </a:effectRef>
+                <a:fontRef idx="minor">
+                  <a:schemeClr val="tx1"/>
+                </a:fontRef>
+              </p:style>
+            </p:cxnSp>
+            <p:cxnSp>
+              <p:nvCxnSpPr>
+                <p:cNvPr id="8" name="Gerader Verbinder 7">
+                  <a:extLst>
+                    <a:ext uri="{FF2B5EF4-FFF2-40B4-BE49-F238E27FC236}">
+                      <a16:creationId xmlns:a16="http://schemas.microsoft.com/office/drawing/2014/main" id="{301E20C6-0AE1-B574-5999-0D5F686A0A4E}"/>
+                    </a:ext>
+                  </a:extLst>
+                </p:cNvPr>
+                <p:cNvCxnSpPr>
+                  <a:cxnSpLocks/>
+                </p:cNvCxnSpPr>
+                <p:nvPr/>
+              </p:nvCxnSpPr>
+              <p:spPr>
+                <a:xfrm flipH="1">
+                  <a:off x="2721238" y="3349149"/>
+                  <a:ext cx="6179820" cy="0"/>
+                </a:xfrm>
+                <a:prstGeom prst="line">
+                  <a:avLst/>
+                </a:prstGeom>
+                <a:ln>
+                  <a:solidFill>
+                    <a:schemeClr val="bg2">
+                      <a:lumMod val="50000"/>
+                    </a:schemeClr>
+                  </a:solidFill>
+                  <a:prstDash val="lgDash"/>
+                </a:ln>
+              </p:spPr>
+              <p:style>
+                <a:lnRef idx="1">
+                  <a:schemeClr val="accent1"/>
+                </a:lnRef>
+                <a:fillRef idx="0">
+                  <a:schemeClr val="accent1"/>
+                </a:fillRef>
+                <a:effectRef idx="0">
+                  <a:schemeClr val="accent1"/>
+                </a:effectRef>
+                <a:fontRef idx="minor">
+                  <a:schemeClr val="tx1"/>
+                </a:fontRef>
+              </p:style>
+            </p:cxnSp>
+            <mc:AlternateContent xmlns:mc="http://schemas.openxmlformats.org/markup-compatibility/2006" xmlns:a14="http://schemas.microsoft.com/office/drawing/2010/main">
+              <mc:Choice Requires="a14">
+                <p:sp>
+                  <p:nvSpPr>
+                    <p:cNvPr id="9" name="Textfeld 8">
+                      <a:extLst>
+                        <a:ext uri="{FF2B5EF4-FFF2-40B4-BE49-F238E27FC236}">
+                          <a16:creationId xmlns:a16="http://schemas.microsoft.com/office/drawing/2014/main" id="{860A52A4-8A2E-45AC-15FC-FC588D75BE7F}"/>
+                        </a:ext>
+                      </a:extLst>
+                    </p:cNvPr>
+                    <p:cNvSpPr txBox="1"/>
+                    <p:nvPr/>
+                  </p:nvSpPr>
+                  <p:spPr>
+                    <a:xfrm>
+                      <a:off x="5767400" y="3049678"/>
+                      <a:ext cx="487056" cy="523220"/>
+                    </a:xfrm>
+                    <a:prstGeom prst="rect">
+                      <a:avLst/>
+                    </a:prstGeom>
+                    <a:noFill/>
+                  </p:spPr>
+                  <p:txBody>
+                    <a:bodyPr wrap="none" rtlCol="0">
+                      <a:spAutoFit/>
+                    </a:bodyPr>
+                    <a:lstStyle/>
+                    <a:p>
+                      <a:pPr/>
+                      <a14:m>
+                        <m:oMathPara xmlns:m="http://schemas.openxmlformats.org/officeDocument/2006/math">
+                          <m:oMathParaPr>
+                            <m:jc m:val="centerGroup"/>
+                          </m:oMathParaPr>
+                          <m:oMath xmlns:m="http://schemas.openxmlformats.org/officeDocument/2006/math">
+                            <m:r>
+                              <a:rPr lang="de-DE" sz="2800" i="1" smtClean="0">
+                                <a:latin typeface="Cambria Math" panose="02040503050406030204" pitchFamily="18" charset="0"/>
+                                <a:ea typeface="Latin Modern Math" panose="02000503000000000000" pitchFamily="50" charset="0"/>
+                              </a:rPr>
+                              <m:t>𝑝</m:t>
+                            </m:r>
+                          </m:oMath>
+                        </m:oMathPara>
+                      </a14:m>
+                      <a:endParaRPr lang="de-DE" sz="2800" i="1">
+                        <a:latin typeface="Latin Modern Math" panose="02000503000000000000" pitchFamily="50" charset="0"/>
+                        <a:ea typeface="Latin Modern Math" panose="02000503000000000000" pitchFamily="50" charset="0"/>
+                      </a:endParaRPr>
+                    </a:p>
+                  </p:txBody>
+                </p:sp>
+              </mc:Choice>
+              <mc:Fallback xmlns="">
+                <p:sp>
+                  <p:nvSpPr>
+                    <p:cNvPr id="19" name="Textfeld 18">
+                      <a:extLst>
+                        <a:ext uri="{FF2B5EF4-FFF2-40B4-BE49-F238E27FC236}">
+                          <a16:creationId xmlns:a16="http://schemas.microsoft.com/office/drawing/2014/main" id="{4981A054-67AC-4B7F-BD1D-850F7DC78A06}"/>
+                        </a:ext>
+                      </a:extLst>
+                    </p:cNvPr>
+                    <p:cNvSpPr txBox="1">
+                      <a:spLocks noRot="1" noChangeAspect="1" noMove="1" noResize="1" noEditPoints="1" noAdjustHandles="1" noChangeArrowheads="1" noChangeShapeType="1" noTextEdit="1"/>
+                    </p:cNvSpPr>
+                    <p:nvPr/>
+                  </p:nvSpPr>
+                  <p:spPr>
+                    <a:xfrm>
+                      <a:off x="5767400" y="3049678"/>
+                      <a:ext cx="487056" cy="523220"/>
+                    </a:xfrm>
+                    <a:prstGeom prst="rect">
+                      <a:avLst/>
+                    </a:prstGeom>
+                    <a:blipFill>
+                      <a:blip r:embed="rId2"/>
+                      <a:stretch>
+                        <a:fillRect/>
+                      </a:stretch>
+                    </a:blipFill>
+                  </p:spPr>
+                  <p:txBody>
+                    <a:bodyPr/>
+                    <a:lstStyle/>
+                    <a:p>
+                      <a:r>
+                        <a:rPr lang="de-DE">
+                          <a:noFill/>
+                        </a:rPr>
+                        <a:t> </a:t>
+                      </a:r>
+                    </a:p>
+                  </p:txBody>
+                </p:sp>
+              </mc:Fallback>
+            </mc:AlternateContent>
+            <mc:AlternateContent xmlns:mc="http://schemas.openxmlformats.org/markup-compatibility/2006" xmlns:a14="http://schemas.microsoft.com/office/drawing/2010/main">
+              <mc:Choice Requires="a14">
+                <p:sp>
+                  <p:nvSpPr>
+                    <p:cNvPr id="10" name="Textfeld 9">
+                      <a:extLst>
+                        <a:ext uri="{FF2B5EF4-FFF2-40B4-BE49-F238E27FC236}">
+                          <a16:creationId xmlns:a16="http://schemas.microsoft.com/office/drawing/2014/main" id="{288726FD-C3ED-9334-B79C-484990BABF6A}"/>
+                        </a:ext>
+                      </a:extLst>
+                    </p:cNvPr>
+                    <p:cNvSpPr txBox="1"/>
+                    <p:nvPr/>
+                  </p:nvSpPr>
+                  <p:spPr>
+                    <a:xfrm>
+                      <a:off x="6893915" y="1342191"/>
+                      <a:ext cx="611514" cy="523220"/>
+                    </a:xfrm>
+                    <a:prstGeom prst="rect">
+                      <a:avLst/>
+                    </a:prstGeom>
+                    <a:noFill/>
+                  </p:spPr>
+                  <p:txBody>
+                    <a:bodyPr wrap="none" rtlCol="0">
+                      <a:spAutoFit/>
+                    </a:bodyPr>
+                    <a:lstStyle/>
+                    <a:p>
+                      <a:pPr/>
+                      <a14:m>
+                        <m:oMathPara xmlns:m="http://schemas.openxmlformats.org/officeDocument/2006/math">
+                          <m:oMathParaPr>
+                            <m:jc m:val="centerGroup"/>
+                          </m:oMathParaPr>
+                          <m:oMath xmlns:m="http://schemas.openxmlformats.org/officeDocument/2006/math">
+                            <m:sSub>
+                              <m:sSubPr>
+                                <m:ctrlPr>
+                                  <a:rPr lang="de-DE" sz="2800" b="0" i="1" smtClean="0">
+                                    <a:latin typeface="Cambria Math" panose="02040503050406030204" pitchFamily="18" charset="0"/>
+                                    <a:ea typeface="Latin Modern Math" panose="02000503000000000000" pitchFamily="50" charset="0"/>
+                                  </a:rPr>
+                                </m:ctrlPr>
+                              </m:sSubPr>
+                              <m:e>
+                                <m:r>
+                                  <a:rPr lang="de-DE" sz="2800" b="0" i="1" smtClean="0">
+                                    <a:latin typeface="Cambria Math" panose="02040503050406030204" pitchFamily="18" charset="0"/>
+                                    <a:ea typeface="Latin Modern Math" panose="02000503000000000000" pitchFamily="50" charset="0"/>
+                                  </a:rPr>
+                                  <m:t>𝑐</m:t>
+                                </m:r>
+                              </m:e>
+                              <m:sub>
+                                <m:r>
+                                  <a:rPr lang="de-DE" sz="2800" b="0" i="1" smtClean="0">
+                                    <a:latin typeface="Cambria Math" panose="02040503050406030204" pitchFamily="18" charset="0"/>
+                                    <a:ea typeface="Latin Modern Math" panose="02000503000000000000" pitchFamily="50" charset="0"/>
+                                  </a:rPr>
+                                  <m:t>2</m:t>
+                                </m:r>
+                              </m:sub>
+                            </m:sSub>
+                          </m:oMath>
+                        </m:oMathPara>
+                      </a14:m>
+                      <a:endParaRPr lang="de-DE" sz="2800" i="1">
+                        <a:latin typeface="Latin Modern Math" panose="02000503000000000000" pitchFamily="50" charset="0"/>
+                        <a:ea typeface="Latin Modern Math" panose="02000503000000000000" pitchFamily="50" charset="0"/>
+                      </a:endParaRPr>
+                    </a:p>
+                  </p:txBody>
+                </p:sp>
+              </mc:Choice>
+              <mc:Fallback xmlns="">
+                <p:sp>
+                  <p:nvSpPr>
+                    <p:cNvPr id="20" name="Textfeld 19">
+                      <a:extLst>
+                        <a:ext uri="{FF2B5EF4-FFF2-40B4-BE49-F238E27FC236}">
+                          <a16:creationId xmlns:a16="http://schemas.microsoft.com/office/drawing/2014/main" id="{662677B5-999A-577A-AB45-A193B48DAF77}"/>
+                        </a:ext>
+                      </a:extLst>
+                    </p:cNvPr>
+                    <p:cNvSpPr txBox="1">
+                      <a:spLocks noRot="1" noChangeAspect="1" noMove="1" noResize="1" noEditPoints="1" noAdjustHandles="1" noChangeArrowheads="1" noChangeShapeType="1" noTextEdit="1"/>
+                    </p:cNvSpPr>
+                    <p:nvPr/>
+                  </p:nvSpPr>
+                  <p:spPr>
+                    <a:xfrm>
+                      <a:off x="6893915" y="1342191"/>
+                      <a:ext cx="611514" cy="523220"/>
+                    </a:xfrm>
+                    <a:prstGeom prst="rect">
+                      <a:avLst/>
+                    </a:prstGeom>
+                    <a:blipFill>
+                      <a:blip r:embed="rId3"/>
+                      <a:stretch>
+                        <a:fillRect/>
+                      </a:stretch>
+                    </a:blipFill>
+                  </p:spPr>
+                  <p:txBody>
+                    <a:bodyPr/>
+                    <a:lstStyle/>
+                    <a:p>
+                      <a:r>
+                        <a:rPr lang="de-DE">
+                          <a:noFill/>
+                        </a:rPr>
+                        <a:t> </a:t>
+                      </a:r>
+                    </a:p>
+                  </p:txBody>
+                </p:sp>
+              </mc:Fallback>
+            </mc:AlternateContent>
+            <mc:AlternateContent xmlns:mc="http://schemas.openxmlformats.org/markup-compatibility/2006" xmlns:a14="http://schemas.microsoft.com/office/drawing/2010/main">
+              <mc:Choice Requires="a14">
+                <p:sp>
+                  <p:nvSpPr>
+                    <p:cNvPr id="11" name="Textfeld 10">
+                      <a:extLst>
+                        <a:ext uri="{FF2B5EF4-FFF2-40B4-BE49-F238E27FC236}">
+                          <a16:creationId xmlns:a16="http://schemas.microsoft.com/office/drawing/2014/main" id="{D7F9EAA8-82EF-0013-7BF6-9DC2908351CA}"/>
+                        </a:ext>
+                      </a:extLst>
+                    </p:cNvPr>
+                    <p:cNvSpPr txBox="1"/>
+                    <p:nvPr/>
+                  </p:nvSpPr>
+                  <p:spPr>
+                    <a:xfrm>
+                      <a:off x="3872094" y="1964114"/>
+                      <a:ext cx="619529" cy="523220"/>
+                    </a:xfrm>
+                    <a:prstGeom prst="rect">
+                      <a:avLst/>
+                    </a:prstGeom>
+                    <a:noFill/>
+                  </p:spPr>
+                  <p:txBody>
+                    <a:bodyPr wrap="none" rtlCol="0">
+                      <a:spAutoFit/>
+                    </a:bodyPr>
+                    <a:lstStyle/>
+                    <a:p>
+                      <a:pPr/>
+                      <a14:m>
+                        <m:oMathPara xmlns:m="http://schemas.openxmlformats.org/officeDocument/2006/math">
+                          <m:oMathParaPr>
+                            <m:jc m:val="centerGroup"/>
+                          </m:oMathParaPr>
+                          <m:oMath xmlns:m="http://schemas.openxmlformats.org/officeDocument/2006/math">
+                            <m:sSub>
+                              <m:sSubPr>
+                                <m:ctrlPr>
+                                  <a:rPr lang="de-DE" sz="2800" b="0" i="1" smtClean="0">
+                                    <a:latin typeface="Cambria Math" panose="02040503050406030204" pitchFamily="18" charset="0"/>
+                                    <a:ea typeface="Latin Modern Math" panose="02000503000000000000" pitchFamily="50" charset="0"/>
+                                  </a:rPr>
+                                </m:ctrlPr>
+                              </m:sSubPr>
+                              <m:e>
+                                <m:r>
+                                  <a:rPr lang="de-DE" sz="2800" b="0" i="1" smtClean="0">
+                                    <a:latin typeface="Cambria Math" panose="02040503050406030204" pitchFamily="18" charset="0"/>
+                                    <a:ea typeface="Latin Modern Math" panose="02000503000000000000" pitchFamily="50" charset="0"/>
+                                  </a:rPr>
+                                  <m:t>𝑐</m:t>
+                                </m:r>
+                              </m:e>
+                              <m:sub>
+                                <m:r>
+                                  <a:rPr lang="de-DE" sz="2800" b="0" i="1" smtClean="0">
+                                    <a:latin typeface="Cambria Math" panose="02040503050406030204" pitchFamily="18" charset="0"/>
+                                    <a:ea typeface="Cambria Math" panose="02040503050406030204" pitchFamily="18" charset="0"/>
+                                  </a:rPr>
+                                  <m:t>1</m:t>
+                                </m:r>
+                              </m:sub>
+                            </m:sSub>
+                          </m:oMath>
+                        </m:oMathPara>
+                      </a14:m>
+                      <a:endParaRPr lang="de-DE" sz="2800" i="1" dirty="0">
+                        <a:latin typeface="Latin Modern Math" panose="02000503000000000000" pitchFamily="50" charset="0"/>
+                        <a:ea typeface="Latin Modern Math" panose="02000503000000000000" pitchFamily="50" charset="0"/>
+                      </a:endParaRPr>
+                    </a:p>
+                  </p:txBody>
+                </p:sp>
+              </mc:Choice>
+              <mc:Fallback xmlns="">
+                <p:sp>
+                  <p:nvSpPr>
+                    <p:cNvPr id="21" name="Textfeld 20">
+                      <a:extLst>
+                        <a:ext uri="{FF2B5EF4-FFF2-40B4-BE49-F238E27FC236}">
+                          <a16:creationId xmlns:a16="http://schemas.microsoft.com/office/drawing/2014/main" id="{31EFE651-69CB-C1B3-34B8-0D12E07AF0F0}"/>
+                        </a:ext>
+                      </a:extLst>
+                    </p:cNvPr>
+                    <p:cNvSpPr txBox="1">
+                      <a:spLocks noRot="1" noChangeAspect="1" noMove="1" noResize="1" noEditPoints="1" noAdjustHandles="1" noChangeArrowheads="1" noChangeShapeType="1" noTextEdit="1"/>
+                    </p:cNvSpPr>
+                    <p:nvPr/>
+                  </p:nvSpPr>
+                  <p:spPr>
+                    <a:xfrm>
+                      <a:off x="3872094" y="1964114"/>
+                      <a:ext cx="619529" cy="523220"/>
+                    </a:xfrm>
+                    <a:prstGeom prst="rect">
+                      <a:avLst/>
+                    </a:prstGeom>
+                    <a:blipFill>
+                      <a:blip r:embed="rId4"/>
+                      <a:stretch>
+                        <a:fillRect/>
+                      </a:stretch>
+                    </a:blipFill>
+                  </p:spPr>
+                  <p:txBody>
+                    <a:bodyPr/>
+                    <a:lstStyle/>
+                    <a:p>
+                      <a:r>
+                        <a:rPr lang="de-DE">
+                          <a:noFill/>
+                        </a:rPr>
+                        <a:t> </a:t>
+                      </a:r>
+                    </a:p>
+                  </p:txBody>
+                </p:sp>
+              </mc:Fallback>
+            </mc:AlternateContent>
+            <mc:AlternateContent xmlns:mc="http://schemas.openxmlformats.org/markup-compatibility/2006">
+              <mc:Choice xmlns:a14="http://schemas.microsoft.com/office/drawing/2010/main" Requires="a14">
+                <p:sp>
+                  <p:nvSpPr>
+                    <p:cNvPr id="12" name="Textfeld 11">
+                      <a:extLst>
+                        <a:ext uri="{FF2B5EF4-FFF2-40B4-BE49-F238E27FC236}">
+                          <a16:creationId xmlns:a16="http://schemas.microsoft.com/office/drawing/2014/main" id="{F8C6EEEB-FDA8-DB46-9E85-D6A047F98D68}"/>
+                        </a:ext>
+                      </a:extLst>
+                    </p:cNvPr>
+                    <p:cNvSpPr txBox="1"/>
+                    <p:nvPr/>
+                  </p:nvSpPr>
+                  <p:spPr>
+                    <a:xfrm>
+                      <a:off x="6329589" y="3847379"/>
+                      <a:ext cx="278474" cy="430887"/>
+                    </a:xfrm>
+                    <a:prstGeom prst="rect">
+                      <a:avLst/>
+                    </a:prstGeom>
+                    <a:noFill/>
+                  </p:spPr>
+                  <p:txBody>
+                    <a:bodyPr wrap="none" lIns="0" tIns="0" rIns="0" bIns="0" rtlCol="0">
+                      <a:spAutoFit/>
+                    </a:bodyPr>
+                    <a:lstStyle/>
+                    <a:p>
+                      <a:pPr/>
+                      <a14:m>
+                        <m:oMathPara xmlns:m="http://schemas.openxmlformats.org/officeDocument/2006/math">
+                          <m:oMathParaPr>
+                            <m:jc m:val="centerGroup"/>
+                          </m:oMathParaPr>
+                          <m:oMath xmlns:m="http://schemas.openxmlformats.org/officeDocument/2006/math">
+                            <m:r>
+                              <a:rPr lang="de-DE" sz="2800" b="0" i="1" smtClean="0">
+                                <a:latin typeface="Cambria Math" panose="02040503050406030204" pitchFamily="18" charset="0"/>
+                                <a:ea typeface="Latin Modern Math" panose="02000503000000000000" pitchFamily="50" charset="0"/>
+                              </a:rPr>
+                              <m:t>𝑐</m:t>
+                            </m:r>
+                          </m:oMath>
+                        </m:oMathPara>
+                      </a14:m>
+                      <a:endParaRPr lang="de-DE" sz="2800" dirty="0">
+                        <a:latin typeface="Latin Modern Math" panose="02000503000000000000" pitchFamily="50" charset="0"/>
+                        <a:ea typeface="Latin Modern Math" panose="02000503000000000000" pitchFamily="50" charset="0"/>
+                      </a:endParaRPr>
+                    </a:p>
+                  </p:txBody>
+                </p:sp>
+              </mc:Choice>
+              <mc:Fallback>
+                <p:sp>
+                  <p:nvSpPr>
+                    <p:cNvPr id="12" name="Textfeld 11">
+                      <a:extLst>
+                        <a:ext uri="{FF2B5EF4-FFF2-40B4-BE49-F238E27FC236}">
+                          <a16:creationId xmlns:a16="http://schemas.microsoft.com/office/drawing/2014/main" id="{F8C6EEEB-FDA8-DB46-9E85-D6A047F98D68}"/>
+                        </a:ext>
+                      </a:extLst>
+                    </p:cNvPr>
+                    <p:cNvSpPr txBox="1">
+                      <a:spLocks noRot="1" noChangeAspect="1" noMove="1" noResize="1" noEditPoints="1" noAdjustHandles="1" noChangeArrowheads="1" noChangeShapeType="1" noTextEdit="1"/>
+                    </p:cNvSpPr>
+                    <p:nvPr/>
+                  </p:nvSpPr>
+                  <p:spPr>
+                    <a:xfrm>
+                      <a:off x="6329589" y="3847379"/>
+                      <a:ext cx="278474" cy="430887"/>
+                    </a:xfrm>
+                    <a:prstGeom prst="rect">
+                      <a:avLst/>
+                    </a:prstGeom>
+                    <a:blipFill>
+                      <a:blip r:embed="rId5"/>
+                      <a:stretch>
+                        <a:fillRect/>
+                      </a:stretch>
+                    </a:blipFill>
+                  </p:spPr>
+                  <p:txBody>
+                    <a:bodyPr/>
+                    <a:lstStyle/>
+                    <a:p>
+                      <a:r>
+                        <a:rPr lang="de-DE">
+                          <a:noFill/>
+                        </a:rPr>
+                        <a:t> </a:t>
+                      </a:r>
+                    </a:p>
+                  </p:txBody>
+                </p:sp>
+              </mc:Fallback>
+            </mc:AlternateContent>
+            <p:sp>
+              <p:nvSpPr>
+                <p:cNvPr id="13" name="Ellipse 12">
+                  <a:extLst>
+                    <a:ext uri="{FF2B5EF4-FFF2-40B4-BE49-F238E27FC236}">
+                      <a16:creationId xmlns:a16="http://schemas.microsoft.com/office/drawing/2014/main" id="{EFFCE976-57DA-2AEB-5883-706D519F6D98}"/>
+                    </a:ext>
+                  </a:extLst>
+                </p:cNvPr>
+                <p:cNvSpPr/>
+                <p:nvPr/>
+              </p:nvSpPr>
+              <p:spPr>
+                <a:xfrm>
+                  <a:off x="6839961" y="1495801"/>
+                  <a:ext cx="108000" cy="108000"/>
+                </a:xfrm>
+                <a:prstGeom prst="ellipse">
+                  <a:avLst/>
+                </a:prstGeom>
+                <a:solidFill>
+                  <a:schemeClr val="tx1"/>
+                </a:solidFill>
+                <a:ln>
+                  <a:solidFill>
+                    <a:schemeClr val="tx1"/>
+                  </a:solidFill>
+                </a:ln>
+              </p:spPr>
+              <p:style>
+                <a:lnRef idx="2">
+                  <a:schemeClr val="accent1">
+                    <a:shade val="15000"/>
+                  </a:schemeClr>
+                </a:lnRef>
+                <a:fillRef idx="1">
+                  <a:schemeClr val="accent1"/>
+                </a:fillRef>
+                <a:effectRef idx="0">
+                  <a:schemeClr val="accent1"/>
+                </a:effectRef>
+                <a:fontRef idx="minor">
+                  <a:schemeClr val="lt1"/>
+                </a:fontRef>
+              </p:style>
+              <p:txBody>
+                <a:bodyPr rtlCol="0" anchor="ctr"/>
+                <a:lstStyle/>
+                <a:p>
+                  <a:pPr algn="ctr"/>
+                  <a:endParaRPr lang="de-DE"/>
+                </a:p>
+              </p:txBody>
+            </p:sp>
+            <p:sp>
+              <p:nvSpPr>
+                <p:cNvPr id="14" name="Ellipse 13">
+                  <a:extLst>
+                    <a:ext uri="{FF2B5EF4-FFF2-40B4-BE49-F238E27FC236}">
+                      <a16:creationId xmlns:a16="http://schemas.microsoft.com/office/drawing/2014/main" id="{252212FC-55E2-E28A-27CA-3FB2D892E97E}"/>
+                    </a:ext>
+                  </a:extLst>
+                </p:cNvPr>
+                <p:cNvSpPr/>
+                <p:nvPr/>
+              </p:nvSpPr>
+              <p:spPr>
+                <a:xfrm>
+                  <a:off x="4416801" y="2173981"/>
+                  <a:ext cx="108000" cy="108000"/>
+                </a:xfrm>
+                <a:prstGeom prst="ellipse">
+                  <a:avLst/>
+                </a:prstGeom>
+                <a:solidFill>
+                  <a:schemeClr val="tx1"/>
+                </a:solidFill>
+                <a:ln>
+                  <a:solidFill>
+                    <a:schemeClr val="tx1"/>
+                  </a:solidFill>
+                </a:ln>
+              </p:spPr>
+              <p:style>
+                <a:lnRef idx="2">
+                  <a:schemeClr val="accent1">
+                    <a:shade val="15000"/>
+                  </a:schemeClr>
+                </a:lnRef>
+                <a:fillRef idx="1">
+                  <a:schemeClr val="accent1"/>
+                </a:fillRef>
+                <a:effectRef idx="0">
+                  <a:schemeClr val="accent1"/>
+                </a:effectRef>
+                <a:fontRef idx="minor">
+                  <a:schemeClr val="lt1"/>
+                </a:fontRef>
+              </p:style>
+              <p:txBody>
+                <a:bodyPr rtlCol="0" anchor="ctr"/>
+                <a:lstStyle/>
+                <a:p>
+                  <a:pPr algn="ctr"/>
+                  <a:endParaRPr lang="de-DE"/>
+                </a:p>
+              </p:txBody>
+            </p:sp>
+            <p:sp>
+              <p:nvSpPr>
+                <p:cNvPr id="15" name="Ellipse 14">
+                  <a:extLst>
+                    <a:ext uri="{FF2B5EF4-FFF2-40B4-BE49-F238E27FC236}">
+                      <a16:creationId xmlns:a16="http://schemas.microsoft.com/office/drawing/2014/main" id="{6ACDC201-55F3-036D-94FA-6D2E678BBE44}"/>
+                    </a:ext>
+                  </a:extLst>
+                </p:cNvPr>
+                <p:cNvSpPr/>
+                <p:nvPr/>
+              </p:nvSpPr>
+              <p:spPr>
+                <a:xfrm>
+                  <a:off x="5849361" y="4597141"/>
+                  <a:ext cx="108000" cy="108000"/>
+                </a:xfrm>
+                <a:prstGeom prst="ellipse">
+                  <a:avLst/>
+                </a:prstGeom>
+                <a:solidFill>
+                  <a:schemeClr val="bg1">
+                    <a:lumMod val="65000"/>
+                  </a:schemeClr>
+                </a:solidFill>
+                <a:ln>
+                  <a:solidFill>
+                    <a:schemeClr val="bg1">
+                      <a:lumMod val="65000"/>
+                    </a:schemeClr>
+                  </a:solidFill>
+                </a:ln>
+              </p:spPr>
+              <p:style>
+                <a:lnRef idx="2">
+                  <a:schemeClr val="accent1">
+                    <a:shade val="15000"/>
+                  </a:schemeClr>
+                </a:lnRef>
+                <a:fillRef idx="1">
+                  <a:schemeClr val="accent1"/>
+                </a:fillRef>
+                <a:effectRef idx="0">
+                  <a:schemeClr val="accent1"/>
+                </a:effectRef>
+                <a:fontRef idx="minor">
+                  <a:schemeClr val="lt1"/>
+                </a:fontRef>
+              </p:style>
+              <p:txBody>
+                <a:bodyPr rtlCol="0" anchor="ctr"/>
+                <a:lstStyle/>
+                <a:p>
+                  <a:pPr algn="ctr"/>
+                  <a:endParaRPr lang="de-DE"/>
+                </a:p>
+              </p:txBody>
+            </p:sp>
+            <p:grpSp>
+              <p:nvGrpSpPr>
+                <p:cNvPr id="22" name="Gruppieren 21">
+                  <a:extLst>
+                    <a:ext uri="{FF2B5EF4-FFF2-40B4-BE49-F238E27FC236}">
+                      <a16:creationId xmlns:a16="http://schemas.microsoft.com/office/drawing/2014/main" id="{9D66219A-8617-4D9B-56B7-334936D1D7F1}"/>
+                    </a:ext>
+                  </a:extLst>
+                </p:cNvPr>
+                <p:cNvGrpSpPr/>
+                <p:nvPr/>
+              </p:nvGrpSpPr>
+              <p:grpSpPr>
+                <a:xfrm>
+                  <a:off x="5674138" y="3276920"/>
+                  <a:ext cx="144000" cy="144000"/>
+                  <a:chOff x="10362382" y="2655862"/>
+                  <a:chExt cx="108000" cy="108000"/>
+                </a:xfrm>
+              </p:grpSpPr>
+              <p:cxnSp>
+                <p:nvCxnSpPr>
+                  <p:cNvPr id="23" name="Gerader Verbinder 22">
+                    <a:extLst>
+                      <a:ext uri="{FF2B5EF4-FFF2-40B4-BE49-F238E27FC236}">
+                        <a16:creationId xmlns:a16="http://schemas.microsoft.com/office/drawing/2014/main" id="{506B1228-A4F3-8282-1232-08A1A6CAD3CB}"/>
+                      </a:ext>
+                    </a:extLst>
+                  </p:cNvPr>
+                  <p:cNvCxnSpPr>
+                    <a:cxnSpLocks/>
+                  </p:cNvCxnSpPr>
+                  <p:nvPr/>
+                </p:nvCxnSpPr>
+                <p:spPr>
+                  <a:xfrm>
+                    <a:off x="10416382" y="2655862"/>
+                    <a:ext cx="0" cy="108000"/>
+                  </a:xfrm>
+                  <a:prstGeom prst="line">
+                    <a:avLst/>
+                  </a:prstGeom>
+                  <a:ln w="19050">
+                    <a:solidFill>
+                      <a:schemeClr val="tx1"/>
+                    </a:solidFill>
+                  </a:ln>
+                </p:spPr>
+                <p:style>
+                  <a:lnRef idx="1">
+                    <a:schemeClr val="accent1"/>
+                  </a:lnRef>
+                  <a:fillRef idx="0">
+                    <a:schemeClr val="accent1"/>
+                  </a:fillRef>
+                  <a:effectRef idx="0">
+                    <a:schemeClr val="accent1"/>
+                  </a:effectRef>
+                  <a:fontRef idx="minor">
+                    <a:schemeClr val="tx1"/>
+                  </a:fontRef>
+                </p:style>
+              </p:cxnSp>
+              <p:cxnSp>
+                <p:nvCxnSpPr>
+                  <p:cNvPr id="24" name="Gerader Verbinder 23">
+                    <a:extLst>
+                      <a:ext uri="{FF2B5EF4-FFF2-40B4-BE49-F238E27FC236}">
+                        <a16:creationId xmlns:a16="http://schemas.microsoft.com/office/drawing/2014/main" id="{82B4E4C1-5823-767D-374A-547189FA014E}"/>
+                      </a:ext>
+                    </a:extLst>
+                  </p:cNvPr>
+                  <p:cNvCxnSpPr>
+                    <a:cxnSpLocks/>
+                  </p:cNvCxnSpPr>
+                  <p:nvPr/>
+                </p:nvCxnSpPr>
+                <p:spPr>
+                  <a:xfrm>
+                    <a:off x="10362382" y="2709862"/>
+                    <a:ext cx="108000" cy="0"/>
+                  </a:xfrm>
+                  <a:prstGeom prst="line">
+                    <a:avLst/>
+                  </a:prstGeom>
+                  <a:ln w="19050">
+                    <a:solidFill>
+                      <a:schemeClr val="tx1"/>
+                    </a:solidFill>
+                  </a:ln>
+                </p:spPr>
+                <p:style>
+                  <a:lnRef idx="1">
+                    <a:schemeClr val="accent1"/>
+                  </a:lnRef>
+                  <a:fillRef idx="0">
+                    <a:schemeClr val="accent1"/>
+                  </a:fillRef>
+                  <a:effectRef idx="0">
+                    <a:schemeClr val="accent1"/>
+                  </a:effectRef>
+                  <a:fontRef idx="minor">
+                    <a:schemeClr val="tx1"/>
+                  </a:fontRef>
+                </p:style>
+              </p:cxnSp>
+            </p:grpSp>
+          </p:grpSp>
+          <p:sp>
+            <p:nvSpPr>
+              <p:cNvPr id="25" name="Ellipse 24">
+                <a:extLst>
+                  <a:ext uri="{FF2B5EF4-FFF2-40B4-BE49-F238E27FC236}">
+                    <a16:creationId xmlns:a16="http://schemas.microsoft.com/office/drawing/2014/main" id="{4E6E5228-A0E8-1A12-D8DD-D667E5DFA6BD}"/>
+                  </a:ext>
+                </a:extLst>
+              </p:cNvPr>
+              <p:cNvSpPr/>
+              <p:nvPr/>
+            </p:nvSpPr>
+            <p:spPr>
+              <a:xfrm>
+                <a:off x="4752115" y="2003282"/>
+                <a:ext cx="108000" cy="108000"/>
+              </a:xfrm>
+              <a:prstGeom prst="ellipse">
+                <a:avLst/>
+              </a:prstGeom>
+              <a:solidFill>
+                <a:schemeClr val="bg1">
+                  <a:lumMod val="65000"/>
+                </a:schemeClr>
+              </a:solidFill>
+              <a:ln>
+                <a:solidFill>
+                  <a:schemeClr val="bg1">
+                    <a:lumMod val="65000"/>
+                  </a:schemeClr>
+                </a:solidFill>
+              </a:ln>
+            </p:spPr>
+            <p:style>
+              <a:lnRef idx="2">
+                <a:schemeClr val="accent1">
+                  <a:shade val="15000"/>
+                </a:schemeClr>
+              </a:lnRef>
+              <a:fillRef idx="1">
+                <a:schemeClr val="accent1"/>
+              </a:fillRef>
+              <a:effectRef idx="0">
+                <a:schemeClr val="accent1"/>
+              </a:effectRef>
+              <a:fontRef idx="minor">
+                <a:schemeClr val="lt1"/>
+              </a:fontRef>
+            </p:style>
+            <p:txBody>
+              <a:bodyPr rtlCol="0" anchor="ctr"/>
+              <a:lstStyle/>
+              <a:p>
+                <a:pPr algn="ctr"/>
+                <a:endParaRPr lang="de-DE"/>
+              </a:p>
+            </p:txBody>
+          </p:sp>
+          <p:sp>
+            <p:nvSpPr>
+              <p:cNvPr id="26" name="Ellipse 25">
+                <a:extLst>
+                  <a:ext uri="{FF2B5EF4-FFF2-40B4-BE49-F238E27FC236}">
+                    <a16:creationId xmlns:a16="http://schemas.microsoft.com/office/drawing/2014/main" id="{2B90F1E9-6316-70C2-D45E-8FDDCD28FD23}"/>
+                  </a:ext>
+                </a:extLst>
+              </p:cNvPr>
+              <p:cNvSpPr/>
+              <p:nvPr/>
+            </p:nvSpPr>
+            <p:spPr>
+              <a:xfrm>
+                <a:off x="7122904" y="4828139"/>
+                <a:ext cx="108000" cy="108000"/>
+              </a:xfrm>
+              <a:prstGeom prst="ellipse">
+                <a:avLst/>
+              </a:prstGeom>
+              <a:solidFill>
+                <a:schemeClr val="bg1">
+                  <a:lumMod val="65000"/>
+                </a:schemeClr>
+              </a:solidFill>
+              <a:ln>
+                <a:solidFill>
+                  <a:schemeClr val="bg1">
+                    <a:lumMod val="65000"/>
+                  </a:schemeClr>
+                </a:solidFill>
+              </a:ln>
+            </p:spPr>
+            <p:style>
+              <a:lnRef idx="2">
+                <a:schemeClr val="accent1">
+                  <a:shade val="15000"/>
+                </a:schemeClr>
+              </a:lnRef>
+              <a:fillRef idx="1">
+                <a:schemeClr val="accent1"/>
+              </a:fillRef>
+              <a:effectRef idx="0">
+                <a:schemeClr val="accent1"/>
+              </a:effectRef>
+              <a:fontRef idx="minor">
+                <a:schemeClr val="lt1"/>
+              </a:fontRef>
+            </p:style>
+            <p:txBody>
+              <a:bodyPr rtlCol="0" anchor="ctr"/>
+              <a:lstStyle/>
+              <a:p>
+                <a:pPr algn="ctr"/>
+                <a:endParaRPr lang="de-DE"/>
+              </a:p>
+            </p:txBody>
+          </p:sp>
+          <p:sp>
+            <p:nvSpPr>
+              <p:cNvPr id="27" name="Ellipse 26">
+                <a:extLst>
+                  <a:ext uri="{FF2B5EF4-FFF2-40B4-BE49-F238E27FC236}">
+                    <a16:creationId xmlns:a16="http://schemas.microsoft.com/office/drawing/2014/main" id="{65E3DFD7-F702-E8BE-4917-C53840E44DE1}"/>
+                  </a:ext>
+                </a:extLst>
+              </p:cNvPr>
+              <p:cNvSpPr/>
+              <p:nvPr/>
+            </p:nvSpPr>
+            <p:spPr>
+              <a:xfrm>
+                <a:off x="7832862" y="1583498"/>
+                <a:ext cx="108000" cy="108000"/>
+              </a:xfrm>
+              <a:prstGeom prst="ellipse">
+                <a:avLst/>
+              </a:prstGeom>
+              <a:solidFill>
+                <a:schemeClr val="bg1">
+                  <a:lumMod val="65000"/>
+                </a:schemeClr>
+              </a:solidFill>
+              <a:ln>
+                <a:solidFill>
+                  <a:schemeClr val="bg1">
+                    <a:lumMod val="65000"/>
+                  </a:schemeClr>
+                </a:solidFill>
+              </a:ln>
+            </p:spPr>
+            <p:style>
+              <a:lnRef idx="2">
+                <a:schemeClr val="accent1">
+                  <a:shade val="15000"/>
+                </a:schemeClr>
+              </a:lnRef>
+              <a:fillRef idx="1">
+                <a:schemeClr val="accent1"/>
+              </a:fillRef>
+              <a:effectRef idx="0">
+                <a:schemeClr val="accent1"/>
+              </a:effectRef>
+              <a:fontRef idx="minor">
+                <a:schemeClr val="lt1"/>
+              </a:fontRef>
+            </p:style>
+            <p:txBody>
+              <a:bodyPr rtlCol="0" anchor="ctr"/>
+              <a:lstStyle/>
+              <a:p>
+                <a:pPr algn="ctr"/>
+                <a:endParaRPr lang="de-DE"/>
+              </a:p>
+            </p:txBody>
+          </p:sp>
+          <p:pic>
+            <p:nvPicPr>
+              <p:cNvPr id="28" name="Grafik 27">
+                <a:extLst>
+                  <a:ext uri="{FF2B5EF4-FFF2-40B4-BE49-F238E27FC236}">
+                    <a16:creationId xmlns:a16="http://schemas.microsoft.com/office/drawing/2014/main" id="{0DF67F56-D55D-32D3-FC46-E4EA210DBB6D}"/>
+                  </a:ext>
+                </a:extLst>
+              </p:cNvPr>
+              <p:cNvPicPr>
+                <a:picLocks noChangeAspect="1"/>
+              </p:cNvPicPr>
+              <p:nvPr/>
+            </p:nvPicPr>
+            <p:blipFill>
+              <a:blip r:embed="rId6"/>
+              <a:stretch>
+                <a:fillRect/>
+              </a:stretch>
+            </p:blipFill>
+            <p:spPr>
+              <a:xfrm>
+                <a:off x="4229096" y="3064912"/>
+                <a:ext cx="121931" cy="121931"/>
+              </a:xfrm>
+              <a:prstGeom prst="rect">
+                <a:avLst/>
+              </a:prstGeom>
+            </p:spPr>
+          </p:pic>
+          <p:sp>
+            <p:nvSpPr>
+              <p:cNvPr id="29" name="Ellipse 28">
+                <a:extLst>
+                  <a:ext uri="{FF2B5EF4-FFF2-40B4-BE49-F238E27FC236}">
+                    <a16:creationId xmlns:a16="http://schemas.microsoft.com/office/drawing/2014/main" id="{C3F2EB51-7C04-5187-FFE1-158228B20358}"/>
+                  </a:ext>
+                </a:extLst>
+              </p:cNvPr>
+              <p:cNvSpPr/>
+              <p:nvPr/>
+            </p:nvSpPr>
+            <p:spPr>
+              <a:xfrm>
+                <a:off x="3657390" y="4565341"/>
+                <a:ext cx="108000" cy="108000"/>
+              </a:xfrm>
+              <a:prstGeom prst="ellipse">
+                <a:avLst/>
+              </a:prstGeom>
+              <a:solidFill>
+                <a:schemeClr val="bg1">
+                  <a:lumMod val="65000"/>
+                </a:schemeClr>
+              </a:solidFill>
+              <a:ln>
+                <a:solidFill>
+                  <a:schemeClr val="bg1">
+                    <a:lumMod val="65000"/>
+                  </a:schemeClr>
+                </a:solidFill>
+              </a:ln>
+            </p:spPr>
+            <p:style>
+              <a:lnRef idx="2">
+                <a:schemeClr val="accent1">
+                  <a:shade val="15000"/>
+                </a:schemeClr>
+              </a:lnRef>
+              <a:fillRef idx="1">
+                <a:schemeClr val="accent1"/>
+              </a:fillRef>
+              <a:effectRef idx="0">
+                <a:schemeClr val="accent1"/>
+              </a:effectRef>
+              <a:fontRef idx="minor">
+                <a:schemeClr val="lt1"/>
+              </a:fontRef>
+            </p:style>
+            <p:txBody>
+              <a:bodyPr rtlCol="0" anchor="ctr"/>
+              <a:lstStyle/>
+              <a:p>
+                <a:pPr algn="ctr"/>
+                <a:endParaRPr lang="de-DE"/>
+              </a:p>
+            </p:txBody>
+          </p:sp>
+          <p:sp>
+            <p:nvSpPr>
+              <p:cNvPr id="30" name="Ellipse 29">
+                <a:extLst>
+                  <a:ext uri="{FF2B5EF4-FFF2-40B4-BE49-F238E27FC236}">
+                    <a16:creationId xmlns:a16="http://schemas.microsoft.com/office/drawing/2014/main" id="{4647BE59-8650-6588-CA76-257CDE5D67FA}"/>
+                  </a:ext>
+                </a:extLst>
+              </p:cNvPr>
+              <p:cNvSpPr/>
+              <p:nvPr/>
+            </p:nvSpPr>
+            <p:spPr>
+              <a:xfrm>
+                <a:off x="3867263" y="1464001"/>
+                <a:ext cx="108000" cy="108000"/>
+              </a:xfrm>
+              <a:prstGeom prst="ellipse">
+                <a:avLst/>
+              </a:prstGeom>
+              <a:solidFill>
+                <a:schemeClr val="bg1">
+                  <a:lumMod val="65000"/>
+                </a:schemeClr>
+              </a:solidFill>
+              <a:ln>
+                <a:solidFill>
+                  <a:schemeClr val="bg1">
+                    <a:lumMod val="65000"/>
+                  </a:schemeClr>
+                </a:solidFill>
+              </a:ln>
+            </p:spPr>
+            <p:style>
+              <a:lnRef idx="2">
+                <a:schemeClr val="accent1">
+                  <a:shade val="15000"/>
+                </a:schemeClr>
+              </a:lnRef>
+              <a:fillRef idx="1">
+                <a:schemeClr val="accent1"/>
+              </a:fillRef>
+              <a:effectRef idx="0">
+                <a:schemeClr val="accent1"/>
+              </a:effectRef>
+              <a:fontRef idx="minor">
+                <a:schemeClr val="lt1"/>
+              </a:fontRef>
+            </p:style>
+            <p:txBody>
+              <a:bodyPr rtlCol="0" anchor="ctr"/>
+              <a:lstStyle/>
+              <a:p>
+                <a:pPr algn="ctr"/>
+                <a:endParaRPr lang="de-DE"/>
+              </a:p>
+            </p:txBody>
+          </p:sp>
+          <p:sp>
+            <p:nvSpPr>
+              <p:cNvPr id="31" name="Ellipse 30">
+                <a:extLst>
+                  <a:ext uri="{FF2B5EF4-FFF2-40B4-BE49-F238E27FC236}">
+                    <a16:creationId xmlns:a16="http://schemas.microsoft.com/office/drawing/2014/main" id="{A66F6973-6409-064B-5BC7-8F6E4C084699}"/>
+                  </a:ext>
+                </a:extLst>
+              </p:cNvPr>
+              <p:cNvSpPr/>
+              <p:nvPr/>
+            </p:nvSpPr>
+            <p:spPr>
+              <a:xfrm>
+                <a:off x="8969888" y="2563534"/>
+                <a:ext cx="108000" cy="108000"/>
+              </a:xfrm>
+              <a:prstGeom prst="ellipse">
+                <a:avLst/>
+              </a:prstGeom>
+              <a:solidFill>
+                <a:schemeClr val="bg1">
+                  <a:lumMod val="65000"/>
+                </a:schemeClr>
+              </a:solidFill>
+              <a:ln>
+                <a:solidFill>
+                  <a:schemeClr val="bg1">
+                    <a:lumMod val="65000"/>
+                  </a:schemeClr>
+                </a:solidFill>
+              </a:ln>
+            </p:spPr>
+            <p:style>
+              <a:lnRef idx="2">
+                <a:schemeClr val="accent1">
+                  <a:shade val="15000"/>
+                </a:schemeClr>
+              </a:lnRef>
+              <a:fillRef idx="1">
+                <a:schemeClr val="accent1"/>
+              </a:fillRef>
+              <a:effectRef idx="0">
+                <a:schemeClr val="accent1"/>
+              </a:effectRef>
+              <a:fontRef idx="minor">
+                <a:schemeClr val="lt1"/>
+              </a:fontRef>
+            </p:style>
+            <p:txBody>
+              <a:bodyPr rtlCol="0" anchor="ctr"/>
+              <a:lstStyle/>
+              <a:p>
+                <a:pPr algn="ctr"/>
+                <a:endParaRPr lang="de-DE"/>
+              </a:p>
+            </p:txBody>
+          </p:sp>
+        </p:grpSp>
+        <p:sp>
+          <p:nvSpPr>
+            <p:cNvPr id="37" name="Ellipse 36">
+              <a:extLst>
+                <a:ext uri="{FF2B5EF4-FFF2-40B4-BE49-F238E27FC236}">
+                  <a16:creationId xmlns:a16="http://schemas.microsoft.com/office/drawing/2014/main" id="{408954A0-F250-5F89-8787-74ACFC7B7379}"/>
+                </a:ext>
+              </a:extLst>
+            </p:cNvPr>
+            <p:cNvSpPr/>
+            <p:nvPr/>
+          </p:nvSpPr>
+          <p:spPr>
+            <a:xfrm>
+              <a:off x="6534791" y="4031022"/>
+              <a:ext cx="108000" cy="108000"/>
+            </a:xfrm>
+            <a:prstGeom prst="ellipse">
+              <a:avLst/>
+            </a:prstGeom>
+            <a:solidFill>
+              <a:schemeClr val="tx1"/>
+            </a:solidFill>
+            <a:ln>
+              <a:solidFill>
+                <a:schemeClr val="tx1"/>
+              </a:solidFill>
+            </a:ln>
+          </p:spPr>
+          <p:style>
+            <a:lnRef idx="2">
+              <a:schemeClr val="accent1">
+                <a:shade val="15000"/>
+              </a:schemeClr>
+            </a:lnRef>
+            <a:fillRef idx="1">
+              <a:schemeClr val="accent1"/>
+            </a:fillRef>
+            <a:effectRef idx="0">
+              <a:schemeClr val="accent1"/>
+            </a:effectRef>
+            <a:fontRef idx="minor">
+              <a:schemeClr val="lt1"/>
+            </a:fontRef>
+          </p:style>
+          <p:txBody>
+            <a:bodyPr rtlCol="0" anchor="ctr"/>
+            <a:lstStyle/>
+            <a:p>
+              <a:pPr algn="ctr"/>
+              <a:endParaRPr lang="de-DE"/>
+            </a:p>
+          </p:txBody>
+        </p:sp>
+      </p:grpSp>
     </p:spTree>
     <p:extLst>
       <p:ext uri="{BB962C8B-B14F-4D97-AF65-F5344CB8AC3E}">
-        <p14:creationId xmlns:p14="http://schemas.microsoft.com/office/powerpoint/2010/main" val="2162343271"/>
+        <p14:creationId xmlns:p14="http://schemas.microsoft.com/office/powerpoint/2010/main" val="3644653625"/>
+      </p:ext>
+    </p:extLst>
+  </p:cSld>
+  <p:clrMapOvr>
+    <a:masterClrMapping/>
+  </p:clrMapOvr>
+</p:sld>
+</file>
+
+<file path=ppt/slides/slide5.xml><?xml version="1.0" encoding="utf-8"?>
+<p:sld xmlns:a="http://schemas.openxmlformats.org/drawingml/2006/main" xmlns:r="http://schemas.openxmlformats.org/officeDocument/2006/relationships" xmlns:p="http://schemas.openxmlformats.org/presentationml/2006/main">
+  <p:cSld>
+    <p:spTree>
+      <p:nvGrpSpPr>
+        <p:cNvPr id="1" name=""/>
+        <p:cNvGrpSpPr/>
+        <p:nvPr/>
+      </p:nvGrpSpPr>
+      <p:grpSpPr>
+        <a:xfrm>
+          <a:off x="0" y="0"/>
+          <a:ext cx="0" cy="0"/>
+          <a:chOff x="0" y="0"/>
+          <a:chExt cx="0" cy="0"/>
+        </a:xfrm>
+      </p:grpSpPr>
+      <p:grpSp>
+        <p:nvGrpSpPr>
+          <p:cNvPr id="46" name="Gruppieren 45">
+            <a:extLst>
+              <a:ext uri="{FF2B5EF4-FFF2-40B4-BE49-F238E27FC236}">
+                <a16:creationId xmlns:a16="http://schemas.microsoft.com/office/drawing/2014/main" id="{2AAFDDA0-0E20-9DB3-4D01-2E1E562B4BE2}"/>
+              </a:ext>
+            </a:extLst>
+          </p:cNvPr>
+          <p:cNvGrpSpPr/>
+          <p:nvPr/>
+        </p:nvGrpSpPr>
+        <p:grpSpPr>
+          <a:xfrm>
+            <a:off x="4221716" y="1418391"/>
+            <a:ext cx="3652570" cy="3814672"/>
+            <a:chOff x="4221716" y="1418391"/>
+            <a:chExt cx="3652570" cy="3814672"/>
+          </a:xfrm>
+        </p:grpSpPr>
+        <p:cxnSp>
+          <p:nvCxnSpPr>
+            <p:cNvPr id="41" name="Gerader Verbinder 40">
+              <a:extLst>
+                <a:ext uri="{FF2B5EF4-FFF2-40B4-BE49-F238E27FC236}">
+                  <a16:creationId xmlns:a16="http://schemas.microsoft.com/office/drawing/2014/main" id="{948594A7-481D-74DF-BF2A-40AB0E4385C1}"/>
+                </a:ext>
+              </a:extLst>
+            </p:cNvPr>
+            <p:cNvCxnSpPr>
+              <a:cxnSpLocks/>
+              <a:endCxn id="20" idx="4"/>
+            </p:cNvCxnSpPr>
+            <p:nvPr/>
+          </p:nvCxnSpPr>
+          <p:spPr>
+            <a:xfrm>
+              <a:off x="6095759" y="3425120"/>
+              <a:ext cx="157224" cy="1356221"/>
+            </a:xfrm>
+            <a:prstGeom prst="line">
+              <a:avLst/>
+            </a:prstGeom>
+            <a:ln w="25400" cap="rnd" cmpd="sng" algn="ctr">
+              <a:solidFill>
+                <a:srgbClr val="7030A0">
+                  <a:alpha val="60000"/>
+                </a:srgbClr>
+              </a:solidFill>
+              <a:prstDash val="sysDot"/>
+              <a:round/>
+              <a:headEnd type="none" w="med" len="med"/>
+              <a:tailEnd type="none" w="med" len="med"/>
+            </a:ln>
+          </p:spPr>
+          <p:style>
+            <a:lnRef idx="0">
+              <a:scrgbClr r="0" g="0" b="0"/>
+            </a:lnRef>
+            <a:fillRef idx="0">
+              <a:scrgbClr r="0" g="0" b="0"/>
+            </a:fillRef>
+            <a:effectRef idx="0">
+              <a:scrgbClr r="0" g="0" b="0"/>
+            </a:effectRef>
+            <a:fontRef idx="minor">
+              <a:schemeClr val="tx1"/>
+            </a:fontRef>
+          </p:style>
+        </p:cxnSp>
+        <p:cxnSp>
+          <p:nvCxnSpPr>
+            <p:cNvPr id="28" name="Gerader Verbinder 27">
+              <a:extLst>
+                <a:ext uri="{FF2B5EF4-FFF2-40B4-BE49-F238E27FC236}">
+                  <a16:creationId xmlns:a16="http://schemas.microsoft.com/office/drawing/2014/main" id="{01296094-1896-C14E-9449-7FB426D4A715}"/>
+                </a:ext>
+              </a:extLst>
+            </p:cNvPr>
+            <p:cNvCxnSpPr>
+              <a:cxnSpLocks/>
+              <a:stCxn id="18" idx="3"/>
+            </p:cNvCxnSpPr>
+            <p:nvPr/>
+          </p:nvCxnSpPr>
+          <p:spPr>
+            <a:xfrm flipH="1">
+              <a:off x="6095759" y="1664185"/>
+              <a:ext cx="1109640" cy="1760935"/>
+            </a:xfrm>
+            <a:prstGeom prst="line">
+              <a:avLst/>
+            </a:prstGeom>
+            <a:ln w="25400" cap="rnd" cmpd="sng" algn="ctr">
+              <a:solidFill>
+                <a:srgbClr val="00B050">
+                  <a:alpha val="60000"/>
+                </a:srgbClr>
+              </a:solidFill>
+              <a:prstDash val="sysDot"/>
+              <a:round/>
+              <a:headEnd type="none" w="med" len="med"/>
+              <a:tailEnd type="none" w="med" len="med"/>
+            </a:ln>
+          </p:spPr>
+          <p:style>
+            <a:lnRef idx="0">
+              <a:scrgbClr r="0" g="0" b="0"/>
+            </a:lnRef>
+            <a:fillRef idx="0">
+              <a:scrgbClr r="0" g="0" b="0"/>
+            </a:fillRef>
+            <a:effectRef idx="0">
+              <a:scrgbClr r="0" g="0" b="0"/>
+            </a:effectRef>
+            <a:fontRef idx="minor">
+              <a:schemeClr val="tx1"/>
+            </a:fontRef>
+          </p:style>
+        </p:cxnSp>
+        <p:cxnSp>
+          <p:nvCxnSpPr>
+            <p:cNvPr id="33" name="Gerader Verbinder 32">
+              <a:extLst>
+                <a:ext uri="{FF2B5EF4-FFF2-40B4-BE49-F238E27FC236}">
+                  <a16:creationId xmlns:a16="http://schemas.microsoft.com/office/drawing/2014/main" id="{D9A94C00-B561-249F-4CA6-A4656B8DC548}"/>
+                </a:ext>
+              </a:extLst>
+            </p:cNvPr>
+            <p:cNvCxnSpPr>
+              <a:cxnSpLocks/>
+              <a:stCxn id="19" idx="5"/>
+            </p:cNvCxnSpPr>
+            <p:nvPr/>
+          </p:nvCxnSpPr>
+          <p:spPr>
+            <a:xfrm>
+              <a:off x="4858607" y="2342365"/>
+              <a:ext cx="1237152" cy="1082755"/>
+            </a:xfrm>
+            <a:prstGeom prst="line">
+              <a:avLst/>
+            </a:prstGeom>
+            <a:ln w="25400" cap="rnd" cmpd="sng" algn="ctr">
+              <a:solidFill>
+                <a:srgbClr val="C00000">
+                  <a:alpha val="60000"/>
+                </a:srgbClr>
+              </a:solidFill>
+              <a:prstDash val="sysDot"/>
+              <a:round/>
+              <a:headEnd type="none" w="med" len="med"/>
+              <a:tailEnd type="none" w="med" len="med"/>
+            </a:ln>
+          </p:spPr>
+          <p:style>
+            <a:lnRef idx="0">
+              <a:scrgbClr r="0" g="0" b="0"/>
+            </a:lnRef>
+            <a:fillRef idx="0">
+              <a:scrgbClr r="0" g="0" b="0"/>
+            </a:fillRef>
+            <a:effectRef idx="0">
+              <a:scrgbClr r="0" g="0" b="0"/>
+            </a:effectRef>
+            <a:fontRef idx="minor">
+              <a:schemeClr val="tx1"/>
+            </a:fontRef>
+          </p:style>
+        </p:cxnSp>
+        <p:grpSp>
+          <p:nvGrpSpPr>
+            <p:cNvPr id="5" name="Gruppieren 4">
+              <a:extLst>
+                <a:ext uri="{FF2B5EF4-FFF2-40B4-BE49-F238E27FC236}">
+                  <a16:creationId xmlns:a16="http://schemas.microsoft.com/office/drawing/2014/main" id="{1F49392A-6F24-B443-F6FA-86D153D3BC50}"/>
+                </a:ext>
+              </a:extLst>
+            </p:cNvPr>
+            <p:cNvGrpSpPr/>
+            <p:nvPr/>
+          </p:nvGrpSpPr>
+          <p:grpSpPr>
+            <a:xfrm>
+              <a:off x="4221716" y="1418391"/>
+              <a:ext cx="3652570" cy="3814672"/>
+              <a:chOff x="4221716" y="1418391"/>
+              <a:chExt cx="3652570" cy="3814672"/>
+            </a:xfrm>
+          </p:grpSpPr>
+          <p:grpSp>
+            <p:nvGrpSpPr>
+              <p:cNvPr id="7" name="Gruppieren 6">
+                <a:extLst>
+                  <a:ext uri="{FF2B5EF4-FFF2-40B4-BE49-F238E27FC236}">
+                    <a16:creationId xmlns:a16="http://schemas.microsoft.com/office/drawing/2014/main" id="{AB8923BC-2CE2-C5DF-80BE-594D3C46EC92}"/>
+                  </a:ext>
+                </a:extLst>
+              </p:cNvPr>
+              <p:cNvGrpSpPr/>
+              <p:nvPr/>
+            </p:nvGrpSpPr>
+            <p:grpSpPr>
+              <a:xfrm>
+                <a:off x="4221716" y="1418391"/>
+                <a:ext cx="3652570" cy="3814672"/>
+                <a:chOff x="3872094" y="1342191"/>
+                <a:chExt cx="3652570" cy="3814672"/>
+              </a:xfrm>
+            </p:grpSpPr>
+            <p:cxnSp>
+              <p:nvCxnSpPr>
+                <p:cNvPr id="12" name="Gerader Verbinder 11">
+                  <a:extLst>
+                    <a:ext uri="{FF2B5EF4-FFF2-40B4-BE49-F238E27FC236}">
+                      <a16:creationId xmlns:a16="http://schemas.microsoft.com/office/drawing/2014/main" id="{0611145A-BF33-906B-BA28-752D1C708E13}"/>
+                    </a:ext>
+                  </a:extLst>
+                </p:cNvPr>
+                <p:cNvCxnSpPr>
+                  <a:cxnSpLocks/>
+                </p:cNvCxnSpPr>
+                <p:nvPr/>
+              </p:nvCxnSpPr>
+              <p:spPr>
+                <a:xfrm>
+                  <a:off x="5746377" y="1568823"/>
+                  <a:ext cx="0" cy="3406589"/>
+                </a:xfrm>
+                <a:prstGeom prst="line">
+                  <a:avLst/>
+                </a:prstGeom>
+                <a:ln>
+                  <a:solidFill>
+                    <a:schemeClr val="bg2">
+                      <a:lumMod val="50000"/>
+                    </a:schemeClr>
+                  </a:solidFill>
+                  <a:prstDash val="lgDash"/>
+                </a:ln>
+              </p:spPr>
+              <p:style>
+                <a:lnRef idx="1">
+                  <a:schemeClr val="accent1"/>
+                </a:lnRef>
+                <a:fillRef idx="0">
+                  <a:schemeClr val="accent1"/>
+                </a:fillRef>
+                <a:effectRef idx="0">
+                  <a:schemeClr val="accent1"/>
+                </a:effectRef>
+                <a:fontRef idx="minor">
+                  <a:schemeClr val="tx1"/>
+                </a:fontRef>
+              </p:style>
+            </p:cxnSp>
+            <p:cxnSp>
+              <p:nvCxnSpPr>
+                <p:cNvPr id="13" name="Gerader Verbinder 12">
+                  <a:extLst>
+                    <a:ext uri="{FF2B5EF4-FFF2-40B4-BE49-F238E27FC236}">
+                      <a16:creationId xmlns:a16="http://schemas.microsoft.com/office/drawing/2014/main" id="{052B77AC-559A-962B-0252-03BB4DAFDAA2}"/>
+                    </a:ext>
+                  </a:extLst>
+                </p:cNvPr>
+                <p:cNvCxnSpPr>
+                  <a:cxnSpLocks/>
+                </p:cNvCxnSpPr>
+                <p:nvPr/>
+              </p:nvCxnSpPr>
+              <p:spPr>
+                <a:xfrm flipH="1">
+                  <a:off x="4072378" y="3349149"/>
+                  <a:ext cx="3348000" cy="0"/>
+                </a:xfrm>
+                <a:prstGeom prst="line">
+                  <a:avLst/>
+                </a:prstGeom>
+                <a:ln>
+                  <a:solidFill>
+                    <a:schemeClr val="bg2">
+                      <a:lumMod val="50000"/>
+                    </a:schemeClr>
+                  </a:solidFill>
+                  <a:prstDash val="lgDash"/>
+                </a:ln>
+              </p:spPr>
+              <p:style>
+                <a:lnRef idx="1">
+                  <a:schemeClr val="accent1"/>
+                </a:lnRef>
+                <a:fillRef idx="0">
+                  <a:schemeClr val="accent1"/>
+                </a:fillRef>
+                <a:effectRef idx="0">
+                  <a:schemeClr val="accent1"/>
+                </a:effectRef>
+                <a:fontRef idx="minor">
+                  <a:schemeClr val="tx1"/>
+                </a:fontRef>
+              </p:style>
+            </p:cxnSp>
+            <p:sp>
+              <p:nvSpPr>
+                <p:cNvPr id="10" name="Ellipse 9">
+                  <a:extLst>
+                    <a:ext uri="{FF2B5EF4-FFF2-40B4-BE49-F238E27FC236}">
+                      <a16:creationId xmlns:a16="http://schemas.microsoft.com/office/drawing/2014/main" id="{EEA31B8E-CBF4-E557-8B44-01B36843F68F}"/>
+                    </a:ext>
+                  </a:extLst>
+                </p:cNvPr>
+                <p:cNvSpPr/>
+                <p:nvPr/>
+              </p:nvSpPr>
+              <p:spPr>
+                <a:xfrm>
+                  <a:off x="4455306" y="2055041"/>
+                  <a:ext cx="2595951" cy="2595951"/>
+                </a:xfrm>
+                <a:prstGeom prst="ellipse">
+                  <a:avLst/>
+                </a:prstGeom>
+                <a:noFill/>
+                <a:ln w="19050">
+                  <a:solidFill>
+                    <a:srgbClr val="826995"/>
+                  </a:solidFill>
+                </a:ln>
+              </p:spPr>
+              <p:style>
+                <a:lnRef idx="2">
+                  <a:schemeClr val="accent1">
+                    <a:shade val="15000"/>
+                  </a:schemeClr>
+                </a:lnRef>
+                <a:fillRef idx="1">
+                  <a:schemeClr val="accent1"/>
+                </a:fillRef>
+                <a:effectRef idx="0">
+                  <a:schemeClr val="accent1"/>
+                </a:effectRef>
+                <a:fontRef idx="minor">
+                  <a:schemeClr val="lt1"/>
+                </a:fontRef>
+              </p:style>
+              <p:txBody>
+                <a:bodyPr rtlCol="0" anchor="ctr"/>
+                <a:lstStyle/>
+                <a:p>
+                  <a:pPr algn="ctr"/>
+                  <a:endParaRPr lang="de-DE"/>
+                </a:p>
+              </p:txBody>
+            </p:sp>
+            <p:sp>
+              <p:nvSpPr>
+                <p:cNvPr id="11" name="Gleichschenkliges Dreieck 10">
+                  <a:extLst>
+                    <a:ext uri="{FF2B5EF4-FFF2-40B4-BE49-F238E27FC236}">
+                      <a16:creationId xmlns:a16="http://schemas.microsoft.com/office/drawing/2014/main" id="{E3F58E52-6BD6-111F-D00B-AE1C882A7396}"/>
+                    </a:ext>
+                  </a:extLst>
+                </p:cNvPr>
+                <p:cNvSpPr/>
+                <p:nvPr/>
+              </p:nvSpPr>
+              <p:spPr>
+                <a:xfrm rot="9866727">
+                  <a:off x="4771617" y="1830117"/>
+                  <a:ext cx="2546800" cy="2707003"/>
+                </a:xfrm>
+                <a:prstGeom prst="triangle">
+                  <a:avLst>
+                    <a:gd name="adj" fmla="val 70755"/>
+                  </a:avLst>
+                </a:prstGeom>
+                <a:noFill/>
+                <a:ln w="19050">
+                  <a:solidFill>
+                    <a:schemeClr val="tx1"/>
+                  </a:solidFill>
+                </a:ln>
+              </p:spPr>
+              <p:style>
+                <a:lnRef idx="2">
+                  <a:schemeClr val="accent1">
+                    <a:shade val="15000"/>
+                  </a:schemeClr>
+                </a:lnRef>
+                <a:fillRef idx="1">
+                  <a:schemeClr val="accent1"/>
+                </a:fillRef>
+                <a:effectRef idx="0">
+                  <a:schemeClr val="accent1"/>
+                </a:effectRef>
+                <a:fontRef idx="minor">
+                  <a:schemeClr val="lt1"/>
+                </a:fontRef>
+              </p:style>
+              <p:txBody>
+                <a:bodyPr rtlCol="0" anchor="ctr"/>
+                <a:lstStyle/>
+                <a:p>
+                  <a:pPr algn="ctr"/>
+                  <a:endParaRPr lang="de-DE" dirty="0"/>
+                </a:p>
+              </p:txBody>
+            </p:sp>
+            <mc:AlternateContent xmlns:mc="http://schemas.openxmlformats.org/markup-compatibility/2006">
+              <mc:Choice xmlns:a14="http://schemas.microsoft.com/office/drawing/2010/main" Requires="a14">
+                <p:sp>
+                  <p:nvSpPr>
+                    <p:cNvPr id="14" name="Textfeld 13">
+                      <a:extLst>
+                        <a:ext uri="{FF2B5EF4-FFF2-40B4-BE49-F238E27FC236}">
+                          <a16:creationId xmlns:a16="http://schemas.microsoft.com/office/drawing/2014/main" id="{EAFD4F1C-610F-B12B-5A1D-4BDC062E18FB}"/>
+                        </a:ext>
+                      </a:extLst>
+                    </p:cNvPr>
+                    <p:cNvSpPr txBox="1"/>
+                    <p:nvPr/>
+                  </p:nvSpPr>
+                  <p:spPr>
+                    <a:xfrm>
+                      <a:off x="5786323" y="2946563"/>
+                      <a:ext cx="487056" cy="523220"/>
+                    </a:xfrm>
+                    <a:prstGeom prst="rect">
+                      <a:avLst/>
+                    </a:prstGeom>
+                    <a:noFill/>
+                  </p:spPr>
+                  <p:txBody>
+                    <a:bodyPr wrap="none" rtlCol="0">
+                      <a:spAutoFit/>
+                    </a:bodyPr>
+                    <a:lstStyle/>
+                    <a:p>
+                      <a:pPr/>
+                      <a14:m>
+                        <m:oMathPara xmlns:m="http://schemas.openxmlformats.org/officeDocument/2006/math">
+                          <m:oMathParaPr>
+                            <m:jc m:val="centerGroup"/>
+                          </m:oMathParaPr>
+                          <m:oMath xmlns:m="http://schemas.openxmlformats.org/officeDocument/2006/math">
+                            <m:r>
+                              <a:rPr lang="de-DE" sz="2800" i="1" smtClean="0">
+                                <a:latin typeface="Cambria Math" panose="02040503050406030204" pitchFamily="18" charset="0"/>
+                                <a:ea typeface="Latin Modern Math" panose="02000503000000000000" pitchFamily="50" charset="0"/>
+                              </a:rPr>
+                              <m:t>𝑝</m:t>
+                            </m:r>
+                          </m:oMath>
+                        </m:oMathPara>
+                      </a14:m>
+                      <a:endParaRPr lang="de-DE" sz="2800" i="1" dirty="0">
+                        <a:latin typeface="Latin Modern Math" panose="02000503000000000000" pitchFamily="50" charset="0"/>
+                        <a:ea typeface="Latin Modern Math" panose="02000503000000000000" pitchFamily="50" charset="0"/>
+                      </a:endParaRPr>
+                    </a:p>
+                  </p:txBody>
+                </p:sp>
+              </mc:Choice>
+              <mc:Fallback>
+                <p:sp>
+                  <p:nvSpPr>
+                    <p:cNvPr id="14" name="Textfeld 13">
+                      <a:extLst>
+                        <a:ext uri="{FF2B5EF4-FFF2-40B4-BE49-F238E27FC236}">
+                          <a16:creationId xmlns:a16="http://schemas.microsoft.com/office/drawing/2014/main" id="{EAFD4F1C-610F-B12B-5A1D-4BDC062E18FB}"/>
+                        </a:ext>
+                      </a:extLst>
+                    </p:cNvPr>
+                    <p:cNvSpPr txBox="1">
+                      <a:spLocks noRot="1" noChangeAspect="1" noMove="1" noResize="1" noEditPoints="1" noAdjustHandles="1" noChangeArrowheads="1" noChangeShapeType="1" noTextEdit="1"/>
+                    </p:cNvSpPr>
+                    <p:nvPr/>
+                  </p:nvSpPr>
+                  <p:spPr>
+                    <a:xfrm>
+                      <a:off x="5786323" y="2946563"/>
+                      <a:ext cx="487056" cy="523220"/>
+                    </a:xfrm>
+                    <a:prstGeom prst="rect">
+                      <a:avLst/>
+                    </a:prstGeom>
+                    <a:blipFill>
+                      <a:blip r:embed="rId2"/>
+                      <a:stretch>
+                        <a:fillRect/>
+                      </a:stretch>
+                    </a:blipFill>
+                  </p:spPr>
+                  <p:txBody>
+                    <a:bodyPr/>
+                    <a:lstStyle/>
+                    <a:p>
+                      <a:r>
+                        <a:rPr lang="de-DE">
+                          <a:noFill/>
+                        </a:rPr>
+                        <a:t> </a:t>
+                      </a:r>
+                    </a:p>
+                  </p:txBody>
+                </p:sp>
+              </mc:Fallback>
+            </mc:AlternateContent>
+            <mc:AlternateContent xmlns:mc="http://schemas.openxmlformats.org/markup-compatibility/2006">
+              <mc:Choice xmlns:a14="http://schemas.microsoft.com/office/drawing/2010/main" Requires="a14">
+                <p:sp>
+                  <p:nvSpPr>
+                    <p:cNvPr id="15" name="Textfeld 14">
+                      <a:extLst>
+                        <a:ext uri="{FF2B5EF4-FFF2-40B4-BE49-F238E27FC236}">
+                          <a16:creationId xmlns:a16="http://schemas.microsoft.com/office/drawing/2014/main" id="{646057A0-141F-2B47-15EE-931E5BDE118A}"/>
+                        </a:ext>
+                      </a:extLst>
+                    </p:cNvPr>
+                    <p:cNvSpPr txBox="1"/>
+                    <p:nvPr/>
+                  </p:nvSpPr>
+                  <p:spPr>
+                    <a:xfrm>
+                      <a:off x="6893915" y="1342191"/>
+                      <a:ext cx="630749" cy="523220"/>
+                    </a:xfrm>
+                    <a:prstGeom prst="rect">
+                      <a:avLst/>
+                    </a:prstGeom>
+                    <a:noFill/>
+                  </p:spPr>
+                  <p:txBody>
+                    <a:bodyPr wrap="none" rtlCol="0">
+                      <a:spAutoFit/>
+                    </a:bodyPr>
+                    <a:lstStyle/>
+                    <a:p>
+                      <a:pPr/>
+                      <a14:m>
+                        <m:oMathPara xmlns:m="http://schemas.openxmlformats.org/officeDocument/2006/math">
+                          <m:oMathParaPr>
+                            <m:jc m:val="centerGroup"/>
+                          </m:oMathParaPr>
+                          <m:oMath xmlns:m="http://schemas.openxmlformats.org/officeDocument/2006/math">
+                            <m:sSub>
+                              <m:sSubPr>
+                                <m:ctrlPr>
+                                  <a:rPr lang="de-DE" sz="2800" b="0" i="1" smtClean="0">
+                                    <a:solidFill>
+                                      <a:srgbClr val="00B050"/>
+                                    </a:solidFill>
+                                    <a:latin typeface="Cambria Math" panose="02040503050406030204" pitchFamily="18" charset="0"/>
+                                    <a:ea typeface="Cambria Math" panose="02040503050406030204" pitchFamily="18" charset="0"/>
+                                  </a:rPr>
+                                </m:ctrlPr>
+                              </m:sSubPr>
+                              <m:e>
+                                <m:r>
+                                  <a:rPr lang="de-DE" sz="2800" b="0" i="1" smtClean="0">
+                                    <a:solidFill>
+                                      <a:srgbClr val="00B050"/>
+                                    </a:solidFill>
+                                    <a:latin typeface="Cambria Math" panose="02040503050406030204" pitchFamily="18" charset="0"/>
+                                    <a:ea typeface="Cambria Math" panose="02040503050406030204" pitchFamily="18" charset="0"/>
+                                  </a:rPr>
+                                  <m:t>𝑎</m:t>
+                                </m:r>
+                              </m:e>
+                              <m:sub>
+                                <m:r>
+                                  <a:rPr lang="de-DE" sz="2800" b="0" i="1" smtClean="0">
+                                    <a:solidFill>
+                                      <a:srgbClr val="00B050"/>
+                                    </a:solidFill>
+                                    <a:latin typeface="Cambria Math" panose="02040503050406030204" pitchFamily="18" charset="0"/>
+                                    <a:ea typeface="Cambria Math" panose="02040503050406030204" pitchFamily="18" charset="0"/>
+                                  </a:rPr>
+                                  <m:t>2</m:t>
+                                </m:r>
+                              </m:sub>
+                            </m:sSub>
+                          </m:oMath>
+                        </m:oMathPara>
+                      </a14:m>
+                      <a:endParaRPr lang="de-DE" sz="2800" i="1" dirty="0">
+                        <a:latin typeface="Cambria Math" panose="02040503050406030204" pitchFamily="18" charset="0"/>
+                        <a:ea typeface="Cambria Math" panose="02040503050406030204" pitchFamily="18" charset="0"/>
+                      </a:endParaRPr>
+                    </a:p>
+                  </p:txBody>
+                </p:sp>
+              </mc:Choice>
+              <mc:Fallback>
+                <p:sp>
+                  <p:nvSpPr>
+                    <p:cNvPr id="15" name="Textfeld 14">
+                      <a:extLst>
+                        <a:ext uri="{FF2B5EF4-FFF2-40B4-BE49-F238E27FC236}">
+                          <a16:creationId xmlns:a16="http://schemas.microsoft.com/office/drawing/2014/main" id="{646057A0-141F-2B47-15EE-931E5BDE118A}"/>
+                        </a:ext>
+                      </a:extLst>
+                    </p:cNvPr>
+                    <p:cNvSpPr txBox="1">
+                      <a:spLocks noRot="1" noChangeAspect="1" noMove="1" noResize="1" noEditPoints="1" noAdjustHandles="1" noChangeArrowheads="1" noChangeShapeType="1" noTextEdit="1"/>
+                    </p:cNvSpPr>
+                    <p:nvPr/>
+                  </p:nvSpPr>
+                  <p:spPr>
+                    <a:xfrm>
+                      <a:off x="6893915" y="1342191"/>
+                      <a:ext cx="630749" cy="523220"/>
+                    </a:xfrm>
+                    <a:prstGeom prst="rect">
+                      <a:avLst/>
+                    </a:prstGeom>
+                    <a:blipFill>
+                      <a:blip r:embed="rId3"/>
+                      <a:stretch>
+                        <a:fillRect/>
+                      </a:stretch>
+                    </a:blipFill>
+                  </p:spPr>
+                  <p:txBody>
+                    <a:bodyPr/>
+                    <a:lstStyle/>
+                    <a:p>
+                      <a:r>
+                        <a:rPr lang="de-DE">
+                          <a:noFill/>
+                        </a:rPr>
+                        <a:t> </a:t>
+                      </a:r>
+                    </a:p>
+                  </p:txBody>
+                </p:sp>
+              </mc:Fallback>
+            </mc:AlternateContent>
+            <mc:AlternateContent xmlns:mc="http://schemas.openxmlformats.org/markup-compatibility/2006">
+              <mc:Choice xmlns:a14="http://schemas.microsoft.com/office/drawing/2010/main" Requires="a14">
+                <p:sp>
+                  <p:nvSpPr>
+                    <p:cNvPr id="16" name="Textfeld 15">
+                      <a:extLst>
+                        <a:ext uri="{FF2B5EF4-FFF2-40B4-BE49-F238E27FC236}">
+                          <a16:creationId xmlns:a16="http://schemas.microsoft.com/office/drawing/2014/main" id="{4BBA6033-AE30-D93F-0E0A-80B4F4511796}"/>
+                        </a:ext>
+                      </a:extLst>
+                    </p:cNvPr>
+                    <p:cNvSpPr txBox="1"/>
+                    <p:nvPr/>
+                  </p:nvSpPr>
+                  <p:spPr>
+                    <a:xfrm>
+                      <a:off x="3872094" y="1964114"/>
+                      <a:ext cx="630749" cy="523220"/>
+                    </a:xfrm>
+                    <a:prstGeom prst="rect">
+                      <a:avLst/>
+                    </a:prstGeom>
+                    <a:noFill/>
+                  </p:spPr>
+                  <p:txBody>
+                    <a:bodyPr wrap="none" rtlCol="0">
+                      <a:spAutoFit/>
+                    </a:bodyPr>
+                    <a:lstStyle/>
+                    <a:p>
+                      <a:pPr/>
+                      <a14:m>
+                        <m:oMathPara xmlns:m="http://schemas.openxmlformats.org/officeDocument/2006/math">
+                          <m:oMathParaPr>
+                            <m:jc m:val="centerGroup"/>
+                          </m:oMathParaPr>
+                          <m:oMath xmlns:m="http://schemas.openxmlformats.org/officeDocument/2006/math">
+                            <m:sSub>
+                              <m:sSubPr>
+                                <m:ctrlPr>
+                                  <a:rPr lang="de-DE" sz="2800" b="0" i="1" smtClean="0">
+                                    <a:solidFill>
+                                      <a:srgbClr val="C00000"/>
+                                    </a:solidFill>
+                                    <a:latin typeface="Cambria Math" panose="02040503050406030204" pitchFamily="18" charset="0"/>
+                                    <a:ea typeface="Cambria Math" panose="02040503050406030204" pitchFamily="18" charset="0"/>
+                                  </a:rPr>
+                                </m:ctrlPr>
+                              </m:sSubPr>
+                              <m:e>
+                                <m:r>
+                                  <a:rPr lang="de-DE" sz="2800" b="0" i="1" smtClean="0">
+                                    <a:solidFill>
+                                      <a:srgbClr val="C00000"/>
+                                    </a:solidFill>
+                                    <a:latin typeface="Cambria Math" panose="02040503050406030204" pitchFamily="18" charset="0"/>
+                                    <a:ea typeface="Cambria Math" panose="02040503050406030204" pitchFamily="18" charset="0"/>
+                                  </a:rPr>
+                                  <m:t>𝑎</m:t>
+                                </m:r>
+                              </m:e>
+                              <m:sub>
+                                <m:r>
+                                  <a:rPr lang="de-DE" sz="2800" b="0" i="1" smtClean="0">
+                                    <a:solidFill>
+                                      <a:srgbClr val="C00000"/>
+                                    </a:solidFill>
+                                    <a:latin typeface="Cambria Math" panose="02040503050406030204" pitchFamily="18" charset="0"/>
+                                    <a:ea typeface="Cambria Math" panose="02040503050406030204" pitchFamily="18" charset="0"/>
+                                  </a:rPr>
+                                  <m:t>3</m:t>
+                                </m:r>
+                              </m:sub>
+                            </m:sSub>
+                          </m:oMath>
+                        </m:oMathPara>
+                      </a14:m>
+                      <a:endParaRPr lang="de-DE" sz="2800" i="1" dirty="0">
+                        <a:latin typeface="Cambria Math" panose="02040503050406030204" pitchFamily="18" charset="0"/>
+                        <a:ea typeface="Cambria Math" panose="02040503050406030204" pitchFamily="18" charset="0"/>
+                      </a:endParaRPr>
+                    </a:p>
+                  </p:txBody>
+                </p:sp>
+              </mc:Choice>
+              <mc:Fallback>
+                <p:sp>
+                  <p:nvSpPr>
+                    <p:cNvPr id="16" name="Textfeld 15">
+                      <a:extLst>
+                        <a:ext uri="{FF2B5EF4-FFF2-40B4-BE49-F238E27FC236}">
+                          <a16:creationId xmlns:a16="http://schemas.microsoft.com/office/drawing/2014/main" id="{4BBA6033-AE30-D93F-0E0A-80B4F4511796}"/>
+                        </a:ext>
+                      </a:extLst>
+                    </p:cNvPr>
+                    <p:cNvSpPr txBox="1">
+                      <a:spLocks noRot="1" noChangeAspect="1" noMove="1" noResize="1" noEditPoints="1" noAdjustHandles="1" noChangeArrowheads="1" noChangeShapeType="1" noTextEdit="1"/>
+                    </p:cNvSpPr>
+                    <p:nvPr/>
+                  </p:nvSpPr>
+                  <p:spPr>
+                    <a:xfrm>
+                      <a:off x="3872094" y="1964114"/>
+                      <a:ext cx="630749" cy="523220"/>
+                    </a:xfrm>
+                    <a:prstGeom prst="rect">
+                      <a:avLst/>
+                    </a:prstGeom>
+                    <a:blipFill>
+                      <a:blip r:embed="rId4"/>
+                      <a:stretch>
+                        <a:fillRect/>
+                      </a:stretch>
+                    </a:blipFill>
+                  </p:spPr>
+                  <p:txBody>
+                    <a:bodyPr/>
+                    <a:lstStyle/>
+                    <a:p>
+                      <a:r>
+                        <a:rPr lang="de-DE">
+                          <a:noFill/>
+                        </a:rPr>
+                        <a:t> </a:t>
+                      </a:r>
+                    </a:p>
+                  </p:txBody>
+                </p:sp>
+              </mc:Fallback>
+            </mc:AlternateContent>
+            <mc:AlternateContent xmlns:mc="http://schemas.openxmlformats.org/markup-compatibility/2006">
+              <mc:Choice xmlns:a14="http://schemas.microsoft.com/office/drawing/2010/main" Requires="a14">
+                <p:sp>
+                  <p:nvSpPr>
+                    <p:cNvPr id="17" name="Textfeld 16">
+                      <a:extLst>
+                        <a:ext uri="{FF2B5EF4-FFF2-40B4-BE49-F238E27FC236}">
+                          <a16:creationId xmlns:a16="http://schemas.microsoft.com/office/drawing/2014/main" id="{1D280B59-0F0E-BB22-01FB-7AA3A51AC6E5}"/>
+                        </a:ext>
+                      </a:extLst>
+                    </p:cNvPr>
+                    <p:cNvSpPr txBox="1"/>
+                    <p:nvPr/>
+                  </p:nvSpPr>
+                  <p:spPr>
+                    <a:xfrm>
+                      <a:off x="5849361" y="4725976"/>
+                      <a:ext cx="441018" cy="430887"/>
+                    </a:xfrm>
+                    <a:prstGeom prst="rect">
+                      <a:avLst/>
+                    </a:prstGeom>
+                    <a:noFill/>
+                  </p:spPr>
+                  <p:txBody>
+                    <a:bodyPr wrap="none" lIns="0" tIns="0" rIns="0" bIns="0" rtlCol="0">
+                      <a:spAutoFit/>
+                    </a:bodyPr>
+                    <a:lstStyle/>
+                    <a:p>
+                      <a:pPr/>
+                      <a14:m>
+                        <m:oMathPara xmlns:m="http://schemas.openxmlformats.org/officeDocument/2006/math">
+                          <m:oMathParaPr>
+                            <m:jc m:val="centerGroup"/>
+                          </m:oMathParaPr>
+                          <m:oMath xmlns:m="http://schemas.openxmlformats.org/officeDocument/2006/math">
+                            <m:sSub>
+                              <m:sSubPr>
+                                <m:ctrlPr>
+                                  <a:rPr lang="de-DE" sz="2800" i="1" smtClean="0">
+                                    <a:solidFill>
+                                      <a:srgbClr val="7030A0"/>
+                                    </a:solidFill>
+                                    <a:latin typeface="Cambria Math" panose="02040503050406030204" pitchFamily="18" charset="0"/>
+                                    <a:ea typeface="Cambria Math" panose="02040503050406030204" pitchFamily="18" charset="0"/>
+                                  </a:rPr>
+                                </m:ctrlPr>
+                              </m:sSubPr>
+                              <m:e>
+                                <m:r>
+                                  <a:rPr lang="de-DE" sz="2800" i="1">
+                                    <a:solidFill>
+                                      <a:srgbClr val="7030A0"/>
+                                    </a:solidFill>
+                                    <a:latin typeface="Cambria Math" panose="02040503050406030204" pitchFamily="18" charset="0"/>
+                                    <a:ea typeface="Cambria Math" panose="02040503050406030204" pitchFamily="18" charset="0"/>
+                                  </a:rPr>
+                                  <m:t>𝑎</m:t>
+                                </m:r>
+                              </m:e>
+                              <m:sub>
+                                <m:r>
+                                  <a:rPr lang="de-DE" sz="2800" b="0" i="1" smtClean="0">
+                                    <a:solidFill>
+                                      <a:srgbClr val="7030A0"/>
+                                    </a:solidFill>
+                                    <a:latin typeface="Cambria Math" panose="02040503050406030204" pitchFamily="18" charset="0"/>
+                                    <a:ea typeface="Cambria Math" panose="02040503050406030204" pitchFamily="18" charset="0"/>
+                                  </a:rPr>
+                                  <m:t>1</m:t>
+                                </m:r>
+                              </m:sub>
+                            </m:sSub>
+                          </m:oMath>
+                        </m:oMathPara>
+                      </a14:m>
+                      <a:endParaRPr lang="de-DE" sz="2800" dirty="0">
+                        <a:latin typeface="Latin Modern Math" panose="02000503000000000000" pitchFamily="50" charset="0"/>
+                        <a:ea typeface="Latin Modern Math" panose="02000503000000000000" pitchFamily="50" charset="0"/>
+                      </a:endParaRPr>
+                    </a:p>
+                  </p:txBody>
+                </p:sp>
+              </mc:Choice>
+              <mc:Fallback>
+                <p:sp>
+                  <p:nvSpPr>
+                    <p:cNvPr id="17" name="Textfeld 16">
+                      <a:extLst>
+                        <a:ext uri="{FF2B5EF4-FFF2-40B4-BE49-F238E27FC236}">
+                          <a16:creationId xmlns:a16="http://schemas.microsoft.com/office/drawing/2014/main" id="{1D280B59-0F0E-BB22-01FB-7AA3A51AC6E5}"/>
+                        </a:ext>
+                      </a:extLst>
+                    </p:cNvPr>
+                    <p:cNvSpPr txBox="1">
+                      <a:spLocks noRot="1" noChangeAspect="1" noMove="1" noResize="1" noEditPoints="1" noAdjustHandles="1" noChangeArrowheads="1" noChangeShapeType="1" noTextEdit="1"/>
+                    </p:cNvSpPr>
+                    <p:nvPr/>
+                  </p:nvSpPr>
+                  <p:spPr>
+                    <a:xfrm>
+                      <a:off x="5849361" y="4725976"/>
+                      <a:ext cx="441018" cy="430887"/>
+                    </a:xfrm>
+                    <a:prstGeom prst="rect">
+                      <a:avLst/>
+                    </a:prstGeom>
+                    <a:blipFill>
+                      <a:blip r:embed="rId5"/>
+                      <a:stretch>
+                        <a:fillRect/>
+                      </a:stretch>
+                    </a:blipFill>
+                  </p:spPr>
+                  <p:txBody>
+                    <a:bodyPr/>
+                    <a:lstStyle/>
+                    <a:p>
+                      <a:r>
+                        <a:rPr lang="de-DE">
+                          <a:noFill/>
+                        </a:rPr>
+                        <a:t> </a:t>
+                      </a:r>
+                    </a:p>
+                  </p:txBody>
+                </p:sp>
+              </mc:Fallback>
+            </mc:AlternateContent>
+            <p:sp>
+              <p:nvSpPr>
+                <p:cNvPr id="18" name="Ellipse 17">
+                  <a:extLst>
+                    <a:ext uri="{FF2B5EF4-FFF2-40B4-BE49-F238E27FC236}">
+                      <a16:creationId xmlns:a16="http://schemas.microsoft.com/office/drawing/2014/main" id="{F7BB7623-F2E6-1B83-4078-5DEAB694DFFF}"/>
+                    </a:ext>
+                  </a:extLst>
+                </p:cNvPr>
+                <p:cNvSpPr/>
+                <p:nvPr/>
+              </p:nvSpPr>
+              <p:spPr>
+                <a:xfrm>
+                  <a:off x="6839961" y="1495801"/>
+                  <a:ext cx="108000" cy="108000"/>
+                </a:xfrm>
+                <a:prstGeom prst="ellipse">
+                  <a:avLst/>
+                </a:prstGeom>
+                <a:solidFill>
+                  <a:schemeClr val="tx1"/>
+                </a:solidFill>
+                <a:ln>
+                  <a:solidFill>
+                    <a:schemeClr val="tx1"/>
+                  </a:solidFill>
+                </a:ln>
+              </p:spPr>
+              <p:style>
+                <a:lnRef idx="2">
+                  <a:schemeClr val="accent1">
+                    <a:shade val="15000"/>
+                  </a:schemeClr>
+                </a:lnRef>
+                <a:fillRef idx="1">
+                  <a:schemeClr val="accent1"/>
+                </a:fillRef>
+                <a:effectRef idx="0">
+                  <a:schemeClr val="accent1"/>
+                </a:effectRef>
+                <a:fontRef idx="minor">
+                  <a:schemeClr val="lt1"/>
+                </a:fontRef>
+              </p:style>
+              <p:txBody>
+                <a:bodyPr rtlCol="0" anchor="ctr"/>
+                <a:lstStyle/>
+                <a:p>
+                  <a:pPr algn="ctr"/>
+                  <a:endParaRPr lang="de-DE"/>
+                </a:p>
+              </p:txBody>
+            </p:sp>
+            <p:sp>
+              <p:nvSpPr>
+                <p:cNvPr id="19" name="Ellipse 18">
+                  <a:extLst>
+                    <a:ext uri="{FF2B5EF4-FFF2-40B4-BE49-F238E27FC236}">
+                      <a16:creationId xmlns:a16="http://schemas.microsoft.com/office/drawing/2014/main" id="{39885EEC-411C-63DB-A18D-3EFEDA4CB208}"/>
+                    </a:ext>
+                  </a:extLst>
+                </p:cNvPr>
+                <p:cNvSpPr/>
+                <p:nvPr/>
+              </p:nvSpPr>
+              <p:spPr>
+                <a:xfrm>
+                  <a:off x="4416801" y="2173981"/>
+                  <a:ext cx="108000" cy="108000"/>
+                </a:xfrm>
+                <a:prstGeom prst="ellipse">
+                  <a:avLst/>
+                </a:prstGeom>
+                <a:solidFill>
+                  <a:schemeClr val="tx1"/>
+                </a:solidFill>
+                <a:ln>
+                  <a:solidFill>
+                    <a:schemeClr val="tx1"/>
+                  </a:solidFill>
+                </a:ln>
+              </p:spPr>
+              <p:style>
+                <a:lnRef idx="2">
+                  <a:schemeClr val="accent1">
+                    <a:shade val="15000"/>
+                  </a:schemeClr>
+                </a:lnRef>
+                <a:fillRef idx="1">
+                  <a:schemeClr val="accent1"/>
+                </a:fillRef>
+                <a:effectRef idx="0">
+                  <a:schemeClr val="accent1"/>
+                </a:effectRef>
+                <a:fontRef idx="minor">
+                  <a:schemeClr val="lt1"/>
+                </a:fontRef>
+              </p:style>
+              <p:txBody>
+                <a:bodyPr rtlCol="0" anchor="ctr"/>
+                <a:lstStyle/>
+                <a:p>
+                  <a:pPr algn="ctr"/>
+                  <a:endParaRPr lang="de-DE"/>
+                </a:p>
+              </p:txBody>
+            </p:sp>
+            <p:sp>
+              <p:nvSpPr>
+                <p:cNvPr id="20" name="Ellipse 19">
+                  <a:extLst>
+                    <a:ext uri="{FF2B5EF4-FFF2-40B4-BE49-F238E27FC236}">
+                      <a16:creationId xmlns:a16="http://schemas.microsoft.com/office/drawing/2014/main" id="{A39E3E66-1E6B-F7A2-2BE9-906FE9953F61}"/>
+                    </a:ext>
+                  </a:extLst>
+                </p:cNvPr>
+                <p:cNvSpPr/>
+                <p:nvPr/>
+              </p:nvSpPr>
+              <p:spPr>
+                <a:xfrm>
+                  <a:off x="5849361" y="4597141"/>
+                  <a:ext cx="108000" cy="108000"/>
+                </a:xfrm>
+                <a:prstGeom prst="ellipse">
+                  <a:avLst/>
+                </a:prstGeom>
+                <a:solidFill>
+                  <a:schemeClr val="tx1"/>
+                </a:solidFill>
+                <a:ln>
+                  <a:solidFill>
+                    <a:schemeClr val="tx1"/>
+                  </a:solidFill>
+                </a:ln>
+              </p:spPr>
+              <p:style>
+                <a:lnRef idx="2">
+                  <a:schemeClr val="accent1">
+                    <a:shade val="15000"/>
+                  </a:schemeClr>
+                </a:lnRef>
+                <a:fillRef idx="1">
+                  <a:schemeClr val="accent1"/>
+                </a:fillRef>
+                <a:effectRef idx="0">
+                  <a:schemeClr val="accent1"/>
+                </a:effectRef>
+                <a:fontRef idx="minor">
+                  <a:schemeClr val="lt1"/>
+                </a:fontRef>
+              </p:style>
+              <p:txBody>
+                <a:bodyPr rtlCol="0" anchor="ctr"/>
+                <a:lstStyle/>
+                <a:p>
+                  <a:pPr algn="ctr"/>
+                  <a:endParaRPr lang="de-DE"/>
+                </a:p>
+              </p:txBody>
+            </p:sp>
+            <p:cxnSp>
+              <p:nvCxnSpPr>
+                <p:cNvPr id="21" name="Gerade Verbindung mit Pfeil 20">
+                  <a:extLst>
+                    <a:ext uri="{FF2B5EF4-FFF2-40B4-BE49-F238E27FC236}">
+                      <a16:creationId xmlns:a16="http://schemas.microsoft.com/office/drawing/2014/main" id="{5C483445-77BC-7A0E-E6D3-FC3D1656D273}"/>
+                    </a:ext>
+                  </a:extLst>
+                </p:cNvPr>
+                <p:cNvCxnSpPr>
+                  <a:cxnSpLocks/>
+                </p:cNvCxnSpPr>
+                <p:nvPr/>
+              </p:nvCxnSpPr>
+              <p:spPr>
+                <a:xfrm flipH="1" flipV="1">
+                  <a:off x="5504438" y="1407475"/>
+                  <a:ext cx="241699" cy="1944669"/>
+                </a:xfrm>
+                <a:prstGeom prst="straightConnector1">
+                  <a:avLst/>
+                </a:prstGeom>
+                <a:ln w="19050">
+                  <a:solidFill>
+                    <a:srgbClr val="7030A0"/>
+                  </a:solidFill>
+                  <a:tailEnd type="stealth" w="med" len="lg"/>
+                </a:ln>
+              </p:spPr>
+              <p:style>
+                <a:lnRef idx="1">
+                  <a:schemeClr val="accent1"/>
+                </a:lnRef>
+                <a:fillRef idx="0">
+                  <a:schemeClr val="accent1"/>
+                </a:fillRef>
+                <a:effectRef idx="0">
+                  <a:schemeClr val="accent1"/>
+                </a:effectRef>
+                <a:fontRef idx="minor">
+                  <a:schemeClr val="tx1"/>
+                </a:fontRef>
+              </p:style>
+            </p:cxnSp>
+            <p:cxnSp>
+              <p:nvCxnSpPr>
+                <p:cNvPr id="22" name="Gerade Verbindung mit Pfeil 21">
+                  <a:extLst>
+                    <a:ext uri="{FF2B5EF4-FFF2-40B4-BE49-F238E27FC236}">
+                      <a16:creationId xmlns:a16="http://schemas.microsoft.com/office/drawing/2014/main" id="{2FEA4310-8E25-AE3A-2446-3447FAD3E8E1}"/>
+                    </a:ext>
+                  </a:extLst>
+                </p:cNvPr>
+                <p:cNvCxnSpPr>
+                  <a:cxnSpLocks/>
+                </p:cNvCxnSpPr>
+                <p:nvPr/>
+              </p:nvCxnSpPr>
+              <p:spPr>
+                <a:xfrm>
+                  <a:off x="5752673" y="3354566"/>
+                  <a:ext cx="1533526" cy="1349433"/>
+                </a:xfrm>
+                <a:prstGeom prst="straightConnector1">
+                  <a:avLst/>
+                </a:prstGeom>
+                <a:ln w="19050">
+                  <a:solidFill>
+                    <a:srgbClr val="DA0000"/>
+                  </a:solidFill>
+                  <a:tailEnd type="stealth" w="med" len="lg"/>
+                </a:ln>
+              </p:spPr>
+              <p:style>
+                <a:lnRef idx="1">
+                  <a:schemeClr val="accent1"/>
+                </a:lnRef>
+                <a:fillRef idx="0">
+                  <a:schemeClr val="accent1"/>
+                </a:fillRef>
+                <a:effectRef idx="0">
+                  <a:schemeClr val="accent1"/>
+                </a:effectRef>
+                <a:fontRef idx="minor">
+                  <a:schemeClr val="tx1"/>
+                </a:fontRef>
+              </p:style>
+            </p:cxnSp>
+            <p:cxnSp>
+              <p:nvCxnSpPr>
+                <p:cNvPr id="23" name="Gerade Verbindung mit Pfeil 22">
+                  <a:extLst>
+                    <a:ext uri="{FF2B5EF4-FFF2-40B4-BE49-F238E27FC236}">
+                      <a16:creationId xmlns:a16="http://schemas.microsoft.com/office/drawing/2014/main" id="{41595CF2-61B4-D49C-9D6B-F6AF87146350}"/>
+                    </a:ext>
+                  </a:extLst>
+                </p:cNvPr>
+                <p:cNvCxnSpPr>
+                  <a:cxnSpLocks/>
+                </p:cNvCxnSpPr>
+                <p:nvPr/>
+              </p:nvCxnSpPr>
+              <p:spPr>
+                <a:xfrm flipH="1">
+                  <a:off x="4588670" y="3356011"/>
+                  <a:ext cx="1148400" cy="1796400"/>
+                </a:xfrm>
+                <a:prstGeom prst="straightConnector1">
+                  <a:avLst/>
+                </a:prstGeom>
+                <a:ln w="19050">
+                  <a:solidFill>
+                    <a:srgbClr val="00B050"/>
+                  </a:solidFill>
+                  <a:tailEnd type="stealth" w="med" len="lg"/>
+                </a:ln>
+              </p:spPr>
+              <p:style>
+                <a:lnRef idx="1">
+                  <a:schemeClr val="accent1"/>
+                </a:lnRef>
+                <a:fillRef idx="0">
+                  <a:schemeClr val="accent1"/>
+                </a:fillRef>
+                <a:effectRef idx="0">
+                  <a:schemeClr val="accent1"/>
+                </a:effectRef>
+                <a:fontRef idx="minor">
+                  <a:schemeClr val="tx1"/>
+                </a:fontRef>
+              </p:style>
+            </p:cxnSp>
+            <p:grpSp>
+              <p:nvGrpSpPr>
+                <p:cNvPr id="24" name="Gruppieren 23">
+                  <a:extLst>
+                    <a:ext uri="{FF2B5EF4-FFF2-40B4-BE49-F238E27FC236}">
+                      <a16:creationId xmlns:a16="http://schemas.microsoft.com/office/drawing/2014/main" id="{821330C1-C2D8-0A99-BB82-FC8374270F72}"/>
+                    </a:ext>
+                  </a:extLst>
+                </p:cNvPr>
+                <p:cNvGrpSpPr/>
+                <p:nvPr/>
+              </p:nvGrpSpPr>
+              <p:grpSpPr>
+                <a:xfrm>
+                  <a:off x="5674138" y="3276920"/>
+                  <a:ext cx="144000" cy="144000"/>
+                  <a:chOff x="10362382" y="2655862"/>
+                  <a:chExt cx="108000" cy="108000"/>
+                </a:xfrm>
+              </p:grpSpPr>
+              <p:cxnSp>
+                <p:nvCxnSpPr>
+                  <p:cNvPr id="25" name="Gerader Verbinder 24">
+                    <a:extLst>
+                      <a:ext uri="{FF2B5EF4-FFF2-40B4-BE49-F238E27FC236}">
+                        <a16:creationId xmlns:a16="http://schemas.microsoft.com/office/drawing/2014/main" id="{3D58BFAA-7767-A578-E0CD-8C77BD971C55}"/>
+                      </a:ext>
+                    </a:extLst>
+                  </p:cNvPr>
+                  <p:cNvCxnSpPr>
+                    <a:cxnSpLocks/>
+                  </p:cNvCxnSpPr>
+                  <p:nvPr/>
+                </p:nvCxnSpPr>
+                <p:spPr>
+                  <a:xfrm>
+                    <a:off x="10416382" y="2655862"/>
+                    <a:ext cx="0" cy="108000"/>
+                  </a:xfrm>
+                  <a:prstGeom prst="line">
+                    <a:avLst/>
+                  </a:prstGeom>
+                  <a:ln w="19050">
+                    <a:solidFill>
+                      <a:schemeClr val="tx1"/>
+                    </a:solidFill>
+                  </a:ln>
+                </p:spPr>
+                <p:style>
+                  <a:lnRef idx="1">
+                    <a:schemeClr val="accent1"/>
+                  </a:lnRef>
+                  <a:fillRef idx="0">
+                    <a:schemeClr val="accent1"/>
+                  </a:fillRef>
+                  <a:effectRef idx="0">
+                    <a:schemeClr val="accent1"/>
+                  </a:effectRef>
+                  <a:fontRef idx="minor">
+                    <a:schemeClr val="tx1"/>
+                  </a:fontRef>
+                </p:style>
+              </p:cxnSp>
+              <p:cxnSp>
+                <p:nvCxnSpPr>
+                  <p:cNvPr id="26" name="Gerader Verbinder 25">
+                    <a:extLst>
+                      <a:ext uri="{FF2B5EF4-FFF2-40B4-BE49-F238E27FC236}">
+                        <a16:creationId xmlns:a16="http://schemas.microsoft.com/office/drawing/2014/main" id="{AAE5CBD4-1435-80F7-4BF8-C876C431D932}"/>
+                      </a:ext>
+                    </a:extLst>
+                  </p:cNvPr>
+                  <p:cNvCxnSpPr>
+                    <a:cxnSpLocks/>
+                  </p:cNvCxnSpPr>
+                  <p:nvPr/>
+                </p:nvCxnSpPr>
+                <p:spPr>
+                  <a:xfrm>
+                    <a:off x="10362382" y="2709862"/>
+                    <a:ext cx="108000" cy="0"/>
+                  </a:xfrm>
+                  <a:prstGeom prst="line">
+                    <a:avLst/>
+                  </a:prstGeom>
+                  <a:ln w="19050">
+                    <a:solidFill>
+                      <a:schemeClr val="tx1"/>
+                    </a:solidFill>
+                  </a:ln>
+                </p:spPr>
+                <p:style>
+                  <a:lnRef idx="1">
+                    <a:schemeClr val="accent1"/>
+                  </a:lnRef>
+                  <a:fillRef idx="0">
+                    <a:schemeClr val="accent1"/>
+                  </a:fillRef>
+                  <a:effectRef idx="0">
+                    <a:schemeClr val="accent1"/>
+                  </a:effectRef>
+                  <a:fontRef idx="minor">
+                    <a:schemeClr val="tx1"/>
+                  </a:fontRef>
+                </p:style>
+              </p:cxnSp>
+            </p:grpSp>
+          </p:grpSp>
+          <p:sp>
+            <p:nvSpPr>
+              <p:cNvPr id="8" name="Ellipse 7">
+                <a:extLst>
+                  <a:ext uri="{FF2B5EF4-FFF2-40B4-BE49-F238E27FC236}">
+                    <a16:creationId xmlns:a16="http://schemas.microsoft.com/office/drawing/2014/main" id="{CDE18BF2-15EF-E7E6-871F-9568B15B3388}"/>
+                  </a:ext>
+                </a:extLst>
+              </p:cNvPr>
+              <p:cNvSpPr/>
+              <p:nvPr/>
+            </p:nvSpPr>
+            <p:spPr>
+              <a:xfrm>
+                <a:off x="6532001" y="4026145"/>
+                <a:ext cx="108000" cy="108000"/>
+              </a:xfrm>
+              <a:prstGeom prst="ellipse">
+                <a:avLst/>
+              </a:prstGeom>
+              <a:solidFill>
+                <a:srgbClr val="0070C0"/>
+              </a:solidFill>
+              <a:ln>
+                <a:solidFill>
+                  <a:srgbClr val="0070C0"/>
+                </a:solidFill>
+              </a:ln>
+            </p:spPr>
+            <p:style>
+              <a:lnRef idx="2">
+                <a:schemeClr val="accent1">
+                  <a:shade val="15000"/>
+                </a:schemeClr>
+              </a:lnRef>
+              <a:fillRef idx="1">
+                <a:schemeClr val="accent1"/>
+              </a:fillRef>
+              <a:effectRef idx="0">
+                <a:schemeClr val="accent1"/>
+              </a:effectRef>
+              <a:fontRef idx="minor">
+                <a:schemeClr val="lt1"/>
+              </a:fontRef>
+            </p:style>
+            <p:txBody>
+              <a:bodyPr rtlCol="0" anchor="ctr"/>
+              <a:lstStyle/>
+              <a:p>
+                <a:pPr algn="ctr"/>
+                <a:endParaRPr lang="de-DE">
+                  <a:solidFill>
+                    <a:srgbClr val="0070C0"/>
+                  </a:solidFill>
+                </a:endParaRPr>
+              </a:p>
+            </p:txBody>
+          </p:sp>
+          <mc:AlternateContent xmlns:mc="http://schemas.openxmlformats.org/markup-compatibility/2006">
+            <mc:Choice xmlns:a14="http://schemas.microsoft.com/office/drawing/2010/main" Requires="a14">
+              <p:sp>
+                <p:nvSpPr>
+                  <p:cNvPr id="9" name="Textfeld 8">
+                    <a:extLst>
+                      <a:ext uri="{FF2B5EF4-FFF2-40B4-BE49-F238E27FC236}">
+                        <a16:creationId xmlns:a16="http://schemas.microsoft.com/office/drawing/2014/main" id="{90775493-8BEB-CEC6-92C0-4372FFEA7BAE}"/>
+                      </a:ext>
+                    </a:extLst>
+                  </p:cNvPr>
+                  <p:cNvSpPr txBox="1"/>
+                  <p:nvPr/>
+                </p:nvSpPr>
+                <p:spPr>
+                  <a:xfrm>
+                    <a:off x="6551688" y="3919333"/>
+                    <a:ext cx="370914" cy="523220"/>
+                  </a:xfrm>
+                  <a:prstGeom prst="rect">
+                    <a:avLst/>
+                  </a:prstGeom>
+                  <a:noFill/>
+                </p:spPr>
+                <p:txBody>
+                  <a:bodyPr wrap="square">
+                    <a:spAutoFit/>
+                  </a:bodyPr>
+                  <a:lstStyle/>
+                  <a:p>
+                    <a:pPr/>
+                    <a14:m>
+                      <m:oMathPara xmlns:m="http://schemas.openxmlformats.org/officeDocument/2006/math">
+                        <m:oMathParaPr>
+                          <m:jc m:val="centerGroup"/>
+                        </m:oMathParaPr>
+                        <m:oMath xmlns:m="http://schemas.openxmlformats.org/officeDocument/2006/math">
+                          <m:r>
+                            <a:rPr lang="de-DE" sz="2800" i="1" smtClean="0">
+                              <a:solidFill>
+                                <a:srgbClr val="0070C0"/>
+                              </a:solidFill>
+                              <a:latin typeface="Cambria Math" panose="02040503050406030204" pitchFamily="18" charset="0"/>
+                              <a:ea typeface="Cambria Math" panose="02040503050406030204" pitchFamily="18" charset="0"/>
+                            </a:rPr>
+                            <m:t>𝑐</m:t>
+                          </m:r>
+                        </m:oMath>
+                      </m:oMathPara>
+                    </a14:m>
+                    <a:endParaRPr lang="de-DE" sz="2800" dirty="0">
+                      <a:solidFill>
+                        <a:srgbClr val="0070C0"/>
+                      </a:solidFill>
+                    </a:endParaRPr>
+                  </a:p>
+                </p:txBody>
+              </p:sp>
+            </mc:Choice>
+            <mc:Fallback>
+              <p:sp>
+                <p:nvSpPr>
+                  <p:cNvPr id="9" name="Textfeld 8">
+                    <a:extLst>
+                      <a:ext uri="{FF2B5EF4-FFF2-40B4-BE49-F238E27FC236}">
+                        <a16:creationId xmlns:a16="http://schemas.microsoft.com/office/drawing/2014/main" id="{90775493-8BEB-CEC6-92C0-4372FFEA7BAE}"/>
+                      </a:ext>
+                    </a:extLst>
+                  </p:cNvPr>
+                  <p:cNvSpPr txBox="1">
+                    <a:spLocks noRot="1" noChangeAspect="1" noMove="1" noResize="1" noEditPoints="1" noAdjustHandles="1" noChangeArrowheads="1" noChangeShapeType="1" noTextEdit="1"/>
+                  </p:cNvSpPr>
+                  <p:nvPr/>
+                </p:nvSpPr>
+                <p:spPr>
+                  <a:xfrm>
+                    <a:off x="6551688" y="3919333"/>
+                    <a:ext cx="370914" cy="523220"/>
+                  </a:xfrm>
+                  <a:prstGeom prst="rect">
+                    <a:avLst/>
+                  </a:prstGeom>
+                  <a:blipFill>
+                    <a:blip r:embed="rId6"/>
+                    <a:stretch>
+                      <a:fillRect/>
+                    </a:stretch>
+                  </a:blipFill>
+                </p:spPr>
+                <p:txBody>
+                  <a:bodyPr/>
+                  <a:lstStyle/>
+                  <a:p>
+                    <a:r>
+                      <a:rPr lang="de-DE">
+                        <a:noFill/>
+                      </a:rPr>
+                      <a:t> </a:t>
+                    </a:r>
+                  </a:p>
+                </p:txBody>
+              </p:sp>
+            </mc:Fallback>
+          </mc:AlternateContent>
+        </p:grpSp>
+      </p:grpSp>
+    </p:spTree>
+    <p:extLst>
+      <p:ext uri="{BB962C8B-B14F-4D97-AF65-F5344CB8AC3E}">
+        <p14:creationId xmlns:p14="http://schemas.microsoft.com/office/powerpoint/2010/main" val="1412021052"/>
+      </p:ext>
+    </p:extLst>
+  </p:cSld>
+  <p:clrMapOvr>
+    <a:masterClrMapping/>
+  </p:clrMapOvr>
+</p:sld>
+</file>
+
+<file path=ppt/slides/slide6.xml><?xml version="1.0" encoding="utf-8"?>
+<p:sld xmlns:a="http://schemas.openxmlformats.org/drawingml/2006/main" xmlns:r="http://schemas.openxmlformats.org/officeDocument/2006/relationships" xmlns:p="http://schemas.openxmlformats.org/presentationml/2006/main">
+  <p:cSld>
+    <p:spTree>
+      <p:nvGrpSpPr>
+        <p:cNvPr id="1" name=""/>
+        <p:cNvGrpSpPr/>
+        <p:nvPr/>
+      </p:nvGrpSpPr>
+      <p:grpSpPr>
+        <a:xfrm>
+          <a:off x="0" y="0"/>
+          <a:ext cx="0" cy="0"/>
+          <a:chOff x="0" y="0"/>
+          <a:chExt cx="0" cy="0"/>
+        </a:xfrm>
+      </p:grpSpPr>
+      <p:grpSp>
+        <p:nvGrpSpPr>
+          <p:cNvPr id="13" name="Gruppieren 12">
+            <a:extLst>
+              <a:ext uri="{FF2B5EF4-FFF2-40B4-BE49-F238E27FC236}">
+                <a16:creationId xmlns:a16="http://schemas.microsoft.com/office/drawing/2014/main" id="{046175E2-FC37-FD2F-6E53-FBE3CBA2FB35}"/>
+              </a:ext>
+            </a:extLst>
+          </p:cNvPr>
+          <p:cNvGrpSpPr/>
+          <p:nvPr/>
+        </p:nvGrpSpPr>
+        <p:grpSpPr>
+          <a:xfrm>
+            <a:off x="4221716" y="1418391"/>
+            <a:ext cx="3652570" cy="3814672"/>
+            <a:chOff x="4221716" y="1418391"/>
+            <a:chExt cx="3652570" cy="3814672"/>
+          </a:xfrm>
+        </p:grpSpPr>
+        <p:grpSp>
+          <p:nvGrpSpPr>
+            <p:cNvPr id="10" name="Gruppieren 9">
+              <a:extLst>
+                <a:ext uri="{FF2B5EF4-FFF2-40B4-BE49-F238E27FC236}">
+                  <a16:creationId xmlns:a16="http://schemas.microsoft.com/office/drawing/2014/main" id="{DD6274FC-09F9-DB2D-500F-4BA671A8B42C}"/>
+                </a:ext>
+              </a:extLst>
+            </p:cNvPr>
+            <p:cNvGrpSpPr/>
+            <p:nvPr/>
+          </p:nvGrpSpPr>
+          <p:grpSpPr>
+            <a:xfrm>
+              <a:off x="4221716" y="1418391"/>
+              <a:ext cx="3652570" cy="3814672"/>
+              <a:chOff x="4221716" y="1418391"/>
+              <a:chExt cx="3652570" cy="3814672"/>
+            </a:xfrm>
+          </p:grpSpPr>
+          <p:grpSp>
+            <p:nvGrpSpPr>
+              <p:cNvPr id="66" name="Gruppieren 65">
+                <a:extLst>
+                  <a:ext uri="{FF2B5EF4-FFF2-40B4-BE49-F238E27FC236}">
+                    <a16:creationId xmlns:a16="http://schemas.microsoft.com/office/drawing/2014/main" id="{46A88438-BAE1-7334-27B7-2AF2D9A7A0E9}"/>
+                  </a:ext>
+                </a:extLst>
+              </p:cNvPr>
+              <p:cNvGrpSpPr/>
+              <p:nvPr/>
+            </p:nvGrpSpPr>
+            <p:grpSpPr>
+              <a:xfrm>
+                <a:off x="4221716" y="1418391"/>
+                <a:ext cx="3652570" cy="3814672"/>
+                <a:chOff x="3872094" y="1342191"/>
+                <a:chExt cx="3652570" cy="3814672"/>
+              </a:xfrm>
+            </p:grpSpPr>
+            <p:sp>
+              <p:nvSpPr>
+                <p:cNvPr id="6" name="Ellipse 5">
+                  <a:extLst>
+                    <a:ext uri="{FF2B5EF4-FFF2-40B4-BE49-F238E27FC236}">
+                      <a16:creationId xmlns:a16="http://schemas.microsoft.com/office/drawing/2014/main" id="{8624DD78-9A21-EAF9-BF62-EA65FB50FFC7}"/>
+                    </a:ext>
+                  </a:extLst>
+                </p:cNvPr>
+                <p:cNvSpPr/>
+                <p:nvPr/>
+              </p:nvSpPr>
+              <p:spPr>
+                <a:xfrm>
+                  <a:off x="4455306" y="2055041"/>
+                  <a:ext cx="2595951" cy="2595951"/>
+                </a:xfrm>
+                <a:prstGeom prst="ellipse">
+                  <a:avLst/>
+                </a:prstGeom>
+                <a:noFill/>
+                <a:ln w="19050">
+                  <a:solidFill>
+                    <a:schemeClr val="bg1">
+                      <a:lumMod val="75000"/>
+                    </a:schemeClr>
+                  </a:solidFill>
+                </a:ln>
+              </p:spPr>
+              <p:style>
+                <a:lnRef idx="2">
+                  <a:schemeClr val="accent1">
+                    <a:shade val="15000"/>
+                  </a:schemeClr>
+                </a:lnRef>
+                <a:fillRef idx="1">
+                  <a:schemeClr val="accent1"/>
+                </a:fillRef>
+                <a:effectRef idx="0">
+                  <a:schemeClr val="accent1"/>
+                </a:effectRef>
+                <a:fontRef idx="minor">
+                  <a:schemeClr val="lt1"/>
+                </a:fontRef>
+              </p:style>
+              <p:txBody>
+                <a:bodyPr rtlCol="0" anchor="ctr"/>
+                <a:lstStyle/>
+                <a:p>
+                  <a:pPr algn="ctr"/>
+                  <a:endParaRPr lang="de-DE"/>
+                </a:p>
+              </p:txBody>
+            </p:sp>
+            <p:sp>
+              <p:nvSpPr>
+                <p:cNvPr id="5" name="Gleichschenkliges Dreieck 4">
+                  <a:extLst>
+                    <a:ext uri="{FF2B5EF4-FFF2-40B4-BE49-F238E27FC236}">
+                      <a16:creationId xmlns:a16="http://schemas.microsoft.com/office/drawing/2014/main" id="{7C42D129-1BE2-CB92-EDE7-75330DDAEE65}"/>
+                    </a:ext>
+                  </a:extLst>
+                </p:cNvPr>
+                <p:cNvSpPr/>
+                <p:nvPr/>
+              </p:nvSpPr>
+              <p:spPr>
+                <a:xfrm rot="9866727">
+                  <a:off x="4771617" y="1830117"/>
+                  <a:ext cx="2546800" cy="2707003"/>
+                </a:xfrm>
+                <a:prstGeom prst="triangle">
+                  <a:avLst>
+                    <a:gd name="adj" fmla="val 70755"/>
+                  </a:avLst>
+                </a:prstGeom>
+                <a:noFill/>
+                <a:ln w="19050">
+                  <a:solidFill>
+                    <a:schemeClr val="bg1">
+                      <a:lumMod val="50000"/>
+                    </a:schemeClr>
+                  </a:solidFill>
+                </a:ln>
+              </p:spPr>
+              <p:style>
+                <a:lnRef idx="2">
+                  <a:schemeClr val="accent1">
+                    <a:shade val="15000"/>
+                  </a:schemeClr>
+                </a:lnRef>
+                <a:fillRef idx="1">
+                  <a:schemeClr val="accent1"/>
+                </a:fillRef>
+                <a:effectRef idx="0">
+                  <a:schemeClr val="accent1"/>
+                </a:effectRef>
+                <a:fontRef idx="minor">
+                  <a:schemeClr val="lt1"/>
+                </a:fontRef>
+              </p:style>
+              <p:txBody>
+                <a:bodyPr rtlCol="0" anchor="ctr"/>
+                <a:lstStyle/>
+                <a:p>
+                  <a:pPr algn="ctr"/>
+                  <a:endParaRPr lang="de-DE"/>
+                </a:p>
+              </p:txBody>
+            </p:sp>
+            <p:cxnSp>
+              <p:nvCxnSpPr>
+                <p:cNvPr id="8" name="Gerader Verbinder 7">
+                  <a:extLst>
+                    <a:ext uri="{FF2B5EF4-FFF2-40B4-BE49-F238E27FC236}">
+                      <a16:creationId xmlns:a16="http://schemas.microsoft.com/office/drawing/2014/main" id="{E1B766E3-3D1E-5671-773A-A363E13D8237}"/>
+                    </a:ext>
+                  </a:extLst>
+                </p:cNvPr>
+                <p:cNvCxnSpPr>
+                  <a:cxnSpLocks/>
+                </p:cNvCxnSpPr>
+                <p:nvPr/>
+              </p:nvCxnSpPr>
+              <p:spPr>
+                <a:xfrm>
+                  <a:off x="5746377" y="1568823"/>
+                  <a:ext cx="0" cy="3406589"/>
+                </a:xfrm>
+                <a:prstGeom prst="line">
+                  <a:avLst/>
+                </a:prstGeom>
+                <a:ln>
+                  <a:solidFill>
+                    <a:schemeClr val="bg2">
+                      <a:lumMod val="50000"/>
+                    </a:schemeClr>
+                  </a:solidFill>
+                  <a:prstDash val="lgDash"/>
+                </a:ln>
+              </p:spPr>
+              <p:style>
+                <a:lnRef idx="1">
+                  <a:schemeClr val="accent1"/>
+                </a:lnRef>
+                <a:fillRef idx="0">
+                  <a:schemeClr val="accent1"/>
+                </a:fillRef>
+                <a:effectRef idx="0">
+                  <a:schemeClr val="accent1"/>
+                </a:effectRef>
+                <a:fontRef idx="minor">
+                  <a:schemeClr val="tx1"/>
+                </a:fontRef>
+              </p:style>
+            </p:cxnSp>
+            <p:cxnSp>
+              <p:nvCxnSpPr>
+                <p:cNvPr id="11" name="Gerader Verbinder 10">
+                  <a:extLst>
+                    <a:ext uri="{FF2B5EF4-FFF2-40B4-BE49-F238E27FC236}">
+                      <a16:creationId xmlns:a16="http://schemas.microsoft.com/office/drawing/2014/main" id="{C4B9A275-EFF1-B966-46AC-6BDF5D2788E7}"/>
+                    </a:ext>
+                  </a:extLst>
+                </p:cNvPr>
+                <p:cNvCxnSpPr>
+                  <a:cxnSpLocks/>
+                </p:cNvCxnSpPr>
+                <p:nvPr/>
+              </p:nvCxnSpPr>
+              <p:spPr>
+                <a:xfrm flipH="1">
+                  <a:off x="4072378" y="3349149"/>
+                  <a:ext cx="3348000" cy="0"/>
+                </a:xfrm>
+                <a:prstGeom prst="line">
+                  <a:avLst/>
+                </a:prstGeom>
+                <a:ln>
+                  <a:solidFill>
+                    <a:schemeClr val="bg2">
+                      <a:lumMod val="50000"/>
+                    </a:schemeClr>
+                  </a:solidFill>
+                  <a:prstDash val="lgDash"/>
+                </a:ln>
+              </p:spPr>
+              <p:style>
+                <a:lnRef idx="1">
+                  <a:schemeClr val="accent1"/>
+                </a:lnRef>
+                <a:fillRef idx="0">
+                  <a:schemeClr val="accent1"/>
+                </a:fillRef>
+                <a:effectRef idx="0">
+                  <a:schemeClr val="accent1"/>
+                </a:effectRef>
+                <a:fontRef idx="minor">
+                  <a:schemeClr val="tx1"/>
+                </a:fontRef>
+              </p:style>
+            </p:cxnSp>
+            <mc:AlternateContent xmlns:mc="http://schemas.openxmlformats.org/markup-compatibility/2006">
+              <mc:Choice xmlns:a14="http://schemas.microsoft.com/office/drawing/2010/main" Requires="a14">
+                <p:sp>
+                  <p:nvSpPr>
+                    <p:cNvPr id="19" name="Textfeld 18">
+                      <a:extLst>
+                        <a:ext uri="{FF2B5EF4-FFF2-40B4-BE49-F238E27FC236}">
+                          <a16:creationId xmlns:a16="http://schemas.microsoft.com/office/drawing/2014/main" id="{4981A054-67AC-4B7F-BD1D-850F7DC78A06}"/>
+                        </a:ext>
+                      </a:extLst>
+                    </p:cNvPr>
+                    <p:cNvSpPr txBox="1"/>
+                    <p:nvPr/>
+                  </p:nvSpPr>
+                  <p:spPr>
+                    <a:xfrm>
+                      <a:off x="5786323" y="2946563"/>
+                      <a:ext cx="487056" cy="523220"/>
+                    </a:xfrm>
+                    <a:prstGeom prst="rect">
+                      <a:avLst/>
+                    </a:prstGeom>
+                    <a:noFill/>
+                  </p:spPr>
+                  <p:txBody>
+                    <a:bodyPr wrap="none" rtlCol="0">
+                      <a:spAutoFit/>
+                    </a:bodyPr>
+                    <a:lstStyle/>
+                    <a:p>
+                      <a:pPr/>
+                      <a14:m>
+                        <m:oMathPara xmlns:m="http://schemas.openxmlformats.org/officeDocument/2006/math">
+                          <m:oMathParaPr>
+                            <m:jc m:val="centerGroup"/>
+                          </m:oMathParaPr>
+                          <m:oMath xmlns:m="http://schemas.openxmlformats.org/officeDocument/2006/math">
+                            <m:r>
+                              <a:rPr lang="de-DE" sz="2800" i="1" smtClean="0">
+                                <a:latin typeface="Cambria Math" panose="02040503050406030204" pitchFamily="18" charset="0"/>
+                                <a:ea typeface="Latin Modern Math" panose="02000503000000000000" pitchFamily="50" charset="0"/>
+                              </a:rPr>
+                              <m:t>𝑝</m:t>
+                            </m:r>
+                          </m:oMath>
+                        </m:oMathPara>
+                      </a14:m>
+                      <a:endParaRPr lang="de-DE" sz="2800" i="1" dirty="0">
+                        <a:latin typeface="Latin Modern Math" panose="02000503000000000000" pitchFamily="50" charset="0"/>
+                        <a:ea typeface="Latin Modern Math" panose="02000503000000000000" pitchFamily="50" charset="0"/>
+                      </a:endParaRPr>
+                    </a:p>
+                  </p:txBody>
+                </p:sp>
+              </mc:Choice>
+              <mc:Fallback>
+                <p:sp>
+                  <p:nvSpPr>
+                    <p:cNvPr id="19" name="Textfeld 18">
+                      <a:extLst>
+                        <a:ext uri="{FF2B5EF4-FFF2-40B4-BE49-F238E27FC236}">
+                          <a16:creationId xmlns:a16="http://schemas.microsoft.com/office/drawing/2014/main" id="{4981A054-67AC-4B7F-BD1D-850F7DC78A06}"/>
+                        </a:ext>
+                      </a:extLst>
+                    </p:cNvPr>
+                    <p:cNvSpPr txBox="1">
+                      <a:spLocks noRot="1" noChangeAspect="1" noMove="1" noResize="1" noEditPoints="1" noAdjustHandles="1" noChangeArrowheads="1" noChangeShapeType="1" noTextEdit="1"/>
+                    </p:cNvSpPr>
+                    <p:nvPr/>
+                  </p:nvSpPr>
+                  <p:spPr>
+                    <a:xfrm>
+                      <a:off x="5786323" y="2946563"/>
+                      <a:ext cx="487056" cy="523220"/>
+                    </a:xfrm>
+                    <a:prstGeom prst="rect">
+                      <a:avLst/>
+                    </a:prstGeom>
+                    <a:blipFill>
+                      <a:blip r:embed="rId2"/>
+                      <a:stretch>
+                        <a:fillRect/>
+                      </a:stretch>
+                    </a:blipFill>
+                  </p:spPr>
+                  <p:txBody>
+                    <a:bodyPr/>
+                    <a:lstStyle/>
+                    <a:p>
+                      <a:r>
+                        <a:rPr lang="de-DE">
+                          <a:noFill/>
+                        </a:rPr>
+                        <a:t> </a:t>
+                      </a:r>
+                    </a:p>
+                  </p:txBody>
+                </p:sp>
+              </mc:Fallback>
+            </mc:AlternateContent>
+            <mc:AlternateContent xmlns:mc="http://schemas.openxmlformats.org/markup-compatibility/2006">
+              <mc:Choice xmlns:a14="http://schemas.microsoft.com/office/drawing/2010/main" Requires="a14">
+                <p:sp>
+                  <p:nvSpPr>
+                    <p:cNvPr id="20" name="Textfeld 19">
+                      <a:extLst>
+                        <a:ext uri="{FF2B5EF4-FFF2-40B4-BE49-F238E27FC236}">
+                          <a16:creationId xmlns:a16="http://schemas.microsoft.com/office/drawing/2014/main" id="{662677B5-999A-577A-AB45-A193B48DAF77}"/>
+                        </a:ext>
+                      </a:extLst>
+                    </p:cNvPr>
+                    <p:cNvSpPr txBox="1"/>
+                    <p:nvPr/>
+                  </p:nvSpPr>
+                  <p:spPr>
+                    <a:xfrm>
+                      <a:off x="6893915" y="1342191"/>
+                      <a:ext cx="630749" cy="523220"/>
+                    </a:xfrm>
+                    <a:prstGeom prst="rect">
+                      <a:avLst/>
+                    </a:prstGeom>
+                    <a:noFill/>
+                  </p:spPr>
+                  <p:txBody>
+                    <a:bodyPr wrap="none" rtlCol="0">
+                      <a:spAutoFit/>
+                    </a:bodyPr>
+                    <a:lstStyle/>
+                    <a:p>
+                      <a:pPr/>
+                      <a14:m>
+                        <m:oMathPara xmlns:m="http://schemas.openxmlformats.org/officeDocument/2006/math">
+                          <m:oMathParaPr>
+                            <m:jc m:val="centerGroup"/>
+                          </m:oMathParaPr>
+                          <m:oMath xmlns:m="http://schemas.openxmlformats.org/officeDocument/2006/math">
+                            <m:sSub>
+                              <m:sSubPr>
+                                <m:ctrlPr>
+                                  <a:rPr lang="de-DE" sz="2800" b="0" i="1" smtClean="0">
+                                    <a:solidFill>
+                                      <a:srgbClr val="00B050"/>
+                                    </a:solidFill>
+                                    <a:latin typeface="Cambria Math" panose="02040503050406030204" pitchFamily="18" charset="0"/>
+                                    <a:ea typeface="Cambria Math" panose="02040503050406030204" pitchFamily="18" charset="0"/>
+                                  </a:rPr>
+                                </m:ctrlPr>
+                              </m:sSubPr>
+                              <m:e>
+                                <m:r>
+                                  <a:rPr lang="de-DE" sz="2800" b="0" i="1" smtClean="0">
+                                    <a:solidFill>
+                                      <a:srgbClr val="00B050"/>
+                                    </a:solidFill>
+                                    <a:latin typeface="Cambria Math" panose="02040503050406030204" pitchFamily="18" charset="0"/>
+                                    <a:ea typeface="Cambria Math" panose="02040503050406030204" pitchFamily="18" charset="0"/>
+                                  </a:rPr>
+                                  <m:t>𝑎</m:t>
+                                </m:r>
+                              </m:e>
+                              <m:sub>
+                                <m:r>
+                                  <a:rPr lang="de-DE" sz="2800" b="0" i="1" smtClean="0">
+                                    <a:solidFill>
+                                      <a:srgbClr val="00B050"/>
+                                    </a:solidFill>
+                                    <a:latin typeface="Cambria Math" panose="02040503050406030204" pitchFamily="18" charset="0"/>
+                                    <a:ea typeface="Cambria Math" panose="02040503050406030204" pitchFamily="18" charset="0"/>
+                                  </a:rPr>
+                                  <m:t>2</m:t>
+                                </m:r>
+                              </m:sub>
+                            </m:sSub>
+                          </m:oMath>
+                        </m:oMathPara>
+                      </a14:m>
+                      <a:endParaRPr lang="de-DE" sz="2800" i="1" dirty="0">
+                        <a:latin typeface="Cambria Math" panose="02040503050406030204" pitchFamily="18" charset="0"/>
+                        <a:ea typeface="Cambria Math" panose="02040503050406030204" pitchFamily="18" charset="0"/>
+                      </a:endParaRPr>
+                    </a:p>
+                  </p:txBody>
+                </p:sp>
+              </mc:Choice>
+              <mc:Fallback>
+                <p:sp>
+                  <p:nvSpPr>
+                    <p:cNvPr id="20" name="Textfeld 19">
+                      <a:extLst>
+                        <a:ext uri="{FF2B5EF4-FFF2-40B4-BE49-F238E27FC236}">
+                          <a16:creationId xmlns:a16="http://schemas.microsoft.com/office/drawing/2014/main" id="{662677B5-999A-577A-AB45-A193B48DAF77}"/>
+                        </a:ext>
+                      </a:extLst>
+                    </p:cNvPr>
+                    <p:cNvSpPr txBox="1">
+                      <a:spLocks noRot="1" noChangeAspect="1" noMove="1" noResize="1" noEditPoints="1" noAdjustHandles="1" noChangeArrowheads="1" noChangeShapeType="1" noTextEdit="1"/>
+                    </p:cNvSpPr>
+                    <p:nvPr/>
+                  </p:nvSpPr>
+                  <p:spPr>
+                    <a:xfrm>
+                      <a:off x="6893915" y="1342191"/>
+                      <a:ext cx="630749" cy="523220"/>
+                    </a:xfrm>
+                    <a:prstGeom prst="rect">
+                      <a:avLst/>
+                    </a:prstGeom>
+                    <a:blipFill>
+                      <a:blip r:embed="rId3"/>
+                      <a:stretch>
+                        <a:fillRect/>
+                      </a:stretch>
+                    </a:blipFill>
+                  </p:spPr>
+                  <p:txBody>
+                    <a:bodyPr/>
+                    <a:lstStyle/>
+                    <a:p>
+                      <a:r>
+                        <a:rPr lang="de-DE">
+                          <a:noFill/>
+                        </a:rPr>
+                        <a:t> </a:t>
+                      </a:r>
+                    </a:p>
+                  </p:txBody>
+                </p:sp>
+              </mc:Fallback>
+            </mc:AlternateContent>
+            <mc:AlternateContent xmlns:mc="http://schemas.openxmlformats.org/markup-compatibility/2006">
+              <mc:Choice xmlns:a14="http://schemas.microsoft.com/office/drawing/2010/main" Requires="a14">
+                <p:sp>
+                  <p:nvSpPr>
+                    <p:cNvPr id="21" name="Textfeld 20">
+                      <a:extLst>
+                        <a:ext uri="{FF2B5EF4-FFF2-40B4-BE49-F238E27FC236}">
+                          <a16:creationId xmlns:a16="http://schemas.microsoft.com/office/drawing/2014/main" id="{31EFE651-69CB-C1B3-34B8-0D12E07AF0F0}"/>
+                        </a:ext>
+                      </a:extLst>
+                    </p:cNvPr>
+                    <p:cNvSpPr txBox="1"/>
+                    <p:nvPr/>
+                  </p:nvSpPr>
+                  <p:spPr>
+                    <a:xfrm>
+                      <a:off x="3872094" y="1964114"/>
+                      <a:ext cx="630749" cy="523220"/>
+                    </a:xfrm>
+                    <a:prstGeom prst="rect">
+                      <a:avLst/>
+                    </a:prstGeom>
+                    <a:noFill/>
+                  </p:spPr>
+                  <p:txBody>
+                    <a:bodyPr wrap="none" rtlCol="0">
+                      <a:spAutoFit/>
+                    </a:bodyPr>
+                    <a:lstStyle/>
+                    <a:p>
+                      <a:pPr/>
+                      <a14:m>
+                        <m:oMathPara xmlns:m="http://schemas.openxmlformats.org/officeDocument/2006/math">
+                          <m:oMathParaPr>
+                            <m:jc m:val="centerGroup"/>
+                          </m:oMathParaPr>
+                          <m:oMath xmlns:m="http://schemas.openxmlformats.org/officeDocument/2006/math">
+                            <m:sSub>
+                              <m:sSubPr>
+                                <m:ctrlPr>
+                                  <a:rPr lang="de-DE" sz="2800" b="0" i="1" smtClean="0">
+                                    <a:solidFill>
+                                      <a:srgbClr val="C00000"/>
+                                    </a:solidFill>
+                                    <a:latin typeface="Cambria Math" panose="02040503050406030204" pitchFamily="18" charset="0"/>
+                                    <a:ea typeface="Cambria Math" panose="02040503050406030204" pitchFamily="18" charset="0"/>
+                                  </a:rPr>
+                                </m:ctrlPr>
+                              </m:sSubPr>
+                              <m:e>
+                                <m:r>
+                                  <a:rPr lang="de-DE" sz="2800" b="0" i="1" smtClean="0">
+                                    <a:solidFill>
+                                      <a:srgbClr val="C00000"/>
+                                    </a:solidFill>
+                                    <a:latin typeface="Cambria Math" panose="02040503050406030204" pitchFamily="18" charset="0"/>
+                                    <a:ea typeface="Cambria Math" panose="02040503050406030204" pitchFamily="18" charset="0"/>
+                                  </a:rPr>
+                                  <m:t>𝑎</m:t>
+                                </m:r>
+                              </m:e>
+                              <m:sub>
+                                <m:r>
+                                  <a:rPr lang="de-DE" sz="2800" b="0" i="1" smtClean="0">
+                                    <a:solidFill>
+                                      <a:srgbClr val="C00000"/>
+                                    </a:solidFill>
+                                    <a:latin typeface="Cambria Math" panose="02040503050406030204" pitchFamily="18" charset="0"/>
+                                    <a:ea typeface="Cambria Math" panose="02040503050406030204" pitchFamily="18" charset="0"/>
+                                  </a:rPr>
+                                  <m:t>3</m:t>
+                                </m:r>
+                              </m:sub>
+                            </m:sSub>
+                          </m:oMath>
+                        </m:oMathPara>
+                      </a14:m>
+                      <a:endParaRPr lang="de-DE" sz="2800" i="1" dirty="0">
+                        <a:latin typeface="Cambria Math" panose="02040503050406030204" pitchFamily="18" charset="0"/>
+                        <a:ea typeface="Cambria Math" panose="02040503050406030204" pitchFamily="18" charset="0"/>
+                      </a:endParaRPr>
+                    </a:p>
+                  </p:txBody>
+                </p:sp>
+              </mc:Choice>
+              <mc:Fallback>
+                <p:sp>
+                  <p:nvSpPr>
+                    <p:cNvPr id="21" name="Textfeld 20">
+                      <a:extLst>
+                        <a:ext uri="{FF2B5EF4-FFF2-40B4-BE49-F238E27FC236}">
+                          <a16:creationId xmlns:a16="http://schemas.microsoft.com/office/drawing/2014/main" id="{31EFE651-69CB-C1B3-34B8-0D12E07AF0F0}"/>
+                        </a:ext>
+                      </a:extLst>
+                    </p:cNvPr>
+                    <p:cNvSpPr txBox="1">
+                      <a:spLocks noRot="1" noChangeAspect="1" noMove="1" noResize="1" noEditPoints="1" noAdjustHandles="1" noChangeArrowheads="1" noChangeShapeType="1" noTextEdit="1"/>
+                    </p:cNvSpPr>
+                    <p:nvPr/>
+                  </p:nvSpPr>
+                  <p:spPr>
+                    <a:xfrm>
+                      <a:off x="3872094" y="1964114"/>
+                      <a:ext cx="630749" cy="523220"/>
+                    </a:xfrm>
+                    <a:prstGeom prst="rect">
+                      <a:avLst/>
+                    </a:prstGeom>
+                    <a:blipFill>
+                      <a:blip r:embed="rId4"/>
+                      <a:stretch>
+                        <a:fillRect/>
+                      </a:stretch>
+                    </a:blipFill>
+                  </p:spPr>
+                  <p:txBody>
+                    <a:bodyPr/>
+                    <a:lstStyle/>
+                    <a:p>
+                      <a:r>
+                        <a:rPr lang="de-DE">
+                          <a:noFill/>
+                        </a:rPr>
+                        <a:t> </a:t>
+                      </a:r>
+                    </a:p>
+                  </p:txBody>
+                </p:sp>
+              </mc:Fallback>
+            </mc:AlternateContent>
+            <mc:AlternateContent xmlns:mc="http://schemas.openxmlformats.org/markup-compatibility/2006">
+              <mc:Choice xmlns:a14="http://schemas.microsoft.com/office/drawing/2010/main" Requires="a14">
+                <p:sp>
+                  <p:nvSpPr>
+                    <p:cNvPr id="22" name="Textfeld 21">
+                      <a:extLst>
+                        <a:ext uri="{FF2B5EF4-FFF2-40B4-BE49-F238E27FC236}">
+                          <a16:creationId xmlns:a16="http://schemas.microsoft.com/office/drawing/2014/main" id="{9EC456D7-59C8-E05A-B2FA-DD63AB60389C}"/>
+                        </a:ext>
+                      </a:extLst>
+                    </p:cNvPr>
+                    <p:cNvSpPr txBox="1"/>
+                    <p:nvPr/>
+                  </p:nvSpPr>
+                  <p:spPr>
+                    <a:xfrm>
+                      <a:off x="5849361" y="4725976"/>
+                      <a:ext cx="441018" cy="430887"/>
+                    </a:xfrm>
+                    <a:prstGeom prst="rect">
+                      <a:avLst/>
+                    </a:prstGeom>
+                    <a:noFill/>
+                  </p:spPr>
+                  <p:txBody>
+                    <a:bodyPr wrap="none" lIns="0" tIns="0" rIns="0" bIns="0" rtlCol="0">
+                      <a:spAutoFit/>
+                    </a:bodyPr>
+                    <a:lstStyle/>
+                    <a:p>
+                      <a:pPr/>
+                      <a14:m>
+                        <m:oMathPara xmlns:m="http://schemas.openxmlformats.org/officeDocument/2006/math">
+                          <m:oMathParaPr>
+                            <m:jc m:val="centerGroup"/>
+                          </m:oMathParaPr>
+                          <m:oMath xmlns:m="http://schemas.openxmlformats.org/officeDocument/2006/math">
+                            <m:sSub>
+                              <m:sSubPr>
+                                <m:ctrlPr>
+                                  <a:rPr lang="de-DE" sz="2800" i="1" smtClean="0">
+                                    <a:solidFill>
+                                      <a:srgbClr val="7030A0"/>
+                                    </a:solidFill>
+                                    <a:latin typeface="Cambria Math" panose="02040503050406030204" pitchFamily="18" charset="0"/>
+                                    <a:ea typeface="Cambria Math" panose="02040503050406030204" pitchFamily="18" charset="0"/>
+                                  </a:rPr>
+                                </m:ctrlPr>
+                              </m:sSubPr>
+                              <m:e>
+                                <m:r>
+                                  <a:rPr lang="de-DE" sz="2800" i="1">
+                                    <a:solidFill>
+                                      <a:srgbClr val="7030A0"/>
+                                    </a:solidFill>
+                                    <a:latin typeface="Cambria Math" panose="02040503050406030204" pitchFamily="18" charset="0"/>
+                                    <a:ea typeface="Cambria Math" panose="02040503050406030204" pitchFamily="18" charset="0"/>
+                                  </a:rPr>
+                                  <m:t>𝑎</m:t>
+                                </m:r>
+                              </m:e>
+                              <m:sub>
+                                <m:r>
+                                  <a:rPr lang="de-DE" sz="2800" b="0" i="1" smtClean="0">
+                                    <a:solidFill>
+                                      <a:srgbClr val="7030A0"/>
+                                    </a:solidFill>
+                                    <a:latin typeface="Cambria Math" panose="02040503050406030204" pitchFamily="18" charset="0"/>
+                                    <a:ea typeface="Cambria Math" panose="02040503050406030204" pitchFamily="18" charset="0"/>
+                                  </a:rPr>
+                                  <m:t>1</m:t>
+                                </m:r>
+                              </m:sub>
+                            </m:sSub>
+                          </m:oMath>
+                        </m:oMathPara>
+                      </a14:m>
+                      <a:endParaRPr lang="de-DE" sz="2800" dirty="0">
+                        <a:latin typeface="Latin Modern Math" panose="02000503000000000000" pitchFamily="50" charset="0"/>
+                        <a:ea typeface="Latin Modern Math" panose="02000503000000000000" pitchFamily="50" charset="0"/>
+                      </a:endParaRPr>
+                    </a:p>
+                  </p:txBody>
+                </p:sp>
+              </mc:Choice>
+              <mc:Fallback>
+                <p:sp>
+                  <p:nvSpPr>
+                    <p:cNvPr id="22" name="Textfeld 21">
+                      <a:extLst>
+                        <a:ext uri="{FF2B5EF4-FFF2-40B4-BE49-F238E27FC236}">
+                          <a16:creationId xmlns:a16="http://schemas.microsoft.com/office/drawing/2014/main" id="{9EC456D7-59C8-E05A-B2FA-DD63AB60389C}"/>
+                        </a:ext>
+                      </a:extLst>
+                    </p:cNvPr>
+                    <p:cNvSpPr txBox="1">
+                      <a:spLocks noRot="1" noChangeAspect="1" noMove="1" noResize="1" noEditPoints="1" noAdjustHandles="1" noChangeArrowheads="1" noChangeShapeType="1" noTextEdit="1"/>
+                    </p:cNvSpPr>
+                    <p:nvPr/>
+                  </p:nvSpPr>
+                  <p:spPr>
+                    <a:xfrm>
+                      <a:off x="5849361" y="4725976"/>
+                      <a:ext cx="441018" cy="430887"/>
+                    </a:xfrm>
+                    <a:prstGeom prst="rect">
+                      <a:avLst/>
+                    </a:prstGeom>
+                    <a:blipFill>
+                      <a:blip r:embed="rId5"/>
+                      <a:stretch>
+                        <a:fillRect/>
+                      </a:stretch>
+                    </a:blipFill>
+                  </p:spPr>
+                  <p:txBody>
+                    <a:bodyPr/>
+                    <a:lstStyle/>
+                    <a:p>
+                      <a:r>
+                        <a:rPr lang="de-DE">
+                          <a:noFill/>
+                        </a:rPr>
+                        <a:t> </a:t>
+                      </a:r>
+                    </a:p>
+                  </p:txBody>
+                </p:sp>
+              </mc:Fallback>
+            </mc:AlternateContent>
+            <p:sp>
+              <p:nvSpPr>
+                <p:cNvPr id="23" name="Ellipse 22">
+                  <a:extLst>
+                    <a:ext uri="{FF2B5EF4-FFF2-40B4-BE49-F238E27FC236}">
+                      <a16:creationId xmlns:a16="http://schemas.microsoft.com/office/drawing/2014/main" id="{F72CAE53-45ED-6C0F-F8BF-A702BDB1DA2F}"/>
+                    </a:ext>
+                  </a:extLst>
+                </p:cNvPr>
+                <p:cNvSpPr/>
+                <p:nvPr/>
+              </p:nvSpPr>
+              <p:spPr>
+                <a:xfrm>
+                  <a:off x="6839961" y="1495801"/>
+                  <a:ext cx="108000" cy="108000"/>
+                </a:xfrm>
+                <a:prstGeom prst="ellipse">
+                  <a:avLst/>
+                </a:prstGeom>
+                <a:solidFill>
+                  <a:srgbClr val="0070C0"/>
+                </a:solidFill>
+                <a:ln>
+                  <a:solidFill>
+                    <a:srgbClr val="0070C0"/>
+                  </a:solidFill>
+                </a:ln>
+              </p:spPr>
+              <p:style>
+                <a:lnRef idx="2">
+                  <a:schemeClr val="accent1">
+                    <a:shade val="15000"/>
+                  </a:schemeClr>
+                </a:lnRef>
+                <a:fillRef idx="1">
+                  <a:schemeClr val="accent1"/>
+                </a:fillRef>
+                <a:effectRef idx="0">
+                  <a:schemeClr val="accent1"/>
+                </a:effectRef>
+                <a:fontRef idx="minor">
+                  <a:schemeClr val="lt1"/>
+                </a:fontRef>
+              </p:style>
+              <p:txBody>
+                <a:bodyPr rtlCol="0" anchor="ctr"/>
+                <a:lstStyle/>
+                <a:p>
+                  <a:pPr algn="ctr"/>
+                  <a:endParaRPr lang="de-DE"/>
+                </a:p>
+              </p:txBody>
+            </p:sp>
+            <p:sp>
+              <p:nvSpPr>
+                <p:cNvPr id="24" name="Ellipse 23">
+                  <a:extLst>
+                    <a:ext uri="{FF2B5EF4-FFF2-40B4-BE49-F238E27FC236}">
+                      <a16:creationId xmlns:a16="http://schemas.microsoft.com/office/drawing/2014/main" id="{4C867078-FABB-E7A0-A5FB-866694FAB640}"/>
+                    </a:ext>
+                  </a:extLst>
+                </p:cNvPr>
+                <p:cNvSpPr/>
+                <p:nvPr/>
+              </p:nvSpPr>
+              <p:spPr>
+                <a:xfrm>
+                  <a:off x="4416801" y="2173981"/>
+                  <a:ext cx="108000" cy="108000"/>
+                </a:xfrm>
+                <a:prstGeom prst="ellipse">
+                  <a:avLst/>
+                </a:prstGeom>
+                <a:solidFill>
+                  <a:srgbClr val="0070C0"/>
+                </a:solidFill>
+                <a:ln>
+                  <a:solidFill>
+                    <a:srgbClr val="0070C0"/>
+                  </a:solidFill>
+                </a:ln>
+              </p:spPr>
+              <p:style>
+                <a:lnRef idx="2">
+                  <a:schemeClr val="accent1">
+                    <a:shade val="15000"/>
+                  </a:schemeClr>
+                </a:lnRef>
+                <a:fillRef idx="1">
+                  <a:schemeClr val="accent1"/>
+                </a:fillRef>
+                <a:effectRef idx="0">
+                  <a:schemeClr val="accent1"/>
+                </a:effectRef>
+                <a:fontRef idx="minor">
+                  <a:schemeClr val="lt1"/>
+                </a:fontRef>
+              </p:style>
+              <p:txBody>
+                <a:bodyPr rtlCol="0" anchor="ctr"/>
+                <a:lstStyle/>
+                <a:p>
+                  <a:pPr algn="ctr"/>
+                  <a:endParaRPr lang="de-DE"/>
+                </a:p>
+              </p:txBody>
+            </p:sp>
+            <p:sp>
+              <p:nvSpPr>
+                <p:cNvPr id="25" name="Ellipse 24">
+                  <a:extLst>
+                    <a:ext uri="{FF2B5EF4-FFF2-40B4-BE49-F238E27FC236}">
+                      <a16:creationId xmlns:a16="http://schemas.microsoft.com/office/drawing/2014/main" id="{1D24B727-923F-7909-4856-D261480D37C1}"/>
+                    </a:ext>
+                  </a:extLst>
+                </p:cNvPr>
+                <p:cNvSpPr/>
+                <p:nvPr/>
+              </p:nvSpPr>
+              <p:spPr>
+                <a:xfrm>
+                  <a:off x="5849361" y="4597141"/>
+                  <a:ext cx="108000" cy="108000"/>
+                </a:xfrm>
+                <a:prstGeom prst="ellipse">
+                  <a:avLst/>
+                </a:prstGeom>
+                <a:solidFill>
+                  <a:schemeClr val="bg1">
+                    <a:lumMod val="50000"/>
+                  </a:schemeClr>
+                </a:solidFill>
+                <a:ln>
+                  <a:solidFill>
+                    <a:schemeClr val="bg1">
+                      <a:lumMod val="50000"/>
+                    </a:schemeClr>
+                  </a:solidFill>
+                </a:ln>
+              </p:spPr>
+              <p:style>
+                <a:lnRef idx="2">
+                  <a:schemeClr val="accent1">
+                    <a:shade val="15000"/>
+                  </a:schemeClr>
+                </a:lnRef>
+                <a:fillRef idx="1">
+                  <a:schemeClr val="accent1"/>
+                </a:fillRef>
+                <a:effectRef idx="0">
+                  <a:schemeClr val="accent1"/>
+                </a:effectRef>
+                <a:fontRef idx="minor">
+                  <a:schemeClr val="lt1"/>
+                </a:fontRef>
+              </p:style>
+              <p:txBody>
+                <a:bodyPr rtlCol="0" anchor="ctr"/>
+                <a:lstStyle/>
+                <a:p>
+                  <a:pPr algn="ctr"/>
+                  <a:endParaRPr lang="de-DE"/>
+                </a:p>
+              </p:txBody>
+            </p:sp>
+            <p:cxnSp>
+              <p:nvCxnSpPr>
+                <p:cNvPr id="27" name="Gerade Verbindung mit Pfeil 26">
+                  <a:extLst>
+                    <a:ext uri="{FF2B5EF4-FFF2-40B4-BE49-F238E27FC236}">
+                      <a16:creationId xmlns:a16="http://schemas.microsoft.com/office/drawing/2014/main" id="{2CEC33B6-722A-7DFA-216D-48BE0EB67154}"/>
+                    </a:ext>
+                  </a:extLst>
+                </p:cNvPr>
+                <p:cNvCxnSpPr>
+                  <a:cxnSpLocks/>
+                </p:cNvCxnSpPr>
+                <p:nvPr/>
+              </p:nvCxnSpPr>
+              <p:spPr>
+                <a:xfrm flipH="1" flipV="1">
+                  <a:off x="5504438" y="1407475"/>
+                  <a:ext cx="241699" cy="1944669"/>
+                </a:xfrm>
+                <a:prstGeom prst="straightConnector1">
+                  <a:avLst/>
+                </a:prstGeom>
+                <a:ln w="19050">
+                  <a:solidFill>
+                    <a:srgbClr val="7030A0"/>
+                  </a:solidFill>
+                  <a:tailEnd type="stealth" w="med" len="lg"/>
+                </a:ln>
+              </p:spPr>
+              <p:style>
+                <a:lnRef idx="1">
+                  <a:schemeClr val="accent1"/>
+                </a:lnRef>
+                <a:fillRef idx="0">
+                  <a:schemeClr val="accent1"/>
+                </a:fillRef>
+                <a:effectRef idx="0">
+                  <a:schemeClr val="accent1"/>
+                </a:effectRef>
+                <a:fontRef idx="minor">
+                  <a:schemeClr val="tx1"/>
+                </a:fontRef>
+              </p:style>
+            </p:cxnSp>
+            <p:cxnSp>
+              <p:nvCxnSpPr>
+                <p:cNvPr id="38" name="Gerade Verbindung mit Pfeil 37">
+                  <a:extLst>
+                    <a:ext uri="{FF2B5EF4-FFF2-40B4-BE49-F238E27FC236}">
+                      <a16:creationId xmlns:a16="http://schemas.microsoft.com/office/drawing/2014/main" id="{6E5A8033-F562-4061-FA28-A00ACD4DB8D0}"/>
+                    </a:ext>
+                  </a:extLst>
+                </p:cNvPr>
+                <p:cNvCxnSpPr>
+                  <a:cxnSpLocks/>
+                </p:cNvCxnSpPr>
+                <p:nvPr/>
+              </p:nvCxnSpPr>
+              <p:spPr>
+                <a:xfrm>
+                  <a:off x="5752673" y="3354566"/>
+                  <a:ext cx="1533526" cy="1349433"/>
+                </a:xfrm>
+                <a:prstGeom prst="straightConnector1">
+                  <a:avLst/>
+                </a:prstGeom>
+                <a:ln w="19050">
+                  <a:solidFill>
+                    <a:srgbClr val="DA0000"/>
+                  </a:solidFill>
+                  <a:tailEnd type="stealth" w="med" len="lg"/>
+                </a:ln>
+              </p:spPr>
+              <p:style>
+                <a:lnRef idx="1">
+                  <a:schemeClr val="accent1"/>
+                </a:lnRef>
+                <a:fillRef idx="0">
+                  <a:schemeClr val="accent1"/>
+                </a:fillRef>
+                <a:effectRef idx="0">
+                  <a:schemeClr val="accent1"/>
+                </a:effectRef>
+                <a:fontRef idx="minor">
+                  <a:schemeClr val="tx1"/>
+                </a:fontRef>
+              </p:style>
+            </p:cxnSp>
+            <p:cxnSp>
+              <p:nvCxnSpPr>
+                <p:cNvPr id="35" name="Gerade Verbindung mit Pfeil 34">
+                  <a:extLst>
+                    <a:ext uri="{FF2B5EF4-FFF2-40B4-BE49-F238E27FC236}">
+                      <a16:creationId xmlns:a16="http://schemas.microsoft.com/office/drawing/2014/main" id="{68F3B519-7CD4-C7C3-14BC-D8F2493721D8}"/>
+                    </a:ext>
+                  </a:extLst>
+                </p:cNvPr>
+                <p:cNvCxnSpPr>
+                  <a:cxnSpLocks/>
+                </p:cNvCxnSpPr>
+                <p:nvPr/>
+              </p:nvCxnSpPr>
+              <p:spPr>
+                <a:xfrm flipH="1">
+                  <a:off x="4588670" y="3356011"/>
+                  <a:ext cx="1148400" cy="1796400"/>
+                </a:xfrm>
+                <a:prstGeom prst="straightConnector1">
+                  <a:avLst/>
+                </a:prstGeom>
+                <a:ln w="19050">
+                  <a:solidFill>
+                    <a:srgbClr val="00B050"/>
+                  </a:solidFill>
+                  <a:tailEnd type="stealth" w="med" len="lg"/>
+                </a:ln>
+              </p:spPr>
+              <p:style>
+                <a:lnRef idx="1">
+                  <a:schemeClr val="accent1"/>
+                </a:lnRef>
+                <a:fillRef idx="0">
+                  <a:schemeClr val="accent1"/>
+                </a:fillRef>
+                <a:effectRef idx="0">
+                  <a:schemeClr val="accent1"/>
+                </a:effectRef>
+                <a:fontRef idx="minor">
+                  <a:schemeClr val="tx1"/>
+                </a:fontRef>
+              </p:style>
+            </p:cxnSp>
+            <p:grpSp>
+              <p:nvGrpSpPr>
+                <p:cNvPr id="18" name="Gruppieren 17">
+                  <a:extLst>
+                    <a:ext uri="{FF2B5EF4-FFF2-40B4-BE49-F238E27FC236}">
+                      <a16:creationId xmlns:a16="http://schemas.microsoft.com/office/drawing/2014/main" id="{811CE7A9-FE9D-4D5C-570B-6FBBEC272B8D}"/>
+                    </a:ext>
+                  </a:extLst>
+                </p:cNvPr>
+                <p:cNvGrpSpPr/>
+                <p:nvPr/>
+              </p:nvGrpSpPr>
+              <p:grpSpPr>
+                <a:xfrm>
+                  <a:off x="5674138" y="3276920"/>
+                  <a:ext cx="144000" cy="144000"/>
+                  <a:chOff x="10362382" y="2655862"/>
+                  <a:chExt cx="108000" cy="108000"/>
+                </a:xfrm>
+              </p:grpSpPr>
+              <p:cxnSp>
+                <p:nvCxnSpPr>
+                  <p:cNvPr id="14" name="Gerader Verbinder 13">
+                    <a:extLst>
+                      <a:ext uri="{FF2B5EF4-FFF2-40B4-BE49-F238E27FC236}">
+                        <a16:creationId xmlns:a16="http://schemas.microsoft.com/office/drawing/2014/main" id="{4C5B26C5-399B-EAFE-86AD-AB4D88027414}"/>
+                      </a:ext>
+                    </a:extLst>
+                  </p:cNvPr>
+                  <p:cNvCxnSpPr>
+                    <a:cxnSpLocks/>
+                  </p:cNvCxnSpPr>
+                  <p:nvPr/>
+                </p:nvCxnSpPr>
+                <p:spPr>
+                  <a:xfrm>
+                    <a:off x="10416382" y="2655862"/>
+                    <a:ext cx="0" cy="108000"/>
+                  </a:xfrm>
+                  <a:prstGeom prst="line">
+                    <a:avLst/>
+                  </a:prstGeom>
+                  <a:ln w="19050">
+                    <a:solidFill>
+                      <a:schemeClr val="tx1"/>
+                    </a:solidFill>
+                  </a:ln>
+                </p:spPr>
+                <p:style>
+                  <a:lnRef idx="1">
+                    <a:schemeClr val="accent1"/>
+                  </a:lnRef>
+                  <a:fillRef idx="0">
+                    <a:schemeClr val="accent1"/>
+                  </a:fillRef>
+                  <a:effectRef idx="0">
+                    <a:schemeClr val="accent1"/>
+                  </a:effectRef>
+                  <a:fontRef idx="minor">
+                    <a:schemeClr val="tx1"/>
+                  </a:fontRef>
+                </p:style>
+              </p:cxnSp>
+              <p:cxnSp>
+                <p:nvCxnSpPr>
+                  <p:cNvPr id="16" name="Gerader Verbinder 15">
+                    <a:extLst>
+                      <a:ext uri="{FF2B5EF4-FFF2-40B4-BE49-F238E27FC236}">
+                        <a16:creationId xmlns:a16="http://schemas.microsoft.com/office/drawing/2014/main" id="{9F1B3393-AFA5-C8C1-F9F8-328DA584BB90}"/>
+                      </a:ext>
+                    </a:extLst>
+                  </p:cNvPr>
+                  <p:cNvCxnSpPr>
+                    <a:cxnSpLocks/>
+                  </p:cNvCxnSpPr>
+                  <p:nvPr/>
+                </p:nvCxnSpPr>
+                <p:spPr>
+                  <a:xfrm>
+                    <a:off x="10362382" y="2709862"/>
+                    <a:ext cx="108000" cy="0"/>
+                  </a:xfrm>
+                  <a:prstGeom prst="line">
+                    <a:avLst/>
+                  </a:prstGeom>
+                  <a:ln w="19050">
+                    <a:solidFill>
+                      <a:schemeClr val="tx1"/>
+                    </a:solidFill>
+                  </a:ln>
+                </p:spPr>
+                <p:style>
+                  <a:lnRef idx="1">
+                    <a:schemeClr val="accent1"/>
+                  </a:lnRef>
+                  <a:fillRef idx="0">
+                    <a:schemeClr val="accent1"/>
+                  </a:fillRef>
+                  <a:effectRef idx="0">
+                    <a:schemeClr val="accent1"/>
+                  </a:effectRef>
+                  <a:fontRef idx="minor">
+                    <a:schemeClr val="tx1"/>
+                  </a:fontRef>
+                </p:style>
+              </p:cxnSp>
+            </p:grpSp>
+          </p:grpSp>
+          <p:sp>
+            <p:nvSpPr>
+              <p:cNvPr id="4" name="Ellipse 3">
+                <a:extLst>
+                  <a:ext uri="{FF2B5EF4-FFF2-40B4-BE49-F238E27FC236}">
+                    <a16:creationId xmlns:a16="http://schemas.microsoft.com/office/drawing/2014/main" id="{F7E8A88D-1AEB-AF45-7A3E-E7564E5A20B5}"/>
+                  </a:ext>
+                </a:extLst>
+              </p:cNvPr>
+              <p:cNvSpPr/>
+              <p:nvPr/>
+            </p:nvSpPr>
+            <p:spPr>
+              <a:xfrm>
+                <a:off x="6532001" y="4026145"/>
+                <a:ext cx="108000" cy="108000"/>
+              </a:xfrm>
+              <a:prstGeom prst="ellipse">
+                <a:avLst/>
+              </a:prstGeom>
+              <a:solidFill>
+                <a:srgbClr val="0070C0"/>
+              </a:solidFill>
+              <a:ln>
+                <a:solidFill>
+                  <a:srgbClr val="0070C0"/>
+                </a:solidFill>
+              </a:ln>
+            </p:spPr>
+            <p:style>
+              <a:lnRef idx="2">
+                <a:schemeClr val="accent1">
+                  <a:shade val="15000"/>
+                </a:schemeClr>
+              </a:lnRef>
+              <a:fillRef idx="1">
+                <a:schemeClr val="accent1"/>
+              </a:fillRef>
+              <a:effectRef idx="0">
+                <a:schemeClr val="accent1"/>
+              </a:effectRef>
+              <a:fontRef idx="minor">
+                <a:schemeClr val="lt1"/>
+              </a:fontRef>
+            </p:style>
+            <p:txBody>
+              <a:bodyPr rtlCol="0" anchor="ctr"/>
+              <a:lstStyle/>
+              <a:p>
+                <a:pPr algn="ctr"/>
+                <a:endParaRPr lang="de-DE">
+                  <a:solidFill>
+                    <a:srgbClr val="0070C0"/>
+                  </a:solidFill>
+                </a:endParaRPr>
+              </a:p>
+            </p:txBody>
+          </p:sp>
+          <mc:AlternateContent xmlns:mc="http://schemas.openxmlformats.org/markup-compatibility/2006">
+            <mc:Choice xmlns:a14="http://schemas.microsoft.com/office/drawing/2010/main" Requires="a14">
+              <p:sp>
+                <p:nvSpPr>
+                  <p:cNvPr id="9" name="Textfeld 8">
+                    <a:extLst>
+                      <a:ext uri="{FF2B5EF4-FFF2-40B4-BE49-F238E27FC236}">
+                        <a16:creationId xmlns:a16="http://schemas.microsoft.com/office/drawing/2014/main" id="{9B45962D-5897-96C9-3519-7B7E20702840}"/>
+                      </a:ext>
+                    </a:extLst>
+                  </p:cNvPr>
+                  <p:cNvSpPr txBox="1"/>
+                  <p:nvPr/>
+                </p:nvSpPr>
+                <p:spPr>
+                  <a:xfrm>
+                    <a:off x="6551688" y="3919333"/>
+                    <a:ext cx="370914" cy="523220"/>
+                  </a:xfrm>
+                  <a:prstGeom prst="rect">
+                    <a:avLst/>
+                  </a:prstGeom>
+                  <a:noFill/>
+                </p:spPr>
+                <p:txBody>
+                  <a:bodyPr wrap="square">
+                    <a:spAutoFit/>
+                  </a:bodyPr>
+                  <a:lstStyle/>
+                  <a:p>
+                    <a:pPr/>
+                    <a14:m>
+                      <m:oMathPara xmlns:m="http://schemas.openxmlformats.org/officeDocument/2006/math">
+                        <m:oMathParaPr>
+                          <m:jc m:val="centerGroup"/>
+                        </m:oMathParaPr>
+                        <m:oMath xmlns:m="http://schemas.openxmlformats.org/officeDocument/2006/math">
+                          <m:r>
+                            <a:rPr lang="de-DE" sz="2800" i="1" smtClean="0">
+                              <a:solidFill>
+                                <a:srgbClr val="0070C0"/>
+                              </a:solidFill>
+                              <a:latin typeface="Cambria Math" panose="02040503050406030204" pitchFamily="18" charset="0"/>
+                              <a:ea typeface="Cambria Math" panose="02040503050406030204" pitchFamily="18" charset="0"/>
+                            </a:rPr>
+                            <m:t>𝑐</m:t>
+                          </m:r>
+                        </m:oMath>
+                      </m:oMathPara>
+                    </a14:m>
+                    <a:endParaRPr lang="de-DE" sz="2800" dirty="0">
+                      <a:solidFill>
+                        <a:srgbClr val="0070C0"/>
+                      </a:solidFill>
+                    </a:endParaRPr>
+                  </a:p>
+                </p:txBody>
+              </p:sp>
+            </mc:Choice>
+            <mc:Fallback>
+              <p:sp>
+                <p:nvSpPr>
+                  <p:cNvPr id="9" name="Textfeld 8">
+                    <a:extLst>
+                      <a:ext uri="{FF2B5EF4-FFF2-40B4-BE49-F238E27FC236}">
+                        <a16:creationId xmlns:a16="http://schemas.microsoft.com/office/drawing/2014/main" id="{9B45962D-5897-96C9-3519-7B7E20702840}"/>
+                      </a:ext>
+                    </a:extLst>
+                  </p:cNvPr>
+                  <p:cNvSpPr txBox="1">
+                    <a:spLocks noRot="1" noChangeAspect="1" noMove="1" noResize="1" noEditPoints="1" noAdjustHandles="1" noChangeArrowheads="1" noChangeShapeType="1" noTextEdit="1"/>
+                  </p:cNvSpPr>
+                  <p:nvPr/>
+                </p:nvSpPr>
+                <p:spPr>
+                  <a:xfrm>
+                    <a:off x="6551688" y="3919333"/>
+                    <a:ext cx="370914" cy="523220"/>
+                  </a:xfrm>
+                  <a:prstGeom prst="rect">
+                    <a:avLst/>
+                  </a:prstGeom>
+                  <a:blipFill>
+                    <a:blip r:embed="rId6"/>
+                    <a:stretch>
+                      <a:fillRect/>
+                    </a:stretch>
+                  </a:blipFill>
+                </p:spPr>
+                <p:txBody>
+                  <a:bodyPr/>
+                  <a:lstStyle/>
+                  <a:p>
+                    <a:r>
+                      <a:rPr lang="de-DE">
+                        <a:noFill/>
+                      </a:rPr>
+                      <a:t> </a:t>
+                    </a:r>
+                  </a:p>
+                </p:txBody>
+              </p:sp>
+            </mc:Fallback>
+          </mc:AlternateContent>
+        </p:grpSp>
+        <p:sp>
+          <p:nvSpPr>
+            <p:cNvPr id="12" name="Gleichschenkliges Dreieck 11">
+              <a:extLst>
+                <a:ext uri="{FF2B5EF4-FFF2-40B4-BE49-F238E27FC236}">
+                  <a16:creationId xmlns:a16="http://schemas.microsoft.com/office/drawing/2014/main" id="{ECF236ED-C70E-BF7F-90E6-BB826EAD2310}"/>
+                </a:ext>
+              </a:extLst>
+            </p:cNvPr>
+            <p:cNvSpPr/>
+            <p:nvPr/>
+          </p:nvSpPr>
+          <p:spPr>
+            <a:xfrm rot="9866727">
+              <a:off x="5053484" y="1915569"/>
+              <a:ext cx="2546800" cy="2201674"/>
+            </a:xfrm>
+            <a:prstGeom prst="triangle">
+              <a:avLst>
+                <a:gd name="adj" fmla="val 51114"/>
+              </a:avLst>
+            </a:prstGeom>
+            <a:noFill/>
+            <a:ln w="19050">
+              <a:solidFill>
+                <a:srgbClr val="0070C0"/>
+              </a:solidFill>
+            </a:ln>
+          </p:spPr>
+          <p:style>
+            <a:lnRef idx="2">
+              <a:schemeClr val="accent1">
+                <a:shade val="15000"/>
+              </a:schemeClr>
+            </a:lnRef>
+            <a:fillRef idx="1">
+              <a:schemeClr val="accent1"/>
+            </a:fillRef>
+            <a:effectRef idx="0">
+              <a:schemeClr val="accent1"/>
+            </a:effectRef>
+            <a:fontRef idx="minor">
+              <a:schemeClr val="lt1"/>
+            </a:fontRef>
+          </p:style>
+          <p:txBody>
+            <a:bodyPr rtlCol="0" anchor="ctr"/>
+            <a:lstStyle/>
+            <a:p>
+              <a:pPr algn="ctr"/>
+              <a:endParaRPr lang="de-DE"/>
+            </a:p>
+          </p:txBody>
+        </p:sp>
+      </p:grpSp>
+    </p:spTree>
+    <p:extLst>
+      <p:ext uri="{BB962C8B-B14F-4D97-AF65-F5344CB8AC3E}">
+        <p14:creationId xmlns:p14="http://schemas.microsoft.com/office/powerpoint/2010/main" val="1031087409"/>
       </p:ext>
     </p:extLst>
   </p:cSld>

--- a/report/Grafiken.pptx
+++ b/report/Grafiken.pptx
@@ -11,6 +11,8 @@
     <p:sldId id="260" r:id="rId5"/>
     <p:sldId id="261" r:id="rId6"/>
     <p:sldId id="258" r:id="rId7"/>
+    <p:sldId id="262" r:id="rId8"/>
+    <p:sldId id="263" r:id="rId9"/>
   </p:sldIdLst>
   <p:sldSz cx="12192000" cy="6858000"/>
   <p:notesSz cx="6858000" cy="9144000"/>
@@ -264,7 +266,7 @@
           <a:p>
             <a:fld id="{BD6D4D59-C437-4C1C-911D-483A8492AF6D}" type="datetimeFigureOut">
               <a:rPr lang="de-DE" smtClean="0"/>
-              <a:t>24.01.2024</a:t>
+              <a:t>25.01.2024</a:t>
             </a:fld>
             <a:endParaRPr lang="de-DE"/>
           </a:p>
@@ -462,7 +464,7 @@
           <a:p>
             <a:fld id="{BD6D4D59-C437-4C1C-911D-483A8492AF6D}" type="datetimeFigureOut">
               <a:rPr lang="de-DE" smtClean="0"/>
-              <a:t>24.01.2024</a:t>
+              <a:t>25.01.2024</a:t>
             </a:fld>
             <a:endParaRPr lang="de-DE"/>
           </a:p>
@@ -670,7 +672,7 @@
           <a:p>
             <a:fld id="{BD6D4D59-C437-4C1C-911D-483A8492AF6D}" type="datetimeFigureOut">
               <a:rPr lang="de-DE" smtClean="0"/>
-              <a:t>24.01.2024</a:t>
+              <a:t>25.01.2024</a:t>
             </a:fld>
             <a:endParaRPr lang="de-DE"/>
           </a:p>
@@ -868,7 +870,7 @@
           <a:p>
             <a:fld id="{BD6D4D59-C437-4C1C-911D-483A8492AF6D}" type="datetimeFigureOut">
               <a:rPr lang="de-DE" smtClean="0"/>
-              <a:t>24.01.2024</a:t>
+              <a:t>25.01.2024</a:t>
             </a:fld>
             <a:endParaRPr lang="de-DE"/>
           </a:p>
@@ -1143,7 +1145,7 @@
           <a:p>
             <a:fld id="{BD6D4D59-C437-4C1C-911D-483A8492AF6D}" type="datetimeFigureOut">
               <a:rPr lang="de-DE" smtClean="0"/>
-              <a:t>24.01.2024</a:t>
+              <a:t>25.01.2024</a:t>
             </a:fld>
             <a:endParaRPr lang="de-DE"/>
           </a:p>
@@ -1408,7 +1410,7 @@
           <a:p>
             <a:fld id="{BD6D4D59-C437-4C1C-911D-483A8492AF6D}" type="datetimeFigureOut">
               <a:rPr lang="de-DE" smtClean="0"/>
-              <a:t>24.01.2024</a:t>
+              <a:t>25.01.2024</a:t>
             </a:fld>
             <a:endParaRPr lang="de-DE"/>
           </a:p>
@@ -1820,7 +1822,7 @@
           <a:p>
             <a:fld id="{BD6D4D59-C437-4C1C-911D-483A8492AF6D}" type="datetimeFigureOut">
               <a:rPr lang="de-DE" smtClean="0"/>
-              <a:t>24.01.2024</a:t>
+              <a:t>25.01.2024</a:t>
             </a:fld>
             <a:endParaRPr lang="de-DE"/>
           </a:p>
@@ -1961,7 +1963,7 @@
           <a:p>
             <a:fld id="{BD6D4D59-C437-4C1C-911D-483A8492AF6D}" type="datetimeFigureOut">
               <a:rPr lang="de-DE" smtClean="0"/>
-              <a:t>24.01.2024</a:t>
+              <a:t>25.01.2024</a:t>
             </a:fld>
             <a:endParaRPr lang="de-DE"/>
           </a:p>
@@ -2074,7 +2076,7 @@
           <a:p>
             <a:fld id="{BD6D4D59-C437-4C1C-911D-483A8492AF6D}" type="datetimeFigureOut">
               <a:rPr lang="de-DE" smtClean="0"/>
-              <a:t>24.01.2024</a:t>
+              <a:t>25.01.2024</a:t>
             </a:fld>
             <a:endParaRPr lang="de-DE"/>
           </a:p>
@@ -2385,7 +2387,7 @@
           <a:p>
             <a:fld id="{BD6D4D59-C437-4C1C-911D-483A8492AF6D}" type="datetimeFigureOut">
               <a:rPr lang="de-DE" smtClean="0"/>
-              <a:t>24.01.2024</a:t>
+              <a:t>25.01.2024</a:t>
             </a:fld>
             <a:endParaRPr lang="de-DE"/>
           </a:p>
@@ -2673,7 +2675,7 @@
           <a:p>
             <a:fld id="{BD6D4D59-C437-4C1C-911D-483A8492AF6D}" type="datetimeFigureOut">
               <a:rPr lang="de-DE" smtClean="0"/>
-              <a:t>24.01.2024</a:t>
+              <a:t>25.01.2024</a:t>
             </a:fld>
             <a:endParaRPr lang="de-DE"/>
           </a:p>
@@ -2914,7 +2916,7 @@
           <a:p>
             <a:fld id="{BD6D4D59-C437-4C1C-911D-483A8492AF6D}" type="datetimeFigureOut">
               <a:rPr lang="de-DE" smtClean="0"/>
-              <a:t>24.01.2024</a:t>
+              <a:t>25.01.2024</a:t>
             </a:fld>
             <a:endParaRPr lang="de-DE"/>
           </a:p>
@@ -7863,8 +7865,8 @@
                 </p:sp>
               </mc:Fallback>
             </mc:AlternateContent>
-            <mc:AlternateContent xmlns:mc="http://schemas.openxmlformats.org/markup-compatibility/2006">
-              <mc:Choice xmlns:a14="http://schemas.microsoft.com/office/drawing/2010/main" Requires="a14">
+            <mc:AlternateContent xmlns:mc="http://schemas.openxmlformats.org/markup-compatibility/2006" xmlns:a14="http://schemas.microsoft.com/office/drawing/2010/main">
+              <mc:Choice Requires="a14">
                 <p:sp>
                   <p:nvSpPr>
                     <p:cNvPr id="12" name="Textfeld 11">
@@ -7918,7 +7920,7 @@
                   </p:txBody>
                 </p:sp>
               </mc:Choice>
-              <mc:Fallback>
+              <mc:Fallback xmlns="">
                 <p:sp>
                   <p:nvSpPr>
                     <p:cNvPr id="12" name="Textfeld 11">
@@ -9109,8 +9111,8 @@
                 </a:p>
               </p:txBody>
             </p:sp>
-            <mc:AlternateContent xmlns:mc="http://schemas.openxmlformats.org/markup-compatibility/2006">
-              <mc:Choice xmlns:a14="http://schemas.microsoft.com/office/drawing/2010/main" Requires="a14">
+            <mc:AlternateContent xmlns:mc="http://schemas.openxmlformats.org/markup-compatibility/2006" xmlns:a14="http://schemas.microsoft.com/office/drawing/2010/main">
+              <mc:Choice Requires="a14">
                 <p:sp>
                   <p:nvSpPr>
                     <p:cNvPr id="14" name="Textfeld 13">
@@ -9164,7 +9166,7 @@
                   </p:txBody>
                 </p:sp>
               </mc:Choice>
-              <mc:Fallback>
+              <mc:Fallback xmlns="">
                 <p:sp>
                   <p:nvSpPr>
                     <p:cNvPr id="14" name="Textfeld 13">
@@ -9209,8 +9211,8 @@
                 </p:sp>
               </mc:Fallback>
             </mc:AlternateContent>
-            <mc:AlternateContent xmlns:mc="http://schemas.openxmlformats.org/markup-compatibility/2006">
-              <mc:Choice xmlns:a14="http://schemas.microsoft.com/office/drawing/2010/main" Requires="a14">
+            <mc:AlternateContent xmlns:mc="http://schemas.openxmlformats.org/markup-compatibility/2006" xmlns:a14="http://schemas.microsoft.com/office/drawing/2010/main">
+              <mc:Choice Requires="a14">
                 <p:sp>
                   <p:nvSpPr>
                     <p:cNvPr id="15" name="Textfeld 14">
@@ -9294,7 +9296,7 @@
                   </p:txBody>
                 </p:sp>
               </mc:Choice>
-              <mc:Fallback>
+              <mc:Fallback xmlns="">
                 <p:sp>
                   <p:nvSpPr>
                     <p:cNvPr id="15" name="Textfeld 14">
@@ -9339,8 +9341,8 @@
                 </p:sp>
               </mc:Fallback>
             </mc:AlternateContent>
-            <mc:AlternateContent xmlns:mc="http://schemas.openxmlformats.org/markup-compatibility/2006">
-              <mc:Choice xmlns:a14="http://schemas.microsoft.com/office/drawing/2010/main" Requires="a14">
+            <mc:AlternateContent xmlns:mc="http://schemas.openxmlformats.org/markup-compatibility/2006" xmlns:a14="http://schemas.microsoft.com/office/drawing/2010/main">
+              <mc:Choice Requires="a14">
                 <p:sp>
                   <p:nvSpPr>
                     <p:cNvPr id="16" name="Textfeld 15">
@@ -9424,7 +9426,7 @@
                   </p:txBody>
                 </p:sp>
               </mc:Choice>
-              <mc:Fallback>
+              <mc:Fallback xmlns="">
                 <p:sp>
                   <p:nvSpPr>
                     <p:cNvPr id="16" name="Textfeld 15">
@@ -9469,8 +9471,8 @@
                 </p:sp>
               </mc:Fallback>
             </mc:AlternateContent>
-            <mc:AlternateContent xmlns:mc="http://schemas.openxmlformats.org/markup-compatibility/2006">
-              <mc:Choice xmlns:a14="http://schemas.microsoft.com/office/drawing/2010/main" Requires="a14">
+            <mc:AlternateContent xmlns:mc="http://schemas.openxmlformats.org/markup-compatibility/2006" xmlns:a14="http://schemas.microsoft.com/office/drawing/2010/main">
+              <mc:Choice Requires="a14">
                 <p:sp>
                   <p:nvSpPr>
                     <p:cNvPr id="17" name="Textfeld 16">
@@ -9554,7 +9556,7 @@
                   </p:txBody>
                 </p:sp>
               </mc:Choice>
-              <mc:Fallback>
+              <mc:Fallback xmlns="">
                 <p:sp>
                   <p:nvSpPr>
                     <p:cNvPr id="17" name="Textfeld 16">
@@ -10059,8 +10061,8 @@
               </a:p>
             </p:txBody>
           </p:sp>
-          <mc:AlternateContent xmlns:mc="http://schemas.openxmlformats.org/markup-compatibility/2006">
-            <mc:Choice xmlns:a14="http://schemas.microsoft.com/office/drawing/2010/main" Requires="a14">
+          <mc:AlternateContent xmlns:mc="http://schemas.openxmlformats.org/markup-compatibility/2006" xmlns:a14="http://schemas.microsoft.com/office/drawing/2010/main">
+            <mc:Choice Requires="a14">
               <p:sp>
                 <p:nvSpPr>
                   <p:cNvPr id="9" name="Textfeld 8">
@@ -10118,7 +10120,7 @@
                 </p:txBody>
               </p:sp>
             </mc:Choice>
-            <mc:Fallback>
+            <mc:Fallback xmlns="">
               <p:sp>
                 <p:nvSpPr>
                   <p:cNvPr id="9" name="Textfeld 8">
@@ -10457,8 +10459,8 @@
                 </a:fontRef>
               </p:style>
             </p:cxnSp>
-            <mc:AlternateContent xmlns:mc="http://schemas.openxmlformats.org/markup-compatibility/2006">
-              <mc:Choice xmlns:a14="http://schemas.microsoft.com/office/drawing/2010/main" Requires="a14">
+            <mc:AlternateContent xmlns:mc="http://schemas.openxmlformats.org/markup-compatibility/2006" xmlns:a14="http://schemas.microsoft.com/office/drawing/2010/main">
+              <mc:Choice Requires="a14">
                 <p:sp>
                   <p:nvSpPr>
                     <p:cNvPr id="19" name="Textfeld 18">
@@ -10512,7 +10514,7 @@
                   </p:txBody>
                 </p:sp>
               </mc:Choice>
-              <mc:Fallback>
+              <mc:Fallback xmlns="">
                 <p:sp>
                   <p:nvSpPr>
                     <p:cNvPr id="19" name="Textfeld 18">
@@ -10557,8 +10559,8 @@
                 </p:sp>
               </mc:Fallback>
             </mc:AlternateContent>
-            <mc:AlternateContent xmlns:mc="http://schemas.openxmlformats.org/markup-compatibility/2006">
-              <mc:Choice xmlns:a14="http://schemas.microsoft.com/office/drawing/2010/main" Requires="a14">
+            <mc:AlternateContent xmlns:mc="http://schemas.openxmlformats.org/markup-compatibility/2006" xmlns:a14="http://schemas.microsoft.com/office/drawing/2010/main">
+              <mc:Choice Requires="a14">
                 <p:sp>
                   <p:nvSpPr>
                     <p:cNvPr id="20" name="Textfeld 19">
@@ -10642,7 +10644,7 @@
                   </p:txBody>
                 </p:sp>
               </mc:Choice>
-              <mc:Fallback>
+              <mc:Fallback xmlns="">
                 <p:sp>
                   <p:nvSpPr>
                     <p:cNvPr id="20" name="Textfeld 19">
@@ -10687,8 +10689,8 @@
                 </p:sp>
               </mc:Fallback>
             </mc:AlternateContent>
-            <mc:AlternateContent xmlns:mc="http://schemas.openxmlformats.org/markup-compatibility/2006">
-              <mc:Choice xmlns:a14="http://schemas.microsoft.com/office/drawing/2010/main" Requires="a14">
+            <mc:AlternateContent xmlns:mc="http://schemas.openxmlformats.org/markup-compatibility/2006" xmlns:a14="http://schemas.microsoft.com/office/drawing/2010/main">
+              <mc:Choice Requires="a14">
                 <p:sp>
                   <p:nvSpPr>
                     <p:cNvPr id="21" name="Textfeld 20">
@@ -10772,7 +10774,7 @@
                   </p:txBody>
                 </p:sp>
               </mc:Choice>
-              <mc:Fallback>
+              <mc:Fallback xmlns="">
                 <p:sp>
                   <p:nvSpPr>
                     <p:cNvPr id="21" name="Textfeld 20">
@@ -10817,8 +10819,8 @@
                 </p:sp>
               </mc:Fallback>
             </mc:AlternateContent>
-            <mc:AlternateContent xmlns:mc="http://schemas.openxmlformats.org/markup-compatibility/2006">
-              <mc:Choice xmlns:a14="http://schemas.microsoft.com/office/drawing/2010/main" Requires="a14">
+            <mc:AlternateContent xmlns:mc="http://schemas.openxmlformats.org/markup-compatibility/2006" xmlns:a14="http://schemas.microsoft.com/office/drawing/2010/main">
+              <mc:Choice Requires="a14">
                 <p:sp>
                   <p:nvSpPr>
                     <p:cNvPr id="22" name="Textfeld 21">
@@ -10902,7 +10904,7 @@
                   </p:txBody>
                 </p:sp>
               </mc:Choice>
-              <mc:Fallback>
+              <mc:Fallback xmlns="">
                 <p:sp>
                   <p:nvSpPr>
                     <p:cNvPr id="22" name="Textfeld 21">
@@ -11411,8 +11413,8 @@
               </a:p>
             </p:txBody>
           </p:sp>
-          <mc:AlternateContent xmlns:mc="http://schemas.openxmlformats.org/markup-compatibility/2006">
-            <mc:Choice xmlns:a14="http://schemas.microsoft.com/office/drawing/2010/main" Requires="a14">
+          <mc:AlternateContent xmlns:mc="http://schemas.openxmlformats.org/markup-compatibility/2006" xmlns:a14="http://schemas.microsoft.com/office/drawing/2010/main">
+            <mc:Choice Requires="a14">
               <p:sp>
                 <p:nvSpPr>
                   <p:cNvPr id="9" name="Textfeld 8">
@@ -11470,7 +11472,7 @@
                 </p:txBody>
               </p:sp>
             </mc:Choice>
-            <mc:Fallback>
+            <mc:Fallback xmlns="">
               <p:sp>
                 <p:nvSpPr>
                   <p:cNvPr id="9" name="Textfeld 8">
@@ -11575,6 +11577,2821 @@
     <p:extLst>
       <p:ext uri="{BB962C8B-B14F-4D97-AF65-F5344CB8AC3E}">
         <p14:creationId xmlns:p14="http://schemas.microsoft.com/office/powerpoint/2010/main" val="1031087409"/>
+      </p:ext>
+    </p:extLst>
+  </p:cSld>
+  <p:clrMapOvr>
+    <a:masterClrMapping/>
+  </p:clrMapOvr>
+</p:sld>
+</file>
+
+<file path=ppt/slides/slide7.xml><?xml version="1.0" encoding="utf-8"?>
+<p:sld xmlns:a="http://schemas.openxmlformats.org/drawingml/2006/main" xmlns:r="http://schemas.openxmlformats.org/officeDocument/2006/relationships" xmlns:p="http://schemas.openxmlformats.org/presentationml/2006/main">
+  <p:cSld>
+    <p:spTree>
+      <p:nvGrpSpPr>
+        <p:cNvPr id="1" name=""/>
+        <p:cNvGrpSpPr/>
+        <p:nvPr/>
+      </p:nvGrpSpPr>
+      <p:grpSpPr>
+        <a:xfrm>
+          <a:off x="0" y="0"/>
+          <a:ext cx="0" cy="0"/>
+          <a:chOff x="0" y="0"/>
+          <a:chExt cx="0" cy="0"/>
+        </a:xfrm>
+      </p:grpSpPr>
+      <p:grpSp>
+        <p:nvGrpSpPr>
+          <p:cNvPr id="51" name="Gruppieren 50">
+            <a:extLst>
+              <a:ext uri="{FF2B5EF4-FFF2-40B4-BE49-F238E27FC236}">
+                <a16:creationId xmlns:a16="http://schemas.microsoft.com/office/drawing/2014/main" id="{CB33E091-4876-1119-2C19-C268F62FF2B9}"/>
+              </a:ext>
+            </a:extLst>
+          </p:cNvPr>
+          <p:cNvGrpSpPr/>
+          <p:nvPr/>
+        </p:nvGrpSpPr>
+        <p:grpSpPr>
+          <a:xfrm>
+            <a:off x="3432790" y="1641728"/>
+            <a:ext cx="4749184" cy="2745043"/>
+            <a:chOff x="3432790" y="1641728"/>
+            <a:chExt cx="4749184" cy="2745043"/>
+          </a:xfrm>
+        </p:grpSpPr>
+        <p:sp>
+          <p:nvSpPr>
+            <p:cNvPr id="48" name="Bogen 47">
+              <a:extLst>
+                <a:ext uri="{FF2B5EF4-FFF2-40B4-BE49-F238E27FC236}">
+                  <a16:creationId xmlns:a16="http://schemas.microsoft.com/office/drawing/2014/main" id="{57510C6F-E528-E1B4-0961-57A22FCC8A14}"/>
+                </a:ext>
+              </a:extLst>
+            </p:cNvPr>
+            <p:cNvSpPr/>
+            <p:nvPr/>
+          </p:nvSpPr>
+          <p:spPr>
+            <a:xfrm>
+              <a:off x="3432790" y="2324420"/>
+              <a:ext cx="2080611" cy="2062351"/>
+            </a:xfrm>
+            <a:prstGeom prst="arc">
+              <a:avLst>
+                <a:gd name="adj1" fmla="val 20159968"/>
+                <a:gd name="adj2" fmla="val 0"/>
+              </a:avLst>
+            </a:prstGeom>
+          </p:spPr>
+          <p:style>
+            <a:lnRef idx="1">
+              <a:schemeClr val="dk1"/>
+            </a:lnRef>
+            <a:fillRef idx="0">
+              <a:schemeClr val="dk1"/>
+            </a:fillRef>
+            <a:effectRef idx="0">
+              <a:schemeClr val="dk1"/>
+            </a:effectRef>
+            <a:fontRef idx="minor">
+              <a:schemeClr val="tx1"/>
+            </a:fontRef>
+          </p:style>
+          <p:txBody>
+            <a:bodyPr rtlCol="0" anchor="ctr"/>
+            <a:lstStyle/>
+            <a:p>
+              <a:pPr algn="ctr"/>
+              <a:endParaRPr lang="de-DE"/>
+            </a:p>
+          </p:txBody>
+        </p:sp>
+        <p:grpSp>
+          <p:nvGrpSpPr>
+            <p:cNvPr id="50" name="Gruppieren 49">
+              <a:extLst>
+                <a:ext uri="{FF2B5EF4-FFF2-40B4-BE49-F238E27FC236}">
+                  <a16:creationId xmlns:a16="http://schemas.microsoft.com/office/drawing/2014/main" id="{A175673F-1882-79C5-D145-3E1EF956D6F4}"/>
+                </a:ext>
+              </a:extLst>
+            </p:cNvPr>
+            <p:cNvGrpSpPr/>
+            <p:nvPr/>
+          </p:nvGrpSpPr>
+          <p:grpSpPr>
+            <a:xfrm>
+              <a:off x="4191301" y="1641728"/>
+              <a:ext cx="3990673" cy="2430971"/>
+              <a:chOff x="4191301" y="1641728"/>
+              <a:chExt cx="3990673" cy="2430971"/>
+            </a:xfrm>
+          </p:grpSpPr>
+          <p:sp>
+            <p:nvSpPr>
+              <p:cNvPr id="36" name="Gleichschenkliges Dreieck 35">
+                <a:extLst>
+                  <a:ext uri="{FF2B5EF4-FFF2-40B4-BE49-F238E27FC236}">
+                    <a16:creationId xmlns:a16="http://schemas.microsoft.com/office/drawing/2014/main" id="{6915CC42-984D-3493-BEFD-2D4F460D1D75}"/>
+                  </a:ext>
+                </a:extLst>
+              </p:cNvPr>
+              <p:cNvSpPr/>
+              <p:nvPr/>
+            </p:nvSpPr>
+            <p:spPr>
+              <a:xfrm flipV="1">
+                <a:off x="5641975" y="1695727"/>
+                <a:ext cx="2539999" cy="774575"/>
+              </a:xfrm>
+              <a:prstGeom prst="triangle">
+                <a:avLst>
+                  <a:gd name="adj" fmla="val 30817"/>
+                </a:avLst>
+              </a:prstGeom>
+              <a:solidFill>
+                <a:schemeClr val="accent1">
+                  <a:lumMod val="40000"/>
+                  <a:lumOff val="60000"/>
+                </a:schemeClr>
+              </a:solidFill>
+              <a:ln>
+                <a:noFill/>
+              </a:ln>
+            </p:spPr>
+            <p:style>
+              <a:lnRef idx="2">
+                <a:schemeClr val="accent1">
+                  <a:shade val="15000"/>
+                </a:schemeClr>
+              </a:lnRef>
+              <a:fillRef idx="1">
+                <a:schemeClr val="accent1"/>
+              </a:fillRef>
+              <a:effectRef idx="0">
+                <a:schemeClr val="accent1"/>
+              </a:effectRef>
+              <a:fontRef idx="minor">
+                <a:schemeClr val="lt1"/>
+              </a:fontRef>
+            </p:style>
+            <p:txBody>
+              <a:bodyPr rtlCol="0" anchor="ctr"/>
+              <a:lstStyle/>
+              <a:p>
+                <a:pPr algn="ctr"/>
+                <a:endParaRPr lang="de-DE"/>
+              </a:p>
+            </p:txBody>
+          </p:sp>
+          <p:cxnSp>
+            <p:nvCxnSpPr>
+              <p:cNvPr id="6" name="Gerader Verbinder 5">
+                <a:extLst>
+                  <a:ext uri="{FF2B5EF4-FFF2-40B4-BE49-F238E27FC236}">
+                    <a16:creationId xmlns:a16="http://schemas.microsoft.com/office/drawing/2014/main" id="{253FAB89-B2EF-C89C-9AD1-B6B1762242A3}"/>
+                  </a:ext>
+                </a:extLst>
+              </p:cNvPr>
+              <p:cNvCxnSpPr/>
+              <p:nvPr/>
+            </p:nvCxnSpPr>
+            <p:spPr>
+              <a:xfrm>
+                <a:off x="4471332" y="3355596"/>
+                <a:ext cx="2852257" cy="0"/>
+              </a:xfrm>
+              <a:prstGeom prst="line">
+                <a:avLst/>
+              </a:prstGeom>
+            </p:spPr>
+            <p:style>
+              <a:lnRef idx="2">
+                <a:schemeClr val="dk1"/>
+              </a:lnRef>
+              <a:fillRef idx="0">
+                <a:schemeClr val="dk1"/>
+              </a:fillRef>
+              <a:effectRef idx="1">
+                <a:schemeClr val="dk1"/>
+              </a:effectRef>
+              <a:fontRef idx="minor">
+                <a:schemeClr val="tx1"/>
+              </a:fontRef>
+            </p:style>
+          </p:cxnSp>
+          <p:sp>
+            <p:nvSpPr>
+              <p:cNvPr id="7" name="Ellipse 6">
+                <a:extLst>
+                  <a:ext uri="{FF2B5EF4-FFF2-40B4-BE49-F238E27FC236}">
+                    <a16:creationId xmlns:a16="http://schemas.microsoft.com/office/drawing/2014/main" id="{BF43BBF3-7FFF-66C0-CF4D-CA4A359E77C7}"/>
+                  </a:ext>
+                </a:extLst>
+              </p:cNvPr>
+              <p:cNvSpPr/>
+              <p:nvPr/>
+            </p:nvSpPr>
+            <p:spPr>
+              <a:xfrm>
+                <a:off x="4417332" y="3301596"/>
+                <a:ext cx="108000" cy="108000"/>
+              </a:xfrm>
+              <a:prstGeom prst="ellipse">
+                <a:avLst/>
+              </a:prstGeom>
+              <a:solidFill>
+                <a:schemeClr val="tx1"/>
+              </a:solidFill>
+              <a:ln>
+                <a:solidFill>
+                  <a:schemeClr val="tx1"/>
+                </a:solidFill>
+              </a:ln>
+            </p:spPr>
+            <p:style>
+              <a:lnRef idx="2">
+                <a:schemeClr val="accent1">
+                  <a:shade val="15000"/>
+                </a:schemeClr>
+              </a:lnRef>
+              <a:fillRef idx="1">
+                <a:schemeClr val="accent1"/>
+              </a:fillRef>
+              <a:effectRef idx="0">
+                <a:schemeClr val="accent1"/>
+              </a:effectRef>
+              <a:fontRef idx="minor">
+                <a:schemeClr val="lt1"/>
+              </a:fontRef>
+            </p:style>
+            <p:txBody>
+              <a:bodyPr rtlCol="0" anchor="ctr"/>
+              <a:lstStyle/>
+              <a:p>
+                <a:pPr algn="ctr"/>
+                <a:endParaRPr lang="de-DE"/>
+              </a:p>
+            </p:txBody>
+          </p:sp>
+          <p:sp>
+            <p:nvSpPr>
+              <p:cNvPr id="8" name="Ellipse 7">
+                <a:extLst>
+                  <a:ext uri="{FF2B5EF4-FFF2-40B4-BE49-F238E27FC236}">
+                    <a16:creationId xmlns:a16="http://schemas.microsoft.com/office/drawing/2014/main" id="{04F94A0D-C295-D9AD-A8B9-F6001BAD9742}"/>
+                  </a:ext>
+                </a:extLst>
+              </p:cNvPr>
+              <p:cNvSpPr/>
+              <p:nvPr/>
+            </p:nvSpPr>
+            <p:spPr>
+              <a:xfrm>
+                <a:off x="7269589" y="3301596"/>
+                <a:ext cx="108000" cy="108000"/>
+              </a:xfrm>
+              <a:prstGeom prst="ellipse">
+                <a:avLst/>
+              </a:prstGeom>
+              <a:solidFill>
+                <a:schemeClr val="tx1"/>
+              </a:solidFill>
+              <a:ln>
+                <a:solidFill>
+                  <a:schemeClr val="tx1"/>
+                </a:solidFill>
+              </a:ln>
+            </p:spPr>
+            <p:style>
+              <a:lnRef idx="2">
+                <a:schemeClr val="accent1">
+                  <a:shade val="15000"/>
+                </a:schemeClr>
+              </a:lnRef>
+              <a:fillRef idx="1">
+                <a:schemeClr val="accent1"/>
+              </a:fillRef>
+              <a:effectRef idx="0">
+                <a:schemeClr val="accent1"/>
+              </a:effectRef>
+              <a:fontRef idx="minor">
+                <a:schemeClr val="lt1"/>
+              </a:fontRef>
+            </p:style>
+            <p:txBody>
+              <a:bodyPr rtlCol="0" anchor="ctr"/>
+              <a:lstStyle/>
+              <a:p>
+                <a:pPr algn="ctr"/>
+                <a:endParaRPr lang="de-DE"/>
+              </a:p>
+            </p:txBody>
+          </p:sp>
+          <p:cxnSp>
+            <p:nvCxnSpPr>
+              <p:cNvPr id="9" name="Gerader Verbinder 8">
+                <a:extLst>
+                  <a:ext uri="{FF2B5EF4-FFF2-40B4-BE49-F238E27FC236}">
+                    <a16:creationId xmlns:a16="http://schemas.microsoft.com/office/drawing/2014/main" id="{8BF7A811-7DAA-5C1D-B631-596DEE907D06}"/>
+                  </a:ext>
+                </a:extLst>
+              </p:cNvPr>
+              <p:cNvCxnSpPr>
+                <a:cxnSpLocks/>
+              </p:cNvCxnSpPr>
+              <p:nvPr/>
+            </p:nvCxnSpPr>
+            <p:spPr>
+              <a:xfrm>
+                <a:off x="6357134" y="2472620"/>
+                <a:ext cx="144000" cy="0"/>
+              </a:xfrm>
+              <a:prstGeom prst="line">
+                <a:avLst/>
+              </a:prstGeom>
+              <a:ln w="19050">
+                <a:solidFill>
+                  <a:schemeClr val="tx1"/>
+                </a:solidFill>
+              </a:ln>
+            </p:spPr>
+            <p:style>
+              <a:lnRef idx="1">
+                <a:schemeClr val="accent1"/>
+              </a:lnRef>
+              <a:fillRef idx="0">
+                <a:schemeClr val="accent1"/>
+              </a:fillRef>
+              <a:effectRef idx="0">
+                <a:schemeClr val="accent1"/>
+              </a:effectRef>
+              <a:fontRef idx="minor">
+                <a:schemeClr val="tx1"/>
+              </a:fontRef>
+            </p:style>
+          </p:cxnSp>
+          <p:cxnSp>
+            <p:nvCxnSpPr>
+              <p:cNvPr id="10" name="Gerader Verbinder 9">
+                <a:extLst>
+                  <a:ext uri="{FF2B5EF4-FFF2-40B4-BE49-F238E27FC236}">
+                    <a16:creationId xmlns:a16="http://schemas.microsoft.com/office/drawing/2014/main" id="{992D3395-E97B-652C-26B8-B4D46FDD41F3}"/>
+                  </a:ext>
+                </a:extLst>
+              </p:cNvPr>
+              <p:cNvCxnSpPr>
+                <a:cxnSpLocks/>
+              </p:cNvCxnSpPr>
+              <p:nvPr/>
+            </p:nvCxnSpPr>
+            <p:spPr>
+              <a:xfrm>
+                <a:off x="6433897" y="2400620"/>
+                <a:ext cx="0" cy="144000"/>
+              </a:xfrm>
+              <a:prstGeom prst="line">
+                <a:avLst/>
+              </a:prstGeom>
+              <a:ln w="19050">
+                <a:solidFill>
+                  <a:schemeClr val="tx1"/>
+                </a:solidFill>
+              </a:ln>
+            </p:spPr>
+            <p:style>
+              <a:lnRef idx="1">
+                <a:schemeClr val="accent1"/>
+              </a:lnRef>
+              <a:fillRef idx="0">
+                <a:schemeClr val="accent1"/>
+              </a:fillRef>
+              <a:effectRef idx="0">
+                <a:schemeClr val="accent1"/>
+              </a:effectRef>
+              <a:fontRef idx="minor">
+                <a:schemeClr val="tx1"/>
+              </a:fontRef>
+            </p:style>
+          </p:cxnSp>
+          <mc:AlternateContent xmlns:mc="http://schemas.openxmlformats.org/markup-compatibility/2006" xmlns:a14="http://schemas.microsoft.com/office/drawing/2010/main">
+            <mc:Choice Requires="a14">
+              <p:sp>
+                <p:nvSpPr>
+                  <p:cNvPr id="12" name="Textfeld 11">
+                    <a:extLst>
+                      <a:ext uri="{FF2B5EF4-FFF2-40B4-BE49-F238E27FC236}">
+                        <a16:creationId xmlns:a16="http://schemas.microsoft.com/office/drawing/2014/main" id="{6B216A70-C918-D465-C2B1-C568A0543317}"/>
+                      </a:ext>
+                    </a:extLst>
+                  </p:cNvPr>
+                  <p:cNvSpPr txBox="1"/>
+                  <p:nvPr/>
+                </p:nvSpPr>
+                <p:spPr>
+                  <a:xfrm>
+                    <a:off x="4191301" y="3355596"/>
+                    <a:ext cx="343080" cy="369332"/>
+                  </a:xfrm>
+                  <a:prstGeom prst="rect">
+                    <a:avLst/>
+                  </a:prstGeom>
+                  <a:noFill/>
+                </p:spPr>
+                <p:txBody>
+                  <a:bodyPr wrap="square">
+                    <a:spAutoFit/>
+                  </a:bodyPr>
+                  <a:lstStyle/>
+                  <a:p>
+                    <a:pPr/>
+                    <a14:m>
+                      <m:oMathPara xmlns:m="http://schemas.openxmlformats.org/officeDocument/2006/math">
+                        <m:oMathParaPr>
+                          <m:jc m:val="centerGroup"/>
+                        </m:oMathParaPr>
+                        <m:oMath xmlns:m="http://schemas.openxmlformats.org/officeDocument/2006/math">
+                          <m:sSub>
+                            <m:sSubPr>
+                              <m:ctrlPr>
+                                <a:rPr lang="de-DE" sz="1800" b="0" i="1" smtClean="0">
+                                  <a:solidFill>
+                                    <a:schemeClr val="tx1"/>
+                                  </a:solidFill>
+                                  <a:latin typeface="Cambria Math" panose="02040503050406030204" pitchFamily="18" charset="0"/>
+                                  <a:ea typeface="Cambria Math" panose="02040503050406030204" pitchFamily="18" charset="0"/>
+                                </a:rPr>
+                              </m:ctrlPr>
+                            </m:sSubPr>
+                            <m:e>
+                              <m:r>
+                                <a:rPr lang="de-DE" sz="1800" b="0" i="1" smtClean="0">
+                                  <a:solidFill>
+                                    <a:schemeClr val="tx1"/>
+                                  </a:solidFill>
+                                  <a:latin typeface="Cambria Math" panose="02040503050406030204" pitchFamily="18" charset="0"/>
+                                  <a:ea typeface="Cambria Math" panose="02040503050406030204" pitchFamily="18" charset="0"/>
+                                </a:rPr>
+                                <m:t>𝑎</m:t>
+                              </m:r>
+                            </m:e>
+                            <m:sub>
+                              <m:r>
+                                <a:rPr lang="de-DE" sz="1800" b="0" i="1" smtClean="0">
+                                  <a:solidFill>
+                                    <a:schemeClr val="tx1"/>
+                                  </a:solidFill>
+                                  <a:latin typeface="Cambria Math" panose="02040503050406030204" pitchFamily="18" charset="0"/>
+                                  <a:ea typeface="Cambria Math" panose="02040503050406030204" pitchFamily="18" charset="0"/>
+                                </a:rPr>
+                                <m:t>3</m:t>
+                              </m:r>
+                            </m:sub>
+                          </m:sSub>
+                        </m:oMath>
+                      </m:oMathPara>
+                    </a14:m>
+                    <a:endParaRPr lang="de-DE" dirty="0"/>
+                  </a:p>
+                </p:txBody>
+              </p:sp>
+            </mc:Choice>
+            <mc:Fallback xmlns="">
+              <p:sp>
+                <p:nvSpPr>
+                  <p:cNvPr id="12" name="Textfeld 11">
+                    <a:extLst>
+                      <a:ext uri="{FF2B5EF4-FFF2-40B4-BE49-F238E27FC236}">
+                        <a16:creationId xmlns:a16="http://schemas.microsoft.com/office/drawing/2014/main" id="{6B216A70-C918-D465-C2B1-C568A0543317}"/>
+                      </a:ext>
+                    </a:extLst>
+                  </p:cNvPr>
+                  <p:cNvSpPr txBox="1">
+                    <a:spLocks noRot="1" noChangeAspect="1" noMove="1" noResize="1" noEditPoints="1" noAdjustHandles="1" noChangeArrowheads="1" noChangeShapeType="1" noTextEdit="1"/>
+                  </p:cNvSpPr>
+                  <p:nvPr/>
+                </p:nvSpPr>
+                <p:spPr>
+                  <a:xfrm>
+                    <a:off x="4191301" y="3355596"/>
+                    <a:ext cx="343080" cy="369332"/>
+                  </a:xfrm>
+                  <a:prstGeom prst="rect">
+                    <a:avLst/>
+                  </a:prstGeom>
+                  <a:blipFill>
+                    <a:blip r:embed="rId2"/>
+                    <a:stretch>
+                      <a:fillRect r="-8929"/>
+                    </a:stretch>
+                  </a:blipFill>
+                </p:spPr>
+                <p:txBody>
+                  <a:bodyPr/>
+                  <a:lstStyle/>
+                  <a:p>
+                    <a:r>
+                      <a:rPr lang="de-DE">
+                        <a:noFill/>
+                      </a:rPr>
+                      <a:t> </a:t>
+                    </a:r>
+                  </a:p>
+                </p:txBody>
+              </p:sp>
+            </mc:Fallback>
+          </mc:AlternateContent>
+          <mc:AlternateContent xmlns:mc="http://schemas.openxmlformats.org/markup-compatibility/2006" xmlns:a14="http://schemas.microsoft.com/office/drawing/2010/main">
+            <mc:Choice Requires="a14">
+              <p:sp>
+                <p:nvSpPr>
+                  <p:cNvPr id="14" name="Textfeld 13">
+                    <a:extLst>
+                      <a:ext uri="{FF2B5EF4-FFF2-40B4-BE49-F238E27FC236}">
+                        <a16:creationId xmlns:a16="http://schemas.microsoft.com/office/drawing/2014/main" id="{A911766B-8397-6D57-BC5D-529416720ACD}"/>
+                      </a:ext>
+                    </a:extLst>
+                  </p:cNvPr>
+                  <p:cNvSpPr txBox="1"/>
+                  <p:nvPr/>
+                </p:nvSpPr>
+                <p:spPr>
+                  <a:xfrm>
+                    <a:off x="7314541" y="3355596"/>
+                    <a:ext cx="343080" cy="369332"/>
+                  </a:xfrm>
+                  <a:prstGeom prst="rect">
+                    <a:avLst/>
+                  </a:prstGeom>
+                  <a:noFill/>
+                </p:spPr>
+                <p:txBody>
+                  <a:bodyPr wrap="square">
+                    <a:spAutoFit/>
+                  </a:bodyPr>
+                  <a:lstStyle/>
+                  <a:p>
+                    <a:pPr/>
+                    <a14:m>
+                      <m:oMathPara xmlns:m="http://schemas.openxmlformats.org/officeDocument/2006/math">
+                        <m:oMathParaPr>
+                          <m:jc m:val="centerGroup"/>
+                        </m:oMathParaPr>
+                        <m:oMath xmlns:m="http://schemas.openxmlformats.org/officeDocument/2006/math">
+                          <m:sSub>
+                            <m:sSubPr>
+                              <m:ctrlPr>
+                                <a:rPr lang="de-DE" sz="1800" b="0" i="1" smtClean="0">
+                                  <a:solidFill>
+                                    <a:schemeClr val="tx1"/>
+                                  </a:solidFill>
+                                  <a:latin typeface="Cambria Math" panose="02040503050406030204" pitchFamily="18" charset="0"/>
+                                  <a:ea typeface="Cambria Math" panose="02040503050406030204" pitchFamily="18" charset="0"/>
+                                </a:rPr>
+                              </m:ctrlPr>
+                            </m:sSubPr>
+                            <m:e>
+                              <m:r>
+                                <a:rPr lang="de-DE" sz="1800" b="0" i="1" smtClean="0">
+                                  <a:solidFill>
+                                    <a:schemeClr val="tx1"/>
+                                  </a:solidFill>
+                                  <a:latin typeface="Cambria Math" panose="02040503050406030204" pitchFamily="18" charset="0"/>
+                                  <a:ea typeface="Cambria Math" panose="02040503050406030204" pitchFamily="18" charset="0"/>
+                                </a:rPr>
+                                <m:t>𝑎</m:t>
+                              </m:r>
+                            </m:e>
+                            <m:sub>
+                              <m:r>
+                                <a:rPr lang="de-DE" sz="1800" b="0" i="1" smtClean="0">
+                                  <a:solidFill>
+                                    <a:schemeClr val="tx1"/>
+                                  </a:solidFill>
+                                  <a:latin typeface="Cambria Math" panose="02040503050406030204" pitchFamily="18" charset="0"/>
+                                  <a:ea typeface="Cambria Math" panose="02040503050406030204" pitchFamily="18" charset="0"/>
+                                </a:rPr>
+                                <m:t>2</m:t>
+                              </m:r>
+                            </m:sub>
+                          </m:sSub>
+                        </m:oMath>
+                      </m:oMathPara>
+                    </a14:m>
+                    <a:endParaRPr lang="de-DE" dirty="0"/>
+                  </a:p>
+                </p:txBody>
+              </p:sp>
+            </mc:Choice>
+            <mc:Fallback xmlns="">
+              <p:sp>
+                <p:nvSpPr>
+                  <p:cNvPr id="14" name="Textfeld 13">
+                    <a:extLst>
+                      <a:ext uri="{FF2B5EF4-FFF2-40B4-BE49-F238E27FC236}">
+                        <a16:creationId xmlns:a16="http://schemas.microsoft.com/office/drawing/2014/main" id="{A911766B-8397-6D57-BC5D-529416720ACD}"/>
+                      </a:ext>
+                    </a:extLst>
+                  </p:cNvPr>
+                  <p:cNvSpPr txBox="1">
+                    <a:spLocks noRot="1" noChangeAspect="1" noMove="1" noResize="1" noEditPoints="1" noAdjustHandles="1" noChangeArrowheads="1" noChangeShapeType="1" noTextEdit="1"/>
+                  </p:cNvSpPr>
+                  <p:nvPr/>
+                </p:nvSpPr>
+                <p:spPr>
+                  <a:xfrm>
+                    <a:off x="7314541" y="3355596"/>
+                    <a:ext cx="343080" cy="369332"/>
+                  </a:xfrm>
+                  <a:prstGeom prst="rect">
+                    <a:avLst/>
+                  </a:prstGeom>
+                  <a:blipFill>
+                    <a:blip r:embed="rId3"/>
+                    <a:stretch>
+                      <a:fillRect r="-8929"/>
+                    </a:stretch>
+                  </a:blipFill>
+                </p:spPr>
+                <p:txBody>
+                  <a:bodyPr/>
+                  <a:lstStyle/>
+                  <a:p>
+                    <a:r>
+                      <a:rPr lang="de-DE">
+                        <a:noFill/>
+                      </a:rPr>
+                      <a:t> </a:t>
+                    </a:r>
+                  </a:p>
+                </p:txBody>
+              </p:sp>
+            </mc:Fallback>
+          </mc:AlternateContent>
+          <mc:AlternateContent xmlns:mc="http://schemas.openxmlformats.org/markup-compatibility/2006" xmlns:a14="http://schemas.microsoft.com/office/drawing/2010/main">
+            <mc:Choice Requires="a14">
+              <p:sp>
+                <p:nvSpPr>
+                  <p:cNvPr id="16" name="Textfeld 15">
+                    <a:extLst>
+                      <a:ext uri="{FF2B5EF4-FFF2-40B4-BE49-F238E27FC236}">
+                        <a16:creationId xmlns:a16="http://schemas.microsoft.com/office/drawing/2014/main" id="{9AF1167D-CF89-A36B-2260-55CA6DEEF0FC}"/>
+                      </a:ext>
+                    </a:extLst>
+                  </p:cNvPr>
+                  <p:cNvSpPr txBox="1"/>
+                  <p:nvPr/>
+                </p:nvSpPr>
+                <p:spPr>
+                  <a:xfrm>
+                    <a:off x="6257594" y="2497504"/>
+                    <a:ext cx="343080" cy="369332"/>
+                  </a:xfrm>
+                  <a:prstGeom prst="rect">
+                    <a:avLst/>
+                  </a:prstGeom>
+                  <a:noFill/>
+                </p:spPr>
+                <p:txBody>
+                  <a:bodyPr wrap="square">
+                    <a:spAutoFit/>
+                  </a:bodyPr>
+                  <a:lstStyle/>
+                  <a:p>
+                    <a:pPr/>
+                    <a14:m>
+                      <m:oMathPara xmlns:m="http://schemas.openxmlformats.org/officeDocument/2006/math">
+                        <m:oMathParaPr>
+                          <m:jc m:val="centerGroup"/>
+                        </m:oMathParaPr>
+                        <m:oMath xmlns:m="http://schemas.openxmlformats.org/officeDocument/2006/math">
+                          <m:r>
+                            <a:rPr lang="de-DE" sz="1800" b="0" i="1" smtClean="0">
+                              <a:solidFill>
+                                <a:schemeClr val="tx1"/>
+                              </a:solidFill>
+                              <a:latin typeface="Cambria Math" panose="02040503050406030204" pitchFamily="18" charset="0"/>
+                              <a:ea typeface="Cambria Math" panose="02040503050406030204" pitchFamily="18" charset="0"/>
+                            </a:rPr>
+                            <m:t>𝑝</m:t>
+                          </m:r>
+                        </m:oMath>
+                      </m:oMathPara>
+                    </a14:m>
+                    <a:endParaRPr lang="de-DE" dirty="0"/>
+                  </a:p>
+                </p:txBody>
+              </p:sp>
+            </mc:Choice>
+            <mc:Fallback xmlns="">
+              <p:sp>
+                <p:nvSpPr>
+                  <p:cNvPr id="16" name="Textfeld 15">
+                    <a:extLst>
+                      <a:ext uri="{FF2B5EF4-FFF2-40B4-BE49-F238E27FC236}">
+                        <a16:creationId xmlns:a16="http://schemas.microsoft.com/office/drawing/2014/main" id="{9AF1167D-CF89-A36B-2260-55CA6DEEF0FC}"/>
+                      </a:ext>
+                    </a:extLst>
+                  </p:cNvPr>
+                  <p:cNvSpPr txBox="1">
+                    <a:spLocks noRot="1" noChangeAspect="1" noMove="1" noResize="1" noEditPoints="1" noAdjustHandles="1" noChangeArrowheads="1" noChangeShapeType="1" noTextEdit="1"/>
+                  </p:cNvSpPr>
+                  <p:nvPr/>
+                </p:nvSpPr>
+                <p:spPr>
+                  <a:xfrm>
+                    <a:off x="6257594" y="2497504"/>
+                    <a:ext cx="343080" cy="369332"/>
+                  </a:xfrm>
+                  <a:prstGeom prst="rect">
+                    <a:avLst/>
+                  </a:prstGeom>
+                  <a:blipFill>
+                    <a:blip r:embed="rId4"/>
+                    <a:stretch>
+                      <a:fillRect b="-6667"/>
+                    </a:stretch>
+                  </a:blipFill>
+                </p:spPr>
+                <p:txBody>
+                  <a:bodyPr/>
+                  <a:lstStyle/>
+                  <a:p>
+                    <a:r>
+                      <a:rPr lang="de-DE">
+                        <a:noFill/>
+                      </a:rPr>
+                      <a:t> </a:t>
+                    </a:r>
+                  </a:p>
+                </p:txBody>
+              </p:sp>
+            </mc:Fallback>
+          </mc:AlternateContent>
+          <p:cxnSp>
+            <p:nvCxnSpPr>
+              <p:cNvPr id="19" name="Gerader Verbinder 18">
+                <a:extLst>
+                  <a:ext uri="{FF2B5EF4-FFF2-40B4-BE49-F238E27FC236}">
+                    <a16:creationId xmlns:a16="http://schemas.microsoft.com/office/drawing/2014/main" id="{F2D23B11-1B6C-F689-6C80-62EF33CC31C6}"/>
+                  </a:ext>
+                </a:extLst>
+              </p:cNvPr>
+              <p:cNvCxnSpPr>
+                <a:cxnSpLocks/>
+                <a:stCxn id="7" idx="7"/>
+              </p:cNvCxnSpPr>
+              <p:nvPr/>
+            </p:nvCxnSpPr>
+            <p:spPr>
+              <a:xfrm flipV="1">
+                <a:off x="4509516" y="2472619"/>
+                <a:ext cx="1929145" cy="844793"/>
+              </a:xfrm>
+              <a:prstGeom prst="line">
+                <a:avLst/>
+              </a:prstGeom>
+              <a:ln>
+                <a:prstDash val="dash"/>
+              </a:ln>
+            </p:spPr>
+            <p:style>
+              <a:lnRef idx="2">
+                <a:schemeClr val="dk1"/>
+              </a:lnRef>
+              <a:fillRef idx="0">
+                <a:schemeClr val="dk1"/>
+              </a:fillRef>
+              <a:effectRef idx="1">
+                <a:schemeClr val="dk1"/>
+              </a:effectRef>
+              <a:fontRef idx="minor">
+                <a:schemeClr val="tx1"/>
+              </a:fontRef>
+            </p:style>
+          </p:cxnSp>
+          <p:cxnSp>
+            <p:nvCxnSpPr>
+              <p:cNvPr id="24" name="Gerader Verbinder 23">
+                <a:extLst>
+                  <a:ext uri="{FF2B5EF4-FFF2-40B4-BE49-F238E27FC236}">
+                    <a16:creationId xmlns:a16="http://schemas.microsoft.com/office/drawing/2014/main" id="{5343F90A-53EC-36F3-863E-193685162FB5}"/>
+                  </a:ext>
+                </a:extLst>
+              </p:cNvPr>
+              <p:cNvCxnSpPr>
+                <a:cxnSpLocks/>
+                <a:stCxn id="8" idx="1"/>
+              </p:cNvCxnSpPr>
+              <p:nvPr/>
+            </p:nvCxnSpPr>
+            <p:spPr>
+              <a:xfrm flipH="1" flipV="1">
+                <a:off x="6433897" y="2472618"/>
+                <a:ext cx="851508" cy="844794"/>
+              </a:xfrm>
+              <a:prstGeom prst="line">
+                <a:avLst/>
+              </a:prstGeom>
+              <a:ln>
+                <a:prstDash val="dash"/>
+              </a:ln>
+            </p:spPr>
+            <p:style>
+              <a:lnRef idx="2">
+                <a:schemeClr val="dk1"/>
+              </a:lnRef>
+              <a:fillRef idx="0">
+                <a:schemeClr val="dk1"/>
+              </a:fillRef>
+              <a:effectRef idx="1">
+                <a:schemeClr val="dk1"/>
+              </a:effectRef>
+              <a:fontRef idx="minor">
+                <a:schemeClr val="tx1"/>
+              </a:fontRef>
+            </p:style>
+          </p:cxnSp>
+          <p:cxnSp>
+            <p:nvCxnSpPr>
+              <p:cNvPr id="27" name="Gerader Verbinder 26">
+                <a:extLst>
+                  <a:ext uri="{FF2B5EF4-FFF2-40B4-BE49-F238E27FC236}">
+                    <a16:creationId xmlns:a16="http://schemas.microsoft.com/office/drawing/2014/main" id="{018AB8FE-4AF9-CA12-9ED8-8CF214170E03}"/>
+                  </a:ext>
+                </a:extLst>
+              </p:cNvPr>
+              <p:cNvCxnSpPr>
+                <a:cxnSpLocks/>
+                <a:endCxn id="36" idx="2"/>
+              </p:cNvCxnSpPr>
+              <p:nvPr/>
+            </p:nvCxnSpPr>
+            <p:spPr>
+              <a:xfrm flipH="1" flipV="1">
+                <a:off x="5641975" y="1695727"/>
+                <a:ext cx="787159" cy="776890"/>
+              </a:xfrm>
+              <a:prstGeom prst="line">
+                <a:avLst/>
+              </a:prstGeom>
+            </p:spPr>
+            <p:style>
+              <a:lnRef idx="2">
+                <a:schemeClr val="dk1"/>
+              </a:lnRef>
+              <a:fillRef idx="0">
+                <a:schemeClr val="dk1"/>
+              </a:fillRef>
+              <a:effectRef idx="1">
+                <a:schemeClr val="dk1"/>
+              </a:effectRef>
+              <a:fontRef idx="minor">
+                <a:schemeClr val="tx1"/>
+              </a:fontRef>
+            </p:style>
+          </p:cxnSp>
+          <p:cxnSp>
+            <p:nvCxnSpPr>
+              <p:cNvPr id="31" name="Gerader Verbinder 30">
+                <a:extLst>
+                  <a:ext uri="{FF2B5EF4-FFF2-40B4-BE49-F238E27FC236}">
+                    <a16:creationId xmlns:a16="http://schemas.microsoft.com/office/drawing/2014/main" id="{B4D0AB50-B97A-DE07-8E36-83D0A1FE291D}"/>
+                  </a:ext>
+                </a:extLst>
+              </p:cNvPr>
+              <p:cNvCxnSpPr>
+                <a:cxnSpLocks/>
+                <a:endCxn id="36" idx="4"/>
+              </p:cNvCxnSpPr>
+              <p:nvPr/>
+            </p:nvCxnSpPr>
+            <p:spPr>
+              <a:xfrm flipV="1">
+                <a:off x="6438661" y="1695727"/>
+                <a:ext cx="1743313" cy="776890"/>
+              </a:xfrm>
+              <a:prstGeom prst="line">
+                <a:avLst/>
+              </a:prstGeom>
+            </p:spPr>
+            <p:style>
+              <a:lnRef idx="2">
+                <a:schemeClr val="dk1"/>
+              </a:lnRef>
+              <a:fillRef idx="0">
+                <a:schemeClr val="dk1"/>
+              </a:fillRef>
+              <a:effectRef idx="1">
+                <a:schemeClr val="dk1"/>
+              </a:effectRef>
+              <a:fontRef idx="minor">
+                <a:schemeClr val="tx1"/>
+              </a:fontRef>
+            </p:style>
+          </p:cxnSp>
+          <mc:AlternateContent xmlns:mc="http://schemas.openxmlformats.org/markup-compatibility/2006" xmlns:a14="http://schemas.microsoft.com/office/drawing/2010/main">
+            <mc:Choice Requires="a14">
+              <p:sp>
+                <p:nvSpPr>
+                  <p:cNvPr id="40" name="Textfeld 39">
+                    <a:extLst>
+                      <a:ext uri="{FF2B5EF4-FFF2-40B4-BE49-F238E27FC236}">
+                        <a16:creationId xmlns:a16="http://schemas.microsoft.com/office/drawing/2014/main" id="{B999F7DD-CD04-0CF2-9E9A-DEC0E2142DF0}"/>
+                      </a:ext>
+                    </a:extLst>
+                  </p:cNvPr>
+                  <p:cNvSpPr txBox="1"/>
+                  <p:nvPr/>
+                </p:nvSpPr>
+                <p:spPr>
+                  <a:xfrm>
+                    <a:off x="6357134" y="1641728"/>
+                    <a:ext cx="343080" cy="369332"/>
+                  </a:xfrm>
+                  <a:prstGeom prst="rect">
+                    <a:avLst/>
+                  </a:prstGeom>
+                  <a:noFill/>
+                </p:spPr>
+                <p:txBody>
+                  <a:bodyPr wrap="square">
+                    <a:spAutoFit/>
+                  </a:bodyPr>
+                  <a:lstStyle/>
+                  <a:p>
+                    <a:pPr/>
+                    <a14:m>
+                      <m:oMathPara xmlns:m="http://schemas.openxmlformats.org/officeDocument/2006/math">
+                        <m:oMathParaPr>
+                          <m:jc m:val="centerGroup"/>
+                        </m:oMathParaPr>
+                        <m:oMath xmlns:m="http://schemas.openxmlformats.org/officeDocument/2006/math">
+                          <m:sSub>
+                            <m:sSubPr>
+                              <m:ctrlPr>
+                                <a:rPr lang="de-DE" sz="1800" b="0" i="1" smtClean="0">
+                                  <a:solidFill>
+                                    <a:schemeClr val="tx1"/>
+                                  </a:solidFill>
+                                  <a:latin typeface="Cambria Math" panose="02040503050406030204" pitchFamily="18" charset="0"/>
+                                  <a:ea typeface="Cambria Math" panose="02040503050406030204" pitchFamily="18" charset="0"/>
+                                </a:rPr>
+                              </m:ctrlPr>
+                            </m:sSubPr>
+                            <m:e>
+                              <m:r>
+                                <a:rPr lang="de-DE" sz="1800" b="0" i="1" smtClean="0">
+                                  <a:solidFill>
+                                    <a:schemeClr val="tx1"/>
+                                  </a:solidFill>
+                                  <a:latin typeface="Cambria Math" panose="02040503050406030204" pitchFamily="18" charset="0"/>
+                                  <a:ea typeface="Cambria Math" panose="02040503050406030204" pitchFamily="18" charset="0"/>
+                                </a:rPr>
+                                <m:t>𝑎</m:t>
+                              </m:r>
+                            </m:e>
+                            <m:sub>
+                              <m:r>
+                                <a:rPr lang="de-DE" sz="1800" b="0" i="1" smtClean="0">
+                                  <a:solidFill>
+                                    <a:schemeClr val="tx1"/>
+                                  </a:solidFill>
+                                  <a:latin typeface="Cambria Math" panose="02040503050406030204" pitchFamily="18" charset="0"/>
+                                  <a:ea typeface="Cambria Math" panose="02040503050406030204" pitchFamily="18" charset="0"/>
+                                </a:rPr>
+                                <m:t>1</m:t>
+                              </m:r>
+                            </m:sub>
+                          </m:sSub>
+                        </m:oMath>
+                      </m:oMathPara>
+                    </a14:m>
+                    <a:endParaRPr lang="de-DE" dirty="0"/>
+                  </a:p>
+                </p:txBody>
+              </p:sp>
+            </mc:Choice>
+            <mc:Fallback xmlns="">
+              <p:sp>
+                <p:nvSpPr>
+                  <p:cNvPr id="40" name="Textfeld 39">
+                    <a:extLst>
+                      <a:ext uri="{FF2B5EF4-FFF2-40B4-BE49-F238E27FC236}">
+                        <a16:creationId xmlns:a16="http://schemas.microsoft.com/office/drawing/2014/main" id="{B999F7DD-CD04-0CF2-9E9A-DEC0E2142DF0}"/>
+                      </a:ext>
+                    </a:extLst>
+                  </p:cNvPr>
+                  <p:cNvSpPr txBox="1">
+                    <a:spLocks noRot="1" noChangeAspect="1" noMove="1" noResize="1" noEditPoints="1" noAdjustHandles="1" noChangeArrowheads="1" noChangeShapeType="1" noTextEdit="1"/>
+                  </p:cNvSpPr>
+                  <p:nvPr/>
+                </p:nvSpPr>
+                <p:spPr>
+                  <a:xfrm>
+                    <a:off x="6357134" y="1641728"/>
+                    <a:ext cx="343080" cy="369332"/>
+                  </a:xfrm>
+                  <a:prstGeom prst="rect">
+                    <a:avLst/>
+                  </a:prstGeom>
+                  <a:blipFill>
+                    <a:blip r:embed="rId5"/>
+                    <a:stretch>
+                      <a:fillRect r="-7143"/>
+                    </a:stretch>
+                  </a:blipFill>
+                </p:spPr>
+                <p:txBody>
+                  <a:bodyPr/>
+                  <a:lstStyle/>
+                  <a:p>
+                    <a:r>
+                      <a:rPr lang="de-DE">
+                        <a:noFill/>
+                      </a:rPr>
+                      <a:t> </a:t>
+                    </a:r>
+                  </a:p>
+                </p:txBody>
+              </p:sp>
+            </mc:Fallback>
+          </mc:AlternateContent>
+          <p:sp>
+            <p:nvSpPr>
+              <p:cNvPr id="41" name="Ellipse 40">
+                <a:extLst>
+                  <a:ext uri="{FF2B5EF4-FFF2-40B4-BE49-F238E27FC236}">
+                    <a16:creationId xmlns:a16="http://schemas.microsoft.com/office/drawing/2014/main" id="{D4ED5FCA-5E7C-DB35-9839-79FEBDF4222A}"/>
+                  </a:ext>
+                </a:extLst>
+              </p:cNvPr>
+              <p:cNvSpPr/>
+              <p:nvPr/>
+            </p:nvSpPr>
+            <p:spPr>
+              <a:xfrm>
+                <a:off x="6269516" y="1914043"/>
+                <a:ext cx="108000" cy="108000"/>
+              </a:xfrm>
+              <a:prstGeom prst="ellipse">
+                <a:avLst/>
+              </a:prstGeom>
+              <a:solidFill>
+                <a:schemeClr val="tx1"/>
+              </a:solidFill>
+              <a:ln>
+                <a:solidFill>
+                  <a:schemeClr val="tx1"/>
+                </a:solidFill>
+              </a:ln>
+            </p:spPr>
+            <p:style>
+              <a:lnRef idx="2">
+                <a:schemeClr val="accent1">
+                  <a:shade val="15000"/>
+                </a:schemeClr>
+              </a:lnRef>
+              <a:fillRef idx="1">
+                <a:schemeClr val="accent1"/>
+              </a:fillRef>
+              <a:effectRef idx="0">
+                <a:schemeClr val="accent1"/>
+              </a:effectRef>
+              <a:fontRef idx="minor">
+                <a:schemeClr val="lt1"/>
+              </a:fontRef>
+            </p:style>
+            <p:txBody>
+              <a:bodyPr rtlCol="0" anchor="ctr"/>
+              <a:lstStyle/>
+              <a:p>
+                <a:pPr algn="ctr"/>
+                <a:endParaRPr lang="de-DE"/>
+              </a:p>
+            </p:txBody>
+          </p:sp>
+          <mc:AlternateContent xmlns:mc="http://schemas.openxmlformats.org/markup-compatibility/2006" xmlns:a14="http://schemas.microsoft.com/office/drawing/2010/main">
+            <mc:Choice Requires="a14">
+              <p:sp>
+                <p:nvSpPr>
+                  <p:cNvPr id="45" name="Textfeld 44">
+                    <a:extLst>
+                      <a:ext uri="{FF2B5EF4-FFF2-40B4-BE49-F238E27FC236}">
+                        <a16:creationId xmlns:a16="http://schemas.microsoft.com/office/drawing/2014/main" id="{BCC8F131-BCF4-7285-BC6C-8AAAD4FEB047}"/>
+                      </a:ext>
+                    </a:extLst>
+                  </p:cNvPr>
+                  <p:cNvSpPr txBox="1"/>
+                  <p:nvPr/>
+                </p:nvSpPr>
+                <p:spPr>
+                  <a:xfrm>
+                    <a:off x="5024508" y="2975080"/>
+                    <a:ext cx="449580" cy="369332"/>
+                  </a:xfrm>
+                  <a:prstGeom prst="rect">
+                    <a:avLst/>
+                  </a:prstGeom>
+                  <a:noFill/>
+                </p:spPr>
+                <p:txBody>
+                  <a:bodyPr wrap="square">
+                    <a:spAutoFit/>
+                  </a:bodyPr>
+                  <a:lstStyle/>
+                  <a:p>
+                    <a:pPr/>
+                    <a14:m>
+                      <m:oMathPara xmlns:m="http://schemas.openxmlformats.org/officeDocument/2006/math">
+                        <m:oMathParaPr>
+                          <m:jc m:val="centerGroup"/>
+                        </m:oMathParaPr>
+                        <m:oMath xmlns:m="http://schemas.openxmlformats.org/officeDocument/2006/math">
+                          <m:sSub>
+                            <m:sSubPr>
+                              <m:ctrlPr>
+                                <a:rPr lang="de-DE" sz="1800" b="0" i="1" smtClean="0">
+                                  <a:solidFill>
+                                    <a:schemeClr val="tx1"/>
+                                  </a:solidFill>
+                                  <a:latin typeface="Cambria Math" panose="02040503050406030204" pitchFamily="18" charset="0"/>
+                                  <a:ea typeface="Cambria Math" panose="02040503050406030204" pitchFamily="18" charset="0"/>
+                                </a:rPr>
+                              </m:ctrlPr>
+                            </m:sSubPr>
+                            <m:e>
+                              <m:r>
+                                <a:rPr lang="el-GR" i="1">
+                                  <a:latin typeface="Cambria Math" panose="02040503050406030204" pitchFamily="18" charset="0"/>
+                                  <a:ea typeface="Cambria Math" panose="02040503050406030204" pitchFamily="18" charset="0"/>
+                                </a:rPr>
+                                <m:t>𝜑</m:t>
+                              </m:r>
+                            </m:e>
+                            <m:sub>
+                              <m:r>
+                                <a:rPr lang="de-DE" sz="1800" b="0" i="1" smtClean="0">
+                                  <a:solidFill>
+                                    <a:schemeClr val="tx1"/>
+                                  </a:solidFill>
+                                  <a:latin typeface="Cambria Math" panose="02040503050406030204" pitchFamily="18" charset="0"/>
+                                  <a:ea typeface="Cambria Math" panose="02040503050406030204" pitchFamily="18" charset="0"/>
+                                </a:rPr>
+                                <m:t>3</m:t>
+                              </m:r>
+                            </m:sub>
+                          </m:sSub>
+                        </m:oMath>
+                      </m:oMathPara>
+                    </a14:m>
+                    <a:endParaRPr lang="de-DE" dirty="0"/>
+                  </a:p>
+                </p:txBody>
+              </p:sp>
+            </mc:Choice>
+            <mc:Fallback xmlns="">
+              <p:sp>
+                <p:nvSpPr>
+                  <p:cNvPr id="45" name="Textfeld 44">
+                    <a:extLst>
+                      <a:ext uri="{FF2B5EF4-FFF2-40B4-BE49-F238E27FC236}">
+                        <a16:creationId xmlns:a16="http://schemas.microsoft.com/office/drawing/2014/main" id="{BCC8F131-BCF4-7285-BC6C-8AAAD4FEB047}"/>
+                      </a:ext>
+                    </a:extLst>
+                  </p:cNvPr>
+                  <p:cNvSpPr txBox="1">
+                    <a:spLocks noRot="1" noChangeAspect="1" noMove="1" noResize="1" noEditPoints="1" noAdjustHandles="1" noChangeArrowheads="1" noChangeShapeType="1" noTextEdit="1"/>
+                  </p:cNvSpPr>
+                  <p:nvPr/>
+                </p:nvSpPr>
+                <p:spPr>
+                  <a:xfrm>
+                    <a:off x="5024508" y="2975080"/>
+                    <a:ext cx="449580" cy="369332"/>
+                  </a:xfrm>
+                  <a:prstGeom prst="rect">
+                    <a:avLst/>
+                  </a:prstGeom>
+                  <a:blipFill>
+                    <a:blip r:embed="rId6"/>
+                    <a:stretch>
+                      <a:fillRect b="-6557"/>
+                    </a:stretch>
+                  </a:blipFill>
+                </p:spPr>
+                <p:txBody>
+                  <a:bodyPr/>
+                  <a:lstStyle/>
+                  <a:p>
+                    <a:r>
+                      <a:rPr lang="de-DE">
+                        <a:noFill/>
+                      </a:rPr>
+                      <a:t> </a:t>
+                    </a:r>
+                  </a:p>
+                </p:txBody>
+              </p:sp>
+            </mc:Fallback>
+          </mc:AlternateContent>
+          <mc:AlternateContent xmlns:mc="http://schemas.openxmlformats.org/markup-compatibility/2006" xmlns:a14="http://schemas.microsoft.com/office/drawing/2010/main">
+            <mc:Choice Requires="a14">
+              <p:sp>
+                <p:nvSpPr>
+                  <p:cNvPr id="47" name="Textfeld 46">
+                    <a:extLst>
+                      <a:ext uri="{FF2B5EF4-FFF2-40B4-BE49-F238E27FC236}">
+                        <a16:creationId xmlns:a16="http://schemas.microsoft.com/office/drawing/2014/main" id="{3DB3EA05-3216-9B6A-F301-9DB302D2E91E}"/>
+                      </a:ext>
+                    </a:extLst>
+                  </p:cNvPr>
+                  <p:cNvSpPr txBox="1"/>
+                  <p:nvPr/>
+                </p:nvSpPr>
+                <p:spPr>
+                  <a:xfrm>
+                    <a:off x="6641325" y="2978203"/>
+                    <a:ext cx="449580" cy="369332"/>
+                  </a:xfrm>
+                  <a:prstGeom prst="rect">
+                    <a:avLst/>
+                  </a:prstGeom>
+                  <a:noFill/>
+                </p:spPr>
+                <p:txBody>
+                  <a:bodyPr wrap="square">
+                    <a:spAutoFit/>
+                  </a:bodyPr>
+                  <a:lstStyle/>
+                  <a:p>
+                    <a:pPr/>
+                    <a14:m>
+                      <m:oMathPara xmlns:m="http://schemas.openxmlformats.org/officeDocument/2006/math">
+                        <m:oMathParaPr>
+                          <m:jc m:val="centerGroup"/>
+                        </m:oMathParaPr>
+                        <m:oMath xmlns:m="http://schemas.openxmlformats.org/officeDocument/2006/math">
+                          <m:sSub>
+                            <m:sSubPr>
+                              <m:ctrlPr>
+                                <a:rPr lang="de-DE" sz="1800" b="0" i="1" smtClean="0">
+                                  <a:solidFill>
+                                    <a:schemeClr val="tx1"/>
+                                  </a:solidFill>
+                                  <a:latin typeface="Cambria Math" panose="02040503050406030204" pitchFamily="18" charset="0"/>
+                                  <a:ea typeface="Cambria Math" panose="02040503050406030204" pitchFamily="18" charset="0"/>
+                                </a:rPr>
+                              </m:ctrlPr>
+                            </m:sSubPr>
+                            <m:e>
+                              <m:r>
+                                <a:rPr lang="el-GR" i="1">
+                                  <a:latin typeface="Cambria Math" panose="02040503050406030204" pitchFamily="18" charset="0"/>
+                                  <a:ea typeface="Cambria Math" panose="02040503050406030204" pitchFamily="18" charset="0"/>
+                                </a:rPr>
+                                <m:t>𝜑</m:t>
+                              </m:r>
+                            </m:e>
+                            <m:sub>
+                              <m:r>
+                                <a:rPr lang="de-DE" sz="1800" b="0" i="1" smtClean="0">
+                                  <a:solidFill>
+                                    <a:schemeClr val="tx1"/>
+                                  </a:solidFill>
+                                  <a:latin typeface="Cambria Math" panose="02040503050406030204" pitchFamily="18" charset="0"/>
+                                  <a:ea typeface="Cambria Math" panose="02040503050406030204" pitchFamily="18" charset="0"/>
+                                </a:rPr>
+                                <m:t>2</m:t>
+                              </m:r>
+                            </m:sub>
+                          </m:sSub>
+                        </m:oMath>
+                      </m:oMathPara>
+                    </a14:m>
+                    <a:endParaRPr lang="de-DE" dirty="0"/>
+                  </a:p>
+                </p:txBody>
+              </p:sp>
+            </mc:Choice>
+            <mc:Fallback xmlns="">
+              <p:sp>
+                <p:nvSpPr>
+                  <p:cNvPr id="47" name="Textfeld 46">
+                    <a:extLst>
+                      <a:ext uri="{FF2B5EF4-FFF2-40B4-BE49-F238E27FC236}">
+                        <a16:creationId xmlns:a16="http://schemas.microsoft.com/office/drawing/2014/main" id="{3DB3EA05-3216-9B6A-F301-9DB302D2E91E}"/>
+                      </a:ext>
+                    </a:extLst>
+                  </p:cNvPr>
+                  <p:cNvSpPr txBox="1">
+                    <a:spLocks noRot="1" noChangeAspect="1" noMove="1" noResize="1" noEditPoints="1" noAdjustHandles="1" noChangeArrowheads="1" noChangeShapeType="1" noTextEdit="1"/>
+                  </p:cNvSpPr>
+                  <p:nvPr/>
+                </p:nvSpPr>
+                <p:spPr>
+                  <a:xfrm>
+                    <a:off x="6641325" y="2978203"/>
+                    <a:ext cx="449580" cy="369332"/>
+                  </a:xfrm>
+                  <a:prstGeom prst="rect">
+                    <a:avLst/>
+                  </a:prstGeom>
+                  <a:blipFill>
+                    <a:blip r:embed="rId7"/>
+                    <a:stretch>
+                      <a:fillRect b="-6667"/>
+                    </a:stretch>
+                  </a:blipFill>
+                </p:spPr>
+                <p:txBody>
+                  <a:bodyPr/>
+                  <a:lstStyle/>
+                  <a:p>
+                    <a:r>
+                      <a:rPr lang="de-DE">
+                        <a:noFill/>
+                      </a:rPr>
+                      <a:t> </a:t>
+                    </a:r>
+                  </a:p>
+                </p:txBody>
+              </p:sp>
+            </mc:Fallback>
+          </mc:AlternateContent>
+          <p:sp>
+            <p:nvSpPr>
+              <p:cNvPr id="49" name="Bogen 48">
+                <a:extLst>
+                  <a:ext uri="{FF2B5EF4-FFF2-40B4-BE49-F238E27FC236}">
+                    <a16:creationId xmlns:a16="http://schemas.microsoft.com/office/drawing/2014/main" id="{FC4C143F-61D3-4290-6AFD-FC76E5F11BB1}"/>
+                  </a:ext>
+                </a:extLst>
+              </p:cNvPr>
+              <p:cNvSpPr/>
+              <p:nvPr/>
+            </p:nvSpPr>
+            <p:spPr>
+              <a:xfrm>
+                <a:off x="6590127" y="2638491"/>
+                <a:ext cx="1446906" cy="1434208"/>
+              </a:xfrm>
+              <a:prstGeom prst="arc">
+                <a:avLst>
+                  <a:gd name="adj1" fmla="val 10775500"/>
+                  <a:gd name="adj2" fmla="val 13492950"/>
+                </a:avLst>
+              </a:prstGeom>
+            </p:spPr>
+            <p:style>
+              <a:lnRef idx="1">
+                <a:schemeClr val="dk1"/>
+              </a:lnRef>
+              <a:fillRef idx="0">
+                <a:schemeClr val="dk1"/>
+              </a:fillRef>
+              <a:effectRef idx="0">
+                <a:schemeClr val="dk1"/>
+              </a:effectRef>
+              <a:fontRef idx="minor">
+                <a:schemeClr val="tx1"/>
+              </a:fontRef>
+            </p:style>
+            <p:txBody>
+              <a:bodyPr rtlCol="0" anchor="ctr"/>
+              <a:lstStyle/>
+              <a:p>
+                <a:pPr algn="ctr"/>
+                <a:endParaRPr lang="de-DE" dirty="0"/>
+              </a:p>
+            </p:txBody>
+          </p:sp>
+        </p:grpSp>
+      </p:grpSp>
+    </p:spTree>
+    <p:extLst>
+      <p:ext uri="{BB962C8B-B14F-4D97-AF65-F5344CB8AC3E}">
+        <p14:creationId xmlns:p14="http://schemas.microsoft.com/office/powerpoint/2010/main" val="1734884421"/>
+      </p:ext>
+    </p:extLst>
+  </p:cSld>
+  <p:clrMapOvr>
+    <a:masterClrMapping/>
+  </p:clrMapOvr>
+</p:sld>
+</file>
+
+<file path=ppt/slides/slide8.xml><?xml version="1.0" encoding="utf-8"?>
+<p:sld xmlns:a="http://schemas.openxmlformats.org/drawingml/2006/main" xmlns:r="http://schemas.openxmlformats.org/officeDocument/2006/relationships" xmlns:p="http://schemas.openxmlformats.org/presentationml/2006/main">
+  <p:cSld>
+    <p:spTree>
+      <p:nvGrpSpPr>
+        <p:cNvPr id="1" name=""/>
+        <p:cNvGrpSpPr/>
+        <p:nvPr/>
+      </p:nvGrpSpPr>
+      <p:grpSpPr>
+        <a:xfrm>
+          <a:off x="0" y="0"/>
+          <a:ext cx="0" cy="0"/>
+          <a:chOff x="0" y="0"/>
+          <a:chExt cx="0" cy="0"/>
+        </a:xfrm>
+      </p:grpSpPr>
+      <p:grpSp>
+        <p:nvGrpSpPr>
+          <p:cNvPr id="87" name="Gruppieren 86">
+            <a:extLst>
+              <a:ext uri="{FF2B5EF4-FFF2-40B4-BE49-F238E27FC236}">
+                <a16:creationId xmlns:a16="http://schemas.microsoft.com/office/drawing/2014/main" id="{29F8140A-2E72-3D21-A8D4-0C5BADCCFAFC}"/>
+              </a:ext>
+            </a:extLst>
+          </p:cNvPr>
+          <p:cNvGrpSpPr/>
+          <p:nvPr/>
+        </p:nvGrpSpPr>
+        <p:grpSpPr>
+          <a:xfrm>
+            <a:off x="4019550" y="1314450"/>
+            <a:ext cx="4486275" cy="2840098"/>
+            <a:chOff x="4019550" y="1314450"/>
+            <a:chExt cx="4486275" cy="2840098"/>
+          </a:xfrm>
+        </p:grpSpPr>
+        <p:grpSp>
+          <p:nvGrpSpPr>
+            <p:cNvPr id="84" name="Gruppieren 83">
+              <a:extLst>
+                <a:ext uri="{FF2B5EF4-FFF2-40B4-BE49-F238E27FC236}">
+                  <a16:creationId xmlns:a16="http://schemas.microsoft.com/office/drawing/2014/main" id="{969F2665-4DCD-2EA2-DBE0-B369FD186979}"/>
+                </a:ext>
+              </a:extLst>
+            </p:cNvPr>
+            <p:cNvGrpSpPr/>
+            <p:nvPr/>
+          </p:nvGrpSpPr>
+          <p:grpSpPr>
+            <a:xfrm>
+              <a:off x="5362349" y="2575648"/>
+              <a:ext cx="1983901" cy="1578900"/>
+              <a:chOff x="5362349" y="2575648"/>
+              <a:chExt cx="1983901" cy="1578900"/>
+            </a:xfrm>
+            <a:solidFill>
+              <a:schemeClr val="accent6">
+                <a:lumMod val="60000"/>
+                <a:lumOff val="40000"/>
+              </a:schemeClr>
+            </a:solidFill>
+          </p:grpSpPr>
+          <p:grpSp>
+            <p:nvGrpSpPr>
+              <p:cNvPr id="83" name="Gruppieren 82">
+                <a:extLst>
+                  <a:ext uri="{FF2B5EF4-FFF2-40B4-BE49-F238E27FC236}">
+                    <a16:creationId xmlns:a16="http://schemas.microsoft.com/office/drawing/2014/main" id="{2C888447-7336-8F1F-03DD-0F67DB85FB15}"/>
+                  </a:ext>
+                </a:extLst>
+              </p:cNvPr>
+              <p:cNvGrpSpPr/>
+              <p:nvPr/>
+            </p:nvGrpSpPr>
+            <p:grpSpPr>
+              <a:xfrm>
+                <a:off x="5606239" y="2575648"/>
+                <a:ext cx="1740011" cy="1578900"/>
+                <a:chOff x="5606239" y="2575648"/>
+                <a:chExt cx="1740011" cy="1578900"/>
+              </a:xfrm>
+              <a:grpFill/>
+            </p:grpSpPr>
+            <p:sp>
+              <p:nvSpPr>
+                <p:cNvPr id="79" name="Gleichschenkliges Dreieck 78">
+                  <a:extLst>
+                    <a:ext uri="{FF2B5EF4-FFF2-40B4-BE49-F238E27FC236}">
+                      <a16:creationId xmlns:a16="http://schemas.microsoft.com/office/drawing/2014/main" id="{42C03767-D8B3-4681-BF55-13628CD1CC5A}"/>
+                    </a:ext>
+                  </a:extLst>
+                </p:cNvPr>
+                <p:cNvSpPr/>
+                <p:nvPr/>
+              </p:nvSpPr>
+              <p:spPr>
+                <a:xfrm rot="12580127">
+                  <a:off x="5627274" y="2575648"/>
+                  <a:ext cx="1550424" cy="1578900"/>
+                </a:xfrm>
+                <a:prstGeom prst="triangle">
+                  <a:avLst>
+                    <a:gd name="adj" fmla="val 100000"/>
+                  </a:avLst>
+                </a:prstGeom>
+                <a:grpFill/>
+                <a:ln>
+                  <a:noFill/>
+                </a:ln>
+              </p:spPr>
+              <p:style>
+                <a:lnRef idx="2">
+                  <a:schemeClr val="accent1">
+                    <a:shade val="15000"/>
+                  </a:schemeClr>
+                </a:lnRef>
+                <a:fillRef idx="1">
+                  <a:schemeClr val="accent1"/>
+                </a:fillRef>
+                <a:effectRef idx="0">
+                  <a:schemeClr val="accent1"/>
+                </a:effectRef>
+                <a:fontRef idx="minor">
+                  <a:schemeClr val="lt1"/>
+                </a:fontRef>
+              </p:style>
+              <p:txBody>
+                <a:bodyPr rtlCol="0" anchor="ctr"/>
+                <a:lstStyle/>
+                <a:p>
+                  <a:pPr algn="ctr"/>
+                  <a:endParaRPr lang="de-DE"/>
+                </a:p>
+              </p:txBody>
+            </p:sp>
+            <p:sp>
+              <p:nvSpPr>
+                <p:cNvPr id="80" name="Trapezoid 79">
+                  <a:extLst>
+                    <a:ext uri="{FF2B5EF4-FFF2-40B4-BE49-F238E27FC236}">
+                      <a16:creationId xmlns:a16="http://schemas.microsoft.com/office/drawing/2014/main" id="{D6E0388C-DC5A-1D55-C556-7B58CFDA3FE1}"/>
+                    </a:ext>
+                  </a:extLst>
+                </p:cNvPr>
+                <p:cNvSpPr/>
+                <p:nvPr/>
+              </p:nvSpPr>
+              <p:spPr>
+                <a:xfrm flipV="1">
+                  <a:off x="5606239" y="3366948"/>
+                  <a:ext cx="1686695" cy="694372"/>
+                </a:xfrm>
+                <a:prstGeom prst="trapezoid">
+                  <a:avLst>
+                    <a:gd name="adj" fmla="val 55911"/>
+                  </a:avLst>
+                </a:prstGeom>
+                <a:grpFill/>
+                <a:ln>
+                  <a:noFill/>
+                </a:ln>
+              </p:spPr>
+              <p:style>
+                <a:lnRef idx="2">
+                  <a:schemeClr val="accent1">
+                    <a:shade val="15000"/>
+                  </a:schemeClr>
+                </a:lnRef>
+                <a:fillRef idx="1">
+                  <a:schemeClr val="accent1"/>
+                </a:fillRef>
+                <a:effectRef idx="0">
+                  <a:schemeClr val="accent1"/>
+                </a:effectRef>
+                <a:fontRef idx="minor">
+                  <a:schemeClr val="lt1"/>
+                </a:fontRef>
+              </p:style>
+              <p:txBody>
+                <a:bodyPr rtlCol="0" anchor="ctr"/>
+                <a:lstStyle/>
+                <a:p>
+                  <a:pPr algn="ctr"/>
+                  <a:endParaRPr lang="de-DE"/>
+                </a:p>
+              </p:txBody>
+            </p:sp>
+            <p:sp>
+              <p:nvSpPr>
+                <p:cNvPr id="81" name="Trapezoid 80">
+                  <a:extLst>
+                    <a:ext uri="{FF2B5EF4-FFF2-40B4-BE49-F238E27FC236}">
+                      <a16:creationId xmlns:a16="http://schemas.microsoft.com/office/drawing/2014/main" id="{FEC85268-4BE3-1683-8B74-4699421FB7F8}"/>
+                    </a:ext>
+                  </a:extLst>
+                </p:cNvPr>
+                <p:cNvSpPr/>
+                <p:nvPr/>
+              </p:nvSpPr>
+              <p:spPr>
+                <a:xfrm rot="1764843" flipV="1">
+                  <a:off x="6016122" y="2685822"/>
+                  <a:ext cx="1330128" cy="830807"/>
+                </a:xfrm>
+                <a:prstGeom prst="trapezoid">
+                  <a:avLst>
+                    <a:gd name="adj" fmla="val 0"/>
+                  </a:avLst>
+                </a:prstGeom>
+                <a:grpFill/>
+                <a:ln>
+                  <a:noFill/>
+                </a:ln>
+              </p:spPr>
+              <p:style>
+                <a:lnRef idx="2">
+                  <a:schemeClr val="accent1">
+                    <a:shade val="15000"/>
+                  </a:schemeClr>
+                </a:lnRef>
+                <a:fillRef idx="1">
+                  <a:schemeClr val="accent1"/>
+                </a:fillRef>
+                <a:effectRef idx="0">
+                  <a:schemeClr val="accent1"/>
+                </a:effectRef>
+                <a:fontRef idx="minor">
+                  <a:schemeClr val="lt1"/>
+                </a:fontRef>
+              </p:style>
+              <p:txBody>
+                <a:bodyPr rtlCol="0" anchor="ctr"/>
+                <a:lstStyle/>
+                <a:p>
+                  <a:pPr algn="ctr"/>
+                  <a:endParaRPr lang="de-DE"/>
+                </a:p>
+              </p:txBody>
+            </p:sp>
+          </p:grpSp>
+          <p:sp>
+            <p:nvSpPr>
+              <p:cNvPr id="82" name="Trapezoid 81">
+                <a:extLst>
+                  <a:ext uri="{FF2B5EF4-FFF2-40B4-BE49-F238E27FC236}">
+                    <a16:creationId xmlns:a16="http://schemas.microsoft.com/office/drawing/2014/main" id="{5F425978-A94A-CE78-56F7-D02F836C5C84}"/>
+                  </a:ext>
+                </a:extLst>
+              </p:cNvPr>
+              <p:cNvSpPr/>
+              <p:nvPr/>
+            </p:nvSpPr>
+            <p:spPr>
+              <a:xfrm rot="1764843" flipV="1">
+                <a:off x="5362349" y="3572079"/>
+                <a:ext cx="772885" cy="320955"/>
+              </a:xfrm>
+              <a:prstGeom prst="trapezoid">
+                <a:avLst>
+                  <a:gd name="adj" fmla="val 0"/>
+                </a:avLst>
+              </a:prstGeom>
+              <a:grpFill/>
+              <a:ln>
+                <a:noFill/>
+              </a:ln>
+            </p:spPr>
+            <p:style>
+              <a:lnRef idx="2">
+                <a:schemeClr val="accent1">
+                  <a:shade val="15000"/>
+                </a:schemeClr>
+              </a:lnRef>
+              <a:fillRef idx="1">
+                <a:schemeClr val="accent1"/>
+              </a:fillRef>
+              <a:effectRef idx="0">
+                <a:schemeClr val="accent1"/>
+              </a:effectRef>
+              <a:fontRef idx="minor">
+                <a:schemeClr val="lt1"/>
+              </a:fontRef>
+            </p:style>
+            <p:txBody>
+              <a:bodyPr rtlCol="0" anchor="ctr"/>
+              <a:lstStyle/>
+              <a:p>
+                <a:pPr algn="ctr"/>
+                <a:endParaRPr lang="de-DE"/>
+              </a:p>
+            </p:txBody>
+          </p:sp>
+        </p:grpSp>
+        <p:sp>
+          <p:nvSpPr>
+            <p:cNvPr id="65" name="Rechteck 64">
+              <a:extLst>
+                <a:ext uri="{FF2B5EF4-FFF2-40B4-BE49-F238E27FC236}">
+                  <a16:creationId xmlns:a16="http://schemas.microsoft.com/office/drawing/2014/main" id="{F3A356B8-B638-9D24-6DC8-88BB70B2015E}"/>
+                </a:ext>
+              </a:extLst>
+            </p:cNvPr>
+            <p:cNvSpPr/>
+            <p:nvPr/>
+          </p:nvSpPr>
+          <p:spPr>
+            <a:xfrm rot="1791420">
+              <a:off x="4276457" y="1800260"/>
+              <a:ext cx="1550496" cy="1590259"/>
+            </a:xfrm>
+            <a:prstGeom prst="rect">
+              <a:avLst/>
+            </a:prstGeom>
+            <a:solidFill>
+              <a:schemeClr val="accent5">
+                <a:lumMod val="60000"/>
+                <a:lumOff val="40000"/>
+              </a:schemeClr>
+            </a:solidFill>
+            <a:ln>
+              <a:noFill/>
+            </a:ln>
+          </p:spPr>
+          <p:style>
+            <a:lnRef idx="2">
+              <a:schemeClr val="accent1">
+                <a:shade val="15000"/>
+              </a:schemeClr>
+            </a:lnRef>
+            <a:fillRef idx="1">
+              <a:schemeClr val="accent1"/>
+            </a:fillRef>
+            <a:effectRef idx="0">
+              <a:schemeClr val="accent1"/>
+            </a:effectRef>
+            <a:fontRef idx="minor">
+              <a:schemeClr val="lt1"/>
+            </a:fontRef>
+          </p:style>
+          <p:txBody>
+            <a:bodyPr rtlCol="0" anchor="ctr"/>
+            <a:lstStyle/>
+            <a:p>
+              <a:pPr algn="ctr"/>
+              <a:endParaRPr lang="de-DE"/>
+            </a:p>
+          </p:txBody>
+        </p:sp>
+        <p:cxnSp>
+          <p:nvCxnSpPr>
+            <p:cNvPr id="34" name="Gerader Verbinder 33">
+              <a:extLst>
+                <a:ext uri="{FF2B5EF4-FFF2-40B4-BE49-F238E27FC236}">
+                  <a16:creationId xmlns:a16="http://schemas.microsoft.com/office/drawing/2014/main" id="{E2458327-282D-80E0-59B2-36436DB3C72C}"/>
+                </a:ext>
+              </a:extLst>
+            </p:cNvPr>
+            <p:cNvCxnSpPr>
+              <a:cxnSpLocks/>
+            </p:cNvCxnSpPr>
+            <p:nvPr/>
+          </p:nvCxnSpPr>
+          <p:spPr>
+            <a:xfrm flipH="1">
+              <a:off x="5300663" y="1776413"/>
+              <a:ext cx="1110962" cy="1948515"/>
+            </a:xfrm>
+            <a:prstGeom prst="line">
+              <a:avLst/>
+            </a:prstGeom>
+            <a:ln>
+              <a:solidFill>
+                <a:srgbClr val="FF0000"/>
+              </a:solidFill>
+            </a:ln>
+          </p:spPr>
+          <p:style>
+            <a:lnRef idx="2">
+              <a:schemeClr val="accent2"/>
+            </a:lnRef>
+            <a:fillRef idx="0">
+              <a:schemeClr val="accent2"/>
+            </a:fillRef>
+            <a:effectRef idx="1">
+              <a:schemeClr val="accent2"/>
+            </a:effectRef>
+            <a:fontRef idx="minor">
+              <a:schemeClr val="tx1"/>
+            </a:fontRef>
+          </p:style>
+        </p:cxnSp>
+        <p:cxnSp>
+          <p:nvCxnSpPr>
+            <p:cNvPr id="61" name="Gerader Verbinder 60">
+              <a:extLst>
+                <a:ext uri="{FF2B5EF4-FFF2-40B4-BE49-F238E27FC236}">
+                  <a16:creationId xmlns:a16="http://schemas.microsoft.com/office/drawing/2014/main" id="{7F757479-BA31-690B-0650-AE926B58A23C}"/>
+                </a:ext>
+              </a:extLst>
+            </p:cNvPr>
+            <p:cNvCxnSpPr>
+              <a:cxnSpLocks/>
+            </p:cNvCxnSpPr>
+            <p:nvPr/>
+          </p:nvCxnSpPr>
+          <p:spPr>
+            <a:xfrm>
+              <a:off x="4552950" y="1382770"/>
+              <a:ext cx="3209925" cy="1849124"/>
+            </a:xfrm>
+            <a:prstGeom prst="line">
+              <a:avLst/>
+            </a:prstGeom>
+            <a:ln>
+              <a:solidFill>
+                <a:srgbClr val="FF0000"/>
+              </a:solidFill>
+            </a:ln>
+          </p:spPr>
+          <p:style>
+            <a:lnRef idx="2">
+              <a:schemeClr val="accent2"/>
+            </a:lnRef>
+            <a:fillRef idx="0">
+              <a:schemeClr val="accent2"/>
+            </a:fillRef>
+            <a:effectRef idx="1">
+              <a:schemeClr val="accent2"/>
+            </a:effectRef>
+            <a:fontRef idx="minor">
+              <a:schemeClr val="tx1"/>
+            </a:fontRef>
+          </p:style>
+        </p:cxnSp>
+        <p:cxnSp>
+          <p:nvCxnSpPr>
+            <p:cNvPr id="25" name="Gerader Verbinder 24">
+              <a:extLst>
+                <a:ext uri="{FF2B5EF4-FFF2-40B4-BE49-F238E27FC236}">
+                  <a16:creationId xmlns:a16="http://schemas.microsoft.com/office/drawing/2014/main" id="{2B325575-7A18-965D-FFBE-72B0AE1DD9FC}"/>
+                </a:ext>
+              </a:extLst>
+            </p:cNvPr>
+            <p:cNvCxnSpPr>
+              <a:cxnSpLocks/>
+            </p:cNvCxnSpPr>
+            <p:nvPr/>
+          </p:nvCxnSpPr>
+          <p:spPr>
+            <a:xfrm>
+              <a:off x="6118357" y="1314450"/>
+              <a:ext cx="0" cy="2746870"/>
+            </a:xfrm>
+            <a:prstGeom prst="line">
+              <a:avLst/>
+            </a:prstGeom>
+            <a:ln>
+              <a:solidFill>
+                <a:schemeClr val="bg2">
+                  <a:lumMod val="50000"/>
+                </a:schemeClr>
+              </a:solidFill>
+              <a:prstDash val="lgDash"/>
+            </a:ln>
+          </p:spPr>
+          <p:style>
+            <a:lnRef idx="1">
+              <a:schemeClr val="accent1"/>
+            </a:lnRef>
+            <a:fillRef idx="0">
+              <a:schemeClr val="accent1"/>
+            </a:fillRef>
+            <a:effectRef idx="0">
+              <a:schemeClr val="accent1"/>
+            </a:effectRef>
+            <a:fontRef idx="minor">
+              <a:schemeClr val="tx1"/>
+            </a:fontRef>
+          </p:style>
+        </p:cxnSp>
+        <p:cxnSp>
+          <p:nvCxnSpPr>
+            <p:cNvPr id="30" name="Gerader Verbinder 29">
+              <a:extLst>
+                <a:ext uri="{FF2B5EF4-FFF2-40B4-BE49-F238E27FC236}">
+                  <a16:creationId xmlns:a16="http://schemas.microsoft.com/office/drawing/2014/main" id="{1B4C01B9-3002-8A4E-34FC-24AF89928D63}"/>
+                </a:ext>
+              </a:extLst>
+            </p:cNvPr>
+            <p:cNvCxnSpPr>
+              <a:cxnSpLocks/>
+            </p:cNvCxnSpPr>
+            <p:nvPr/>
+          </p:nvCxnSpPr>
+          <p:spPr>
+            <a:xfrm flipH="1">
+              <a:off x="4019550" y="2294358"/>
+              <a:ext cx="4486275" cy="0"/>
+            </a:xfrm>
+            <a:prstGeom prst="line">
+              <a:avLst/>
+            </a:prstGeom>
+            <a:ln>
+              <a:solidFill>
+                <a:schemeClr val="bg2">
+                  <a:lumMod val="50000"/>
+                </a:schemeClr>
+              </a:solidFill>
+              <a:prstDash val="lgDash"/>
+            </a:ln>
+          </p:spPr>
+          <p:style>
+            <a:lnRef idx="1">
+              <a:schemeClr val="accent1"/>
+            </a:lnRef>
+            <a:fillRef idx="0">
+              <a:schemeClr val="accent1"/>
+            </a:fillRef>
+            <a:effectRef idx="0">
+              <a:schemeClr val="accent1"/>
+            </a:effectRef>
+            <a:fontRef idx="minor">
+              <a:schemeClr val="tx1"/>
+            </a:fontRef>
+          </p:style>
+        </p:cxnSp>
+        <p:sp>
+          <p:nvSpPr>
+            <p:cNvPr id="9" name="Ellipse 8">
+              <a:extLst>
+                <a:ext uri="{FF2B5EF4-FFF2-40B4-BE49-F238E27FC236}">
+                  <a16:creationId xmlns:a16="http://schemas.microsoft.com/office/drawing/2014/main" id="{0F835CED-0C3B-29EC-ECD2-92126ADE2F67}"/>
+                </a:ext>
+              </a:extLst>
+            </p:cNvPr>
+            <p:cNvSpPr/>
+            <p:nvPr/>
+          </p:nvSpPr>
+          <p:spPr>
+            <a:xfrm>
+              <a:off x="6403132" y="2928644"/>
+              <a:ext cx="108000" cy="108000"/>
+            </a:xfrm>
+            <a:prstGeom prst="ellipse">
+              <a:avLst/>
+            </a:prstGeom>
+            <a:solidFill>
+              <a:schemeClr val="tx1"/>
+            </a:solidFill>
+            <a:ln>
+              <a:solidFill>
+                <a:schemeClr val="tx1"/>
+              </a:solidFill>
+            </a:ln>
+          </p:spPr>
+          <p:style>
+            <a:lnRef idx="2">
+              <a:schemeClr val="accent1">
+                <a:shade val="15000"/>
+              </a:schemeClr>
+            </a:lnRef>
+            <a:fillRef idx="1">
+              <a:schemeClr val="accent1"/>
+            </a:fillRef>
+            <a:effectRef idx="0">
+              <a:schemeClr val="accent1"/>
+            </a:effectRef>
+            <a:fontRef idx="minor">
+              <a:schemeClr val="lt1"/>
+            </a:fontRef>
+          </p:style>
+          <p:txBody>
+            <a:bodyPr rtlCol="0" anchor="ctr"/>
+            <a:lstStyle/>
+            <a:p>
+              <a:pPr algn="ctr"/>
+              <a:endParaRPr lang="de-DE"/>
+            </a:p>
+          </p:txBody>
+        </p:sp>
+        <p:sp>
+          <p:nvSpPr>
+            <p:cNvPr id="10" name="Ellipse 9">
+              <a:extLst>
+                <a:ext uri="{FF2B5EF4-FFF2-40B4-BE49-F238E27FC236}">
+                  <a16:creationId xmlns:a16="http://schemas.microsoft.com/office/drawing/2014/main" id="{24E18C26-13FF-F57C-7CE1-668D31A7F14A}"/>
+                </a:ext>
+              </a:extLst>
+            </p:cNvPr>
+            <p:cNvSpPr/>
+            <p:nvPr/>
+          </p:nvSpPr>
+          <p:spPr>
+            <a:xfrm>
+              <a:off x="5156861" y="2688186"/>
+              <a:ext cx="108000" cy="108000"/>
+            </a:xfrm>
+            <a:prstGeom prst="ellipse">
+              <a:avLst/>
+            </a:prstGeom>
+            <a:solidFill>
+              <a:schemeClr val="tx1"/>
+            </a:solidFill>
+            <a:ln>
+              <a:solidFill>
+                <a:schemeClr val="tx1"/>
+              </a:solidFill>
+            </a:ln>
+          </p:spPr>
+          <p:style>
+            <a:lnRef idx="2">
+              <a:schemeClr val="accent1">
+                <a:shade val="15000"/>
+              </a:schemeClr>
+            </a:lnRef>
+            <a:fillRef idx="1">
+              <a:schemeClr val="accent1"/>
+            </a:fillRef>
+            <a:effectRef idx="0">
+              <a:schemeClr val="accent1"/>
+            </a:effectRef>
+            <a:fontRef idx="minor">
+              <a:schemeClr val="lt1"/>
+            </a:fontRef>
+          </p:style>
+          <p:txBody>
+            <a:bodyPr rtlCol="0" anchor="ctr"/>
+            <a:lstStyle/>
+            <a:p>
+              <a:pPr algn="ctr"/>
+              <a:endParaRPr lang="de-DE"/>
+            </a:p>
+          </p:txBody>
+        </p:sp>
+        <p:cxnSp>
+          <p:nvCxnSpPr>
+            <p:cNvPr id="11" name="Gerader Verbinder 10">
+              <a:extLst>
+                <a:ext uri="{FF2B5EF4-FFF2-40B4-BE49-F238E27FC236}">
+                  <a16:creationId xmlns:a16="http://schemas.microsoft.com/office/drawing/2014/main" id="{69EFC6B0-F07C-452C-1554-AB39B246BBED}"/>
+                </a:ext>
+              </a:extLst>
+            </p:cNvPr>
+            <p:cNvCxnSpPr>
+              <a:cxnSpLocks/>
+            </p:cNvCxnSpPr>
+            <p:nvPr/>
+          </p:nvCxnSpPr>
+          <p:spPr>
+            <a:xfrm>
+              <a:off x="6041594" y="2294358"/>
+              <a:ext cx="144000" cy="0"/>
+            </a:xfrm>
+            <a:prstGeom prst="line">
+              <a:avLst/>
+            </a:prstGeom>
+            <a:ln w="19050">
+              <a:solidFill>
+                <a:schemeClr val="tx1"/>
+              </a:solidFill>
+            </a:ln>
+          </p:spPr>
+          <p:style>
+            <a:lnRef idx="1">
+              <a:schemeClr val="accent1"/>
+            </a:lnRef>
+            <a:fillRef idx="0">
+              <a:schemeClr val="accent1"/>
+            </a:fillRef>
+            <a:effectRef idx="0">
+              <a:schemeClr val="accent1"/>
+            </a:effectRef>
+            <a:fontRef idx="minor">
+              <a:schemeClr val="tx1"/>
+            </a:fontRef>
+          </p:style>
+        </p:cxnSp>
+        <p:cxnSp>
+          <p:nvCxnSpPr>
+            <p:cNvPr id="12" name="Gerader Verbinder 11">
+              <a:extLst>
+                <a:ext uri="{FF2B5EF4-FFF2-40B4-BE49-F238E27FC236}">
+                  <a16:creationId xmlns:a16="http://schemas.microsoft.com/office/drawing/2014/main" id="{E5936B41-C3B3-80BF-79C4-C7127539978E}"/>
+                </a:ext>
+              </a:extLst>
+            </p:cNvPr>
+            <p:cNvCxnSpPr>
+              <a:cxnSpLocks/>
+            </p:cNvCxnSpPr>
+            <p:nvPr/>
+          </p:nvCxnSpPr>
+          <p:spPr>
+            <a:xfrm>
+              <a:off x="6118357" y="2222358"/>
+              <a:ext cx="0" cy="144000"/>
+            </a:xfrm>
+            <a:prstGeom prst="line">
+              <a:avLst/>
+            </a:prstGeom>
+            <a:ln w="19050">
+              <a:solidFill>
+                <a:schemeClr val="tx1"/>
+              </a:solidFill>
+            </a:ln>
+          </p:spPr>
+          <p:style>
+            <a:lnRef idx="1">
+              <a:schemeClr val="accent1"/>
+            </a:lnRef>
+            <a:fillRef idx="0">
+              <a:schemeClr val="accent1"/>
+            </a:fillRef>
+            <a:effectRef idx="0">
+              <a:schemeClr val="accent1"/>
+            </a:effectRef>
+            <a:fontRef idx="minor">
+              <a:schemeClr val="tx1"/>
+            </a:fontRef>
+          </p:style>
+        </p:cxnSp>
+        <mc:AlternateContent xmlns:mc="http://schemas.openxmlformats.org/markup-compatibility/2006">
+          <mc:Choice xmlns:a14="http://schemas.microsoft.com/office/drawing/2010/main" Requires="a14">
+            <p:sp>
+              <p:nvSpPr>
+                <p:cNvPr id="13" name="Textfeld 12">
+                  <a:extLst>
+                    <a:ext uri="{FF2B5EF4-FFF2-40B4-BE49-F238E27FC236}">
+                      <a16:creationId xmlns:a16="http://schemas.microsoft.com/office/drawing/2014/main" id="{491BE5E0-DDF4-DA7E-21D2-F4AC11334F1C}"/>
+                    </a:ext>
+                  </a:extLst>
+                </p:cNvPr>
+                <p:cNvSpPr txBox="1"/>
+                <p:nvPr/>
+              </p:nvSpPr>
+              <p:spPr>
+                <a:xfrm>
+                  <a:off x="6563191" y="2897414"/>
+                  <a:ext cx="343080" cy="369332"/>
+                </a:xfrm>
+                <a:prstGeom prst="rect">
+                  <a:avLst/>
+                </a:prstGeom>
+                <a:noFill/>
+              </p:spPr>
+              <p:txBody>
+                <a:bodyPr wrap="square">
+                  <a:spAutoFit/>
+                </a:bodyPr>
+                <a:lstStyle/>
+                <a:p>
+                  <a:pPr/>
+                  <a14:m>
+                    <m:oMathPara xmlns:m="http://schemas.openxmlformats.org/officeDocument/2006/math">
+                      <m:oMathParaPr>
+                        <m:jc m:val="centerGroup"/>
+                      </m:oMathParaPr>
+                      <m:oMath xmlns:m="http://schemas.openxmlformats.org/officeDocument/2006/math">
+                        <m:sSub>
+                          <m:sSubPr>
+                            <m:ctrlPr>
+                              <a:rPr lang="de-DE" sz="1800" b="0" i="1" smtClean="0">
+                                <a:solidFill>
+                                  <a:schemeClr val="tx1"/>
+                                </a:solidFill>
+                                <a:latin typeface="Cambria Math" panose="02040503050406030204" pitchFamily="18" charset="0"/>
+                                <a:ea typeface="Cambria Math" panose="02040503050406030204" pitchFamily="18" charset="0"/>
+                              </a:rPr>
+                            </m:ctrlPr>
+                          </m:sSubPr>
+                          <m:e>
+                            <m:r>
+                              <a:rPr lang="de-DE" sz="1800" b="0" i="1" smtClean="0">
+                                <a:solidFill>
+                                  <a:schemeClr val="tx1"/>
+                                </a:solidFill>
+                                <a:latin typeface="Cambria Math" panose="02040503050406030204" pitchFamily="18" charset="0"/>
+                                <a:ea typeface="Cambria Math" panose="02040503050406030204" pitchFamily="18" charset="0"/>
+                              </a:rPr>
+                              <m:t>𝑎</m:t>
+                            </m:r>
+                          </m:e>
+                          <m:sub>
+                            <m:r>
+                              <a:rPr lang="de-DE" sz="1800" b="0" i="1" smtClean="0">
+                                <a:solidFill>
+                                  <a:schemeClr val="tx1"/>
+                                </a:solidFill>
+                                <a:latin typeface="Cambria Math" panose="02040503050406030204" pitchFamily="18" charset="0"/>
+                                <a:ea typeface="Cambria Math" panose="02040503050406030204" pitchFamily="18" charset="0"/>
+                              </a:rPr>
+                              <m:t>3</m:t>
+                            </m:r>
+                          </m:sub>
+                        </m:sSub>
+                      </m:oMath>
+                    </m:oMathPara>
+                  </a14:m>
+                  <a:endParaRPr lang="de-DE" dirty="0"/>
+                </a:p>
+              </p:txBody>
+            </p:sp>
+          </mc:Choice>
+          <mc:Fallback>
+            <p:sp>
+              <p:nvSpPr>
+                <p:cNvPr id="13" name="Textfeld 12">
+                  <a:extLst>
+                    <a:ext uri="{FF2B5EF4-FFF2-40B4-BE49-F238E27FC236}">
+                      <a16:creationId xmlns:a16="http://schemas.microsoft.com/office/drawing/2014/main" id="{491BE5E0-DDF4-DA7E-21D2-F4AC11334F1C}"/>
+                    </a:ext>
+                  </a:extLst>
+                </p:cNvPr>
+                <p:cNvSpPr txBox="1">
+                  <a:spLocks noRot="1" noChangeAspect="1" noMove="1" noResize="1" noEditPoints="1" noAdjustHandles="1" noChangeArrowheads="1" noChangeShapeType="1" noTextEdit="1"/>
+                </p:cNvSpPr>
+                <p:nvPr/>
+              </p:nvSpPr>
+              <p:spPr>
+                <a:xfrm>
+                  <a:off x="6563191" y="2897414"/>
+                  <a:ext cx="343080" cy="369332"/>
+                </a:xfrm>
+                <a:prstGeom prst="rect">
+                  <a:avLst/>
+                </a:prstGeom>
+                <a:blipFill>
+                  <a:blip r:embed="rId2"/>
+                  <a:stretch>
+                    <a:fillRect r="-8929"/>
+                  </a:stretch>
+                </a:blipFill>
+              </p:spPr>
+              <p:txBody>
+                <a:bodyPr/>
+                <a:lstStyle/>
+                <a:p>
+                  <a:r>
+                    <a:rPr lang="de-DE">
+                      <a:noFill/>
+                    </a:rPr>
+                    <a:t> </a:t>
+                  </a:r>
+                </a:p>
+              </p:txBody>
+            </p:sp>
+          </mc:Fallback>
+        </mc:AlternateContent>
+        <mc:AlternateContent xmlns:mc="http://schemas.openxmlformats.org/markup-compatibility/2006">
+          <mc:Choice xmlns:a14="http://schemas.microsoft.com/office/drawing/2010/main" Requires="a14">
+            <p:sp>
+              <p:nvSpPr>
+                <p:cNvPr id="14" name="Textfeld 13">
+                  <a:extLst>
+                    <a:ext uri="{FF2B5EF4-FFF2-40B4-BE49-F238E27FC236}">
+                      <a16:creationId xmlns:a16="http://schemas.microsoft.com/office/drawing/2014/main" id="{705DAC31-EB2A-F0A9-D8B7-60155014F173}"/>
+                    </a:ext>
+                  </a:extLst>
+                </p:cNvPr>
+                <p:cNvSpPr txBox="1"/>
+                <p:nvPr/>
+              </p:nvSpPr>
+              <p:spPr>
+                <a:xfrm>
+                  <a:off x="4747662" y="2649184"/>
+                  <a:ext cx="343080" cy="369332"/>
+                </a:xfrm>
+                <a:prstGeom prst="rect">
+                  <a:avLst/>
+                </a:prstGeom>
+                <a:noFill/>
+              </p:spPr>
+              <p:txBody>
+                <a:bodyPr wrap="square">
+                  <a:spAutoFit/>
+                </a:bodyPr>
+                <a:lstStyle/>
+                <a:p>
+                  <a:pPr/>
+                  <a14:m>
+                    <m:oMathPara xmlns:m="http://schemas.openxmlformats.org/officeDocument/2006/math">
+                      <m:oMathParaPr>
+                        <m:jc m:val="centerGroup"/>
+                      </m:oMathParaPr>
+                      <m:oMath xmlns:m="http://schemas.openxmlformats.org/officeDocument/2006/math">
+                        <m:sSub>
+                          <m:sSubPr>
+                            <m:ctrlPr>
+                              <a:rPr lang="de-DE" sz="1800" b="0" i="1" smtClean="0">
+                                <a:solidFill>
+                                  <a:schemeClr val="tx1"/>
+                                </a:solidFill>
+                                <a:latin typeface="Cambria Math" panose="02040503050406030204" pitchFamily="18" charset="0"/>
+                                <a:ea typeface="Cambria Math" panose="02040503050406030204" pitchFamily="18" charset="0"/>
+                              </a:rPr>
+                            </m:ctrlPr>
+                          </m:sSubPr>
+                          <m:e>
+                            <m:r>
+                              <a:rPr lang="de-DE" sz="1800" b="0" i="1" smtClean="0">
+                                <a:solidFill>
+                                  <a:schemeClr val="tx1"/>
+                                </a:solidFill>
+                                <a:latin typeface="Cambria Math" panose="02040503050406030204" pitchFamily="18" charset="0"/>
+                                <a:ea typeface="Cambria Math" panose="02040503050406030204" pitchFamily="18" charset="0"/>
+                              </a:rPr>
+                              <m:t>𝑎</m:t>
+                            </m:r>
+                          </m:e>
+                          <m:sub>
+                            <m:r>
+                              <a:rPr lang="de-DE" sz="1800" b="0" i="1" smtClean="0">
+                                <a:solidFill>
+                                  <a:schemeClr val="tx1"/>
+                                </a:solidFill>
+                                <a:latin typeface="Cambria Math" panose="02040503050406030204" pitchFamily="18" charset="0"/>
+                                <a:ea typeface="Cambria Math" panose="02040503050406030204" pitchFamily="18" charset="0"/>
+                              </a:rPr>
+                              <m:t>2</m:t>
+                            </m:r>
+                          </m:sub>
+                        </m:sSub>
+                      </m:oMath>
+                    </m:oMathPara>
+                  </a14:m>
+                  <a:endParaRPr lang="de-DE" dirty="0"/>
+                </a:p>
+              </p:txBody>
+            </p:sp>
+          </mc:Choice>
+          <mc:Fallback>
+            <p:sp>
+              <p:nvSpPr>
+                <p:cNvPr id="14" name="Textfeld 13">
+                  <a:extLst>
+                    <a:ext uri="{FF2B5EF4-FFF2-40B4-BE49-F238E27FC236}">
+                      <a16:creationId xmlns:a16="http://schemas.microsoft.com/office/drawing/2014/main" id="{705DAC31-EB2A-F0A9-D8B7-60155014F173}"/>
+                    </a:ext>
+                  </a:extLst>
+                </p:cNvPr>
+                <p:cNvSpPr txBox="1">
+                  <a:spLocks noRot="1" noChangeAspect="1" noMove="1" noResize="1" noEditPoints="1" noAdjustHandles="1" noChangeArrowheads="1" noChangeShapeType="1" noTextEdit="1"/>
+                </p:cNvSpPr>
+                <p:nvPr/>
+              </p:nvSpPr>
+              <p:spPr>
+                <a:xfrm>
+                  <a:off x="4747662" y="2649184"/>
+                  <a:ext cx="343080" cy="369332"/>
+                </a:xfrm>
+                <a:prstGeom prst="rect">
+                  <a:avLst/>
+                </a:prstGeom>
+                <a:blipFill>
+                  <a:blip r:embed="rId3"/>
+                  <a:stretch>
+                    <a:fillRect r="-8929"/>
+                  </a:stretch>
+                </a:blipFill>
+              </p:spPr>
+              <p:txBody>
+                <a:bodyPr/>
+                <a:lstStyle/>
+                <a:p>
+                  <a:r>
+                    <a:rPr lang="de-DE">
+                      <a:noFill/>
+                    </a:rPr>
+                    <a:t> </a:t>
+                  </a:r>
+                </a:p>
+              </p:txBody>
+            </p:sp>
+          </mc:Fallback>
+        </mc:AlternateContent>
+        <mc:AlternateContent xmlns:mc="http://schemas.openxmlformats.org/markup-compatibility/2006">
+          <mc:Choice xmlns:a14="http://schemas.microsoft.com/office/drawing/2010/main" Requires="a14">
+            <p:sp>
+              <p:nvSpPr>
+                <p:cNvPr id="15" name="Textfeld 14">
+                  <a:extLst>
+                    <a:ext uri="{FF2B5EF4-FFF2-40B4-BE49-F238E27FC236}">
+                      <a16:creationId xmlns:a16="http://schemas.microsoft.com/office/drawing/2014/main" id="{58DFCE5A-C13F-9854-293C-94CA2F1AA614}"/>
+                    </a:ext>
+                  </a:extLst>
+                </p:cNvPr>
+                <p:cNvSpPr txBox="1"/>
+                <p:nvPr/>
+              </p:nvSpPr>
+              <p:spPr>
+                <a:xfrm>
+                  <a:off x="5835959" y="1824149"/>
+                  <a:ext cx="343080" cy="369332"/>
+                </a:xfrm>
+                <a:prstGeom prst="rect">
+                  <a:avLst/>
+                </a:prstGeom>
+                <a:noFill/>
+              </p:spPr>
+              <p:txBody>
+                <a:bodyPr wrap="square">
+                  <a:spAutoFit/>
+                </a:bodyPr>
+                <a:lstStyle/>
+                <a:p>
+                  <a:pPr/>
+                  <a14:m>
+                    <m:oMathPara xmlns:m="http://schemas.openxmlformats.org/officeDocument/2006/math">
+                      <m:oMathParaPr>
+                        <m:jc m:val="centerGroup"/>
+                      </m:oMathParaPr>
+                      <m:oMath xmlns:m="http://schemas.openxmlformats.org/officeDocument/2006/math">
+                        <m:r>
+                          <a:rPr lang="de-DE" sz="1800" b="0" i="1" smtClean="0">
+                            <a:solidFill>
+                              <a:schemeClr val="tx1"/>
+                            </a:solidFill>
+                            <a:latin typeface="Cambria Math" panose="02040503050406030204" pitchFamily="18" charset="0"/>
+                            <a:ea typeface="Cambria Math" panose="02040503050406030204" pitchFamily="18" charset="0"/>
+                          </a:rPr>
+                          <m:t>𝑝</m:t>
+                        </m:r>
+                      </m:oMath>
+                    </m:oMathPara>
+                  </a14:m>
+                  <a:endParaRPr lang="de-DE" dirty="0"/>
+                </a:p>
+              </p:txBody>
+            </p:sp>
+          </mc:Choice>
+          <mc:Fallback>
+            <p:sp>
+              <p:nvSpPr>
+                <p:cNvPr id="15" name="Textfeld 14">
+                  <a:extLst>
+                    <a:ext uri="{FF2B5EF4-FFF2-40B4-BE49-F238E27FC236}">
+                      <a16:creationId xmlns:a16="http://schemas.microsoft.com/office/drawing/2014/main" id="{58DFCE5A-C13F-9854-293C-94CA2F1AA614}"/>
+                    </a:ext>
+                  </a:extLst>
+                </p:cNvPr>
+                <p:cNvSpPr txBox="1">
+                  <a:spLocks noRot="1" noChangeAspect="1" noMove="1" noResize="1" noEditPoints="1" noAdjustHandles="1" noChangeArrowheads="1" noChangeShapeType="1" noTextEdit="1"/>
+                </p:cNvSpPr>
+                <p:nvPr/>
+              </p:nvSpPr>
+              <p:spPr>
+                <a:xfrm>
+                  <a:off x="5835959" y="1824149"/>
+                  <a:ext cx="343080" cy="369332"/>
+                </a:xfrm>
+                <a:prstGeom prst="rect">
+                  <a:avLst/>
+                </a:prstGeom>
+                <a:blipFill>
+                  <a:blip r:embed="rId4"/>
+                  <a:stretch>
+                    <a:fillRect b="-6557"/>
+                  </a:stretch>
+                </a:blipFill>
+              </p:spPr>
+              <p:txBody>
+                <a:bodyPr/>
+                <a:lstStyle/>
+                <a:p>
+                  <a:r>
+                    <a:rPr lang="de-DE">
+                      <a:noFill/>
+                    </a:rPr>
+                    <a:t> </a:t>
+                  </a:r>
+                </a:p>
+              </p:txBody>
+            </p:sp>
+          </mc:Fallback>
+        </mc:AlternateContent>
+        <mc:AlternateContent xmlns:mc="http://schemas.openxmlformats.org/markup-compatibility/2006">
+          <mc:Choice xmlns:a14="http://schemas.microsoft.com/office/drawing/2010/main" Requires="a14">
+            <p:sp>
+              <p:nvSpPr>
+                <p:cNvPr id="20" name="Textfeld 19">
+                  <a:extLst>
+                    <a:ext uri="{FF2B5EF4-FFF2-40B4-BE49-F238E27FC236}">
+                      <a16:creationId xmlns:a16="http://schemas.microsoft.com/office/drawing/2014/main" id="{2315F8D3-208E-E96D-A130-3ADD43BD8709}"/>
+                    </a:ext>
+                  </a:extLst>
+                </p:cNvPr>
+                <p:cNvSpPr txBox="1"/>
+                <p:nvPr/>
+              </p:nvSpPr>
+              <p:spPr>
+                <a:xfrm>
+                  <a:off x="6433334" y="1469409"/>
+                  <a:ext cx="343080" cy="369332"/>
+                </a:xfrm>
+                <a:prstGeom prst="rect">
+                  <a:avLst/>
+                </a:prstGeom>
+                <a:noFill/>
+              </p:spPr>
+              <p:txBody>
+                <a:bodyPr wrap="square">
+                  <a:spAutoFit/>
+                </a:bodyPr>
+                <a:lstStyle/>
+                <a:p>
+                  <a:pPr/>
+                  <a14:m>
+                    <m:oMathPara xmlns:m="http://schemas.openxmlformats.org/officeDocument/2006/math">
+                      <m:oMathParaPr>
+                        <m:jc m:val="centerGroup"/>
+                      </m:oMathParaPr>
+                      <m:oMath xmlns:m="http://schemas.openxmlformats.org/officeDocument/2006/math">
+                        <m:r>
+                          <a:rPr lang="de-DE" sz="1800" b="0" i="1" smtClean="0">
+                            <a:solidFill>
+                              <a:schemeClr val="tx1"/>
+                            </a:solidFill>
+                            <a:latin typeface="Cambria Math" panose="02040503050406030204" pitchFamily="18" charset="0"/>
+                            <a:ea typeface="Cambria Math" panose="02040503050406030204" pitchFamily="18" charset="0"/>
+                          </a:rPr>
+                          <m:t>𝑐</m:t>
+                        </m:r>
+                      </m:oMath>
+                    </m:oMathPara>
+                  </a14:m>
+                  <a:endParaRPr lang="de-DE" dirty="0"/>
+                </a:p>
+              </p:txBody>
+            </p:sp>
+          </mc:Choice>
+          <mc:Fallback>
+            <p:sp>
+              <p:nvSpPr>
+                <p:cNvPr id="20" name="Textfeld 19">
+                  <a:extLst>
+                    <a:ext uri="{FF2B5EF4-FFF2-40B4-BE49-F238E27FC236}">
+                      <a16:creationId xmlns:a16="http://schemas.microsoft.com/office/drawing/2014/main" id="{2315F8D3-208E-E96D-A130-3ADD43BD8709}"/>
+                    </a:ext>
+                  </a:extLst>
+                </p:cNvPr>
+                <p:cNvSpPr txBox="1">
+                  <a:spLocks noRot="1" noChangeAspect="1" noMove="1" noResize="1" noEditPoints="1" noAdjustHandles="1" noChangeArrowheads="1" noChangeShapeType="1" noTextEdit="1"/>
+                </p:cNvSpPr>
+                <p:nvPr/>
+              </p:nvSpPr>
+              <p:spPr>
+                <a:xfrm>
+                  <a:off x="6433334" y="1469409"/>
+                  <a:ext cx="343080" cy="369332"/>
+                </a:xfrm>
+                <a:prstGeom prst="rect">
+                  <a:avLst/>
+                </a:prstGeom>
+                <a:blipFill>
+                  <a:blip r:embed="rId5"/>
+                  <a:stretch>
+                    <a:fillRect/>
+                  </a:stretch>
+                </a:blipFill>
+              </p:spPr>
+              <p:txBody>
+                <a:bodyPr/>
+                <a:lstStyle/>
+                <a:p>
+                  <a:r>
+                    <a:rPr lang="de-DE">
+                      <a:noFill/>
+                    </a:rPr>
+                    <a:t> </a:t>
+                  </a:r>
+                </a:p>
+              </p:txBody>
+            </p:sp>
+          </mc:Fallback>
+        </mc:AlternateContent>
+        <p:sp>
+          <p:nvSpPr>
+            <p:cNvPr id="21" name="Ellipse 20">
+              <a:extLst>
+                <a:ext uri="{FF2B5EF4-FFF2-40B4-BE49-F238E27FC236}">
+                  <a16:creationId xmlns:a16="http://schemas.microsoft.com/office/drawing/2014/main" id="{8EF8B6F4-16C2-65B6-3689-F1E4F8C8904E}"/>
+                </a:ext>
+              </a:extLst>
+            </p:cNvPr>
+            <p:cNvSpPr/>
+            <p:nvPr/>
+          </p:nvSpPr>
+          <p:spPr>
+            <a:xfrm>
+              <a:off x="6368480" y="1710452"/>
+              <a:ext cx="108000" cy="108000"/>
+            </a:xfrm>
+            <a:prstGeom prst="ellipse">
+              <a:avLst/>
+            </a:prstGeom>
+            <a:solidFill>
+              <a:schemeClr val="tx1"/>
+            </a:solidFill>
+            <a:ln>
+              <a:solidFill>
+                <a:schemeClr val="tx1"/>
+              </a:solidFill>
+            </a:ln>
+          </p:spPr>
+          <p:style>
+            <a:lnRef idx="2">
+              <a:schemeClr val="accent1">
+                <a:shade val="15000"/>
+              </a:schemeClr>
+            </a:lnRef>
+            <a:fillRef idx="1">
+              <a:schemeClr val="accent1"/>
+            </a:fillRef>
+            <a:effectRef idx="0">
+              <a:schemeClr val="accent1"/>
+            </a:effectRef>
+            <a:fontRef idx="minor">
+              <a:schemeClr val="lt1"/>
+            </a:fontRef>
+          </p:style>
+          <p:txBody>
+            <a:bodyPr rtlCol="0" anchor="ctr"/>
+            <a:lstStyle/>
+            <a:p>
+              <a:pPr algn="ctr"/>
+              <a:endParaRPr lang="de-DE"/>
+            </a:p>
+          </p:txBody>
+        </p:sp>
+        <p:sp>
+          <p:nvSpPr>
+            <p:cNvPr id="68" name="Ellipse 67">
+              <a:extLst>
+                <a:ext uri="{FF2B5EF4-FFF2-40B4-BE49-F238E27FC236}">
+                  <a16:creationId xmlns:a16="http://schemas.microsoft.com/office/drawing/2014/main" id="{07BCC398-D2EE-2126-CA2A-49D74581A54E}"/>
+                </a:ext>
+              </a:extLst>
+            </p:cNvPr>
+            <p:cNvSpPr/>
+            <p:nvPr/>
+          </p:nvSpPr>
+          <p:spPr>
+            <a:xfrm>
+              <a:off x="6979250" y="3397412"/>
+              <a:ext cx="108000" cy="108000"/>
+            </a:xfrm>
+            <a:prstGeom prst="ellipse">
+              <a:avLst/>
+            </a:prstGeom>
+            <a:solidFill>
+              <a:schemeClr val="bg2">
+                <a:lumMod val="50000"/>
+              </a:schemeClr>
+            </a:solidFill>
+            <a:ln>
+              <a:solidFill>
+                <a:schemeClr val="bg2">
+                  <a:lumMod val="50000"/>
+                </a:schemeClr>
+              </a:solidFill>
+            </a:ln>
+          </p:spPr>
+          <p:style>
+            <a:lnRef idx="2">
+              <a:schemeClr val="accent1">
+                <a:shade val="15000"/>
+              </a:schemeClr>
+            </a:lnRef>
+            <a:fillRef idx="1">
+              <a:schemeClr val="accent1"/>
+            </a:fillRef>
+            <a:effectRef idx="0">
+              <a:schemeClr val="accent1"/>
+            </a:effectRef>
+            <a:fontRef idx="minor">
+              <a:schemeClr val="lt1"/>
+            </a:fontRef>
+          </p:style>
+          <p:txBody>
+            <a:bodyPr rtlCol="0" anchor="ctr"/>
+            <a:lstStyle/>
+            <a:p>
+              <a:pPr algn="ctr"/>
+              <a:endParaRPr lang="de-DE"/>
+            </a:p>
+          </p:txBody>
+        </p:sp>
+        <p:sp>
+          <p:nvSpPr>
+            <p:cNvPr id="69" name="Ellipse 68">
+              <a:extLst>
+                <a:ext uri="{FF2B5EF4-FFF2-40B4-BE49-F238E27FC236}">
+                  <a16:creationId xmlns:a16="http://schemas.microsoft.com/office/drawing/2014/main" id="{607DDE66-FD78-DE25-C15A-3EFD8B8E84EA}"/>
+                </a:ext>
+              </a:extLst>
+            </p:cNvPr>
+            <p:cNvSpPr/>
+            <p:nvPr/>
+          </p:nvSpPr>
+          <p:spPr>
+            <a:xfrm>
+              <a:off x="4427049" y="2541886"/>
+              <a:ext cx="108000" cy="108000"/>
+            </a:xfrm>
+            <a:prstGeom prst="ellipse">
+              <a:avLst/>
+            </a:prstGeom>
+            <a:solidFill>
+              <a:schemeClr val="bg2">
+                <a:lumMod val="50000"/>
+              </a:schemeClr>
+            </a:solidFill>
+            <a:ln>
+              <a:solidFill>
+                <a:schemeClr val="bg2">
+                  <a:lumMod val="50000"/>
+                </a:schemeClr>
+              </a:solidFill>
+            </a:ln>
+          </p:spPr>
+          <p:style>
+            <a:lnRef idx="2">
+              <a:schemeClr val="accent1">
+                <a:shade val="15000"/>
+              </a:schemeClr>
+            </a:lnRef>
+            <a:fillRef idx="1">
+              <a:schemeClr val="accent1"/>
+            </a:fillRef>
+            <a:effectRef idx="0">
+              <a:schemeClr val="accent1"/>
+            </a:effectRef>
+            <a:fontRef idx="minor">
+              <a:schemeClr val="lt1"/>
+            </a:fontRef>
+          </p:style>
+          <p:txBody>
+            <a:bodyPr rtlCol="0" anchor="ctr"/>
+            <a:lstStyle/>
+            <a:p>
+              <a:pPr algn="ctr"/>
+              <a:endParaRPr lang="de-DE"/>
+            </a:p>
+          </p:txBody>
+        </p:sp>
+        <p:sp>
+          <p:nvSpPr>
+            <p:cNvPr id="70" name="Ellipse 69">
+              <a:extLst>
+                <a:ext uri="{FF2B5EF4-FFF2-40B4-BE49-F238E27FC236}">
+                  <a16:creationId xmlns:a16="http://schemas.microsoft.com/office/drawing/2014/main" id="{C8756F3E-B8BB-12ED-78F4-B1E60ADAD2D0}"/>
+                </a:ext>
+              </a:extLst>
+            </p:cNvPr>
+            <p:cNvSpPr/>
+            <p:nvPr/>
+          </p:nvSpPr>
+          <p:spPr>
+            <a:xfrm>
+              <a:off x="5727125" y="3505412"/>
+              <a:ext cx="108000" cy="108000"/>
+            </a:xfrm>
+            <a:prstGeom prst="ellipse">
+              <a:avLst/>
+            </a:prstGeom>
+            <a:solidFill>
+              <a:schemeClr val="bg2">
+                <a:lumMod val="50000"/>
+              </a:schemeClr>
+            </a:solidFill>
+            <a:ln>
+              <a:solidFill>
+                <a:schemeClr val="bg2">
+                  <a:lumMod val="50000"/>
+                </a:schemeClr>
+              </a:solidFill>
+            </a:ln>
+          </p:spPr>
+          <p:style>
+            <a:lnRef idx="2">
+              <a:schemeClr val="accent1">
+                <a:shade val="15000"/>
+              </a:schemeClr>
+            </a:lnRef>
+            <a:fillRef idx="1">
+              <a:schemeClr val="accent1"/>
+            </a:fillRef>
+            <a:effectRef idx="0">
+              <a:schemeClr val="accent1"/>
+            </a:effectRef>
+            <a:fontRef idx="minor">
+              <a:schemeClr val="lt1"/>
+            </a:fontRef>
+          </p:style>
+          <p:txBody>
+            <a:bodyPr rtlCol="0" anchor="ctr"/>
+            <a:lstStyle/>
+            <a:p>
+              <a:pPr algn="ctr"/>
+              <a:endParaRPr lang="de-DE"/>
+            </a:p>
+          </p:txBody>
+        </p:sp>
+      </p:grpSp>
+    </p:spTree>
+    <p:extLst>
+      <p:ext uri="{BB962C8B-B14F-4D97-AF65-F5344CB8AC3E}">
+        <p14:creationId xmlns:p14="http://schemas.microsoft.com/office/powerpoint/2010/main" val="3364858983"/>
       </p:ext>
     </p:extLst>
   </p:cSld>

--- a/report/Grafiken.pptx
+++ b/report/Grafiken.pptx
@@ -266,7 +266,7 @@
           <a:p>
             <a:fld id="{BD6D4D59-C437-4C1C-911D-483A8492AF6D}" type="datetimeFigureOut">
               <a:rPr lang="de-DE" smtClean="0"/>
-              <a:t>25.01.2024</a:t>
+              <a:t>26.01.2024</a:t>
             </a:fld>
             <a:endParaRPr lang="de-DE"/>
           </a:p>
@@ -464,7 +464,7 @@
           <a:p>
             <a:fld id="{BD6D4D59-C437-4C1C-911D-483A8492AF6D}" type="datetimeFigureOut">
               <a:rPr lang="de-DE" smtClean="0"/>
-              <a:t>25.01.2024</a:t>
+              <a:t>26.01.2024</a:t>
             </a:fld>
             <a:endParaRPr lang="de-DE"/>
           </a:p>
@@ -672,7 +672,7 @@
           <a:p>
             <a:fld id="{BD6D4D59-C437-4C1C-911D-483A8492AF6D}" type="datetimeFigureOut">
               <a:rPr lang="de-DE" smtClean="0"/>
-              <a:t>25.01.2024</a:t>
+              <a:t>26.01.2024</a:t>
             </a:fld>
             <a:endParaRPr lang="de-DE"/>
           </a:p>
@@ -870,7 +870,7 @@
           <a:p>
             <a:fld id="{BD6D4D59-C437-4C1C-911D-483A8492AF6D}" type="datetimeFigureOut">
               <a:rPr lang="de-DE" smtClean="0"/>
-              <a:t>25.01.2024</a:t>
+              <a:t>26.01.2024</a:t>
             </a:fld>
             <a:endParaRPr lang="de-DE"/>
           </a:p>
@@ -1145,7 +1145,7 @@
           <a:p>
             <a:fld id="{BD6D4D59-C437-4C1C-911D-483A8492AF6D}" type="datetimeFigureOut">
               <a:rPr lang="de-DE" smtClean="0"/>
-              <a:t>25.01.2024</a:t>
+              <a:t>26.01.2024</a:t>
             </a:fld>
             <a:endParaRPr lang="de-DE"/>
           </a:p>
@@ -1410,7 +1410,7 @@
           <a:p>
             <a:fld id="{BD6D4D59-C437-4C1C-911D-483A8492AF6D}" type="datetimeFigureOut">
               <a:rPr lang="de-DE" smtClean="0"/>
-              <a:t>25.01.2024</a:t>
+              <a:t>26.01.2024</a:t>
             </a:fld>
             <a:endParaRPr lang="de-DE"/>
           </a:p>
@@ -1822,7 +1822,7 @@
           <a:p>
             <a:fld id="{BD6D4D59-C437-4C1C-911D-483A8492AF6D}" type="datetimeFigureOut">
               <a:rPr lang="de-DE" smtClean="0"/>
-              <a:t>25.01.2024</a:t>
+              <a:t>26.01.2024</a:t>
             </a:fld>
             <a:endParaRPr lang="de-DE"/>
           </a:p>
@@ -1963,7 +1963,7 @@
           <a:p>
             <a:fld id="{BD6D4D59-C437-4C1C-911D-483A8492AF6D}" type="datetimeFigureOut">
               <a:rPr lang="de-DE" smtClean="0"/>
-              <a:t>25.01.2024</a:t>
+              <a:t>26.01.2024</a:t>
             </a:fld>
             <a:endParaRPr lang="de-DE"/>
           </a:p>
@@ -2076,7 +2076,7 @@
           <a:p>
             <a:fld id="{BD6D4D59-C437-4C1C-911D-483A8492AF6D}" type="datetimeFigureOut">
               <a:rPr lang="de-DE" smtClean="0"/>
-              <a:t>25.01.2024</a:t>
+              <a:t>26.01.2024</a:t>
             </a:fld>
             <a:endParaRPr lang="de-DE"/>
           </a:p>
@@ -2387,7 +2387,7 @@
           <a:p>
             <a:fld id="{BD6D4D59-C437-4C1C-911D-483A8492AF6D}" type="datetimeFigureOut">
               <a:rPr lang="de-DE" smtClean="0"/>
-              <a:t>25.01.2024</a:t>
+              <a:t>26.01.2024</a:t>
             </a:fld>
             <a:endParaRPr lang="de-DE"/>
           </a:p>
@@ -2675,7 +2675,7 @@
           <a:p>
             <a:fld id="{BD6D4D59-C437-4C1C-911D-483A8492AF6D}" type="datetimeFigureOut">
               <a:rPr lang="de-DE" smtClean="0"/>
-              <a:t>25.01.2024</a:t>
+              <a:t>26.01.2024</a:t>
             </a:fld>
             <a:endParaRPr lang="de-DE"/>
           </a:p>
@@ -2916,7 +2916,7 @@
           <a:p>
             <a:fld id="{BD6D4D59-C437-4C1C-911D-483A8492AF6D}" type="datetimeFigureOut">
               <a:rPr lang="de-DE" smtClean="0"/>
-              <a:t>25.01.2024</a:t>
+              <a:t>26.01.2024</a:t>
             </a:fld>
             <a:endParaRPr lang="de-DE"/>
           </a:p>
@@ -13003,10 +13003,10 @@
       </p:grpSpPr>
       <p:grpSp>
         <p:nvGrpSpPr>
-          <p:cNvPr id="87" name="Gruppieren 86">
+          <p:cNvPr id="3" name="Gruppieren 2">
             <a:extLst>
               <a:ext uri="{FF2B5EF4-FFF2-40B4-BE49-F238E27FC236}">
-                <a16:creationId xmlns:a16="http://schemas.microsoft.com/office/drawing/2014/main" id="{29F8140A-2E72-3D21-A8D4-0C5BADCCFAFC}"/>
+                <a16:creationId xmlns:a16="http://schemas.microsoft.com/office/drawing/2014/main" id="{319E5B26-29FA-CDF9-8F3D-8DD4328D435E}"/>
               </a:ext>
             </a:extLst>
           </p:cNvPr>
@@ -13023,10 +13023,10 @@
         </p:grpSpPr>
         <p:grpSp>
           <p:nvGrpSpPr>
-            <p:cNvPr id="84" name="Gruppieren 83">
+            <p:cNvPr id="87" name="Gruppieren 86">
               <a:extLst>
                 <a:ext uri="{FF2B5EF4-FFF2-40B4-BE49-F238E27FC236}">
-                  <a16:creationId xmlns:a16="http://schemas.microsoft.com/office/drawing/2014/main" id="{969F2665-4DCD-2EA2-DBE0-B369FD186979}"/>
+                  <a16:creationId xmlns:a16="http://schemas.microsoft.com/office/drawing/2014/main" id="{29F8140A-2E72-3D21-A8D4-0C5BADCCFAFC}"/>
                 </a:ext>
               </a:extLst>
             </p:cNvPr>
@@ -13035,24 +13035,18 @@
           </p:nvGrpSpPr>
           <p:grpSpPr>
             <a:xfrm>
-              <a:off x="5362349" y="2575648"/>
-              <a:ext cx="1983901" cy="1578900"/>
-              <a:chOff x="5362349" y="2575648"/>
-              <a:chExt cx="1983901" cy="1578900"/>
+              <a:off x="4019550" y="1314450"/>
+              <a:ext cx="4486275" cy="2840098"/>
+              <a:chOff x="4019550" y="1314450"/>
+              <a:chExt cx="4486275" cy="2840098"/>
             </a:xfrm>
-            <a:solidFill>
-              <a:schemeClr val="accent6">
-                <a:lumMod val="60000"/>
-                <a:lumOff val="40000"/>
-              </a:schemeClr>
-            </a:solidFill>
           </p:grpSpPr>
           <p:grpSp>
             <p:nvGrpSpPr>
-              <p:cNvPr id="83" name="Gruppieren 82">
+              <p:cNvPr id="84" name="Gruppieren 83">
                 <a:extLst>
                   <a:ext uri="{FF2B5EF4-FFF2-40B4-BE49-F238E27FC236}">
-                    <a16:creationId xmlns:a16="http://schemas.microsoft.com/office/drawing/2014/main" id="{2C888447-7336-8F1F-03DD-0F67DB85FB15}"/>
+                    <a16:creationId xmlns:a16="http://schemas.microsoft.com/office/drawing/2014/main" id="{969F2665-4DCD-2EA2-DBE0-B369FD186979}"/>
                   </a:ext>
                 </a:extLst>
               </p:cNvPr>
@@ -13061,123 +13055,202 @@
             </p:nvGrpSpPr>
             <p:grpSpPr>
               <a:xfrm>
-                <a:off x="5606239" y="2575648"/>
-                <a:ext cx="1740011" cy="1578900"/>
-                <a:chOff x="5606239" y="2575648"/>
-                <a:chExt cx="1740011" cy="1578900"/>
+                <a:off x="5362349" y="2575648"/>
+                <a:ext cx="1983901" cy="1578900"/>
+                <a:chOff x="5362349" y="2575648"/>
+                <a:chExt cx="1983901" cy="1578900"/>
               </a:xfrm>
-              <a:grpFill/>
+              <a:solidFill>
+                <a:schemeClr val="accent6">
+                  <a:lumMod val="60000"/>
+                  <a:lumOff val="40000"/>
+                </a:schemeClr>
+              </a:solidFill>
             </p:grpSpPr>
-            <p:sp>
-              <p:nvSpPr>
-                <p:cNvPr id="79" name="Gleichschenkliges Dreieck 78">
+            <p:grpSp>
+              <p:nvGrpSpPr>
+                <p:cNvPr id="83" name="Gruppieren 82">
                   <a:extLst>
                     <a:ext uri="{FF2B5EF4-FFF2-40B4-BE49-F238E27FC236}">
-                      <a16:creationId xmlns:a16="http://schemas.microsoft.com/office/drawing/2014/main" id="{42C03767-D8B3-4681-BF55-13628CD1CC5A}"/>
+                      <a16:creationId xmlns:a16="http://schemas.microsoft.com/office/drawing/2014/main" id="{2C888447-7336-8F1F-03DD-0F67DB85FB15}"/>
                     </a:ext>
                   </a:extLst>
                 </p:cNvPr>
-                <p:cNvSpPr/>
+                <p:cNvGrpSpPr/>
                 <p:nvPr/>
-              </p:nvSpPr>
-              <p:spPr>
-                <a:xfrm rot="12580127">
-                  <a:off x="5627274" y="2575648"/>
-                  <a:ext cx="1550424" cy="1578900"/>
+              </p:nvGrpSpPr>
+              <p:grpSpPr>
+                <a:xfrm>
+                  <a:off x="5606239" y="2575648"/>
+                  <a:ext cx="1740011" cy="1578900"/>
+                  <a:chOff x="5606239" y="2575648"/>
+                  <a:chExt cx="1740011" cy="1578900"/>
                 </a:xfrm>
-                <a:prstGeom prst="triangle">
-                  <a:avLst>
-                    <a:gd name="adj" fmla="val 100000"/>
-                  </a:avLst>
-                </a:prstGeom>
                 <a:grpFill/>
-                <a:ln>
-                  <a:noFill/>
-                </a:ln>
-              </p:spPr>
-              <p:style>
-                <a:lnRef idx="2">
-                  <a:schemeClr val="accent1">
-                    <a:shade val="15000"/>
-                  </a:schemeClr>
-                </a:lnRef>
-                <a:fillRef idx="1">
-                  <a:schemeClr val="accent1"/>
-                </a:fillRef>
-                <a:effectRef idx="0">
-                  <a:schemeClr val="accent1"/>
-                </a:effectRef>
-                <a:fontRef idx="minor">
-                  <a:schemeClr val="lt1"/>
-                </a:fontRef>
-              </p:style>
-              <p:txBody>
-                <a:bodyPr rtlCol="0" anchor="ctr"/>
-                <a:lstStyle/>
-                <a:p>
-                  <a:pPr algn="ctr"/>
-                  <a:endParaRPr lang="de-DE"/>
-                </a:p>
-              </p:txBody>
-            </p:sp>
+              </p:grpSpPr>
+              <p:sp>
+                <p:nvSpPr>
+                  <p:cNvPr id="79" name="Gleichschenkliges Dreieck 78">
+                    <a:extLst>
+                      <a:ext uri="{FF2B5EF4-FFF2-40B4-BE49-F238E27FC236}">
+                        <a16:creationId xmlns:a16="http://schemas.microsoft.com/office/drawing/2014/main" id="{42C03767-D8B3-4681-BF55-13628CD1CC5A}"/>
+                      </a:ext>
+                    </a:extLst>
+                  </p:cNvPr>
+                  <p:cNvSpPr/>
+                  <p:nvPr/>
+                </p:nvSpPr>
+                <p:spPr>
+                  <a:xfrm rot="12580127">
+                    <a:off x="5627274" y="2575648"/>
+                    <a:ext cx="1550424" cy="1578900"/>
+                  </a:xfrm>
+                  <a:prstGeom prst="triangle">
+                    <a:avLst>
+                      <a:gd name="adj" fmla="val 100000"/>
+                    </a:avLst>
+                  </a:prstGeom>
+                  <a:grpFill/>
+                  <a:ln>
+                    <a:noFill/>
+                  </a:ln>
+                </p:spPr>
+                <p:style>
+                  <a:lnRef idx="2">
+                    <a:schemeClr val="accent1">
+                      <a:shade val="15000"/>
+                    </a:schemeClr>
+                  </a:lnRef>
+                  <a:fillRef idx="1">
+                    <a:schemeClr val="accent1"/>
+                  </a:fillRef>
+                  <a:effectRef idx="0">
+                    <a:schemeClr val="accent1"/>
+                  </a:effectRef>
+                  <a:fontRef idx="minor">
+                    <a:schemeClr val="lt1"/>
+                  </a:fontRef>
+                </p:style>
+                <p:txBody>
+                  <a:bodyPr rtlCol="0" anchor="ctr"/>
+                  <a:lstStyle/>
+                  <a:p>
+                    <a:pPr algn="ctr"/>
+                    <a:endParaRPr lang="de-DE"/>
+                  </a:p>
+                </p:txBody>
+              </p:sp>
+              <p:sp>
+                <p:nvSpPr>
+                  <p:cNvPr id="80" name="Trapezoid 79">
+                    <a:extLst>
+                      <a:ext uri="{FF2B5EF4-FFF2-40B4-BE49-F238E27FC236}">
+                        <a16:creationId xmlns:a16="http://schemas.microsoft.com/office/drawing/2014/main" id="{D6E0388C-DC5A-1D55-C556-7B58CFDA3FE1}"/>
+                      </a:ext>
+                    </a:extLst>
+                  </p:cNvPr>
+                  <p:cNvSpPr/>
+                  <p:nvPr/>
+                </p:nvSpPr>
+                <p:spPr>
+                  <a:xfrm flipV="1">
+                    <a:off x="5606239" y="3366948"/>
+                    <a:ext cx="1686695" cy="694372"/>
+                  </a:xfrm>
+                  <a:prstGeom prst="trapezoid">
+                    <a:avLst>
+                      <a:gd name="adj" fmla="val 55911"/>
+                    </a:avLst>
+                  </a:prstGeom>
+                  <a:grpFill/>
+                  <a:ln>
+                    <a:noFill/>
+                  </a:ln>
+                </p:spPr>
+                <p:style>
+                  <a:lnRef idx="2">
+                    <a:schemeClr val="accent1">
+                      <a:shade val="15000"/>
+                    </a:schemeClr>
+                  </a:lnRef>
+                  <a:fillRef idx="1">
+                    <a:schemeClr val="accent1"/>
+                  </a:fillRef>
+                  <a:effectRef idx="0">
+                    <a:schemeClr val="accent1"/>
+                  </a:effectRef>
+                  <a:fontRef idx="minor">
+                    <a:schemeClr val="lt1"/>
+                  </a:fontRef>
+                </p:style>
+                <p:txBody>
+                  <a:bodyPr rtlCol="0" anchor="ctr"/>
+                  <a:lstStyle/>
+                  <a:p>
+                    <a:pPr algn="ctr"/>
+                    <a:endParaRPr lang="de-DE"/>
+                  </a:p>
+                </p:txBody>
+              </p:sp>
+              <p:sp>
+                <p:nvSpPr>
+                  <p:cNvPr id="81" name="Trapezoid 80">
+                    <a:extLst>
+                      <a:ext uri="{FF2B5EF4-FFF2-40B4-BE49-F238E27FC236}">
+                        <a16:creationId xmlns:a16="http://schemas.microsoft.com/office/drawing/2014/main" id="{FEC85268-4BE3-1683-8B74-4699421FB7F8}"/>
+                      </a:ext>
+                    </a:extLst>
+                  </p:cNvPr>
+                  <p:cNvSpPr/>
+                  <p:nvPr/>
+                </p:nvSpPr>
+                <p:spPr>
+                  <a:xfrm rot="1764843" flipV="1">
+                    <a:off x="6016122" y="2685822"/>
+                    <a:ext cx="1330128" cy="830807"/>
+                  </a:xfrm>
+                  <a:prstGeom prst="trapezoid">
+                    <a:avLst>
+                      <a:gd name="adj" fmla="val 0"/>
+                    </a:avLst>
+                  </a:prstGeom>
+                  <a:grpFill/>
+                  <a:ln>
+                    <a:noFill/>
+                  </a:ln>
+                </p:spPr>
+                <p:style>
+                  <a:lnRef idx="2">
+                    <a:schemeClr val="accent1">
+                      <a:shade val="15000"/>
+                    </a:schemeClr>
+                  </a:lnRef>
+                  <a:fillRef idx="1">
+                    <a:schemeClr val="accent1"/>
+                  </a:fillRef>
+                  <a:effectRef idx="0">
+                    <a:schemeClr val="accent1"/>
+                  </a:effectRef>
+                  <a:fontRef idx="minor">
+                    <a:schemeClr val="lt1"/>
+                  </a:fontRef>
+                </p:style>
+                <p:txBody>
+                  <a:bodyPr rtlCol="0" anchor="ctr"/>
+                  <a:lstStyle/>
+                  <a:p>
+                    <a:pPr algn="ctr"/>
+                    <a:endParaRPr lang="de-DE"/>
+                  </a:p>
+                </p:txBody>
+              </p:sp>
+            </p:grpSp>
             <p:sp>
               <p:nvSpPr>
-                <p:cNvPr id="80" name="Trapezoid 79">
+                <p:cNvPr id="82" name="Trapezoid 81">
                   <a:extLst>
                     <a:ext uri="{FF2B5EF4-FFF2-40B4-BE49-F238E27FC236}">
-                      <a16:creationId xmlns:a16="http://schemas.microsoft.com/office/drawing/2014/main" id="{D6E0388C-DC5A-1D55-C556-7B58CFDA3FE1}"/>
-                    </a:ext>
-                  </a:extLst>
-                </p:cNvPr>
-                <p:cNvSpPr/>
-                <p:nvPr/>
-              </p:nvSpPr>
-              <p:spPr>
-                <a:xfrm flipV="1">
-                  <a:off x="5606239" y="3366948"/>
-                  <a:ext cx="1686695" cy="694372"/>
-                </a:xfrm>
-                <a:prstGeom prst="trapezoid">
-                  <a:avLst>
-                    <a:gd name="adj" fmla="val 55911"/>
-                  </a:avLst>
-                </a:prstGeom>
-                <a:grpFill/>
-                <a:ln>
-                  <a:noFill/>
-                </a:ln>
-              </p:spPr>
-              <p:style>
-                <a:lnRef idx="2">
-                  <a:schemeClr val="accent1">
-                    <a:shade val="15000"/>
-                  </a:schemeClr>
-                </a:lnRef>
-                <a:fillRef idx="1">
-                  <a:schemeClr val="accent1"/>
-                </a:fillRef>
-                <a:effectRef idx="0">
-                  <a:schemeClr val="accent1"/>
-                </a:effectRef>
-                <a:fontRef idx="minor">
-                  <a:schemeClr val="lt1"/>
-                </a:fontRef>
-              </p:style>
-              <p:txBody>
-                <a:bodyPr rtlCol="0" anchor="ctr"/>
-                <a:lstStyle/>
-                <a:p>
-                  <a:pPr algn="ctr"/>
-                  <a:endParaRPr lang="de-DE"/>
-                </a:p>
-              </p:txBody>
-            </p:sp>
-            <p:sp>
-              <p:nvSpPr>
-                <p:cNvPr id="81" name="Trapezoid 80">
-                  <a:extLst>
-                    <a:ext uri="{FF2B5EF4-FFF2-40B4-BE49-F238E27FC236}">
-                      <a16:creationId xmlns:a16="http://schemas.microsoft.com/office/drawing/2014/main" id="{FEC85268-4BE3-1683-8B74-4699421FB7F8}"/>
+                      <a16:creationId xmlns:a16="http://schemas.microsoft.com/office/drawing/2014/main" id="{5F425978-A94A-CE78-56F7-D02F836C5C84}"/>
                     </a:ext>
                   </a:extLst>
                 </p:cNvPr>
@@ -13186,8 +13259,8 @@
               </p:nvSpPr>
               <p:spPr>
                 <a:xfrm rot="1764843" flipV="1">
-                  <a:off x="6016122" y="2685822"/>
-                  <a:ext cx="1330128" cy="830807"/>
+                  <a:off x="5362349" y="3572079"/>
+                  <a:ext cx="772885" cy="320955"/>
                 </a:xfrm>
                 <a:prstGeom prst="trapezoid">
                   <a:avLst>
@@ -13227,10 +13300,10 @@
           </p:grpSp>
           <p:sp>
             <p:nvSpPr>
-              <p:cNvPr id="82" name="Trapezoid 81">
+              <p:cNvPr id="65" name="Rechteck 64">
                 <a:extLst>
                   <a:ext uri="{FF2B5EF4-FFF2-40B4-BE49-F238E27FC236}">
-                    <a16:creationId xmlns:a16="http://schemas.microsoft.com/office/drawing/2014/main" id="{5F425978-A94A-CE78-56F7-D02F836C5C84}"/>
+                    <a16:creationId xmlns:a16="http://schemas.microsoft.com/office/drawing/2014/main" id="{F3A356B8-B638-9D24-6DC8-88BB70B2015E}"/>
                   </a:ext>
                 </a:extLst>
               </p:cNvPr>
@@ -13238,18 +13311,1075 @@
               <p:nvPr/>
             </p:nvSpPr>
             <p:spPr>
-              <a:xfrm rot="1764843" flipV="1">
-                <a:off x="5362349" y="3572079"/>
-                <a:ext cx="772885" cy="320955"/>
+              <a:xfrm rot="1791420">
+                <a:off x="4276457" y="1800260"/>
+                <a:ext cx="1550496" cy="1590259"/>
               </a:xfrm>
-              <a:prstGeom prst="trapezoid">
-                <a:avLst>
-                  <a:gd name="adj" fmla="val 0"/>
-                </a:avLst>
+              <a:prstGeom prst="rect">
+                <a:avLst/>
               </a:prstGeom>
-              <a:grpFill/>
+              <a:solidFill>
+                <a:schemeClr val="accent5">
+                  <a:lumMod val="60000"/>
+                  <a:lumOff val="40000"/>
+                </a:schemeClr>
+              </a:solidFill>
               <a:ln>
                 <a:noFill/>
+              </a:ln>
+            </p:spPr>
+            <p:style>
+              <a:lnRef idx="2">
+                <a:schemeClr val="accent1">
+                  <a:shade val="15000"/>
+                </a:schemeClr>
+              </a:lnRef>
+              <a:fillRef idx="1">
+                <a:schemeClr val="accent1"/>
+              </a:fillRef>
+              <a:effectRef idx="0">
+                <a:schemeClr val="accent1"/>
+              </a:effectRef>
+              <a:fontRef idx="minor">
+                <a:schemeClr val="lt1"/>
+              </a:fontRef>
+            </p:style>
+            <p:txBody>
+              <a:bodyPr rtlCol="0" anchor="ctr"/>
+              <a:lstStyle/>
+              <a:p>
+                <a:pPr algn="ctr"/>
+                <a:endParaRPr lang="de-DE"/>
+              </a:p>
+            </p:txBody>
+          </p:sp>
+          <p:cxnSp>
+            <p:nvCxnSpPr>
+              <p:cNvPr id="34" name="Gerader Verbinder 33">
+                <a:extLst>
+                  <a:ext uri="{FF2B5EF4-FFF2-40B4-BE49-F238E27FC236}">
+                    <a16:creationId xmlns:a16="http://schemas.microsoft.com/office/drawing/2014/main" id="{E2458327-282D-80E0-59B2-36436DB3C72C}"/>
+                  </a:ext>
+                </a:extLst>
+              </p:cNvPr>
+              <p:cNvCxnSpPr>
+                <a:cxnSpLocks/>
+              </p:cNvCxnSpPr>
+              <p:nvPr/>
+            </p:nvCxnSpPr>
+            <p:spPr>
+              <a:xfrm flipH="1">
+                <a:off x="5300663" y="1776413"/>
+                <a:ext cx="1110962" cy="1948515"/>
+              </a:xfrm>
+              <a:prstGeom prst="line">
+                <a:avLst/>
+              </a:prstGeom>
+              <a:ln>
+                <a:solidFill>
+                  <a:srgbClr val="FF0000"/>
+                </a:solidFill>
+              </a:ln>
+            </p:spPr>
+            <p:style>
+              <a:lnRef idx="2">
+                <a:schemeClr val="accent2"/>
+              </a:lnRef>
+              <a:fillRef idx="0">
+                <a:schemeClr val="accent2"/>
+              </a:fillRef>
+              <a:effectRef idx="1">
+                <a:schemeClr val="accent2"/>
+              </a:effectRef>
+              <a:fontRef idx="minor">
+                <a:schemeClr val="tx1"/>
+              </a:fontRef>
+            </p:style>
+          </p:cxnSp>
+          <p:cxnSp>
+            <p:nvCxnSpPr>
+              <p:cNvPr id="61" name="Gerader Verbinder 60">
+                <a:extLst>
+                  <a:ext uri="{FF2B5EF4-FFF2-40B4-BE49-F238E27FC236}">
+                    <a16:creationId xmlns:a16="http://schemas.microsoft.com/office/drawing/2014/main" id="{7F757479-BA31-690B-0650-AE926B58A23C}"/>
+                  </a:ext>
+                </a:extLst>
+              </p:cNvPr>
+              <p:cNvCxnSpPr>
+                <a:cxnSpLocks/>
+              </p:cNvCxnSpPr>
+              <p:nvPr/>
+            </p:nvCxnSpPr>
+            <p:spPr>
+              <a:xfrm>
+                <a:off x="4552950" y="1382770"/>
+                <a:ext cx="3209925" cy="1849124"/>
+              </a:xfrm>
+              <a:prstGeom prst="line">
+                <a:avLst/>
+              </a:prstGeom>
+              <a:ln>
+                <a:solidFill>
+                  <a:srgbClr val="FF0000"/>
+                </a:solidFill>
+              </a:ln>
+            </p:spPr>
+            <p:style>
+              <a:lnRef idx="2">
+                <a:schemeClr val="accent2"/>
+              </a:lnRef>
+              <a:fillRef idx="0">
+                <a:schemeClr val="accent2"/>
+              </a:fillRef>
+              <a:effectRef idx="1">
+                <a:schemeClr val="accent2"/>
+              </a:effectRef>
+              <a:fontRef idx="minor">
+                <a:schemeClr val="tx1"/>
+              </a:fontRef>
+            </p:style>
+          </p:cxnSp>
+          <p:cxnSp>
+            <p:nvCxnSpPr>
+              <p:cNvPr id="25" name="Gerader Verbinder 24">
+                <a:extLst>
+                  <a:ext uri="{FF2B5EF4-FFF2-40B4-BE49-F238E27FC236}">
+                    <a16:creationId xmlns:a16="http://schemas.microsoft.com/office/drawing/2014/main" id="{2B325575-7A18-965D-FFBE-72B0AE1DD9FC}"/>
+                  </a:ext>
+                </a:extLst>
+              </p:cNvPr>
+              <p:cNvCxnSpPr>
+                <a:cxnSpLocks/>
+              </p:cNvCxnSpPr>
+              <p:nvPr/>
+            </p:nvCxnSpPr>
+            <p:spPr>
+              <a:xfrm>
+                <a:off x="6118357" y="1314450"/>
+                <a:ext cx="0" cy="2746870"/>
+              </a:xfrm>
+              <a:prstGeom prst="line">
+                <a:avLst/>
+              </a:prstGeom>
+              <a:ln>
+                <a:solidFill>
+                  <a:schemeClr val="bg2">
+                    <a:lumMod val="50000"/>
+                  </a:schemeClr>
+                </a:solidFill>
+                <a:prstDash val="lgDash"/>
+              </a:ln>
+            </p:spPr>
+            <p:style>
+              <a:lnRef idx="1">
+                <a:schemeClr val="accent1"/>
+              </a:lnRef>
+              <a:fillRef idx="0">
+                <a:schemeClr val="accent1"/>
+              </a:fillRef>
+              <a:effectRef idx="0">
+                <a:schemeClr val="accent1"/>
+              </a:effectRef>
+              <a:fontRef idx="minor">
+                <a:schemeClr val="tx1"/>
+              </a:fontRef>
+            </p:style>
+          </p:cxnSp>
+          <p:cxnSp>
+            <p:nvCxnSpPr>
+              <p:cNvPr id="30" name="Gerader Verbinder 29">
+                <a:extLst>
+                  <a:ext uri="{FF2B5EF4-FFF2-40B4-BE49-F238E27FC236}">
+                    <a16:creationId xmlns:a16="http://schemas.microsoft.com/office/drawing/2014/main" id="{1B4C01B9-3002-8A4E-34FC-24AF89928D63}"/>
+                  </a:ext>
+                </a:extLst>
+              </p:cNvPr>
+              <p:cNvCxnSpPr>
+                <a:cxnSpLocks/>
+              </p:cNvCxnSpPr>
+              <p:nvPr/>
+            </p:nvCxnSpPr>
+            <p:spPr>
+              <a:xfrm flipH="1">
+                <a:off x="4019550" y="2294358"/>
+                <a:ext cx="4486275" cy="0"/>
+              </a:xfrm>
+              <a:prstGeom prst="line">
+                <a:avLst/>
+              </a:prstGeom>
+              <a:ln>
+                <a:solidFill>
+                  <a:schemeClr val="bg2">
+                    <a:lumMod val="50000"/>
+                  </a:schemeClr>
+                </a:solidFill>
+                <a:prstDash val="lgDash"/>
+              </a:ln>
+            </p:spPr>
+            <p:style>
+              <a:lnRef idx="1">
+                <a:schemeClr val="accent1"/>
+              </a:lnRef>
+              <a:fillRef idx="0">
+                <a:schemeClr val="accent1"/>
+              </a:fillRef>
+              <a:effectRef idx="0">
+                <a:schemeClr val="accent1"/>
+              </a:effectRef>
+              <a:fontRef idx="minor">
+                <a:schemeClr val="tx1"/>
+              </a:fontRef>
+            </p:style>
+          </p:cxnSp>
+          <p:sp>
+            <p:nvSpPr>
+              <p:cNvPr id="9" name="Ellipse 8">
+                <a:extLst>
+                  <a:ext uri="{FF2B5EF4-FFF2-40B4-BE49-F238E27FC236}">
+                    <a16:creationId xmlns:a16="http://schemas.microsoft.com/office/drawing/2014/main" id="{0F835CED-0C3B-29EC-ECD2-92126ADE2F67}"/>
+                  </a:ext>
+                </a:extLst>
+              </p:cNvPr>
+              <p:cNvSpPr/>
+              <p:nvPr/>
+            </p:nvSpPr>
+            <p:spPr>
+              <a:xfrm>
+                <a:off x="6403132" y="2928644"/>
+                <a:ext cx="108000" cy="108000"/>
+              </a:xfrm>
+              <a:prstGeom prst="ellipse">
+                <a:avLst/>
+              </a:prstGeom>
+              <a:solidFill>
+                <a:schemeClr val="tx1"/>
+              </a:solidFill>
+              <a:ln>
+                <a:solidFill>
+                  <a:schemeClr val="tx1"/>
+                </a:solidFill>
+              </a:ln>
+            </p:spPr>
+            <p:style>
+              <a:lnRef idx="2">
+                <a:schemeClr val="accent1">
+                  <a:shade val="15000"/>
+                </a:schemeClr>
+              </a:lnRef>
+              <a:fillRef idx="1">
+                <a:schemeClr val="accent1"/>
+              </a:fillRef>
+              <a:effectRef idx="0">
+                <a:schemeClr val="accent1"/>
+              </a:effectRef>
+              <a:fontRef idx="minor">
+                <a:schemeClr val="lt1"/>
+              </a:fontRef>
+            </p:style>
+            <p:txBody>
+              <a:bodyPr rtlCol="0" anchor="ctr"/>
+              <a:lstStyle/>
+              <a:p>
+                <a:pPr algn="ctr"/>
+                <a:endParaRPr lang="de-DE"/>
+              </a:p>
+            </p:txBody>
+          </p:sp>
+          <p:sp>
+            <p:nvSpPr>
+              <p:cNvPr id="10" name="Ellipse 9">
+                <a:extLst>
+                  <a:ext uri="{FF2B5EF4-FFF2-40B4-BE49-F238E27FC236}">
+                    <a16:creationId xmlns:a16="http://schemas.microsoft.com/office/drawing/2014/main" id="{24E18C26-13FF-F57C-7CE1-668D31A7F14A}"/>
+                  </a:ext>
+                </a:extLst>
+              </p:cNvPr>
+              <p:cNvSpPr/>
+              <p:nvPr/>
+            </p:nvSpPr>
+            <p:spPr>
+              <a:xfrm>
+                <a:off x="5156861" y="2688186"/>
+                <a:ext cx="108000" cy="108000"/>
+              </a:xfrm>
+              <a:prstGeom prst="ellipse">
+                <a:avLst/>
+              </a:prstGeom>
+              <a:solidFill>
+                <a:schemeClr val="tx1"/>
+              </a:solidFill>
+              <a:ln>
+                <a:solidFill>
+                  <a:schemeClr val="tx1"/>
+                </a:solidFill>
+              </a:ln>
+            </p:spPr>
+            <p:style>
+              <a:lnRef idx="2">
+                <a:schemeClr val="accent1">
+                  <a:shade val="15000"/>
+                </a:schemeClr>
+              </a:lnRef>
+              <a:fillRef idx="1">
+                <a:schemeClr val="accent1"/>
+              </a:fillRef>
+              <a:effectRef idx="0">
+                <a:schemeClr val="accent1"/>
+              </a:effectRef>
+              <a:fontRef idx="minor">
+                <a:schemeClr val="lt1"/>
+              </a:fontRef>
+            </p:style>
+            <p:txBody>
+              <a:bodyPr rtlCol="0" anchor="ctr"/>
+              <a:lstStyle/>
+              <a:p>
+                <a:pPr algn="ctr"/>
+                <a:endParaRPr lang="de-DE"/>
+              </a:p>
+            </p:txBody>
+          </p:sp>
+          <p:cxnSp>
+            <p:nvCxnSpPr>
+              <p:cNvPr id="11" name="Gerader Verbinder 10">
+                <a:extLst>
+                  <a:ext uri="{FF2B5EF4-FFF2-40B4-BE49-F238E27FC236}">
+                    <a16:creationId xmlns:a16="http://schemas.microsoft.com/office/drawing/2014/main" id="{69EFC6B0-F07C-452C-1554-AB39B246BBED}"/>
+                  </a:ext>
+                </a:extLst>
+              </p:cNvPr>
+              <p:cNvCxnSpPr>
+                <a:cxnSpLocks/>
+              </p:cNvCxnSpPr>
+              <p:nvPr/>
+            </p:nvCxnSpPr>
+            <p:spPr>
+              <a:xfrm>
+                <a:off x="6041594" y="2294358"/>
+                <a:ext cx="144000" cy="0"/>
+              </a:xfrm>
+              <a:prstGeom prst="line">
+                <a:avLst/>
+              </a:prstGeom>
+              <a:ln w="19050">
+                <a:solidFill>
+                  <a:schemeClr val="tx1"/>
+                </a:solidFill>
+              </a:ln>
+            </p:spPr>
+            <p:style>
+              <a:lnRef idx="1">
+                <a:schemeClr val="accent1"/>
+              </a:lnRef>
+              <a:fillRef idx="0">
+                <a:schemeClr val="accent1"/>
+              </a:fillRef>
+              <a:effectRef idx="0">
+                <a:schemeClr val="accent1"/>
+              </a:effectRef>
+              <a:fontRef idx="minor">
+                <a:schemeClr val="tx1"/>
+              </a:fontRef>
+            </p:style>
+          </p:cxnSp>
+          <p:cxnSp>
+            <p:nvCxnSpPr>
+              <p:cNvPr id="12" name="Gerader Verbinder 11">
+                <a:extLst>
+                  <a:ext uri="{FF2B5EF4-FFF2-40B4-BE49-F238E27FC236}">
+                    <a16:creationId xmlns:a16="http://schemas.microsoft.com/office/drawing/2014/main" id="{E5936B41-C3B3-80BF-79C4-C7127539978E}"/>
+                  </a:ext>
+                </a:extLst>
+              </p:cNvPr>
+              <p:cNvCxnSpPr>
+                <a:cxnSpLocks/>
+              </p:cNvCxnSpPr>
+              <p:nvPr/>
+            </p:nvCxnSpPr>
+            <p:spPr>
+              <a:xfrm>
+                <a:off x="6118357" y="2222358"/>
+                <a:ext cx="0" cy="144000"/>
+              </a:xfrm>
+              <a:prstGeom prst="line">
+                <a:avLst/>
+              </a:prstGeom>
+              <a:ln w="19050">
+                <a:solidFill>
+                  <a:schemeClr val="tx1"/>
+                </a:solidFill>
+              </a:ln>
+            </p:spPr>
+            <p:style>
+              <a:lnRef idx="1">
+                <a:schemeClr val="accent1"/>
+              </a:lnRef>
+              <a:fillRef idx="0">
+                <a:schemeClr val="accent1"/>
+              </a:fillRef>
+              <a:effectRef idx="0">
+                <a:schemeClr val="accent1"/>
+              </a:effectRef>
+              <a:fontRef idx="minor">
+                <a:schemeClr val="tx1"/>
+              </a:fontRef>
+            </p:style>
+          </p:cxnSp>
+          <mc:AlternateContent xmlns:mc="http://schemas.openxmlformats.org/markup-compatibility/2006">
+            <mc:Choice xmlns:a14="http://schemas.microsoft.com/office/drawing/2010/main" Requires="a14">
+              <p:sp>
+                <p:nvSpPr>
+                  <p:cNvPr id="13" name="Textfeld 12">
+                    <a:extLst>
+                      <a:ext uri="{FF2B5EF4-FFF2-40B4-BE49-F238E27FC236}">
+                        <a16:creationId xmlns:a16="http://schemas.microsoft.com/office/drawing/2014/main" id="{491BE5E0-DDF4-DA7E-21D2-F4AC11334F1C}"/>
+                      </a:ext>
+                    </a:extLst>
+                  </p:cNvPr>
+                  <p:cNvSpPr txBox="1"/>
+                  <p:nvPr/>
+                </p:nvSpPr>
+                <p:spPr>
+                  <a:xfrm>
+                    <a:off x="6563191" y="2897414"/>
+                    <a:ext cx="343080" cy="369332"/>
+                  </a:xfrm>
+                  <a:prstGeom prst="rect">
+                    <a:avLst/>
+                  </a:prstGeom>
+                  <a:noFill/>
+                </p:spPr>
+                <p:txBody>
+                  <a:bodyPr wrap="square">
+                    <a:spAutoFit/>
+                  </a:bodyPr>
+                  <a:lstStyle/>
+                  <a:p>
+                    <a:pPr/>
+                    <a14:m>
+                      <m:oMathPara xmlns:m="http://schemas.openxmlformats.org/officeDocument/2006/math">
+                        <m:oMathParaPr>
+                          <m:jc m:val="centerGroup"/>
+                        </m:oMathParaPr>
+                        <m:oMath xmlns:m="http://schemas.openxmlformats.org/officeDocument/2006/math">
+                          <m:sSub>
+                            <m:sSubPr>
+                              <m:ctrlPr>
+                                <a:rPr lang="de-DE" sz="1800" b="0" i="1" smtClean="0">
+                                  <a:solidFill>
+                                    <a:schemeClr val="tx1"/>
+                                  </a:solidFill>
+                                  <a:latin typeface="Cambria Math" panose="02040503050406030204" pitchFamily="18" charset="0"/>
+                                  <a:ea typeface="Cambria Math" panose="02040503050406030204" pitchFamily="18" charset="0"/>
+                                </a:rPr>
+                              </m:ctrlPr>
+                            </m:sSubPr>
+                            <m:e>
+                              <m:r>
+                                <a:rPr lang="de-DE" sz="1800" b="0" i="1" smtClean="0">
+                                  <a:solidFill>
+                                    <a:schemeClr val="tx1"/>
+                                  </a:solidFill>
+                                  <a:latin typeface="Cambria Math" panose="02040503050406030204" pitchFamily="18" charset="0"/>
+                                  <a:ea typeface="Cambria Math" panose="02040503050406030204" pitchFamily="18" charset="0"/>
+                                </a:rPr>
+                                <m:t>𝑐</m:t>
+                              </m:r>
+                            </m:e>
+                            <m:sub>
+                              <m:r>
+                                <a:rPr lang="de-DE" sz="1800" b="0" i="1" smtClean="0">
+                                  <a:solidFill>
+                                    <a:schemeClr val="tx1"/>
+                                  </a:solidFill>
+                                  <a:latin typeface="Cambria Math" panose="02040503050406030204" pitchFamily="18" charset="0"/>
+                                  <a:ea typeface="Cambria Math" panose="02040503050406030204" pitchFamily="18" charset="0"/>
+                                </a:rPr>
+                                <m:t>2</m:t>
+                              </m:r>
+                            </m:sub>
+                          </m:sSub>
+                        </m:oMath>
+                      </m:oMathPara>
+                    </a14:m>
+                    <a:endParaRPr lang="de-DE" dirty="0"/>
+                  </a:p>
+                </p:txBody>
+              </p:sp>
+            </mc:Choice>
+            <mc:Fallback>
+              <p:sp>
+                <p:nvSpPr>
+                  <p:cNvPr id="13" name="Textfeld 12">
+                    <a:extLst>
+                      <a:ext uri="{FF2B5EF4-FFF2-40B4-BE49-F238E27FC236}">
+                        <a16:creationId xmlns:a16="http://schemas.microsoft.com/office/drawing/2014/main" id="{491BE5E0-DDF4-DA7E-21D2-F4AC11334F1C}"/>
+                      </a:ext>
+                    </a:extLst>
+                  </p:cNvPr>
+                  <p:cNvSpPr txBox="1">
+                    <a:spLocks noRot="1" noChangeAspect="1" noMove="1" noResize="1" noEditPoints="1" noAdjustHandles="1" noChangeArrowheads="1" noChangeShapeType="1" noTextEdit="1"/>
+                  </p:cNvSpPr>
+                  <p:nvPr/>
+                </p:nvSpPr>
+                <p:spPr>
+                  <a:xfrm>
+                    <a:off x="6563191" y="2897414"/>
+                    <a:ext cx="343080" cy="369332"/>
+                  </a:xfrm>
+                  <a:prstGeom prst="rect">
+                    <a:avLst/>
+                  </a:prstGeom>
+                  <a:blipFill>
+                    <a:blip r:embed="rId2"/>
+                    <a:stretch>
+                      <a:fillRect/>
+                    </a:stretch>
+                  </a:blipFill>
+                </p:spPr>
+                <p:txBody>
+                  <a:bodyPr/>
+                  <a:lstStyle/>
+                  <a:p>
+                    <a:r>
+                      <a:rPr lang="de-DE">
+                        <a:noFill/>
+                      </a:rPr>
+                      <a:t> </a:t>
+                    </a:r>
+                  </a:p>
+                </p:txBody>
+              </p:sp>
+            </mc:Fallback>
+          </mc:AlternateContent>
+          <mc:AlternateContent xmlns:mc="http://schemas.openxmlformats.org/markup-compatibility/2006">
+            <mc:Choice xmlns:a14="http://schemas.microsoft.com/office/drawing/2010/main" Requires="a14">
+              <p:sp>
+                <p:nvSpPr>
+                  <p:cNvPr id="14" name="Textfeld 13">
+                    <a:extLst>
+                      <a:ext uri="{FF2B5EF4-FFF2-40B4-BE49-F238E27FC236}">
+                        <a16:creationId xmlns:a16="http://schemas.microsoft.com/office/drawing/2014/main" id="{705DAC31-EB2A-F0A9-D8B7-60155014F173}"/>
+                      </a:ext>
+                    </a:extLst>
+                  </p:cNvPr>
+                  <p:cNvSpPr txBox="1"/>
+                  <p:nvPr/>
+                </p:nvSpPr>
+                <p:spPr>
+                  <a:xfrm>
+                    <a:off x="4747662" y="2649184"/>
+                    <a:ext cx="343080" cy="369332"/>
+                  </a:xfrm>
+                  <a:prstGeom prst="rect">
+                    <a:avLst/>
+                  </a:prstGeom>
+                  <a:noFill/>
+                </p:spPr>
+                <p:txBody>
+                  <a:bodyPr wrap="square">
+                    <a:spAutoFit/>
+                  </a:bodyPr>
+                  <a:lstStyle/>
+                  <a:p>
+                    <a:pPr/>
+                    <a14:m>
+                      <m:oMathPara xmlns:m="http://schemas.openxmlformats.org/officeDocument/2006/math">
+                        <m:oMathParaPr>
+                          <m:jc m:val="centerGroup"/>
+                        </m:oMathParaPr>
+                        <m:oMath xmlns:m="http://schemas.openxmlformats.org/officeDocument/2006/math">
+                          <m:sSub>
+                            <m:sSubPr>
+                              <m:ctrlPr>
+                                <a:rPr lang="de-DE" sz="1800" b="0" i="1" smtClean="0">
+                                  <a:solidFill>
+                                    <a:schemeClr val="tx1"/>
+                                  </a:solidFill>
+                                  <a:latin typeface="Cambria Math" panose="02040503050406030204" pitchFamily="18" charset="0"/>
+                                  <a:ea typeface="Cambria Math" panose="02040503050406030204" pitchFamily="18" charset="0"/>
+                                </a:rPr>
+                              </m:ctrlPr>
+                            </m:sSubPr>
+                            <m:e>
+                              <m:r>
+                                <a:rPr lang="de-DE" sz="1800" b="0" i="1" smtClean="0">
+                                  <a:solidFill>
+                                    <a:schemeClr val="tx1"/>
+                                  </a:solidFill>
+                                  <a:latin typeface="Cambria Math" panose="02040503050406030204" pitchFamily="18" charset="0"/>
+                                  <a:ea typeface="Cambria Math" panose="02040503050406030204" pitchFamily="18" charset="0"/>
+                                </a:rPr>
+                                <m:t>𝑐</m:t>
+                              </m:r>
+                            </m:e>
+                            <m:sub>
+                              <m:r>
+                                <a:rPr lang="de-DE" sz="1800" b="0" i="1" smtClean="0">
+                                  <a:solidFill>
+                                    <a:schemeClr val="tx1"/>
+                                  </a:solidFill>
+                                  <a:latin typeface="Cambria Math" panose="02040503050406030204" pitchFamily="18" charset="0"/>
+                                  <a:ea typeface="Cambria Math" panose="02040503050406030204" pitchFamily="18" charset="0"/>
+                                </a:rPr>
+                                <m:t>1</m:t>
+                              </m:r>
+                            </m:sub>
+                          </m:sSub>
+                        </m:oMath>
+                      </m:oMathPara>
+                    </a14:m>
+                    <a:endParaRPr lang="de-DE" dirty="0"/>
+                  </a:p>
+                </p:txBody>
+              </p:sp>
+            </mc:Choice>
+            <mc:Fallback>
+              <p:sp>
+                <p:nvSpPr>
+                  <p:cNvPr id="14" name="Textfeld 13">
+                    <a:extLst>
+                      <a:ext uri="{FF2B5EF4-FFF2-40B4-BE49-F238E27FC236}">
+                        <a16:creationId xmlns:a16="http://schemas.microsoft.com/office/drawing/2014/main" id="{705DAC31-EB2A-F0A9-D8B7-60155014F173}"/>
+                      </a:ext>
+                    </a:extLst>
+                  </p:cNvPr>
+                  <p:cNvSpPr txBox="1">
+                    <a:spLocks noRot="1" noChangeAspect="1" noMove="1" noResize="1" noEditPoints="1" noAdjustHandles="1" noChangeArrowheads="1" noChangeShapeType="1" noTextEdit="1"/>
+                  </p:cNvSpPr>
+                  <p:nvPr/>
+                </p:nvSpPr>
+                <p:spPr>
+                  <a:xfrm>
+                    <a:off x="4747662" y="2649184"/>
+                    <a:ext cx="343080" cy="369332"/>
+                  </a:xfrm>
+                  <a:prstGeom prst="rect">
+                    <a:avLst/>
+                  </a:prstGeom>
+                  <a:blipFill>
+                    <a:blip r:embed="rId3"/>
+                    <a:stretch>
+                      <a:fillRect/>
+                    </a:stretch>
+                  </a:blipFill>
+                </p:spPr>
+                <p:txBody>
+                  <a:bodyPr/>
+                  <a:lstStyle/>
+                  <a:p>
+                    <a:r>
+                      <a:rPr lang="de-DE">
+                        <a:noFill/>
+                      </a:rPr>
+                      <a:t> </a:t>
+                    </a:r>
+                  </a:p>
+                </p:txBody>
+              </p:sp>
+            </mc:Fallback>
+          </mc:AlternateContent>
+          <mc:AlternateContent xmlns:mc="http://schemas.openxmlformats.org/markup-compatibility/2006" xmlns:a14="http://schemas.microsoft.com/office/drawing/2010/main">
+            <mc:Choice Requires="a14">
+              <p:sp>
+                <p:nvSpPr>
+                  <p:cNvPr id="15" name="Textfeld 14">
+                    <a:extLst>
+                      <a:ext uri="{FF2B5EF4-FFF2-40B4-BE49-F238E27FC236}">
+                        <a16:creationId xmlns:a16="http://schemas.microsoft.com/office/drawing/2014/main" id="{58DFCE5A-C13F-9854-293C-94CA2F1AA614}"/>
+                      </a:ext>
+                    </a:extLst>
+                  </p:cNvPr>
+                  <p:cNvSpPr txBox="1"/>
+                  <p:nvPr/>
+                </p:nvSpPr>
+                <p:spPr>
+                  <a:xfrm>
+                    <a:off x="5835959" y="1824149"/>
+                    <a:ext cx="343080" cy="369332"/>
+                  </a:xfrm>
+                  <a:prstGeom prst="rect">
+                    <a:avLst/>
+                  </a:prstGeom>
+                  <a:noFill/>
+                </p:spPr>
+                <p:txBody>
+                  <a:bodyPr wrap="square">
+                    <a:spAutoFit/>
+                  </a:bodyPr>
+                  <a:lstStyle/>
+                  <a:p>
+                    <a:pPr/>
+                    <a14:m>
+                      <m:oMathPara xmlns:m="http://schemas.openxmlformats.org/officeDocument/2006/math">
+                        <m:oMathParaPr>
+                          <m:jc m:val="centerGroup"/>
+                        </m:oMathParaPr>
+                        <m:oMath xmlns:m="http://schemas.openxmlformats.org/officeDocument/2006/math">
+                          <m:r>
+                            <a:rPr lang="de-DE" sz="1800" b="0" i="1" smtClean="0">
+                              <a:solidFill>
+                                <a:schemeClr val="tx1"/>
+                              </a:solidFill>
+                              <a:latin typeface="Cambria Math" panose="02040503050406030204" pitchFamily="18" charset="0"/>
+                              <a:ea typeface="Cambria Math" panose="02040503050406030204" pitchFamily="18" charset="0"/>
+                            </a:rPr>
+                            <m:t>𝑝</m:t>
+                          </m:r>
+                        </m:oMath>
+                      </m:oMathPara>
+                    </a14:m>
+                    <a:endParaRPr lang="de-DE" dirty="0"/>
+                  </a:p>
+                </p:txBody>
+              </p:sp>
+            </mc:Choice>
+            <mc:Fallback xmlns="">
+              <p:sp>
+                <p:nvSpPr>
+                  <p:cNvPr id="15" name="Textfeld 14">
+                    <a:extLst>
+                      <a:ext uri="{FF2B5EF4-FFF2-40B4-BE49-F238E27FC236}">
+                        <a16:creationId xmlns:a16="http://schemas.microsoft.com/office/drawing/2014/main" id="{58DFCE5A-C13F-9854-293C-94CA2F1AA614}"/>
+                      </a:ext>
+                    </a:extLst>
+                  </p:cNvPr>
+                  <p:cNvSpPr txBox="1">
+                    <a:spLocks noRot="1" noChangeAspect="1" noMove="1" noResize="1" noEditPoints="1" noAdjustHandles="1" noChangeArrowheads="1" noChangeShapeType="1" noTextEdit="1"/>
+                  </p:cNvSpPr>
+                  <p:nvPr/>
+                </p:nvSpPr>
+                <p:spPr>
+                  <a:xfrm>
+                    <a:off x="5835959" y="1824149"/>
+                    <a:ext cx="343080" cy="369332"/>
+                  </a:xfrm>
+                  <a:prstGeom prst="rect">
+                    <a:avLst/>
+                  </a:prstGeom>
+                  <a:blipFill>
+                    <a:blip r:embed="rId4"/>
+                    <a:stretch>
+                      <a:fillRect b="-6557"/>
+                    </a:stretch>
+                  </a:blipFill>
+                </p:spPr>
+                <p:txBody>
+                  <a:bodyPr/>
+                  <a:lstStyle/>
+                  <a:p>
+                    <a:r>
+                      <a:rPr lang="de-DE">
+                        <a:noFill/>
+                      </a:rPr>
+                      <a:t> </a:t>
+                    </a:r>
+                  </a:p>
+                </p:txBody>
+              </p:sp>
+            </mc:Fallback>
+          </mc:AlternateContent>
+          <mc:AlternateContent xmlns:mc="http://schemas.openxmlformats.org/markup-compatibility/2006" xmlns:a14="http://schemas.microsoft.com/office/drawing/2010/main">
+            <mc:Choice Requires="a14">
+              <p:sp>
+                <p:nvSpPr>
+                  <p:cNvPr id="20" name="Textfeld 19">
+                    <a:extLst>
+                      <a:ext uri="{FF2B5EF4-FFF2-40B4-BE49-F238E27FC236}">
+                        <a16:creationId xmlns:a16="http://schemas.microsoft.com/office/drawing/2014/main" id="{2315F8D3-208E-E96D-A130-3ADD43BD8709}"/>
+                      </a:ext>
+                    </a:extLst>
+                  </p:cNvPr>
+                  <p:cNvSpPr txBox="1"/>
+                  <p:nvPr/>
+                </p:nvSpPr>
+                <p:spPr>
+                  <a:xfrm>
+                    <a:off x="6433334" y="1469409"/>
+                    <a:ext cx="343080" cy="369332"/>
+                  </a:xfrm>
+                  <a:prstGeom prst="rect">
+                    <a:avLst/>
+                  </a:prstGeom>
+                  <a:noFill/>
+                </p:spPr>
+                <p:txBody>
+                  <a:bodyPr wrap="square">
+                    <a:spAutoFit/>
+                  </a:bodyPr>
+                  <a:lstStyle/>
+                  <a:p>
+                    <a:pPr/>
+                    <a14:m>
+                      <m:oMathPara xmlns:m="http://schemas.openxmlformats.org/officeDocument/2006/math">
+                        <m:oMathParaPr>
+                          <m:jc m:val="centerGroup"/>
+                        </m:oMathParaPr>
+                        <m:oMath xmlns:m="http://schemas.openxmlformats.org/officeDocument/2006/math">
+                          <m:r>
+                            <a:rPr lang="de-DE" sz="1800" b="0" i="1" smtClean="0">
+                              <a:solidFill>
+                                <a:schemeClr val="tx1"/>
+                              </a:solidFill>
+                              <a:latin typeface="Cambria Math" panose="02040503050406030204" pitchFamily="18" charset="0"/>
+                              <a:ea typeface="Cambria Math" panose="02040503050406030204" pitchFamily="18" charset="0"/>
+                            </a:rPr>
+                            <m:t>𝑐</m:t>
+                          </m:r>
+                        </m:oMath>
+                      </m:oMathPara>
+                    </a14:m>
+                    <a:endParaRPr lang="de-DE" dirty="0"/>
+                  </a:p>
+                </p:txBody>
+              </p:sp>
+            </mc:Choice>
+            <mc:Fallback xmlns="">
+              <p:sp>
+                <p:nvSpPr>
+                  <p:cNvPr id="20" name="Textfeld 19">
+                    <a:extLst>
+                      <a:ext uri="{FF2B5EF4-FFF2-40B4-BE49-F238E27FC236}">
+                        <a16:creationId xmlns:a16="http://schemas.microsoft.com/office/drawing/2014/main" id="{2315F8D3-208E-E96D-A130-3ADD43BD8709}"/>
+                      </a:ext>
+                    </a:extLst>
+                  </p:cNvPr>
+                  <p:cNvSpPr txBox="1">
+                    <a:spLocks noRot="1" noChangeAspect="1" noMove="1" noResize="1" noEditPoints="1" noAdjustHandles="1" noChangeArrowheads="1" noChangeShapeType="1" noTextEdit="1"/>
+                  </p:cNvSpPr>
+                  <p:nvPr/>
+                </p:nvSpPr>
+                <p:spPr>
+                  <a:xfrm>
+                    <a:off x="6433334" y="1469409"/>
+                    <a:ext cx="343080" cy="369332"/>
+                  </a:xfrm>
+                  <a:prstGeom prst="rect">
+                    <a:avLst/>
+                  </a:prstGeom>
+                  <a:blipFill>
+                    <a:blip r:embed="rId5"/>
+                    <a:stretch>
+                      <a:fillRect/>
+                    </a:stretch>
+                  </a:blipFill>
+                </p:spPr>
+                <p:txBody>
+                  <a:bodyPr/>
+                  <a:lstStyle/>
+                  <a:p>
+                    <a:r>
+                      <a:rPr lang="de-DE">
+                        <a:noFill/>
+                      </a:rPr>
+                      <a:t> </a:t>
+                    </a:r>
+                  </a:p>
+                </p:txBody>
+              </p:sp>
+            </mc:Fallback>
+          </mc:AlternateContent>
+          <p:sp>
+            <p:nvSpPr>
+              <p:cNvPr id="21" name="Ellipse 20">
+                <a:extLst>
+                  <a:ext uri="{FF2B5EF4-FFF2-40B4-BE49-F238E27FC236}">
+                    <a16:creationId xmlns:a16="http://schemas.microsoft.com/office/drawing/2014/main" id="{8EF8B6F4-16C2-65B6-3689-F1E4F8C8904E}"/>
+                  </a:ext>
+                </a:extLst>
+              </p:cNvPr>
+              <p:cNvSpPr/>
+              <p:nvPr/>
+            </p:nvSpPr>
+            <p:spPr>
+              <a:xfrm>
+                <a:off x="6368480" y="1710452"/>
+                <a:ext cx="108000" cy="108000"/>
+              </a:xfrm>
+              <a:prstGeom prst="ellipse">
+                <a:avLst/>
+              </a:prstGeom>
+              <a:solidFill>
+                <a:schemeClr val="tx1"/>
+              </a:solidFill>
+              <a:ln>
+                <a:solidFill>
+                  <a:schemeClr val="tx1"/>
+                </a:solidFill>
+              </a:ln>
+            </p:spPr>
+            <p:style>
+              <a:lnRef idx="2">
+                <a:schemeClr val="accent1">
+                  <a:shade val="15000"/>
+                </a:schemeClr>
+              </a:lnRef>
+              <a:fillRef idx="1">
+                <a:schemeClr val="accent1"/>
+              </a:fillRef>
+              <a:effectRef idx="0">
+                <a:schemeClr val="accent1"/>
+              </a:effectRef>
+              <a:fontRef idx="minor">
+                <a:schemeClr val="lt1"/>
+              </a:fontRef>
+            </p:style>
+            <p:txBody>
+              <a:bodyPr rtlCol="0" anchor="ctr"/>
+              <a:lstStyle/>
+              <a:p>
+                <a:pPr algn="ctr"/>
+                <a:endParaRPr lang="de-DE"/>
+              </a:p>
+            </p:txBody>
+          </p:sp>
+          <p:sp>
+            <p:nvSpPr>
+              <p:cNvPr id="68" name="Ellipse 67">
+                <a:extLst>
+                  <a:ext uri="{FF2B5EF4-FFF2-40B4-BE49-F238E27FC236}">
+                    <a16:creationId xmlns:a16="http://schemas.microsoft.com/office/drawing/2014/main" id="{07BCC398-D2EE-2126-CA2A-49D74581A54E}"/>
+                  </a:ext>
+                </a:extLst>
+              </p:cNvPr>
+              <p:cNvSpPr/>
+              <p:nvPr/>
+            </p:nvSpPr>
+            <p:spPr>
+              <a:xfrm>
+                <a:off x="6979250" y="3397412"/>
+                <a:ext cx="108000" cy="108000"/>
+              </a:xfrm>
+              <a:prstGeom prst="ellipse">
+                <a:avLst/>
+              </a:prstGeom>
+              <a:solidFill>
+                <a:schemeClr val="bg2">
+                  <a:lumMod val="50000"/>
+                </a:schemeClr>
+              </a:solidFill>
+              <a:ln>
+                <a:solidFill>
+                  <a:schemeClr val="bg2">
+                    <a:lumMod val="50000"/>
+                  </a:schemeClr>
+                </a:solidFill>
+              </a:ln>
+            </p:spPr>
+            <p:style>
+              <a:lnRef idx="2">
+                <a:schemeClr val="accent1">
+                  <a:shade val="15000"/>
+                </a:schemeClr>
+              </a:lnRef>
+              <a:fillRef idx="1">
+                <a:schemeClr val="accent1"/>
+              </a:fillRef>
+              <a:effectRef idx="0">
+                <a:schemeClr val="accent1"/>
+              </a:effectRef>
+              <a:fontRef idx="minor">
+                <a:schemeClr val="lt1"/>
+              </a:fontRef>
+            </p:style>
+            <p:txBody>
+              <a:bodyPr rtlCol="0" anchor="ctr"/>
+              <a:lstStyle/>
+              <a:p>
+                <a:pPr algn="ctr"/>
+                <a:endParaRPr lang="de-DE"/>
+              </a:p>
+            </p:txBody>
+          </p:sp>
+          <p:sp>
+            <p:nvSpPr>
+              <p:cNvPr id="69" name="Ellipse 68">
+                <a:extLst>
+                  <a:ext uri="{FF2B5EF4-FFF2-40B4-BE49-F238E27FC236}">
+                    <a16:creationId xmlns:a16="http://schemas.microsoft.com/office/drawing/2014/main" id="{607DDE66-FD78-DE25-C15A-3EFD8B8E84EA}"/>
+                  </a:ext>
+                </a:extLst>
+              </p:cNvPr>
+              <p:cNvSpPr/>
+              <p:nvPr/>
+            </p:nvSpPr>
+            <p:spPr>
+              <a:xfrm>
+                <a:off x="4427049" y="2541886"/>
+                <a:ext cx="108000" cy="108000"/>
+              </a:xfrm>
+              <a:prstGeom prst="ellipse">
+                <a:avLst/>
+              </a:prstGeom>
+              <a:solidFill>
+                <a:schemeClr val="bg2">
+                  <a:lumMod val="50000"/>
+                </a:schemeClr>
+              </a:solidFill>
+              <a:ln>
+                <a:solidFill>
+                  <a:schemeClr val="bg2">
+                    <a:lumMod val="50000"/>
+                  </a:schemeClr>
+                </a:solidFill>
+              </a:ln>
+            </p:spPr>
+            <p:style>
+              <a:lnRef idx="2">
+                <a:schemeClr val="accent1">
+                  <a:shade val="15000"/>
+                </a:schemeClr>
+              </a:lnRef>
+              <a:fillRef idx="1">
+                <a:schemeClr val="accent1"/>
+              </a:fillRef>
+              <a:effectRef idx="0">
+                <a:schemeClr val="accent1"/>
+              </a:effectRef>
+              <a:fontRef idx="minor">
+                <a:schemeClr val="lt1"/>
+              </a:fontRef>
+            </p:style>
+            <p:txBody>
+              <a:bodyPr rtlCol="0" anchor="ctr"/>
+              <a:lstStyle/>
+              <a:p>
+                <a:pPr algn="ctr"/>
+                <a:endParaRPr lang="de-DE"/>
+              </a:p>
+            </p:txBody>
+          </p:sp>
+          <p:sp>
+            <p:nvSpPr>
+              <p:cNvPr id="70" name="Ellipse 69">
+                <a:extLst>
+                  <a:ext uri="{FF2B5EF4-FFF2-40B4-BE49-F238E27FC236}">
+                    <a16:creationId xmlns:a16="http://schemas.microsoft.com/office/drawing/2014/main" id="{C8756F3E-B8BB-12ED-78F4-B1E60ADAD2D0}"/>
+                  </a:ext>
+                </a:extLst>
+              </p:cNvPr>
+              <p:cNvSpPr/>
+              <p:nvPr/>
+            </p:nvSpPr>
+            <p:spPr>
+              <a:xfrm>
+                <a:off x="5727125" y="3505412"/>
+                <a:ext cx="108000" cy="108000"/>
+              </a:xfrm>
+              <a:prstGeom prst="ellipse">
+                <a:avLst/>
+              </a:prstGeom>
+              <a:solidFill>
+                <a:schemeClr val="bg2">
+                  <a:lumMod val="50000"/>
+                </a:schemeClr>
+              </a:solidFill>
+              <a:ln>
+                <a:solidFill>
+                  <a:schemeClr val="bg2">
+                    <a:lumMod val="50000"/>
+                  </a:schemeClr>
+                </a:solidFill>
               </a:ln>
             </p:spPr>
             <p:style>
@@ -13280,243 +14410,10 @@
         </p:grpSp>
         <p:sp>
           <p:nvSpPr>
-            <p:cNvPr id="65" name="Rechteck 64">
+            <p:cNvPr id="2" name="Ellipse 1">
               <a:extLst>
                 <a:ext uri="{FF2B5EF4-FFF2-40B4-BE49-F238E27FC236}">
-                  <a16:creationId xmlns:a16="http://schemas.microsoft.com/office/drawing/2014/main" id="{F3A356B8-B638-9D24-6DC8-88BB70B2015E}"/>
-                </a:ext>
-              </a:extLst>
-            </p:cNvPr>
-            <p:cNvSpPr/>
-            <p:nvPr/>
-          </p:nvSpPr>
-          <p:spPr>
-            <a:xfrm rot="1791420">
-              <a:off x="4276457" y="1800260"/>
-              <a:ext cx="1550496" cy="1590259"/>
-            </a:xfrm>
-            <a:prstGeom prst="rect">
-              <a:avLst/>
-            </a:prstGeom>
-            <a:solidFill>
-              <a:schemeClr val="accent5">
-                <a:lumMod val="60000"/>
-                <a:lumOff val="40000"/>
-              </a:schemeClr>
-            </a:solidFill>
-            <a:ln>
-              <a:noFill/>
-            </a:ln>
-          </p:spPr>
-          <p:style>
-            <a:lnRef idx="2">
-              <a:schemeClr val="accent1">
-                <a:shade val="15000"/>
-              </a:schemeClr>
-            </a:lnRef>
-            <a:fillRef idx="1">
-              <a:schemeClr val="accent1"/>
-            </a:fillRef>
-            <a:effectRef idx="0">
-              <a:schemeClr val="accent1"/>
-            </a:effectRef>
-            <a:fontRef idx="minor">
-              <a:schemeClr val="lt1"/>
-            </a:fontRef>
-          </p:style>
-          <p:txBody>
-            <a:bodyPr rtlCol="0" anchor="ctr"/>
-            <a:lstStyle/>
-            <a:p>
-              <a:pPr algn="ctr"/>
-              <a:endParaRPr lang="de-DE"/>
-            </a:p>
-          </p:txBody>
-        </p:sp>
-        <p:cxnSp>
-          <p:nvCxnSpPr>
-            <p:cNvPr id="34" name="Gerader Verbinder 33">
-              <a:extLst>
-                <a:ext uri="{FF2B5EF4-FFF2-40B4-BE49-F238E27FC236}">
-                  <a16:creationId xmlns:a16="http://schemas.microsoft.com/office/drawing/2014/main" id="{E2458327-282D-80E0-59B2-36436DB3C72C}"/>
-                </a:ext>
-              </a:extLst>
-            </p:cNvPr>
-            <p:cNvCxnSpPr>
-              <a:cxnSpLocks/>
-            </p:cNvCxnSpPr>
-            <p:nvPr/>
-          </p:nvCxnSpPr>
-          <p:spPr>
-            <a:xfrm flipH="1">
-              <a:off x="5300663" y="1776413"/>
-              <a:ext cx="1110962" cy="1948515"/>
-            </a:xfrm>
-            <a:prstGeom prst="line">
-              <a:avLst/>
-            </a:prstGeom>
-            <a:ln>
-              <a:solidFill>
-                <a:srgbClr val="FF0000"/>
-              </a:solidFill>
-            </a:ln>
-          </p:spPr>
-          <p:style>
-            <a:lnRef idx="2">
-              <a:schemeClr val="accent2"/>
-            </a:lnRef>
-            <a:fillRef idx="0">
-              <a:schemeClr val="accent2"/>
-            </a:fillRef>
-            <a:effectRef idx="1">
-              <a:schemeClr val="accent2"/>
-            </a:effectRef>
-            <a:fontRef idx="minor">
-              <a:schemeClr val="tx1"/>
-            </a:fontRef>
-          </p:style>
-        </p:cxnSp>
-        <p:cxnSp>
-          <p:nvCxnSpPr>
-            <p:cNvPr id="61" name="Gerader Verbinder 60">
-              <a:extLst>
-                <a:ext uri="{FF2B5EF4-FFF2-40B4-BE49-F238E27FC236}">
-                  <a16:creationId xmlns:a16="http://schemas.microsoft.com/office/drawing/2014/main" id="{7F757479-BA31-690B-0650-AE926B58A23C}"/>
-                </a:ext>
-              </a:extLst>
-            </p:cNvPr>
-            <p:cNvCxnSpPr>
-              <a:cxnSpLocks/>
-            </p:cNvCxnSpPr>
-            <p:nvPr/>
-          </p:nvCxnSpPr>
-          <p:spPr>
-            <a:xfrm>
-              <a:off x="4552950" y="1382770"/>
-              <a:ext cx="3209925" cy="1849124"/>
-            </a:xfrm>
-            <a:prstGeom prst="line">
-              <a:avLst/>
-            </a:prstGeom>
-            <a:ln>
-              <a:solidFill>
-                <a:srgbClr val="FF0000"/>
-              </a:solidFill>
-            </a:ln>
-          </p:spPr>
-          <p:style>
-            <a:lnRef idx="2">
-              <a:schemeClr val="accent2"/>
-            </a:lnRef>
-            <a:fillRef idx="0">
-              <a:schemeClr val="accent2"/>
-            </a:fillRef>
-            <a:effectRef idx="1">
-              <a:schemeClr val="accent2"/>
-            </a:effectRef>
-            <a:fontRef idx="minor">
-              <a:schemeClr val="tx1"/>
-            </a:fontRef>
-          </p:style>
-        </p:cxnSp>
-        <p:cxnSp>
-          <p:nvCxnSpPr>
-            <p:cNvPr id="25" name="Gerader Verbinder 24">
-              <a:extLst>
-                <a:ext uri="{FF2B5EF4-FFF2-40B4-BE49-F238E27FC236}">
-                  <a16:creationId xmlns:a16="http://schemas.microsoft.com/office/drawing/2014/main" id="{2B325575-7A18-965D-FFBE-72B0AE1DD9FC}"/>
-                </a:ext>
-              </a:extLst>
-            </p:cNvPr>
-            <p:cNvCxnSpPr>
-              <a:cxnSpLocks/>
-            </p:cNvCxnSpPr>
-            <p:nvPr/>
-          </p:nvCxnSpPr>
-          <p:spPr>
-            <a:xfrm>
-              <a:off x="6118357" y="1314450"/>
-              <a:ext cx="0" cy="2746870"/>
-            </a:xfrm>
-            <a:prstGeom prst="line">
-              <a:avLst/>
-            </a:prstGeom>
-            <a:ln>
-              <a:solidFill>
-                <a:schemeClr val="bg2">
-                  <a:lumMod val="50000"/>
-                </a:schemeClr>
-              </a:solidFill>
-              <a:prstDash val="lgDash"/>
-            </a:ln>
-          </p:spPr>
-          <p:style>
-            <a:lnRef idx="1">
-              <a:schemeClr val="accent1"/>
-            </a:lnRef>
-            <a:fillRef idx="0">
-              <a:schemeClr val="accent1"/>
-            </a:fillRef>
-            <a:effectRef idx="0">
-              <a:schemeClr val="accent1"/>
-            </a:effectRef>
-            <a:fontRef idx="minor">
-              <a:schemeClr val="tx1"/>
-            </a:fontRef>
-          </p:style>
-        </p:cxnSp>
-        <p:cxnSp>
-          <p:nvCxnSpPr>
-            <p:cNvPr id="30" name="Gerader Verbinder 29">
-              <a:extLst>
-                <a:ext uri="{FF2B5EF4-FFF2-40B4-BE49-F238E27FC236}">
-                  <a16:creationId xmlns:a16="http://schemas.microsoft.com/office/drawing/2014/main" id="{1B4C01B9-3002-8A4E-34FC-24AF89928D63}"/>
-                </a:ext>
-              </a:extLst>
-            </p:cNvPr>
-            <p:cNvCxnSpPr>
-              <a:cxnSpLocks/>
-            </p:cNvCxnSpPr>
-            <p:nvPr/>
-          </p:nvCxnSpPr>
-          <p:spPr>
-            <a:xfrm flipH="1">
-              <a:off x="4019550" y="2294358"/>
-              <a:ext cx="4486275" cy="0"/>
-            </a:xfrm>
-            <a:prstGeom prst="line">
-              <a:avLst/>
-            </a:prstGeom>
-            <a:ln>
-              <a:solidFill>
-                <a:schemeClr val="bg2">
-                  <a:lumMod val="50000"/>
-                </a:schemeClr>
-              </a:solidFill>
-              <a:prstDash val="lgDash"/>
-            </a:ln>
-          </p:spPr>
-          <p:style>
-            <a:lnRef idx="1">
-              <a:schemeClr val="accent1"/>
-            </a:lnRef>
-            <a:fillRef idx="0">
-              <a:schemeClr val="accent1"/>
-            </a:fillRef>
-            <a:effectRef idx="0">
-              <a:schemeClr val="accent1"/>
-            </a:effectRef>
-            <a:fontRef idx="minor">
-              <a:schemeClr val="tx1"/>
-            </a:fontRef>
-          </p:style>
-        </p:cxnSp>
-        <p:sp>
-          <p:nvSpPr>
-            <p:cNvPr id="9" name="Ellipse 8">
-              <a:extLst>
-                <a:ext uri="{FF2B5EF4-FFF2-40B4-BE49-F238E27FC236}">
-                  <a16:creationId xmlns:a16="http://schemas.microsoft.com/office/drawing/2014/main" id="{0F835CED-0C3B-29EC-ECD2-92126ADE2F67}"/>
+                  <a16:creationId xmlns:a16="http://schemas.microsoft.com/office/drawing/2014/main" id="{649C8B20-9A22-1FBE-7156-170471C3A30C}"/>
                 </a:ext>
               </a:extLst>
             </p:cNvPr>
@@ -13525,825 +14422,7 @@
           </p:nvSpPr>
           <p:spPr>
             <a:xfrm>
-              <a:off x="6403132" y="2928644"/>
-              <a:ext cx="108000" cy="108000"/>
-            </a:xfrm>
-            <a:prstGeom prst="ellipse">
-              <a:avLst/>
-            </a:prstGeom>
-            <a:solidFill>
-              <a:schemeClr val="tx1"/>
-            </a:solidFill>
-            <a:ln>
-              <a:solidFill>
-                <a:schemeClr val="tx1"/>
-              </a:solidFill>
-            </a:ln>
-          </p:spPr>
-          <p:style>
-            <a:lnRef idx="2">
-              <a:schemeClr val="accent1">
-                <a:shade val="15000"/>
-              </a:schemeClr>
-            </a:lnRef>
-            <a:fillRef idx="1">
-              <a:schemeClr val="accent1"/>
-            </a:fillRef>
-            <a:effectRef idx="0">
-              <a:schemeClr val="accent1"/>
-            </a:effectRef>
-            <a:fontRef idx="minor">
-              <a:schemeClr val="lt1"/>
-            </a:fontRef>
-          </p:style>
-          <p:txBody>
-            <a:bodyPr rtlCol="0" anchor="ctr"/>
-            <a:lstStyle/>
-            <a:p>
-              <a:pPr algn="ctr"/>
-              <a:endParaRPr lang="de-DE"/>
-            </a:p>
-          </p:txBody>
-        </p:sp>
-        <p:sp>
-          <p:nvSpPr>
-            <p:cNvPr id="10" name="Ellipse 9">
-              <a:extLst>
-                <a:ext uri="{FF2B5EF4-FFF2-40B4-BE49-F238E27FC236}">
-                  <a16:creationId xmlns:a16="http://schemas.microsoft.com/office/drawing/2014/main" id="{24E18C26-13FF-F57C-7CE1-668D31A7F14A}"/>
-                </a:ext>
-              </a:extLst>
-            </p:cNvPr>
-            <p:cNvSpPr/>
-            <p:nvPr/>
-          </p:nvSpPr>
-          <p:spPr>
-            <a:xfrm>
-              <a:off x="5156861" y="2688186"/>
-              <a:ext cx="108000" cy="108000"/>
-            </a:xfrm>
-            <a:prstGeom prst="ellipse">
-              <a:avLst/>
-            </a:prstGeom>
-            <a:solidFill>
-              <a:schemeClr val="tx1"/>
-            </a:solidFill>
-            <a:ln>
-              <a:solidFill>
-                <a:schemeClr val="tx1"/>
-              </a:solidFill>
-            </a:ln>
-          </p:spPr>
-          <p:style>
-            <a:lnRef idx="2">
-              <a:schemeClr val="accent1">
-                <a:shade val="15000"/>
-              </a:schemeClr>
-            </a:lnRef>
-            <a:fillRef idx="1">
-              <a:schemeClr val="accent1"/>
-            </a:fillRef>
-            <a:effectRef idx="0">
-              <a:schemeClr val="accent1"/>
-            </a:effectRef>
-            <a:fontRef idx="minor">
-              <a:schemeClr val="lt1"/>
-            </a:fontRef>
-          </p:style>
-          <p:txBody>
-            <a:bodyPr rtlCol="0" anchor="ctr"/>
-            <a:lstStyle/>
-            <a:p>
-              <a:pPr algn="ctr"/>
-              <a:endParaRPr lang="de-DE"/>
-            </a:p>
-          </p:txBody>
-        </p:sp>
-        <p:cxnSp>
-          <p:nvCxnSpPr>
-            <p:cNvPr id="11" name="Gerader Verbinder 10">
-              <a:extLst>
-                <a:ext uri="{FF2B5EF4-FFF2-40B4-BE49-F238E27FC236}">
-                  <a16:creationId xmlns:a16="http://schemas.microsoft.com/office/drawing/2014/main" id="{69EFC6B0-F07C-452C-1554-AB39B246BBED}"/>
-                </a:ext>
-              </a:extLst>
-            </p:cNvPr>
-            <p:cNvCxnSpPr>
-              <a:cxnSpLocks/>
-            </p:cNvCxnSpPr>
-            <p:nvPr/>
-          </p:nvCxnSpPr>
-          <p:spPr>
-            <a:xfrm>
-              <a:off x="6041594" y="2294358"/>
-              <a:ext cx="144000" cy="0"/>
-            </a:xfrm>
-            <a:prstGeom prst="line">
-              <a:avLst/>
-            </a:prstGeom>
-            <a:ln w="19050">
-              <a:solidFill>
-                <a:schemeClr val="tx1"/>
-              </a:solidFill>
-            </a:ln>
-          </p:spPr>
-          <p:style>
-            <a:lnRef idx="1">
-              <a:schemeClr val="accent1"/>
-            </a:lnRef>
-            <a:fillRef idx="0">
-              <a:schemeClr val="accent1"/>
-            </a:fillRef>
-            <a:effectRef idx="0">
-              <a:schemeClr val="accent1"/>
-            </a:effectRef>
-            <a:fontRef idx="minor">
-              <a:schemeClr val="tx1"/>
-            </a:fontRef>
-          </p:style>
-        </p:cxnSp>
-        <p:cxnSp>
-          <p:nvCxnSpPr>
-            <p:cNvPr id="12" name="Gerader Verbinder 11">
-              <a:extLst>
-                <a:ext uri="{FF2B5EF4-FFF2-40B4-BE49-F238E27FC236}">
-                  <a16:creationId xmlns:a16="http://schemas.microsoft.com/office/drawing/2014/main" id="{E5936B41-C3B3-80BF-79C4-C7127539978E}"/>
-                </a:ext>
-              </a:extLst>
-            </p:cNvPr>
-            <p:cNvCxnSpPr>
-              <a:cxnSpLocks/>
-            </p:cNvCxnSpPr>
-            <p:nvPr/>
-          </p:nvCxnSpPr>
-          <p:spPr>
-            <a:xfrm>
-              <a:off x="6118357" y="2222358"/>
-              <a:ext cx="0" cy="144000"/>
-            </a:xfrm>
-            <a:prstGeom prst="line">
-              <a:avLst/>
-            </a:prstGeom>
-            <a:ln w="19050">
-              <a:solidFill>
-                <a:schemeClr val="tx1"/>
-              </a:solidFill>
-            </a:ln>
-          </p:spPr>
-          <p:style>
-            <a:lnRef idx="1">
-              <a:schemeClr val="accent1"/>
-            </a:lnRef>
-            <a:fillRef idx="0">
-              <a:schemeClr val="accent1"/>
-            </a:fillRef>
-            <a:effectRef idx="0">
-              <a:schemeClr val="accent1"/>
-            </a:effectRef>
-            <a:fontRef idx="minor">
-              <a:schemeClr val="tx1"/>
-            </a:fontRef>
-          </p:style>
-        </p:cxnSp>
-        <mc:AlternateContent xmlns:mc="http://schemas.openxmlformats.org/markup-compatibility/2006">
-          <mc:Choice xmlns:a14="http://schemas.microsoft.com/office/drawing/2010/main" Requires="a14">
-            <p:sp>
-              <p:nvSpPr>
-                <p:cNvPr id="13" name="Textfeld 12">
-                  <a:extLst>
-                    <a:ext uri="{FF2B5EF4-FFF2-40B4-BE49-F238E27FC236}">
-                      <a16:creationId xmlns:a16="http://schemas.microsoft.com/office/drawing/2014/main" id="{491BE5E0-DDF4-DA7E-21D2-F4AC11334F1C}"/>
-                    </a:ext>
-                  </a:extLst>
-                </p:cNvPr>
-                <p:cNvSpPr txBox="1"/>
-                <p:nvPr/>
-              </p:nvSpPr>
-              <p:spPr>
-                <a:xfrm>
-                  <a:off x="6563191" y="2897414"/>
-                  <a:ext cx="343080" cy="369332"/>
-                </a:xfrm>
-                <a:prstGeom prst="rect">
-                  <a:avLst/>
-                </a:prstGeom>
-                <a:noFill/>
-              </p:spPr>
-              <p:txBody>
-                <a:bodyPr wrap="square">
-                  <a:spAutoFit/>
-                </a:bodyPr>
-                <a:lstStyle/>
-                <a:p>
-                  <a:pPr/>
-                  <a14:m>
-                    <m:oMathPara xmlns:m="http://schemas.openxmlformats.org/officeDocument/2006/math">
-                      <m:oMathParaPr>
-                        <m:jc m:val="centerGroup"/>
-                      </m:oMathParaPr>
-                      <m:oMath xmlns:m="http://schemas.openxmlformats.org/officeDocument/2006/math">
-                        <m:sSub>
-                          <m:sSubPr>
-                            <m:ctrlPr>
-                              <a:rPr lang="de-DE" sz="1800" b="0" i="1" smtClean="0">
-                                <a:solidFill>
-                                  <a:schemeClr val="tx1"/>
-                                </a:solidFill>
-                                <a:latin typeface="Cambria Math" panose="02040503050406030204" pitchFamily="18" charset="0"/>
-                                <a:ea typeface="Cambria Math" panose="02040503050406030204" pitchFamily="18" charset="0"/>
-                              </a:rPr>
-                            </m:ctrlPr>
-                          </m:sSubPr>
-                          <m:e>
-                            <m:r>
-                              <a:rPr lang="de-DE" sz="1800" b="0" i="1" smtClean="0">
-                                <a:solidFill>
-                                  <a:schemeClr val="tx1"/>
-                                </a:solidFill>
-                                <a:latin typeface="Cambria Math" panose="02040503050406030204" pitchFamily="18" charset="0"/>
-                                <a:ea typeface="Cambria Math" panose="02040503050406030204" pitchFamily="18" charset="0"/>
-                              </a:rPr>
-                              <m:t>𝑎</m:t>
-                            </m:r>
-                          </m:e>
-                          <m:sub>
-                            <m:r>
-                              <a:rPr lang="de-DE" sz="1800" b="0" i="1" smtClean="0">
-                                <a:solidFill>
-                                  <a:schemeClr val="tx1"/>
-                                </a:solidFill>
-                                <a:latin typeface="Cambria Math" panose="02040503050406030204" pitchFamily="18" charset="0"/>
-                                <a:ea typeface="Cambria Math" panose="02040503050406030204" pitchFamily="18" charset="0"/>
-                              </a:rPr>
-                              <m:t>3</m:t>
-                            </m:r>
-                          </m:sub>
-                        </m:sSub>
-                      </m:oMath>
-                    </m:oMathPara>
-                  </a14:m>
-                  <a:endParaRPr lang="de-DE" dirty="0"/>
-                </a:p>
-              </p:txBody>
-            </p:sp>
-          </mc:Choice>
-          <mc:Fallback>
-            <p:sp>
-              <p:nvSpPr>
-                <p:cNvPr id="13" name="Textfeld 12">
-                  <a:extLst>
-                    <a:ext uri="{FF2B5EF4-FFF2-40B4-BE49-F238E27FC236}">
-                      <a16:creationId xmlns:a16="http://schemas.microsoft.com/office/drawing/2014/main" id="{491BE5E0-DDF4-DA7E-21D2-F4AC11334F1C}"/>
-                    </a:ext>
-                  </a:extLst>
-                </p:cNvPr>
-                <p:cNvSpPr txBox="1">
-                  <a:spLocks noRot="1" noChangeAspect="1" noMove="1" noResize="1" noEditPoints="1" noAdjustHandles="1" noChangeArrowheads="1" noChangeShapeType="1" noTextEdit="1"/>
-                </p:cNvSpPr>
-                <p:nvPr/>
-              </p:nvSpPr>
-              <p:spPr>
-                <a:xfrm>
-                  <a:off x="6563191" y="2897414"/>
-                  <a:ext cx="343080" cy="369332"/>
-                </a:xfrm>
-                <a:prstGeom prst="rect">
-                  <a:avLst/>
-                </a:prstGeom>
-                <a:blipFill>
-                  <a:blip r:embed="rId2"/>
-                  <a:stretch>
-                    <a:fillRect r="-8929"/>
-                  </a:stretch>
-                </a:blipFill>
-              </p:spPr>
-              <p:txBody>
-                <a:bodyPr/>
-                <a:lstStyle/>
-                <a:p>
-                  <a:r>
-                    <a:rPr lang="de-DE">
-                      <a:noFill/>
-                    </a:rPr>
-                    <a:t> </a:t>
-                  </a:r>
-                </a:p>
-              </p:txBody>
-            </p:sp>
-          </mc:Fallback>
-        </mc:AlternateContent>
-        <mc:AlternateContent xmlns:mc="http://schemas.openxmlformats.org/markup-compatibility/2006">
-          <mc:Choice xmlns:a14="http://schemas.microsoft.com/office/drawing/2010/main" Requires="a14">
-            <p:sp>
-              <p:nvSpPr>
-                <p:cNvPr id="14" name="Textfeld 13">
-                  <a:extLst>
-                    <a:ext uri="{FF2B5EF4-FFF2-40B4-BE49-F238E27FC236}">
-                      <a16:creationId xmlns:a16="http://schemas.microsoft.com/office/drawing/2014/main" id="{705DAC31-EB2A-F0A9-D8B7-60155014F173}"/>
-                    </a:ext>
-                  </a:extLst>
-                </p:cNvPr>
-                <p:cNvSpPr txBox="1"/>
-                <p:nvPr/>
-              </p:nvSpPr>
-              <p:spPr>
-                <a:xfrm>
-                  <a:off x="4747662" y="2649184"/>
-                  <a:ext cx="343080" cy="369332"/>
-                </a:xfrm>
-                <a:prstGeom prst="rect">
-                  <a:avLst/>
-                </a:prstGeom>
-                <a:noFill/>
-              </p:spPr>
-              <p:txBody>
-                <a:bodyPr wrap="square">
-                  <a:spAutoFit/>
-                </a:bodyPr>
-                <a:lstStyle/>
-                <a:p>
-                  <a:pPr/>
-                  <a14:m>
-                    <m:oMathPara xmlns:m="http://schemas.openxmlformats.org/officeDocument/2006/math">
-                      <m:oMathParaPr>
-                        <m:jc m:val="centerGroup"/>
-                      </m:oMathParaPr>
-                      <m:oMath xmlns:m="http://schemas.openxmlformats.org/officeDocument/2006/math">
-                        <m:sSub>
-                          <m:sSubPr>
-                            <m:ctrlPr>
-                              <a:rPr lang="de-DE" sz="1800" b="0" i="1" smtClean="0">
-                                <a:solidFill>
-                                  <a:schemeClr val="tx1"/>
-                                </a:solidFill>
-                                <a:latin typeface="Cambria Math" panose="02040503050406030204" pitchFamily="18" charset="0"/>
-                                <a:ea typeface="Cambria Math" panose="02040503050406030204" pitchFamily="18" charset="0"/>
-                              </a:rPr>
-                            </m:ctrlPr>
-                          </m:sSubPr>
-                          <m:e>
-                            <m:r>
-                              <a:rPr lang="de-DE" sz="1800" b="0" i="1" smtClean="0">
-                                <a:solidFill>
-                                  <a:schemeClr val="tx1"/>
-                                </a:solidFill>
-                                <a:latin typeface="Cambria Math" panose="02040503050406030204" pitchFamily="18" charset="0"/>
-                                <a:ea typeface="Cambria Math" panose="02040503050406030204" pitchFamily="18" charset="0"/>
-                              </a:rPr>
-                              <m:t>𝑎</m:t>
-                            </m:r>
-                          </m:e>
-                          <m:sub>
-                            <m:r>
-                              <a:rPr lang="de-DE" sz="1800" b="0" i="1" smtClean="0">
-                                <a:solidFill>
-                                  <a:schemeClr val="tx1"/>
-                                </a:solidFill>
-                                <a:latin typeface="Cambria Math" panose="02040503050406030204" pitchFamily="18" charset="0"/>
-                                <a:ea typeface="Cambria Math" panose="02040503050406030204" pitchFamily="18" charset="0"/>
-                              </a:rPr>
-                              <m:t>2</m:t>
-                            </m:r>
-                          </m:sub>
-                        </m:sSub>
-                      </m:oMath>
-                    </m:oMathPara>
-                  </a14:m>
-                  <a:endParaRPr lang="de-DE" dirty="0"/>
-                </a:p>
-              </p:txBody>
-            </p:sp>
-          </mc:Choice>
-          <mc:Fallback>
-            <p:sp>
-              <p:nvSpPr>
-                <p:cNvPr id="14" name="Textfeld 13">
-                  <a:extLst>
-                    <a:ext uri="{FF2B5EF4-FFF2-40B4-BE49-F238E27FC236}">
-                      <a16:creationId xmlns:a16="http://schemas.microsoft.com/office/drawing/2014/main" id="{705DAC31-EB2A-F0A9-D8B7-60155014F173}"/>
-                    </a:ext>
-                  </a:extLst>
-                </p:cNvPr>
-                <p:cNvSpPr txBox="1">
-                  <a:spLocks noRot="1" noChangeAspect="1" noMove="1" noResize="1" noEditPoints="1" noAdjustHandles="1" noChangeArrowheads="1" noChangeShapeType="1" noTextEdit="1"/>
-                </p:cNvSpPr>
-                <p:nvPr/>
-              </p:nvSpPr>
-              <p:spPr>
-                <a:xfrm>
-                  <a:off x="4747662" y="2649184"/>
-                  <a:ext cx="343080" cy="369332"/>
-                </a:xfrm>
-                <a:prstGeom prst="rect">
-                  <a:avLst/>
-                </a:prstGeom>
-                <a:blipFill>
-                  <a:blip r:embed="rId3"/>
-                  <a:stretch>
-                    <a:fillRect r="-8929"/>
-                  </a:stretch>
-                </a:blipFill>
-              </p:spPr>
-              <p:txBody>
-                <a:bodyPr/>
-                <a:lstStyle/>
-                <a:p>
-                  <a:r>
-                    <a:rPr lang="de-DE">
-                      <a:noFill/>
-                    </a:rPr>
-                    <a:t> </a:t>
-                  </a:r>
-                </a:p>
-              </p:txBody>
-            </p:sp>
-          </mc:Fallback>
-        </mc:AlternateContent>
-        <mc:AlternateContent xmlns:mc="http://schemas.openxmlformats.org/markup-compatibility/2006">
-          <mc:Choice xmlns:a14="http://schemas.microsoft.com/office/drawing/2010/main" Requires="a14">
-            <p:sp>
-              <p:nvSpPr>
-                <p:cNvPr id="15" name="Textfeld 14">
-                  <a:extLst>
-                    <a:ext uri="{FF2B5EF4-FFF2-40B4-BE49-F238E27FC236}">
-                      <a16:creationId xmlns:a16="http://schemas.microsoft.com/office/drawing/2014/main" id="{58DFCE5A-C13F-9854-293C-94CA2F1AA614}"/>
-                    </a:ext>
-                  </a:extLst>
-                </p:cNvPr>
-                <p:cNvSpPr txBox="1"/>
-                <p:nvPr/>
-              </p:nvSpPr>
-              <p:spPr>
-                <a:xfrm>
-                  <a:off x="5835959" y="1824149"/>
-                  <a:ext cx="343080" cy="369332"/>
-                </a:xfrm>
-                <a:prstGeom prst="rect">
-                  <a:avLst/>
-                </a:prstGeom>
-                <a:noFill/>
-              </p:spPr>
-              <p:txBody>
-                <a:bodyPr wrap="square">
-                  <a:spAutoFit/>
-                </a:bodyPr>
-                <a:lstStyle/>
-                <a:p>
-                  <a:pPr/>
-                  <a14:m>
-                    <m:oMathPara xmlns:m="http://schemas.openxmlformats.org/officeDocument/2006/math">
-                      <m:oMathParaPr>
-                        <m:jc m:val="centerGroup"/>
-                      </m:oMathParaPr>
-                      <m:oMath xmlns:m="http://schemas.openxmlformats.org/officeDocument/2006/math">
-                        <m:r>
-                          <a:rPr lang="de-DE" sz="1800" b="0" i="1" smtClean="0">
-                            <a:solidFill>
-                              <a:schemeClr val="tx1"/>
-                            </a:solidFill>
-                            <a:latin typeface="Cambria Math" panose="02040503050406030204" pitchFamily="18" charset="0"/>
-                            <a:ea typeface="Cambria Math" panose="02040503050406030204" pitchFamily="18" charset="0"/>
-                          </a:rPr>
-                          <m:t>𝑝</m:t>
-                        </m:r>
-                      </m:oMath>
-                    </m:oMathPara>
-                  </a14:m>
-                  <a:endParaRPr lang="de-DE" dirty="0"/>
-                </a:p>
-              </p:txBody>
-            </p:sp>
-          </mc:Choice>
-          <mc:Fallback>
-            <p:sp>
-              <p:nvSpPr>
-                <p:cNvPr id="15" name="Textfeld 14">
-                  <a:extLst>
-                    <a:ext uri="{FF2B5EF4-FFF2-40B4-BE49-F238E27FC236}">
-                      <a16:creationId xmlns:a16="http://schemas.microsoft.com/office/drawing/2014/main" id="{58DFCE5A-C13F-9854-293C-94CA2F1AA614}"/>
-                    </a:ext>
-                  </a:extLst>
-                </p:cNvPr>
-                <p:cNvSpPr txBox="1">
-                  <a:spLocks noRot="1" noChangeAspect="1" noMove="1" noResize="1" noEditPoints="1" noAdjustHandles="1" noChangeArrowheads="1" noChangeShapeType="1" noTextEdit="1"/>
-                </p:cNvSpPr>
-                <p:nvPr/>
-              </p:nvSpPr>
-              <p:spPr>
-                <a:xfrm>
-                  <a:off x="5835959" y="1824149"/>
-                  <a:ext cx="343080" cy="369332"/>
-                </a:xfrm>
-                <a:prstGeom prst="rect">
-                  <a:avLst/>
-                </a:prstGeom>
-                <a:blipFill>
-                  <a:blip r:embed="rId4"/>
-                  <a:stretch>
-                    <a:fillRect b="-6557"/>
-                  </a:stretch>
-                </a:blipFill>
-              </p:spPr>
-              <p:txBody>
-                <a:bodyPr/>
-                <a:lstStyle/>
-                <a:p>
-                  <a:r>
-                    <a:rPr lang="de-DE">
-                      <a:noFill/>
-                    </a:rPr>
-                    <a:t> </a:t>
-                  </a:r>
-                </a:p>
-              </p:txBody>
-            </p:sp>
-          </mc:Fallback>
-        </mc:AlternateContent>
-        <mc:AlternateContent xmlns:mc="http://schemas.openxmlformats.org/markup-compatibility/2006">
-          <mc:Choice xmlns:a14="http://schemas.microsoft.com/office/drawing/2010/main" Requires="a14">
-            <p:sp>
-              <p:nvSpPr>
-                <p:cNvPr id="20" name="Textfeld 19">
-                  <a:extLst>
-                    <a:ext uri="{FF2B5EF4-FFF2-40B4-BE49-F238E27FC236}">
-                      <a16:creationId xmlns:a16="http://schemas.microsoft.com/office/drawing/2014/main" id="{2315F8D3-208E-E96D-A130-3ADD43BD8709}"/>
-                    </a:ext>
-                  </a:extLst>
-                </p:cNvPr>
-                <p:cNvSpPr txBox="1"/>
-                <p:nvPr/>
-              </p:nvSpPr>
-              <p:spPr>
-                <a:xfrm>
-                  <a:off x="6433334" y="1469409"/>
-                  <a:ext cx="343080" cy="369332"/>
-                </a:xfrm>
-                <a:prstGeom prst="rect">
-                  <a:avLst/>
-                </a:prstGeom>
-                <a:noFill/>
-              </p:spPr>
-              <p:txBody>
-                <a:bodyPr wrap="square">
-                  <a:spAutoFit/>
-                </a:bodyPr>
-                <a:lstStyle/>
-                <a:p>
-                  <a:pPr/>
-                  <a14:m>
-                    <m:oMathPara xmlns:m="http://schemas.openxmlformats.org/officeDocument/2006/math">
-                      <m:oMathParaPr>
-                        <m:jc m:val="centerGroup"/>
-                      </m:oMathParaPr>
-                      <m:oMath xmlns:m="http://schemas.openxmlformats.org/officeDocument/2006/math">
-                        <m:r>
-                          <a:rPr lang="de-DE" sz="1800" b="0" i="1" smtClean="0">
-                            <a:solidFill>
-                              <a:schemeClr val="tx1"/>
-                            </a:solidFill>
-                            <a:latin typeface="Cambria Math" panose="02040503050406030204" pitchFamily="18" charset="0"/>
-                            <a:ea typeface="Cambria Math" panose="02040503050406030204" pitchFamily="18" charset="0"/>
-                          </a:rPr>
-                          <m:t>𝑐</m:t>
-                        </m:r>
-                      </m:oMath>
-                    </m:oMathPara>
-                  </a14:m>
-                  <a:endParaRPr lang="de-DE" dirty="0"/>
-                </a:p>
-              </p:txBody>
-            </p:sp>
-          </mc:Choice>
-          <mc:Fallback>
-            <p:sp>
-              <p:nvSpPr>
-                <p:cNvPr id="20" name="Textfeld 19">
-                  <a:extLst>
-                    <a:ext uri="{FF2B5EF4-FFF2-40B4-BE49-F238E27FC236}">
-                      <a16:creationId xmlns:a16="http://schemas.microsoft.com/office/drawing/2014/main" id="{2315F8D3-208E-E96D-A130-3ADD43BD8709}"/>
-                    </a:ext>
-                  </a:extLst>
-                </p:cNvPr>
-                <p:cNvSpPr txBox="1">
-                  <a:spLocks noRot="1" noChangeAspect="1" noMove="1" noResize="1" noEditPoints="1" noAdjustHandles="1" noChangeArrowheads="1" noChangeShapeType="1" noTextEdit="1"/>
-                </p:cNvSpPr>
-                <p:nvPr/>
-              </p:nvSpPr>
-              <p:spPr>
-                <a:xfrm>
-                  <a:off x="6433334" y="1469409"/>
-                  <a:ext cx="343080" cy="369332"/>
-                </a:xfrm>
-                <a:prstGeom prst="rect">
-                  <a:avLst/>
-                </a:prstGeom>
-                <a:blipFill>
-                  <a:blip r:embed="rId5"/>
-                  <a:stretch>
-                    <a:fillRect/>
-                  </a:stretch>
-                </a:blipFill>
-              </p:spPr>
-              <p:txBody>
-                <a:bodyPr/>
-                <a:lstStyle/>
-                <a:p>
-                  <a:r>
-                    <a:rPr lang="de-DE">
-                      <a:noFill/>
-                    </a:rPr>
-                    <a:t> </a:t>
-                  </a:r>
-                </a:p>
-              </p:txBody>
-            </p:sp>
-          </mc:Fallback>
-        </mc:AlternateContent>
-        <p:sp>
-          <p:nvSpPr>
-            <p:cNvPr id="21" name="Ellipse 20">
-              <a:extLst>
-                <a:ext uri="{FF2B5EF4-FFF2-40B4-BE49-F238E27FC236}">
-                  <a16:creationId xmlns:a16="http://schemas.microsoft.com/office/drawing/2014/main" id="{8EF8B6F4-16C2-65B6-3689-F1E4F8C8904E}"/>
-                </a:ext>
-              </a:extLst>
-            </p:cNvPr>
-            <p:cNvSpPr/>
-            <p:nvPr/>
-          </p:nvSpPr>
-          <p:spPr>
-            <a:xfrm>
-              <a:off x="6368480" y="1710452"/>
-              <a:ext cx="108000" cy="108000"/>
-            </a:xfrm>
-            <a:prstGeom prst="ellipse">
-              <a:avLst/>
-            </a:prstGeom>
-            <a:solidFill>
-              <a:schemeClr val="tx1"/>
-            </a:solidFill>
-            <a:ln>
-              <a:solidFill>
-                <a:schemeClr val="tx1"/>
-              </a:solidFill>
-            </a:ln>
-          </p:spPr>
-          <p:style>
-            <a:lnRef idx="2">
-              <a:schemeClr val="accent1">
-                <a:shade val="15000"/>
-              </a:schemeClr>
-            </a:lnRef>
-            <a:fillRef idx="1">
-              <a:schemeClr val="accent1"/>
-            </a:fillRef>
-            <a:effectRef idx="0">
-              <a:schemeClr val="accent1"/>
-            </a:effectRef>
-            <a:fontRef idx="minor">
-              <a:schemeClr val="lt1"/>
-            </a:fontRef>
-          </p:style>
-          <p:txBody>
-            <a:bodyPr rtlCol="0" anchor="ctr"/>
-            <a:lstStyle/>
-            <a:p>
-              <a:pPr algn="ctr"/>
-              <a:endParaRPr lang="de-DE"/>
-            </a:p>
-          </p:txBody>
-        </p:sp>
-        <p:sp>
-          <p:nvSpPr>
-            <p:cNvPr id="68" name="Ellipse 67">
-              <a:extLst>
-                <a:ext uri="{FF2B5EF4-FFF2-40B4-BE49-F238E27FC236}">
-                  <a16:creationId xmlns:a16="http://schemas.microsoft.com/office/drawing/2014/main" id="{07BCC398-D2EE-2126-CA2A-49D74581A54E}"/>
-                </a:ext>
-              </a:extLst>
-            </p:cNvPr>
-            <p:cNvSpPr/>
-            <p:nvPr/>
-          </p:nvSpPr>
-          <p:spPr>
-            <a:xfrm>
-              <a:off x="6979250" y="3397412"/>
-              <a:ext cx="108000" cy="108000"/>
-            </a:xfrm>
-            <a:prstGeom prst="ellipse">
-              <a:avLst/>
-            </a:prstGeom>
-            <a:solidFill>
-              <a:schemeClr val="bg2">
-                <a:lumMod val="50000"/>
-              </a:schemeClr>
-            </a:solidFill>
-            <a:ln>
-              <a:solidFill>
-                <a:schemeClr val="bg2">
-                  <a:lumMod val="50000"/>
-                </a:schemeClr>
-              </a:solidFill>
-            </a:ln>
-          </p:spPr>
-          <p:style>
-            <a:lnRef idx="2">
-              <a:schemeClr val="accent1">
-                <a:shade val="15000"/>
-              </a:schemeClr>
-            </a:lnRef>
-            <a:fillRef idx="1">
-              <a:schemeClr val="accent1"/>
-            </a:fillRef>
-            <a:effectRef idx="0">
-              <a:schemeClr val="accent1"/>
-            </a:effectRef>
-            <a:fontRef idx="minor">
-              <a:schemeClr val="lt1"/>
-            </a:fontRef>
-          </p:style>
-          <p:txBody>
-            <a:bodyPr rtlCol="0" anchor="ctr"/>
-            <a:lstStyle/>
-            <a:p>
-              <a:pPr algn="ctr"/>
-              <a:endParaRPr lang="de-DE"/>
-            </a:p>
-          </p:txBody>
-        </p:sp>
-        <p:sp>
-          <p:nvSpPr>
-            <p:cNvPr id="69" name="Ellipse 68">
-              <a:extLst>
-                <a:ext uri="{FF2B5EF4-FFF2-40B4-BE49-F238E27FC236}">
-                  <a16:creationId xmlns:a16="http://schemas.microsoft.com/office/drawing/2014/main" id="{607DDE66-FD78-DE25-C15A-3EFD8B8E84EA}"/>
-                </a:ext>
-              </a:extLst>
-            </p:cNvPr>
-            <p:cNvSpPr/>
-            <p:nvPr/>
-          </p:nvSpPr>
-          <p:spPr>
-            <a:xfrm>
-              <a:off x="4427049" y="2541886"/>
-              <a:ext cx="108000" cy="108000"/>
-            </a:xfrm>
-            <a:prstGeom prst="ellipse">
-              <a:avLst/>
-            </a:prstGeom>
-            <a:solidFill>
-              <a:schemeClr val="bg2">
-                <a:lumMod val="50000"/>
-              </a:schemeClr>
-            </a:solidFill>
-            <a:ln>
-              <a:solidFill>
-                <a:schemeClr val="bg2">
-                  <a:lumMod val="50000"/>
-                </a:schemeClr>
-              </a:solidFill>
-            </a:ln>
-          </p:spPr>
-          <p:style>
-            <a:lnRef idx="2">
-              <a:schemeClr val="accent1">
-                <a:shade val="15000"/>
-              </a:schemeClr>
-            </a:lnRef>
-            <a:fillRef idx="1">
-              <a:schemeClr val="accent1"/>
-            </a:fillRef>
-            <a:effectRef idx="0">
-              <a:schemeClr val="accent1"/>
-            </a:effectRef>
-            <a:fontRef idx="minor">
-              <a:schemeClr val="lt1"/>
-            </a:fontRef>
-          </p:style>
-          <p:txBody>
-            <a:bodyPr rtlCol="0" anchor="ctr"/>
-            <a:lstStyle/>
-            <a:p>
-              <a:pPr algn="ctr"/>
-              <a:endParaRPr lang="de-DE"/>
-            </a:p>
-          </p:txBody>
-        </p:sp>
-        <p:sp>
-          <p:nvSpPr>
-            <p:cNvPr id="70" name="Ellipse 69">
-              <a:extLst>
-                <a:ext uri="{FF2B5EF4-FFF2-40B4-BE49-F238E27FC236}">
-                  <a16:creationId xmlns:a16="http://schemas.microsoft.com/office/drawing/2014/main" id="{C8756F3E-B8BB-12ED-78F4-B1E60ADAD2D0}"/>
-                </a:ext>
-              </a:extLst>
-            </p:cNvPr>
-            <p:cNvSpPr/>
-            <p:nvPr/>
-          </p:nvSpPr>
-          <p:spPr>
-            <a:xfrm>
-              <a:off x="5727125" y="3505412"/>
+              <a:off x="7379469" y="2487389"/>
               <a:ext cx="108000" cy="108000"/>
             </a:xfrm>
             <a:prstGeom prst="ellipse">

--- a/report/Grafiken.pptx
+++ b/report/Grafiken.pptx
@@ -266,7 +266,7 @@
           <a:p>
             <a:fld id="{BD6D4D59-C437-4C1C-911D-483A8492AF6D}" type="datetimeFigureOut">
               <a:rPr lang="de-DE" smtClean="0"/>
-              <a:t>26.01.2024</a:t>
+              <a:t>28.01.2024</a:t>
             </a:fld>
             <a:endParaRPr lang="de-DE"/>
           </a:p>
@@ -464,7 +464,7 @@
           <a:p>
             <a:fld id="{BD6D4D59-C437-4C1C-911D-483A8492AF6D}" type="datetimeFigureOut">
               <a:rPr lang="de-DE" smtClean="0"/>
-              <a:t>26.01.2024</a:t>
+              <a:t>28.01.2024</a:t>
             </a:fld>
             <a:endParaRPr lang="de-DE"/>
           </a:p>
@@ -672,7 +672,7 @@
           <a:p>
             <a:fld id="{BD6D4D59-C437-4C1C-911D-483A8492AF6D}" type="datetimeFigureOut">
               <a:rPr lang="de-DE" smtClean="0"/>
-              <a:t>26.01.2024</a:t>
+              <a:t>28.01.2024</a:t>
             </a:fld>
             <a:endParaRPr lang="de-DE"/>
           </a:p>
@@ -870,7 +870,7 @@
           <a:p>
             <a:fld id="{BD6D4D59-C437-4C1C-911D-483A8492AF6D}" type="datetimeFigureOut">
               <a:rPr lang="de-DE" smtClean="0"/>
-              <a:t>26.01.2024</a:t>
+              <a:t>28.01.2024</a:t>
             </a:fld>
             <a:endParaRPr lang="de-DE"/>
           </a:p>
@@ -1145,7 +1145,7 @@
           <a:p>
             <a:fld id="{BD6D4D59-C437-4C1C-911D-483A8492AF6D}" type="datetimeFigureOut">
               <a:rPr lang="de-DE" smtClean="0"/>
-              <a:t>26.01.2024</a:t>
+              <a:t>28.01.2024</a:t>
             </a:fld>
             <a:endParaRPr lang="de-DE"/>
           </a:p>
@@ -1410,7 +1410,7 @@
           <a:p>
             <a:fld id="{BD6D4D59-C437-4C1C-911D-483A8492AF6D}" type="datetimeFigureOut">
               <a:rPr lang="de-DE" smtClean="0"/>
-              <a:t>26.01.2024</a:t>
+              <a:t>28.01.2024</a:t>
             </a:fld>
             <a:endParaRPr lang="de-DE"/>
           </a:p>
@@ -1822,7 +1822,7 @@
           <a:p>
             <a:fld id="{BD6D4D59-C437-4C1C-911D-483A8492AF6D}" type="datetimeFigureOut">
               <a:rPr lang="de-DE" smtClean="0"/>
-              <a:t>26.01.2024</a:t>
+              <a:t>28.01.2024</a:t>
             </a:fld>
             <a:endParaRPr lang="de-DE"/>
           </a:p>
@@ -1963,7 +1963,7 @@
           <a:p>
             <a:fld id="{BD6D4D59-C437-4C1C-911D-483A8492AF6D}" type="datetimeFigureOut">
               <a:rPr lang="de-DE" smtClean="0"/>
-              <a:t>26.01.2024</a:t>
+              <a:t>28.01.2024</a:t>
             </a:fld>
             <a:endParaRPr lang="de-DE"/>
           </a:p>
@@ -2076,7 +2076,7 @@
           <a:p>
             <a:fld id="{BD6D4D59-C437-4C1C-911D-483A8492AF6D}" type="datetimeFigureOut">
               <a:rPr lang="de-DE" smtClean="0"/>
-              <a:t>26.01.2024</a:t>
+              <a:t>28.01.2024</a:t>
             </a:fld>
             <a:endParaRPr lang="de-DE"/>
           </a:p>
@@ -2387,7 +2387,7 @@
           <a:p>
             <a:fld id="{BD6D4D59-C437-4C1C-911D-483A8492AF6D}" type="datetimeFigureOut">
               <a:rPr lang="de-DE" smtClean="0"/>
-              <a:t>26.01.2024</a:t>
+              <a:t>28.01.2024</a:t>
             </a:fld>
             <a:endParaRPr lang="de-DE"/>
           </a:p>
@@ -2675,7 +2675,7 @@
           <a:p>
             <a:fld id="{BD6D4D59-C437-4C1C-911D-483A8492AF6D}" type="datetimeFigureOut">
               <a:rPr lang="de-DE" smtClean="0"/>
-              <a:t>26.01.2024</a:t>
+              <a:t>28.01.2024</a:t>
             </a:fld>
             <a:endParaRPr lang="de-DE"/>
           </a:p>
@@ -2916,7 +2916,7 @@
           <a:p>
             <a:fld id="{BD6D4D59-C437-4C1C-911D-483A8492AF6D}" type="datetimeFigureOut">
               <a:rPr lang="de-DE" smtClean="0"/>
-              <a:t>26.01.2024</a:t>
+              <a:t>28.01.2024</a:t>
             </a:fld>
             <a:endParaRPr lang="de-DE"/>
           </a:p>
@@ -6095,10 +6095,10 @@
       </p:grpSpPr>
       <p:grpSp>
         <p:nvGrpSpPr>
-          <p:cNvPr id="46" name="Gruppieren 45">
+          <p:cNvPr id="6" name="Gruppieren 5">
             <a:extLst>
               <a:ext uri="{FF2B5EF4-FFF2-40B4-BE49-F238E27FC236}">
-                <a16:creationId xmlns:a16="http://schemas.microsoft.com/office/drawing/2014/main" id="{87451828-AAC1-D2DC-2AB6-421DEEEFE312}"/>
+                <a16:creationId xmlns:a16="http://schemas.microsoft.com/office/drawing/2014/main" id="{B88D513B-3DD1-5D51-9C7C-7FCA78223E8A}"/>
               </a:ext>
             </a:extLst>
           </p:cNvPr>
@@ -6108,9 +6108,9 @@
         <p:grpSpPr>
           <a:xfrm>
             <a:off x="4221716" y="1418391"/>
-            <a:ext cx="3633335" cy="3814672"/>
-            <a:chOff x="3872094" y="1342191"/>
-            <a:chExt cx="3633335" cy="3814672"/>
+            <a:ext cx="3655776" cy="3814672"/>
+            <a:chOff x="4221716" y="1418391"/>
+            <a:chExt cx="3655776" cy="3814672"/>
           </a:xfrm>
         </p:grpSpPr>
         <p:sp>
@@ -6127,7 +6127,7 @@
           </p:nvSpPr>
           <p:spPr>
             <a:xfrm rot="9866727">
-              <a:off x="4771617" y="1830117"/>
+              <a:off x="5121239" y="1906317"/>
               <a:ext cx="2546800" cy="2707003"/>
             </a:xfrm>
             <a:prstGeom prst="triangle">
@@ -6181,7 +6181,7 @@
           </p:nvSpPr>
           <p:spPr>
             <a:xfrm>
-              <a:off x="4455306" y="2055041"/>
+              <a:off x="4804928" y="2131241"/>
               <a:ext cx="2595951" cy="2595951"/>
             </a:xfrm>
             <a:prstGeom prst="ellipse">
@@ -6235,7 +6235,7 @@
           </p:nvCxnSpPr>
           <p:spPr>
             <a:xfrm>
-              <a:off x="5746377" y="1568823"/>
+              <a:off x="6095999" y="1645023"/>
               <a:ext cx="0" cy="3406589"/>
             </a:xfrm>
             <a:prstGeom prst="line">
@@ -6281,7 +6281,7 @@
           </p:nvCxnSpPr>
           <p:spPr>
             <a:xfrm flipH="1">
-              <a:off x="4072378" y="3349149"/>
+              <a:off x="4422000" y="3425349"/>
               <a:ext cx="3348000" cy="0"/>
             </a:xfrm>
             <a:prstGeom prst="line">
@@ -6311,8 +6311,8 @@
             </a:fontRef>
           </p:style>
         </p:cxnSp>
-        <mc:AlternateContent xmlns:mc="http://schemas.openxmlformats.org/markup-compatibility/2006" xmlns:a14="http://schemas.microsoft.com/office/drawing/2010/main">
-          <mc:Choice Requires="a14">
+        <mc:AlternateContent xmlns:mc="http://schemas.openxmlformats.org/markup-compatibility/2006">
+          <mc:Choice xmlns:a14="http://schemas.microsoft.com/office/drawing/2010/main" Requires="a14">
             <p:sp>
               <p:nvSpPr>
                 <p:cNvPr id="52" name="Textfeld 51">
@@ -6327,7 +6327,7 @@
               </p:nvSpPr>
               <p:spPr>
                 <a:xfrm>
-                  <a:off x="5767400" y="3049678"/>
+                  <a:off x="6117022" y="3125878"/>
                   <a:ext cx="487056" cy="523220"/>
                 </a:xfrm>
                 <a:prstGeom prst="rect">
@@ -6366,13 +6366,13 @@
               </p:txBody>
             </p:sp>
           </mc:Choice>
-          <mc:Fallback xmlns="">
+          <mc:Fallback>
             <p:sp>
               <p:nvSpPr>
-                <p:cNvPr id="19" name="Textfeld 18">
+                <p:cNvPr id="52" name="Textfeld 51">
                   <a:extLst>
                     <a:ext uri="{FF2B5EF4-FFF2-40B4-BE49-F238E27FC236}">
-                      <a16:creationId xmlns:a16="http://schemas.microsoft.com/office/drawing/2014/main" id="{4981A054-67AC-4B7F-BD1D-850F7DC78A06}"/>
+                      <a16:creationId xmlns:a16="http://schemas.microsoft.com/office/drawing/2014/main" id="{10BDA816-01EC-50B1-6E09-E5DBBE7C0F3F}"/>
                     </a:ext>
                   </a:extLst>
                 </p:cNvPr>
@@ -6383,7 +6383,7 @@
               </p:nvSpPr>
               <p:spPr>
                 <a:xfrm>
-                  <a:off x="5767400" y="3049678"/>
+                  <a:off x="6117022" y="3125878"/>
                   <a:ext cx="487056" cy="523220"/>
                 </a:xfrm>
                 <a:prstGeom prst="rect">
@@ -6411,8 +6411,8 @@
             </p:sp>
           </mc:Fallback>
         </mc:AlternateContent>
-        <mc:AlternateContent xmlns:mc="http://schemas.openxmlformats.org/markup-compatibility/2006" xmlns:a14="http://schemas.microsoft.com/office/drawing/2010/main">
-          <mc:Choice Requires="a14">
+        <mc:AlternateContent xmlns:mc="http://schemas.openxmlformats.org/markup-compatibility/2006">
+          <mc:Choice xmlns:a14="http://schemas.microsoft.com/office/drawing/2010/main" Requires="a14">
             <p:sp>
               <p:nvSpPr>
                 <p:cNvPr id="53" name="Textfeld 52">
@@ -6427,8 +6427,8 @@
               </p:nvSpPr>
               <p:spPr>
                 <a:xfrm>
-                  <a:off x="6893915" y="1342191"/>
-                  <a:ext cx="611514" cy="523220"/>
+                  <a:off x="7243537" y="1418391"/>
+                  <a:ext cx="633955" cy="523220"/>
                 </a:xfrm>
                 <a:prstGeom prst="rect">
                   <a:avLst/>
@@ -6463,7 +6463,7 @@
                                 <a:latin typeface="Cambria Math" panose="02040503050406030204" pitchFamily="18" charset="0"/>
                                 <a:ea typeface="Latin Modern Math" panose="02000503000000000000" pitchFamily="50" charset="0"/>
                               </a:rPr>
-                              <m:t>𝑐</m:t>
+                              <m:t>𝑎</m:t>
                             </m:r>
                           </m:e>
                           <m:sub>
@@ -6472,14 +6472,14 @@
                                 <a:latin typeface="Cambria Math" panose="02040503050406030204" pitchFamily="18" charset="0"/>
                                 <a:ea typeface="Latin Modern Math" panose="02000503000000000000" pitchFamily="50" charset="0"/>
                               </a:rPr>
-                              <m:t>2</m:t>
+                              <m:t>3</m:t>
                             </m:r>
                           </m:sub>
                         </m:sSub>
                       </m:oMath>
                     </m:oMathPara>
                   </a14:m>
-                  <a:endParaRPr lang="de-DE" sz="2800" i="1">
+                  <a:endParaRPr lang="de-DE" sz="2800" i="1" dirty="0">
                     <a:latin typeface="Latin Modern Math" panose="02000503000000000000" pitchFamily="50" charset="0"/>
                     <a:ea typeface="Latin Modern Math" panose="02000503000000000000" pitchFamily="50" charset="0"/>
                   </a:endParaRPr>
@@ -6487,13 +6487,13 @@
               </p:txBody>
             </p:sp>
           </mc:Choice>
-          <mc:Fallback xmlns="">
+          <mc:Fallback>
             <p:sp>
               <p:nvSpPr>
-                <p:cNvPr id="20" name="Textfeld 19">
+                <p:cNvPr id="53" name="Textfeld 52">
                   <a:extLst>
                     <a:ext uri="{FF2B5EF4-FFF2-40B4-BE49-F238E27FC236}">
-                      <a16:creationId xmlns:a16="http://schemas.microsoft.com/office/drawing/2014/main" id="{662677B5-999A-577A-AB45-A193B48DAF77}"/>
+                      <a16:creationId xmlns:a16="http://schemas.microsoft.com/office/drawing/2014/main" id="{5A62697A-9F49-5ABE-4C11-25732664110B}"/>
                     </a:ext>
                   </a:extLst>
                 </p:cNvPr>
@@ -6504,8 +6504,8 @@
               </p:nvSpPr>
               <p:spPr>
                 <a:xfrm>
-                  <a:off x="6893915" y="1342191"/>
-                  <a:ext cx="611514" cy="523220"/>
+                  <a:off x="7243537" y="1418391"/>
+                  <a:ext cx="633955" cy="523220"/>
                 </a:xfrm>
                 <a:prstGeom prst="rect">
                   <a:avLst/>
@@ -6532,8 +6532,8 @@
             </p:sp>
           </mc:Fallback>
         </mc:AlternateContent>
-        <mc:AlternateContent xmlns:mc="http://schemas.openxmlformats.org/markup-compatibility/2006" xmlns:a14="http://schemas.microsoft.com/office/drawing/2010/main">
-          <mc:Choice Requires="a14">
+        <mc:AlternateContent xmlns:mc="http://schemas.openxmlformats.org/markup-compatibility/2006">
+          <mc:Choice xmlns:a14="http://schemas.microsoft.com/office/drawing/2010/main" Requires="a14">
             <p:sp>
               <p:nvSpPr>
                 <p:cNvPr id="54" name="Textfeld 53">
@@ -6548,8 +6548,8 @@
               </p:nvSpPr>
               <p:spPr>
                 <a:xfrm>
-                  <a:off x="3872094" y="1964114"/>
-                  <a:ext cx="619529" cy="523220"/>
+                  <a:off x="4221716" y="2040314"/>
+                  <a:ext cx="633955" cy="523220"/>
                 </a:xfrm>
                 <a:prstGeom prst="rect">
                   <a:avLst/>
@@ -6584,23 +6584,23 @@
                                 <a:latin typeface="Cambria Math" panose="02040503050406030204" pitchFamily="18" charset="0"/>
                                 <a:ea typeface="Latin Modern Math" panose="02000503000000000000" pitchFamily="50" charset="0"/>
                               </a:rPr>
-                              <m:t>𝑐</m:t>
+                              <m:t>𝑎</m:t>
                             </m:r>
                           </m:e>
                           <m:sub>
                             <m:r>
                               <a:rPr lang="de-DE" sz="2800" b="0" i="1" smtClean="0">
                                 <a:latin typeface="Cambria Math" panose="02040503050406030204" pitchFamily="18" charset="0"/>
-                                <a:ea typeface="Cambria Math" panose="02040503050406030204" pitchFamily="18" charset="0"/>
+                                <a:ea typeface="Latin Modern Math" panose="02000503000000000000" pitchFamily="50" charset="0"/>
                               </a:rPr>
-                              <m:t>1</m:t>
+                              <m:t>2</m:t>
                             </m:r>
                           </m:sub>
                         </m:sSub>
                       </m:oMath>
                     </m:oMathPara>
                   </a14:m>
-                  <a:endParaRPr lang="de-DE" sz="2800" i="1">
+                  <a:endParaRPr lang="de-DE" sz="2800" i="1" dirty="0">
                     <a:latin typeface="Latin Modern Math" panose="02000503000000000000" pitchFamily="50" charset="0"/>
                     <a:ea typeface="Latin Modern Math" panose="02000503000000000000" pitchFamily="50" charset="0"/>
                   </a:endParaRPr>
@@ -6608,13 +6608,13 @@
               </p:txBody>
             </p:sp>
           </mc:Choice>
-          <mc:Fallback xmlns="">
+          <mc:Fallback>
             <p:sp>
               <p:nvSpPr>
-                <p:cNvPr id="21" name="Textfeld 20">
+                <p:cNvPr id="54" name="Textfeld 53">
                   <a:extLst>
                     <a:ext uri="{FF2B5EF4-FFF2-40B4-BE49-F238E27FC236}">
-                      <a16:creationId xmlns:a16="http://schemas.microsoft.com/office/drawing/2014/main" id="{31EFE651-69CB-C1B3-34B8-0D12E07AF0F0}"/>
+                      <a16:creationId xmlns:a16="http://schemas.microsoft.com/office/drawing/2014/main" id="{A1C8ACED-365B-D6F1-B561-DCCCDA46B9C1}"/>
                     </a:ext>
                   </a:extLst>
                 </p:cNvPr>
@@ -6625,8 +6625,8 @@
               </p:nvSpPr>
               <p:spPr>
                 <a:xfrm>
-                  <a:off x="3872094" y="1964114"/>
-                  <a:ext cx="619529" cy="523220"/>
+                  <a:off x="4221716" y="2040314"/>
+                  <a:ext cx="633955" cy="523220"/>
                 </a:xfrm>
                 <a:prstGeom prst="rect">
                   <a:avLst/>
@@ -6653,8 +6653,8 @@
             </p:sp>
           </mc:Fallback>
         </mc:AlternateContent>
-        <mc:AlternateContent xmlns:mc="http://schemas.openxmlformats.org/markup-compatibility/2006" xmlns:a14="http://schemas.microsoft.com/office/drawing/2010/main">
-          <mc:Choice Requires="a14">
+        <mc:AlternateContent xmlns:mc="http://schemas.openxmlformats.org/markup-compatibility/2006">
+          <mc:Choice xmlns:a14="http://schemas.microsoft.com/office/drawing/2010/main" Requires="a14">
             <p:sp>
               <p:nvSpPr>
                 <p:cNvPr id="55" name="Textfeld 54">
@@ -6669,8 +6669,8 @@
               </p:nvSpPr>
               <p:spPr>
                 <a:xfrm>
-                  <a:off x="5849361" y="4725976"/>
-                  <a:ext cx="278474" cy="430887"/>
+                  <a:off x="6198983" y="4802176"/>
+                  <a:ext cx="441018" cy="430887"/>
                 </a:xfrm>
                 <a:prstGeom prst="rect">
                   <a:avLst/>
@@ -6690,17 +6690,38 @@
                         <m:jc m:val="centerGroup"/>
                       </m:oMathParaPr>
                       <m:oMath xmlns:m="http://schemas.openxmlformats.org/officeDocument/2006/math">
-                        <m:r>
-                          <a:rPr lang="de-DE" sz="2800" b="0" i="1" smtClean="0">
-                            <a:latin typeface="Cambria Math" panose="02040503050406030204" pitchFamily="18" charset="0"/>
-                            <a:ea typeface="Latin Modern Math" panose="02000503000000000000" pitchFamily="50" charset="0"/>
-                          </a:rPr>
-                          <m:t>𝑐</m:t>
-                        </m:r>
+                        <m:sSub>
+                          <m:sSubPr>
+                            <m:ctrlPr>
+                              <a:rPr lang="de-DE" sz="2800" b="0" i="1" smtClean="0">
+                                <a:latin typeface="Cambria Math" panose="02040503050406030204" pitchFamily="18" charset="0"/>
+                                <a:ea typeface="Latin Modern Math" panose="02000503000000000000" pitchFamily="50" charset="0"/>
+                              </a:rPr>
+                            </m:ctrlPr>
+                          </m:sSubPr>
+                          <m:e>
+                            <m:r>
+                              <a:rPr lang="de-DE" sz="2800" b="0" i="1" smtClean="0">
+                                <a:latin typeface="Cambria Math" panose="02040503050406030204" pitchFamily="18" charset="0"/>
+                                <a:ea typeface="Latin Modern Math" panose="02000503000000000000" pitchFamily="50" charset="0"/>
+                              </a:rPr>
+                              <m:t>𝑎</m:t>
+                            </m:r>
+                          </m:e>
+                          <m:sub>
+                            <m:r>
+                              <a:rPr lang="de-DE" sz="2800" b="0" i="1" smtClean="0">
+                                <a:latin typeface="Cambria Math" panose="02040503050406030204" pitchFamily="18" charset="0"/>
+                                <a:ea typeface="Latin Modern Math" panose="02000503000000000000" pitchFamily="50" charset="0"/>
+                              </a:rPr>
+                              <m:t>1</m:t>
+                            </m:r>
+                          </m:sub>
+                        </m:sSub>
                       </m:oMath>
                     </m:oMathPara>
                   </a14:m>
-                  <a:endParaRPr lang="de-DE" sz="2800">
+                  <a:endParaRPr lang="de-DE" sz="2800" dirty="0">
                     <a:latin typeface="Latin Modern Math" panose="02000503000000000000" pitchFamily="50" charset="0"/>
                     <a:ea typeface="Latin Modern Math" panose="02000503000000000000" pitchFamily="50" charset="0"/>
                   </a:endParaRPr>
@@ -6708,13 +6729,13 @@
               </p:txBody>
             </p:sp>
           </mc:Choice>
-          <mc:Fallback xmlns="">
+          <mc:Fallback>
             <p:sp>
               <p:nvSpPr>
-                <p:cNvPr id="22" name="Textfeld 21">
+                <p:cNvPr id="55" name="Textfeld 54">
                   <a:extLst>
                     <a:ext uri="{FF2B5EF4-FFF2-40B4-BE49-F238E27FC236}">
-                      <a16:creationId xmlns:a16="http://schemas.microsoft.com/office/drawing/2014/main" id="{9EC456D7-59C8-E05A-B2FA-DD63AB60389C}"/>
+                      <a16:creationId xmlns:a16="http://schemas.microsoft.com/office/drawing/2014/main" id="{6D978CEF-0AE8-B8E0-3791-A6FD88C22AE9}"/>
                     </a:ext>
                   </a:extLst>
                 </p:cNvPr>
@@ -6725,8 +6746,8 @@
               </p:nvSpPr>
               <p:spPr>
                 <a:xfrm>
-                  <a:off x="5849361" y="4725976"/>
-                  <a:ext cx="278474" cy="430887"/>
+                  <a:off x="6198983" y="4802176"/>
+                  <a:ext cx="441018" cy="430887"/>
                 </a:xfrm>
                 <a:prstGeom prst="rect">
                   <a:avLst/>
@@ -6734,7 +6755,7 @@
                 <a:blipFill>
                   <a:blip r:embed="rId5"/>
                   <a:stretch>
-                    <a:fillRect l="-6522" r="-4348"/>
+                    <a:fillRect/>
                   </a:stretch>
                 </a:blipFill>
               </p:spPr>
@@ -6767,7 +6788,7 @@
           </p:nvSpPr>
           <p:spPr>
             <a:xfrm>
-              <a:off x="6839961" y="1495801"/>
+              <a:off x="7189583" y="1572001"/>
               <a:ext cx="108000" cy="108000"/>
             </a:xfrm>
             <a:prstGeom prst="ellipse">
@@ -6821,7 +6842,7 @@
           </p:nvSpPr>
           <p:spPr>
             <a:xfrm>
-              <a:off x="4416801" y="2173981"/>
+              <a:off x="4766423" y="2250181"/>
               <a:ext cx="108000" cy="108000"/>
             </a:xfrm>
             <a:prstGeom prst="ellipse">
@@ -6875,7 +6896,7 @@
           </p:nvSpPr>
           <p:spPr>
             <a:xfrm>
-              <a:off x="5849361" y="4597141"/>
+              <a:off x="6198983" y="4673341"/>
               <a:ext cx="108000" cy="108000"/>
             </a:xfrm>
             <a:prstGeom prst="ellipse">
@@ -6931,13 +6952,13 @@
           </p:nvCxnSpPr>
           <p:spPr>
             <a:xfrm flipH="1" flipV="1">
-              <a:off x="5504438" y="1407475"/>
+              <a:off x="5854060" y="1483675"/>
               <a:ext cx="241699" cy="1944669"/>
             </a:xfrm>
             <a:prstGeom prst="straightConnector1">
               <a:avLst/>
             </a:prstGeom>
-            <a:ln w="19050">
+            <a:ln w="28575">
               <a:solidFill>
                 <a:srgbClr val="DA0000"/>
               </a:solidFill>
@@ -6975,7 +6996,7 @@
           </p:nvCxnSpPr>
           <p:spPr>
             <a:xfrm>
-              <a:off x="5745956" y="3345656"/>
+              <a:off x="6095578" y="3421856"/>
               <a:ext cx="159544" cy="1309688"/>
             </a:xfrm>
             <a:prstGeom prst="line">
@@ -6983,7 +7004,7 @@
             </a:prstGeom>
             <a:ln w="12700">
               <a:solidFill>
-                <a:srgbClr val="DA0000"/>
+                <a:srgbClr val="FF8B8B"/>
               </a:solidFill>
               <a:prstDash val="sysDot"/>
             </a:ln>
@@ -7019,13 +7040,13 @@
           </p:nvCxnSpPr>
           <p:spPr>
             <a:xfrm flipH="1">
-              <a:off x="4588670" y="3356011"/>
+              <a:off x="4938292" y="3432211"/>
               <a:ext cx="1148400" cy="1796400"/>
             </a:xfrm>
             <a:prstGeom prst="straightConnector1">
               <a:avLst/>
             </a:prstGeom>
-            <a:ln w="19050">
+            <a:ln w="28575">
               <a:solidFill>
                 <a:srgbClr val="DA0000"/>
               </a:solidFill>
@@ -7063,13 +7084,13 @@
           </p:nvCxnSpPr>
           <p:spPr>
             <a:xfrm>
-              <a:off x="5752673" y="3354566"/>
+              <a:off x="6102295" y="3430766"/>
               <a:ext cx="1533526" cy="1349433"/>
             </a:xfrm>
             <a:prstGeom prst="straightConnector1">
               <a:avLst/>
             </a:prstGeom>
-            <a:ln w="19050">
+            <a:ln w="28575">
               <a:solidFill>
                 <a:srgbClr val="DA0000"/>
               </a:solidFill>
@@ -7107,7 +7128,7 @@
           </p:nvCxnSpPr>
           <p:spPr>
             <a:xfrm flipH="1">
-              <a:off x="5748338" y="1547813"/>
+              <a:off x="6097960" y="1624013"/>
               <a:ext cx="1147762" cy="1797843"/>
             </a:xfrm>
             <a:prstGeom prst="line">
@@ -7115,7 +7136,7 @@
             </a:prstGeom>
             <a:ln w="12700">
               <a:solidFill>
-                <a:srgbClr val="DA0000"/>
+                <a:srgbClr val="FF8B8B"/>
               </a:solidFill>
               <a:prstDash val="sysDot"/>
             </a:ln>
@@ -7151,7 +7172,7 @@
           </p:nvCxnSpPr>
           <p:spPr>
             <a:xfrm flipH="1" flipV="1">
-              <a:off x="4476750" y="2231231"/>
+              <a:off x="4826372" y="2307431"/>
               <a:ext cx="1269206" cy="1116807"/>
             </a:xfrm>
             <a:prstGeom prst="line">
@@ -7159,7 +7180,7 @@
             </a:prstGeom>
             <a:ln w="12700">
               <a:solidFill>
-                <a:srgbClr val="DA0000"/>
+                <a:srgbClr val="FF8B8B"/>
               </a:solidFill>
               <a:prstDash val="sysDot"/>
             </a:ln>
@@ -7193,7 +7214,7 @@
           </p:nvGrpSpPr>
           <p:grpSpPr>
             <a:xfrm>
-              <a:off x="5674138" y="3276920"/>
+              <a:off x="6023760" y="3353120"/>
               <a:ext cx="144000" cy="144000"/>
               <a:chOff x="10362382" y="2655862"/>
               <a:chExt cx="108000" cy="108000"/>
@@ -7286,6 +7307,160 @@
             </p:style>
           </p:cxnSp>
         </p:grpSp>
+        <mc:AlternateContent xmlns:mc="http://schemas.openxmlformats.org/markup-compatibility/2006">
+          <mc:Choice xmlns:a14="http://schemas.microsoft.com/office/drawing/2010/main" Requires="a14">
+            <p:sp>
+              <p:nvSpPr>
+                <p:cNvPr id="4" name="Textfeld 3">
+                  <a:extLst>
+                    <a:ext uri="{FF2B5EF4-FFF2-40B4-BE49-F238E27FC236}">
+                      <a16:creationId xmlns:a16="http://schemas.microsoft.com/office/drawing/2014/main" id="{6959AA27-8830-09C9-F69A-5E03F7B88100}"/>
+                    </a:ext>
+                  </a:extLst>
+                </p:cNvPr>
+                <p:cNvSpPr txBox="1"/>
+                <p:nvPr/>
+              </p:nvSpPr>
+              <p:spPr>
+                <a:xfrm>
+                  <a:off x="7006442" y="3359001"/>
+                  <a:ext cx="442942" cy="523220"/>
+                </a:xfrm>
+                <a:prstGeom prst="rect">
+                  <a:avLst/>
+                </a:prstGeom>
+                <a:noFill/>
+              </p:spPr>
+              <p:txBody>
+                <a:bodyPr wrap="none" rtlCol="0">
+                  <a:spAutoFit/>
+                </a:bodyPr>
+                <a:lstStyle/>
+                <a:p>
+                  <a:pPr/>
+                  <a14:m>
+                    <m:oMathPara xmlns:m="http://schemas.openxmlformats.org/officeDocument/2006/math">
+                      <m:oMathParaPr>
+                        <m:jc m:val="centerGroup"/>
+                      </m:oMathParaPr>
+                      <m:oMath xmlns:m="http://schemas.openxmlformats.org/officeDocument/2006/math">
+                        <m:r>
+                          <a:rPr lang="de-DE" sz="2800" b="0" i="1" smtClean="0">
+                            <a:latin typeface="Cambria Math" panose="02040503050406030204" pitchFamily="18" charset="0"/>
+                            <a:ea typeface="Latin Modern Math" panose="02000503000000000000" pitchFamily="50" charset="0"/>
+                          </a:rPr>
+                          <m:t>𝑐</m:t>
+                        </m:r>
+                      </m:oMath>
+                    </m:oMathPara>
+                  </a14:m>
+                  <a:endParaRPr lang="de-DE" sz="2800" i="1" dirty="0">
+                    <a:latin typeface="Latin Modern Math" panose="02000503000000000000" pitchFamily="50" charset="0"/>
+                    <a:ea typeface="Latin Modern Math" panose="02000503000000000000" pitchFamily="50" charset="0"/>
+                  </a:endParaRPr>
+                </a:p>
+              </p:txBody>
+            </p:sp>
+          </mc:Choice>
+          <mc:Fallback>
+            <p:sp>
+              <p:nvSpPr>
+                <p:cNvPr id="4" name="Textfeld 3">
+                  <a:extLst>
+                    <a:ext uri="{FF2B5EF4-FFF2-40B4-BE49-F238E27FC236}">
+                      <a16:creationId xmlns:a16="http://schemas.microsoft.com/office/drawing/2014/main" id="{6959AA27-8830-09C9-F69A-5E03F7B88100}"/>
+                    </a:ext>
+                  </a:extLst>
+                </p:cNvPr>
+                <p:cNvSpPr txBox="1">
+                  <a:spLocks noRot="1" noChangeAspect="1" noMove="1" noResize="1" noEditPoints="1" noAdjustHandles="1" noChangeArrowheads="1" noChangeShapeType="1" noTextEdit="1"/>
+                </p:cNvSpPr>
+                <p:nvPr/>
+              </p:nvSpPr>
+              <p:spPr>
+                <a:xfrm>
+                  <a:off x="7006442" y="3359001"/>
+                  <a:ext cx="442942" cy="523220"/>
+                </a:xfrm>
+                <a:prstGeom prst="rect">
+                  <a:avLst/>
+                </a:prstGeom>
+                <a:blipFill>
+                  <a:blip r:embed="rId6"/>
+                  <a:stretch>
+                    <a:fillRect/>
+                  </a:stretch>
+                </a:blipFill>
+              </p:spPr>
+              <p:txBody>
+                <a:bodyPr/>
+                <a:lstStyle/>
+                <a:p>
+                  <a:r>
+                    <a:rPr lang="de-DE">
+                      <a:noFill/>
+                    </a:rPr>
+                    <a:t> </a:t>
+                  </a:r>
+                </a:p>
+              </p:txBody>
+            </p:sp>
+          </mc:Fallback>
+        </mc:AlternateContent>
+        <p:sp>
+          <p:nvSpPr>
+            <p:cNvPr id="5" name="Ellipse 4">
+              <a:extLst>
+                <a:ext uri="{FF2B5EF4-FFF2-40B4-BE49-F238E27FC236}">
+                  <a16:creationId xmlns:a16="http://schemas.microsoft.com/office/drawing/2014/main" id="{1C805F42-6F74-7180-A9FE-19521DBB1ECF}"/>
+                </a:ext>
+              </a:extLst>
+            </p:cNvPr>
+            <p:cNvSpPr/>
+            <p:nvPr/>
+          </p:nvSpPr>
+          <p:spPr>
+            <a:xfrm>
+              <a:off x="6952488" y="3512611"/>
+              <a:ext cx="108000" cy="108000"/>
+            </a:xfrm>
+            <a:prstGeom prst="ellipse">
+              <a:avLst/>
+            </a:prstGeom>
+            <a:solidFill>
+              <a:schemeClr val="tx1"/>
+            </a:solidFill>
+            <a:ln>
+              <a:solidFill>
+                <a:schemeClr val="tx1"/>
+              </a:solidFill>
+            </a:ln>
+          </p:spPr>
+          <p:style>
+            <a:lnRef idx="2">
+              <a:schemeClr val="accent1">
+                <a:shade val="15000"/>
+              </a:schemeClr>
+            </a:lnRef>
+            <a:fillRef idx="1">
+              <a:schemeClr val="accent1"/>
+            </a:fillRef>
+            <a:effectRef idx="0">
+              <a:schemeClr val="accent1"/>
+            </a:effectRef>
+            <a:fontRef idx="minor">
+              <a:schemeClr val="lt1"/>
+            </a:fontRef>
+          </p:style>
+          <p:txBody>
+            <a:bodyPr rtlCol="0" anchor="ctr"/>
+            <a:lstStyle/>
+            <a:p>
+              <a:pPr algn="ctr"/>
+              <a:endParaRPr lang="de-DE"/>
+            </a:p>
+          </p:txBody>
+        </p:sp>
       </p:grpSp>
     </p:spTree>
     <p:extLst>
@@ -11605,10 +11780,10 @@
       </p:grpSpPr>
       <p:grpSp>
         <p:nvGrpSpPr>
-          <p:cNvPr id="51" name="Gruppieren 50">
+          <p:cNvPr id="5" name="Gruppieren 4">
             <a:extLst>
               <a:ext uri="{FF2B5EF4-FFF2-40B4-BE49-F238E27FC236}">
-                <a16:creationId xmlns:a16="http://schemas.microsoft.com/office/drawing/2014/main" id="{CB33E091-4876-1119-2C19-C268F62FF2B9}"/>
+                <a16:creationId xmlns:a16="http://schemas.microsoft.com/office/drawing/2014/main" id="{AB6E8474-2150-AAF6-91B7-CED4CF9D88E3}"/>
               </a:ext>
             </a:extLst>
           </p:cNvPr>
@@ -11617,18 +11792,111 @@
         </p:nvGrpSpPr>
         <p:grpSpPr>
           <a:xfrm>
-            <a:off x="3432790" y="1641728"/>
-            <a:ext cx="4749184" cy="2745043"/>
-            <a:chOff x="3432790" y="1641728"/>
-            <a:chExt cx="4749184" cy="2745043"/>
+            <a:off x="4191301" y="1647351"/>
+            <a:ext cx="3990673" cy="2077577"/>
+            <a:chOff x="4191301" y="1647351"/>
+            <a:chExt cx="3990673" cy="2077577"/>
           </a:xfrm>
         </p:grpSpPr>
         <p:sp>
           <p:nvSpPr>
-            <p:cNvPr id="48" name="Bogen 47">
+            <p:cNvPr id="36" name="Gleichschenkliges Dreieck 35">
               <a:extLst>
                 <a:ext uri="{FF2B5EF4-FFF2-40B4-BE49-F238E27FC236}">
-                  <a16:creationId xmlns:a16="http://schemas.microsoft.com/office/drawing/2014/main" id="{57510C6F-E528-E1B4-0961-57A22FCC8A14}"/>
+                  <a16:creationId xmlns:a16="http://schemas.microsoft.com/office/drawing/2014/main" id="{6915CC42-984D-3493-BEFD-2D4F460D1D75}"/>
+                </a:ext>
+              </a:extLst>
+            </p:cNvPr>
+            <p:cNvSpPr/>
+            <p:nvPr/>
+          </p:nvSpPr>
+          <p:spPr>
+            <a:xfrm flipV="1">
+              <a:off x="5641975" y="1695727"/>
+              <a:ext cx="2539999" cy="774575"/>
+            </a:xfrm>
+            <a:prstGeom prst="triangle">
+              <a:avLst>
+                <a:gd name="adj" fmla="val 30817"/>
+              </a:avLst>
+            </a:prstGeom>
+            <a:solidFill>
+              <a:schemeClr val="accent1">
+                <a:lumMod val="40000"/>
+                <a:lumOff val="60000"/>
+              </a:schemeClr>
+            </a:solidFill>
+            <a:ln>
+              <a:noFill/>
+            </a:ln>
+          </p:spPr>
+          <p:style>
+            <a:lnRef idx="2">
+              <a:schemeClr val="accent1">
+                <a:shade val="15000"/>
+              </a:schemeClr>
+            </a:lnRef>
+            <a:fillRef idx="1">
+              <a:schemeClr val="accent1"/>
+            </a:fillRef>
+            <a:effectRef idx="0">
+              <a:schemeClr val="accent1"/>
+            </a:effectRef>
+            <a:fontRef idx="minor">
+              <a:schemeClr val="lt1"/>
+            </a:fontRef>
+          </p:style>
+          <p:txBody>
+            <a:bodyPr rtlCol="0" anchor="ctr"/>
+            <a:lstStyle/>
+            <a:p>
+              <a:pPr algn="ctr"/>
+              <a:endParaRPr lang="de-DE" dirty="0"/>
+            </a:p>
+          </p:txBody>
+        </p:sp>
+        <p:cxnSp>
+          <p:nvCxnSpPr>
+            <p:cNvPr id="6" name="Gerader Verbinder 5">
+              <a:extLst>
+                <a:ext uri="{FF2B5EF4-FFF2-40B4-BE49-F238E27FC236}">
+                  <a16:creationId xmlns:a16="http://schemas.microsoft.com/office/drawing/2014/main" id="{253FAB89-B2EF-C89C-9AD1-B6B1762242A3}"/>
+                </a:ext>
+              </a:extLst>
+            </p:cNvPr>
+            <p:cNvCxnSpPr/>
+            <p:nvPr/>
+          </p:nvCxnSpPr>
+          <p:spPr>
+            <a:xfrm>
+              <a:off x="4471332" y="3355596"/>
+              <a:ext cx="2852257" cy="0"/>
+            </a:xfrm>
+            <a:prstGeom prst="line">
+              <a:avLst/>
+            </a:prstGeom>
+          </p:spPr>
+          <p:style>
+            <a:lnRef idx="2">
+              <a:schemeClr val="dk1"/>
+            </a:lnRef>
+            <a:fillRef idx="0">
+              <a:schemeClr val="dk1"/>
+            </a:fillRef>
+            <a:effectRef idx="1">
+              <a:schemeClr val="dk1"/>
+            </a:effectRef>
+            <a:fontRef idx="minor">
+              <a:schemeClr val="tx1"/>
+            </a:fontRef>
+          </p:style>
+        </p:cxnSp>
+        <p:sp>
+          <p:nvSpPr>
+            <p:cNvPr id="7" name="Ellipse 6">
+              <a:extLst>
+                <a:ext uri="{FF2B5EF4-FFF2-40B4-BE49-F238E27FC236}">
+                  <a16:creationId xmlns:a16="http://schemas.microsoft.com/office/drawing/2014/main" id="{BF43BBF3-7FFF-66C0-CF4D-CA4A359E77C7}"/>
                 </a:ext>
               </a:extLst>
             </p:cNvPr>
@@ -11637,28 +11905,35 @@
           </p:nvSpPr>
           <p:spPr>
             <a:xfrm>
-              <a:off x="3432790" y="2324420"/>
-              <a:ext cx="2080611" cy="2062351"/>
+              <a:off x="4417332" y="3301596"/>
+              <a:ext cx="108000" cy="108000"/>
             </a:xfrm>
-            <a:prstGeom prst="arc">
-              <a:avLst>
-                <a:gd name="adj1" fmla="val 20159968"/>
-                <a:gd name="adj2" fmla="val 0"/>
-              </a:avLst>
+            <a:prstGeom prst="ellipse">
+              <a:avLst/>
             </a:prstGeom>
+            <a:solidFill>
+              <a:schemeClr val="tx1"/>
+            </a:solidFill>
+            <a:ln>
+              <a:solidFill>
+                <a:schemeClr val="tx1"/>
+              </a:solidFill>
+            </a:ln>
           </p:spPr>
           <p:style>
-            <a:lnRef idx="1">
-              <a:schemeClr val="dk1"/>
+            <a:lnRef idx="2">
+              <a:schemeClr val="accent1">
+                <a:shade val="15000"/>
+              </a:schemeClr>
             </a:lnRef>
-            <a:fillRef idx="0">
-              <a:schemeClr val="dk1"/>
+            <a:fillRef idx="1">
+              <a:schemeClr val="accent1"/>
             </a:fillRef>
             <a:effectRef idx="0">
-              <a:schemeClr val="dk1"/>
+              <a:schemeClr val="accent1"/>
             </a:effectRef>
             <a:fontRef idx="minor">
-              <a:schemeClr val="tx1"/>
+              <a:schemeClr val="lt1"/>
             </a:fontRef>
           </p:style>
           <p:txBody>
@@ -11670,1306 +11945,889 @@
             </a:p>
           </p:txBody>
         </p:sp>
-        <p:grpSp>
-          <p:nvGrpSpPr>
-            <p:cNvPr id="50" name="Gruppieren 49">
+        <p:sp>
+          <p:nvSpPr>
+            <p:cNvPr id="8" name="Ellipse 7">
               <a:extLst>
                 <a:ext uri="{FF2B5EF4-FFF2-40B4-BE49-F238E27FC236}">
-                  <a16:creationId xmlns:a16="http://schemas.microsoft.com/office/drawing/2014/main" id="{A175673F-1882-79C5-D145-3E1EF956D6F4}"/>
+                  <a16:creationId xmlns:a16="http://schemas.microsoft.com/office/drawing/2014/main" id="{04F94A0D-C295-D9AD-A8B9-F6001BAD9742}"/>
                 </a:ext>
               </a:extLst>
             </p:cNvPr>
-            <p:cNvGrpSpPr/>
+            <p:cNvSpPr/>
             <p:nvPr/>
-          </p:nvGrpSpPr>
-          <p:grpSpPr>
+          </p:nvSpPr>
+          <p:spPr>
             <a:xfrm>
-              <a:off x="4191301" y="1641728"/>
-              <a:ext cx="3990673" cy="2430971"/>
-              <a:chOff x="4191301" y="1641728"/>
-              <a:chExt cx="3990673" cy="2430971"/>
+              <a:off x="7269589" y="3301596"/>
+              <a:ext cx="108000" cy="108000"/>
             </a:xfrm>
-          </p:grpSpPr>
-          <p:sp>
-            <p:nvSpPr>
-              <p:cNvPr id="36" name="Gleichschenkliges Dreieck 35">
-                <a:extLst>
-                  <a:ext uri="{FF2B5EF4-FFF2-40B4-BE49-F238E27FC236}">
-                    <a16:creationId xmlns:a16="http://schemas.microsoft.com/office/drawing/2014/main" id="{6915CC42-984D-3493-BEFD-2D4F460D1D75}"/>
-                  </a:ext>
-                </a:extLst>
-              </p:cNvPr>
-              <p:cNvSpPr/>
-              <p:nvPr/>
-            </p:nvSpPr>
-            <p:spPr>
-              <a:xfrm flipV="1">
-                <a:off x="5641975" y="1695727"/>
-                <a:ext cx="2539999" cy="774575"/>
-              </a:xfrm>
-              <a:prstGeom prst="triangle">
-                <a:avLst>
-                  <a:gd name="adj" fmla="val 30817"/>
-                </a:avLst>
-              </a:prstGeom>
-              <a:solidFill>
-                <a:schemeClr val="accent1">
-                  <a:lumMod val="40000"/>
-                  <a:lumOff val="60000"/>
-                </a:schemeClr>
-              </a:solidFill>
-              <a:ln>
-                <a:noFill/>
-              </a:ln>
-            </p:spPr>
-            <p:style>
-              <a:lnRef idx="2">
-                <a:schemeClr val="accent1">
-                  <a:shade val="15000"/>
-                </a:schemeClr>
-              </a:lnRef>
-              <a:fillRef idx="1">
-                <a:schemeClr val="accent1"/>
-              </a:fillRef>
-              <a:effectRef idx="0">
-                <a:schemeClr val="accent1"/>
-              </a:effectRef>
-              <a:fontRef idx="minor">
-                <a:schemeClr val="lt1"/>
-              </a:fontRef>
-            </p:style>
-            <p:txBody>
-              <a:bodyPr rtlCol="0" anchor="ctr"/>
-              <a:lstStyle/>
-              <a:p>
-                <a:pPr algn="ctr"/>
-                <a:endParaRPr lang="de-DE"/>
-              </a:p>
-            </p:txBody>
-          </p:sp>
-          <p:cxnSp>
-            <p:nvCxnSpPr>
-              <p:cNvPr id="6" name="Gerader Verbinder 5">
-                <a:extLst>
-                  <a:ext uri="{FF2B5EF4-FFF2-40B4-BE49-F238E27FC236}">
-                    <a16:creationId xmlns:a16="http://schemas.microsoft.com/office/drawing/2014/main" id="{253FAB89-B2EF-C89C-9AD1-B6B1762242A3}"/>
-                  </a:ext>
-                </a:extLst>
-              </p:cNvPr>
-              <p:cNvCxnSpPr/>
-              <p:nvPr/>
-            </p:nvCxnSpPr>
-            <p:spPr>
-              <a:xfrm>
-                <a:off x="4471332" y="3355596"/>
-                <a:ext cx="2852257" cy="0"/>
-              </a:xfrm>
-              <a:prstGeom prst="line">
-                <a:avLst/>
-              </a:prstGeom>
-            </p:spPr>
-            <p:style>
-              <a:lnRef idx="2">
-                <a:schemeClr val="dk1"/>
-              </a:lnRef>
-              <a:fillRef idx="0">
-                <a:schemeClr val="dk1"/>
-              </a:fillRef>
-              <a:effectRef idx="1">
-                <a:schemeClr val="dk1"/>
-              </a:effectRef>
-              <a:fontRef idx="minor">
-                <a:schemeClr val="tx1"/>
-              </a:fontRef>
-            </p:style>
-          </p:cxnSp>
-          <p:sp>
-            <p:nvSpPr>
-              <p:cNvPr id="7" name="Ellipse 6">
-                <a:extLst>
-                  <a:ext uri="{FF2B5EF4-FFF2-40B4-BE49-F238E27FC236}">
-                    <a16:creationId xmlns:a16="http://schemas.microsoft.com/office/drawing/2014/main" id="{BF43BBF3-7FFF-66C0-CF4D-CA4A359E77C7}"/>
-                  </a:ext>
-                </a:extLst>
-              </p:cNvPr>
-              <p:cNvSpPr/>
-              <p:nvPr/>
-            </p:nvSpPr>
-            <p:spPr>
-              <a:xfrm>
-                <a:off x="4417332" y="3301596"/>
-                <a:ext cx="108000" cy="108000"/>
-              </a:xfrm>
-              <a:prstGeom prst="ellipse">
-                <a:avLst/>
-              </a:prstGeom>
+            <a:prstGeom prst="ellipse">
+              <a:avLst/>
+            </a:prstGeom>
+            <a:solidFill>
+              <a:schemeClr val="tx1"/>
+            </a:solidFill>
+            <a:ln>
               <a:solidFill>
                 <a:schemeClr val="tx1"/>
               </a:solidFill>
-              <a:ln>
-                <a:solidFill>
-                  <a:schemeClr val="tx1"/>
-                </a:solidFill>
-              </a:ln>
-            </p:spPr>
-            <p:style>
-              <a:lnRef idx="2">
-                <a:schemeClr val="accent1">
-                  <a:shade val="15000"/>
-                </a:schemeClr>
-              </a:lnRef>
-              <a:fillRef idx="1">
-                <a:schemeClr val="accent1"/>
-              </a:fillRef>
-              <a:effectRef idx="0">
-                <a:schemeClr val="accent1"/>
-              </a:effectRef>
-              <a:fontRef idx="minor">
-                <a:schemeClr val="lt1"/>
-              </a:fontRef>
-            </p:style>
-            <p:txBody>
-              <a:bodyPr rtlCol="0" anchor="ctr"/>
-              <a:lstStyle/>
-              <a:p>
-                <a:pPr algn="ctr"/>
-                <a:endParaRPr lang="de-DE"/>
-              </a:p>
-            </p:txBody>
-          </p:sp>
-          <p:sp>
-            <p:nvSpPr>
-              <p:cNvPr id="8" name="Ellipse 7">
-                <a:extLst>
-                  <a:ext uri="{FF2B5EF4-FFF2-40B4-BE49-F238E27FC236}">
-                    <a16:creationId xmlns:a16="http://schemas.microsoft.com/office/drawing/2014/main" id="{04F94A0D-C295-D9AD-A8B9-F6001BAD9742}"/>
-                  </a:ext>
-                </a:extLst>
-              </p:cNvPr>
-              <p:cNvSpPr/>
-              <p:nvPr/>
-            </p:nvSpPr>
-            <p:spPr>
-              <a:xfrm>
-                <a:off x="7269589" y="3301596"/>
-                <a:ext cx="108000" cy="108000"/>
-              </a:xfrm>
-              <a:prstGeom prst="ellipse">
-                <a:avLst/>
-              </a:prstGeom>
+            </a:ln>
+          </p:spPr>
+          <p:style>
+            <a:lnRef idx="2">
+              <a:schemeClr val="accent1">
+                <a:shade val="15000"/>
+              </a:schemeClr>
+            </a:lnRef>
+            <a:fillRef idx="1">
+              <a:schemeClr val="accent1"/>
+            </a:fillRef>
+            <a:effectRef idx="0">
+              <a:schemeClr val="accent1"/>
+            </a:effectRef>
+            <a:fontRef idx="minor">
+              <a:schemeClr val="lt1"/>
+            </a:fontRef>
+          </p:style>
+          <p:txBody>
+            <a:bodyPr rtlCol="0" anchor="ctr"/>
+            <a:lstStyle/>
+            <a:p>
+              <a:pPr algn="ctr"/>
+              <a:endParaRPr lang="de-DE"/>
+            </a:p>
+          </p:txBody>
+        </p:sp>
+        <p:cxnSp>
+          <p:nvCxnSpPr>
+            <p:cNvPr id="9" name="Gerader Verbinder 8">
+              <a:extLst>
+                <a:ext uri="{FF2B5EF4-FFF2-40B4-BE49-F238E27FC236}">
+                  <a16:creationId xmlns:a16="http://schemas.microsoft.com/office/drawing/2014/main" id="{8BF7A811-7DAA-5C1D-B631-596DEE907D06}"/>
+                </a:ext>
+              </a:extLst>
+            </p:cNvPr>
+            <p:cNvCxnSpPr>
+              <a:cxnSpLocks/>
+            </p:cNvCxnSpPr>
+            <p:nvPr/>
+          </p:nvCxnSpPr>
+          <p:spPr>
+            <a:xfrm>
+              <a:off x="6357134" y="2472620"/>
+              <a:ext cx="144000" cy="0"/>
+            </a:xfrm>
+            <a:prstGeom prst="line">
+              <a:avLst/>
+            </a:prstGeom>
+            <a:ln w="19050">
               <a:solidFill>
                 <a:schemeClr val="tx1"/>
               </a:solidFill>
-              <a:ln>
-                <a:solidFill>
-                  <a:schemeClr val="tx1"/>
-                </a:solidFill>
-              </a:ln>
-            </p:spPr>
-            <p:style>
-              <a:lnRef idx="2">
-                <a:schemeClr val="accent1">
-                  <a:shade val="15000"/>
-                </a:schemeClr>
-              </a:lnRef>
-              <a:fillRef idx="1">
-                <a:schemeClr val="accent1"/>
-              </a:fillRef>
-              <a:effectRef idx="0">
-                <a:schemeClr val="accent1"/>
-              </a:effectRef>
-              <a:fontRef idx="minor">
-                <a:schemeClr val="lt1"/>
-              </a:fontRef>
-            </p:style>
-            <p:txBody>
-              <a:bodyPr rtlCol="0" anchor="ctr"/>
-              <a:lstStyle/>
-              <a:p>
-                <a:pPr algn="ctr"/>
-                <a:endParaRPr lang="de-DE"/>
-              </a:p>
-            </p:txBody>
-          </p:sp>
-          <p:cxnSp>
-            <p:nvCxnSpPr>
-              <p:cNvPr id="9" name="Gerader Verbinder 8">
-                <a:extLst>
-                  <a:ext uri="{FF2B5EF4-FFF2-40B4-BE49-F238E27FC236}">
-                    <a16:creationId xmlns:a16="http://schemas.microsoft.com/office/drawing/2014/main" id="{8BF7A811-7DAA-5C1D-B631-596DEE907D06}"/>
-                  </a:ext>
-                </a:extLst>
-              </p:cNvPr>
-              <p:cNvCxnSpPr>
-                <a:cxnSpLocks/>
-              </p:cNvCxnSpPr>
-              <p:nvPr/>
-            </p:nvCxnSpPr>
-            <p:spPr>
-              <a:xfrm>
-                <a:off x="6357134" y="2472620"/>
-                <a:ext cx="144000" cy="0"/>
-              </a:xfrm>
-              <a:prstGeom prst="line">
-                <a:avLst/>
-              </a:prstGeom>
-              <a:ln w="19050">
-                <a:solidFill>
-                  <a:schemeClr val="tx1"/>
-                </a:solidFill>
-              </a:ln>
-            </p:spPr>
-            <p:style>
-              <a:lnRef idx="1">
-                <a:schemeClr val="accent1"/>
-              </a:lnRef>
-              <a:fillRef idx="0">
-                <a:schemeClr val="accent1"/>
-              </a:fillRef>
-              <a:effectRef idx="0">
-                <a:schemeClr val="accent1"/>
-              </a:effectRef>
-              <a:fontRef idx="minor">
-                <a:schemeClr val="tx1"/>
-              </a:fontRef>
-            </p:style>
-          </p:cxnSp>
-          <p:cxnSp>
-            <p:nvCxnSpPr>
-              <p:cNvPr id="10" name="Gerader Verbinder 9">
-                <a:extLst>
-                  <a:ext uri="{FF2B5EF4-FFF2-40B4-BE49-F238E27FC236}">
-                    <a16:creationId xmlns:a16="http://schemas.microsoft.com/office/drawing/2014/main" id="{992D3395-E97B-652C-26B8-B4D46FDD41F3}"/>
-                  </a:ext>
-                </a:extLst>
-              </p:cNvPr>
-              <p:cNvCxnSpPr>
-                <a:cxnSpLocks/>
-              </p:cNvCxnSpPr>
-              <p:nvPr/>
-            </p:nvCxnSpPr>
-            <p:spPr>
-              <a:xfrm>
-                <a:off x="6433897" y="2400620"/>
-                <a:ext cx="0" cy="144000"/>
-              </a:xfrm>
-              <a:prstGeom prst="line">
-                <a:avLst/>
-              </a:prstGeom>
-              <a:ln w="19050">
-                <a:solidFill>
-                  <a:schemeClr val="tx1"/>
-                </a:solidFill>
-              </a:ln>
-            </p:spPr>
-            <p:style>
-              <a:lnRef idx="1">
-                <a:schemeClr val="accent1"/>
-              </a:lnRef>
-              <a:fillRef idx="0">
-                <a:schemeClr val="accent1"/>
-              </a:fillRef>
-              <a:effectRef idx="0">
-                <a:schemeClr val="accent1"/>
-              </a:effectRef>
-              <a:fontRef idx="minor">
-                <a:schemeClr val="tx1"/>
-              </a:fontRef>
-            </p:style>
-          </p:cxnSp>
-          <mc:AlternateContent xmlns:mc="http://schemas.openxmlformats.org/markup-compatibility/2006" xmlns:a14="http://schemas.microsoft.com/office/drawing/2010/main">
-            <mc:Choice Requires="a14">
-              <p:sp>
-                <p:nvSpPr>
-                  <p:cNvPr id="12" name="Textfeld 11">
-                    <a:extLst>
-                      <a:ext uri="{FF2B5EF4-FFF2-40B4-BE49-F238E27FC236}">
-                        <a16:creationId xmlns:a16="http://schemas.microsoft.com/office/drawing/2014/main" id="{6B216A70-C918-D465-C2B1-C568A0543317}"/>
-                      </a:ext>
-                    </a:extLst>
-                  </p:cNvPr>
-                  <p:cNvSpPr txBox="1"/>
-                  <p:nvPr/>
-                </p:nvSpPr>
-                <p:spPr>
-                  <a:xfrm>
-                    <a:off x="4191301" y="3355596"/>
-                    <a:ext cx="343080" cy="369332"/>
-                  </a:xfrm>
-                  <a:prstGeom prst="rect">
-                    <a:avLst/>
-                  </a:prstGeom>
-                  <a:noFill/>
-                </p:spPr>
-                <p:txBody>
-                  <a:bodyPr wrap="square">
-                    <a:spAutoFit/>
-                  </a:bodyPr>
-                  <a:lstStyle/>
-                  <a:p>
-                    <a:pPr/>
-                    <a14:m>
-                      <m:oMathPara xmlns:m="http://schemas.openxmlformats.org/officeDocument/2006/math">
-                        <m:oMathParaPr>
-                          <m:jc m:val="centerGroup"/>
-                        </m:oMathParaPr>
-                        <m:oMath xmlns:m="http://schemas.openxmlformats.org/officeDocument/2006/math">
-                          <m:sSub>
-                            <m:sSubPr>
-                              <m:ctrlPr>
-                                <a:rPr lang="de-DE" sz="1800" b="0" i="1" smtClean="0">
-                                  <a:solidFill>
-                                    <a:schemeClr val="tx1"/>
-                                  </a:solidFill>
-                                  <a:latin typeface="Cambria Math" panose="02040503050406030204" pitchFamily="18" charset="0"/>
-                                  <a:ea typeface="Cambria Math" panose="02040503050406030204" pitchFamily="18" charset="0"/>
-                                </a:rPr>
-                              </m:ctrlPr>
-                            </m:sSubPr>
-                            <m:e>
-                              <m:r>
-                                <a:rPr lang="de-DE" sz="1800" b="0" i="1" smtClean="0">
-                                  <a:solidFill>
-                                    <a:schemeClr val="tx1"/>
-                                  </a:solidFill>
-                                  <a:latin typeface="Cambria Math" panose="02040503050406030204" pitchFamily="18" charset="0"/>
-                                  <a:ea typeface="Cambria Math" panose="02040503050406030204" pitchFamily="18" charset="0"/>
-                                </a:rPr>
-                                <m:t>𝑎</m:t>
-                              </m:r>
-                            </m:e>
-                            <m:sub>
-                              <m:r>
-                                <a:rPr lang="de-DE" sz="1800" b="0" i="1" smtClean="0">
-                                  <a:solidFill>
-                                    <a:schemeClr val="tx1"/>
-                                  </a:solidFill>
-                                  <a:latin typeface="Cambria Math" panose="02040503050406030204" pitchFamily="18" charset="0"/>
-                                  <a:ea typeface="Cambria Math" panose="02040503050406030204" pitchFamily="18" charset="0"/>
-                                </a:rPr>
-                                <m:t>3</m:t>
-                              </m:r>
-                            </m:sub>
-                          </m:sSub>
-                        </m:oMath>
-                      </m:oMathPara>
-                    </a14:m>
-                    <a:endParaRPr lang="de-DE" dirty="0"/>
-                  </a:p>
-                </p:txBody>
-              </p:sp>
-            </mc:Choice>
-            <mc:Fallback xmlns="">
-              <p:sp>
-                <p:nvSpPr>
-                  <p:cNvPr id="12" name="Textfeld 11">
-                    <a:extLst>
-                      <a:ext uri="{FF2B5EF4-FFF2-40B4-BE49-F238E27FC236}">
-                        <a16:creationId xmlns:a16="http://schemas.microsoft.com/office/drawing/2014/main" id="{6B216A70-C918-D465-C2B1-C568A0543317}"/>
-                      </a:ext>
-                    </a:extLst>
-                  </p:cNvPr>
-                  <p:cNvSpPr txBox="1">
-                    <a:spLocks noRot="1" noChangeAspect="1" noMove="1" noResize="1" noEditPoints="1" noAdjustHandles="1" noChangeArrowheads="1" noChangeShapeType="1" noTextEdit="1"/>
-                  </p:cNvSpPr>
-                  <p:nvPr/>
-                </p:nvSpPr>
-                <p:spPr>
-                  <a:xfrm>
-                    <a:off x="4191301" y="3355596"/>
-                    <a:ext cx="343080" cy="369332"/>
-                  </a:xfrm>
-                  <a:prstGeom prst="rect">
-                    <a:avLst/>
-                  </a:prstGeom>
-                  <a:blipFill>
-                    <a:blip r:embed="rId2"/>
-                    <a:stretch>
-                      <a:fillRect r="-8929"/>
-                    </a:stretch>
-                  </a:blipFill>
-                </p:spPr>
-                <p:txBody>
-                  <a:bodyPr/>
-                  <a:lstStyle/>
-                  <a:p>
-                    <a:r>
-                      <a:rPr lang="de-DE">
-                        <a:noFill/>
-                      </a:rPr>
-                      <a:t> </a:t>
-                    </a:r>
-                  </a:p>
-                </p:txBody>
-              </p:sp>
-            </mc:Fallback>
-          </mc:AlternateContent>
-          <mc:AlternateContent xmlns:mc="http://schemas.openxmlformats.org/markup-compatibility/2006" xmlns:a14="http://schemas.microsoft.com/office/drawing/2010/main">
-            <mc:Choice Requires="a14">
-              <p:sp>
-                <p:nvSpPr>
-                  <p:cNvPr id="14" name="Textfeld 13">
-                    <a:extLst>
-                      <a:ext uri="{FF2B5EF4-FFF2-40B4-BE49-F238E27FC236}">
-                        <a16:creationId xmlns:a16="http://schemas.microsoft.com/office/drawing/2014/main" id="{A911766B-8397-6D57-BC5D-529416720ACD}"/>
-                      </a:ext>
-                    </a:extLst>
-                  </p:cNvPr>
-                  <p:cNvSpPr txBox="1"/>
-                  <p:nvPr/>
-                </p:nvSpPr>
-                <p:spPr>
-                  <a:xfrm>
-                    <a:off x="7314541" y="3355596"/>
-                    <a:ext cx="343080" cy="369332"/>
-                  </a:xfrm>
-                  <a:prstGeom prst="rect">
-                    <a:avLst/>
-                  </a:prstGeom>
-                  <a:noFill/>
-                </p:spPr>
-                <p:txBody>
-                  <a:bodyPr wrap="square">
-                    <a:spAutoFit/>
-                  </a:bodyPr>
-                  <a:lstStyle/>
-                  <a:p>
-                    <a:pPr/>
-                    <a14:m>
-                      <m:oMathPara xmlns:m="http://schemas.openxmlformats.org/officeDocument/2006/math">
-                        <m:oMathParaPr>
-                          <m:jc m:val="centerGroup"/>
-                        </m:oMathParaPr>
-                        <m:oMath xmlns:m="http://schemas.openxmlformats.org/officeDocument/2006/math">
-                          <m:sSub>
-                            <m:sSubPr>
-                              <m:ctrlPr>
-                                <a:rPr lang="de-DE" sz="1800" b="0" i="1" smtClean="0">
-                                  <a:solidFill>
-                                    <a:schemeClr val="tx1"/>
-                                  </a:solidFill>
-                                  <a:latin typeface="Cambria Math" panose="02040503050406030204" pitchFamily="18" charset="0"/>
-                                  <a:ea typeface="Cambria Math" panose="02040503050406030204" pitchFamily="18" charset="0"/>
-                                </a:rPr>
-                              </m:ctrlPr>
-                            </m:sSubPr>
-                            <m:e>
-                              <m:r>
-                                <a:rPr lang="de-DE" sz="1800" b="0" i="1" smtClean="0">
-                                  <a:solidFill>
-                                    <a:schemeClr val="tx1"/>
-                                  </a:solidFill>
-                                  <a:latin typeface="Cambria Math" panose="02040503050406030204" pitchFamily="18" charset="0"/>
-                                  <a:ea typeface="Cambria Math" panose="02040503050406030204" pitchFamily="18" charset="0"/>
-                                </a:rPr>
-                                <m:t>𝑎</m:t>
-                              </m:r>
-                            </m:e>
-                            <m:sub>
-                              <m:r>
-                                <a:rPr lang="de-DE" sz="1800" b="0" i="1" smtClean="0">
-                                  <a:solidFill>
-                                    <a:schemeClr val="tx1"/>
-                                  </a:solidFill>
-                                  <a:latin typeface="Cambria Math" panose="02040503050406030204" pitchFamily="18" charset="0"/>
-                                  <a:ea typeface="Cambria Math" panose="02040503050406030204" pitchFamily="18" charset="0"/>
-                                </a:rPr>
-                                <m:t>2</m:t>
-                              </m:r>
-                            </m:sub>
-                          </m:sSub>
-                        </m:oMath>
-                      </m:oMathPara>
-                    </a14:m>
-                    <a:endParaRPr lang="de-DE" dirty="0"/>
-                  </a:p>
-                </p:txBody>
-              </p:sp>
-            </mc:Choice>
-            <mc:Fallback xmlns="">
-              <p:sp>
-                <p:nvSpPr>
-                  <p:cNvPr id="14" name="Textfeld 13">
-                    <a:extLst>
-                      <a:ext uri="{FF2B5EF4-FFF2-40B4-BE49-F238E27FC236}">
-                        <a16:creationId xmlns:a16="http://schemas.microsoft.com/office/drawing/2014/main" id="{A911766B-8397-6D57-BC5D-529416720ACD}"/>
-                      </a:ext>
-                    </a:extLst>
-                  </p:cNvPr>
-                  <p:cNvSpPr txBox="1">
-                    <a:spLocks noRot="1" noChangeAspect="1" noMove="1" noResize="1" noEditPoints="1" noAdjustHandles="1" noChangeArrowheads="1" noChangeShapeType="1" noTextEdit="1"/>
-                  </p:cNvSpPr>
-                  <p:nvPr/>
-                </p:nvSpPr>
-                <p:spPr>
-                  <a:xfrm>
-                    <a:off x="7314541" y="3355596"/>
-                    <a:ext cx="343080" cy="369332"/>
-                  </a:xfrm>
-                  <a:prstGeom prst="rect">
-                    <a:avLst/>
-                  </a:prstGeom>
-                  <a:blipFill>
-                    <a:blip r:embed="rId3"/>
-                    <a:stretch>
-                      <a:fillRect r="-8929"/>
-                    </a:stretch>
-                  </a:blipFill>
-                </p:spPr>
-                <p:txBody>
-                  <a:bodyPr/>
-                  <a:lstStyle/>
-                  <a:p>
-                    <a:r>
-                      <a:rPr lang="de-DE">
-                        <a:noFill/>
-                      </a:rPr>
-                      <a:t> </a:t>
-                    </a:r>
-                  </a:p>
-                </p:txBody>
-              </p:sp>
-            </mc:Fallback>
-          </mc:AlternateContent>
-          <mc:AlternateContent xmlns:mc="http://schemas.openxmlformats.org/markup-compatibility/2006" xmlns:a14="http://schemas.microsoft.com/office/drawing/2010/main">
-            <mc:Choice Requires="a14">
-              <p:sp>
-                <p:nvSpPr>
-                  <p:cNvPr id="16" name="Textfeld 15">
-                    <a:extLst>
-                      <a:ext uri="{FF2B5EF4-FFF2-40B4-BE49-F238E27FC236}">
-                        <a16:creationId xmlns:a16="http://schemas.microsoft.com/office/drawing/2014/main" id="{9AF1167D-CF89-A36B-2260-55CA6DEEF0FC}"/>
-                      </a:ext>
-                    </a:extLst>
-                  </p:cNvPr>
-                  <p:cNvSpPr txBox="1"/>
-                  <p:nvPr/>
-                </p:nvSpPr>
-                <p:spPr>
-                  <a:xfrm>
-                    <a:off x="6257594" y="2497504"/>
-                    <a:ext cx="343080" cy="369332"/>
-                  </a:xfrm>
-                  <a:prstGeom prst="rect">
-                    <a:avLst/>
-                  </a:prstGeom>
-                  <a:noFill/>
-                </p:spPr>
-                <p:txBody>
-                  <a:bodyPr wrap="square">
-                    <a:spAutoFit/>
-                  </a:bodyPr>
-                  <a:lstStyle/>
-                  <a:p>
-                    <a:pPr/>
-                    <a14:m>
-                      <m:oMathPara xmlns:m="http://schemas.openxmlformats.org/officeDocument/2006/math">
-                        <m:oMathParaPr>
-                          <m:jc m:val="centerGroup"/>
-                        </m:oMathParaPr>
-                        <m:oMath xmlns:m="http://schemas.openxmlformats.org/officeDocument/2006/math">
-                          <m:r>
-                            <a:rPr lang="de-DE" sz="1800" b="0" i="1" smtClean="0">
-                              <a:solidFill>
-                                <a:schemeClr val="tx1"/>
-                              </a:solidFill>
-                              <a:latin typeface="Cambria Math" panose="02040503050406030204" pitchFamily="18" charset="0"/>
-                              <a:ea typeface="Cambria Math" panose="02040503050406030204" pitchFamily="18" charset="0"/>
-                            </a:rPr>
-                            <m:t>𝑝</m:t>
-                          </m:r>
-                        </m:oMath>
-                      </m:oMathPara>
-                    </a14:m>
-                    <a:endParaRPr lang="de-DE" dirty="0"/>
-                  </a:p>
-                </p:txBody>
-              </p:sp>
-            </mc:Choice>
-            <mc:Fallback xmlns="">
-              <p:sp>
-                <p:nvSpPr>
-                  <p:cNvPr id="16" name="Textfeld 15">
-                    <a:extLst>
-                      <a:ext uri="{FF2B5EF4-FFF2-40B4-BE49-F238E27FC236}">
-                        <a16:creationId xmlns:a16="http://schemas.microsoft.com/office/drawing/2014/main" id="{9AF1167D-CF89-A36B-2260-55CA6DEEF0FC}"/>
-                      </a:ext>
-                    </a:extLst>
-                  </p:cNvPr>
-                  <p:cNvSpPr txBox="1">
-                    <a:spLocks noRot="1" noChangeAspect="1" noMove="1" noResize="1" noEditPoints="1" noAdjustHandles="1" noChangeArrowheads="1" noChangeShapeType="1" noTextEdit="1"/>
-                  </p:cNvSpPr>
-                  <p:nvPr/>
-                </p:nvSpPr>
-                <p:spPr>
-                  <a:xfrm>
-                    <a:off x="6257594" y="2497504"/>
-                    <a:ext cx="343080" cy="369332"/>
-                  </a:xfrm>
-                  <a:prstGeom prst="rect">
-                    <a:avLst/>
-                  </a:prstGeom>
-                  <a:blipFill>
-                    <a:blip r:embed="rId4"/>
-                    <a:stretch>
-                      <a:fillRect b="-6667"/>
-                    </a:stretch>
-                  </a:blipFill>
-                </p:spPr>
-                <p:txBody>
-                  <a:bodyPr/>
-                  <a:lstStyle/>
-                  <a:p>
-                    <a:r>
-                      <a:rPr lang="de-DE">
-                        <a:noFill/>
-                      </a:rPr>
-                      <a:t> </a:t>
-                    </a:r>
-                  </a:p>
-                </p:txBody>
-              </p:sp>
-            </mc:Fallback>
-          </mc:AlternateContent>
-          <p:cxnSp>
-            <p:nvCxnSpPr>
-              <p:cNvPr id="19" name="Gerader Verbinder 18">
-                <a:extLst>
-                  <a:ext uri="{FF2B5EF4-FFF2-40B4-BE49-F238E27FC236}">
-                    <a16:creationId xmlns:a16="http://schemas.microsoft.com/office/drawing/2014/main" id="{F2D23B11-1B6C-F689-6C80-62EF33CC31C6}"/>
-                  </a:ext>
-                </a:extLst>
-              </p:cNvPr>
-              <p:cNvCxnSpPr>
-                <a:cxnSpLocks/>
-                <a:stCxn id="7" idx="7"/>
-              </p:cNvCxnSpPr>
-              <p:nvPr/>
-            </p:nvCxnSpPr>
-            <p:spPr>
-              <a:xfrm flipV="1">
-                <a:off x="4509516" y="2472619"/>
-                <a:ext cx="1929145" cy="844793"/>
-              </a:xfrm>
-              <a:prstGeom prst="line">
-                <a:avLst/>
-              </a:prstGeom>
-              <a:ln>
-                <a:prstDash val="dash"/>
-              </a:ln>
-            </p:spPr>
-            <p:style>
-              <a:lnRef idx="2">
-                <a:schemeClr val="dk1"/>
-              </a:lnRef>
-              <a:fillRef idx="0">
-                <a:schemeClr val="dk1"/>
-              </a:fillRef>
-              <a:effectRef idx="1">
-                <a:schemeClr val="dk1"/>
-              </a:effectRef>
-              <a:fontRef idx="minor">
-                <a:schemeClr val="tx1"/>
-              </a:fontRef>
-            </p:style>
-          </p:cxnSp>
-          <p:cxnSp>
-            <p:nvCxnSpPr>
-              <p:cNvPr id="24" name="Gerader Verbinder 23">
-                <a:extLst>
-                  <a:ext uri="{FF2B5EF4-FFF2-40B4-BE49-F238E27FC236}">
-                    <a16:creationId xmlns:a16="http://schemas.microsoft.com/office/drawing/2014/main" id="{5343F90A-53EC-36F3-863E-193685162FB5}"/>
-                  </a:ext>
-                </a:extLst>
-              </p:cNvPr>
-              <p:cNvCxnSpPr>
-                <a:cxnSpLocks/>
-                <a:stCxn id="8" idx="1"/>
-              </p:cNvCxnSpPr>
-              <p:nvPr/>
-            </p:nvCxnSpPr>
-            <p:spPr>
-              <a:xfrm flipH="1" flipV="1">
-                <a:off x="6433897" y="2472618"/>
-                <a:ext cx="851508" cy="844794"/>
-              </a:xfrm>
-              <a:prstGeom prst="line">
-                <a:avLst/>
-              </a:prstGeom>
-              <a:ln>
-                <a:prstDash val="dash"/>
-              </a:ln>
-            </p:spPr>
-            <p:style>
-              <a:lnRef idx="2">
-                <a:schemeClr val="dk1"/>
-              </a:lnRef>
-              <a:fillRef idx="0">
-                <a:schemeClr val="dk1"/>
-              </a:fillRef>
-              <a:effectRef idx="1">
-                <a:schemeClr val="dk1"/>
-              </a:effectRef>
-              <a:fontRef idx="minor">
-                <a:schemeClr val="tx1"/>
-              </a:fontRef>
-            </p:style>
-          </p:cxnSp>
-          <p:cxnSp>
-            <p:nvCxnSpPr>
-              <p:cNvPr id="27" name="Gerader Verbinder 26">
-                <a:extLst>
-                  <a:ext uri="{FF2B5EF4-FFF2-40B4-BE49-F238E27FC236}">
-                    <a16:creationId xmlns:a16="http://schemas.microsoft.com/office/drawing/2014/main" id="{018AB8FE-4AF9-CA12-9ED8-8CF214170E03}"/>
-                  </a:ext>
-                </a:extLst>
-              </p:cNvPr>
-              <p:cNvCxnSpPr>
-                <a:cxnSpLocks/>
-                <a:endCxn id="36" idx="2"/>
-              </p:cNvCxnSpPr>
-              <p:nvPr/>
-            </p:nvCxnSpPr>
-            <p:spPr>
-              <a:xfrm flipH="1" flipV="1">
-                <a:off x="5641975" y="1695727"/>
-                <a:ext cx="787159" cy="776890"/>
-              </a:xfrm>
-              <a:prstGeom prst="line">
-                <a:avLst/>
-              </a:prstGeom>
-            </p:spPr>
-            <p:style>
-              <a:lnRef idx="2">
-                <a:schemeClr val="dk1"/>
-              </a:lnRef>
-              <a:fillRef idx="0">
-                <a:schemeClr val="dk1"/>
-              </a:fillRef>
-              <a:effectRef idx="1">
-                <a:schemeClr val="dk1"/>
-              </a:effectRef>
-              <a:fontRef idx="minor">
-                <a:schemeClr val="tx1"/>
-              </a:fontRef>
-            </p:style>
-          </p:cxnSp>
-          <p:cxnSp>
-            <p:nvCxnSpPr>
-              <p:cNvPr id="31" name="Gerader Verbinder 30">
-                <a:extLst>
-                  <a:ext uri="{FF2B5EF4-FFF2-40B4-BE49-F238E27FC236}">
-                    <a16:creationId xmlns:a16="http://schemas.microsoft.com/office/drawing/2014/main" id="{B4D0AB50-B97A-DE07-8E36-83D0A1FE291D}"/>
-                  </a:ext>
-                </a:extLst>
-              </p:cNvPr>
-              <p:cNvCxnSpPr>
-                <a:cxnSpLocks/>
-                <a:endCxn id="36" idx="4"/>
-              </p:cNvCxnSpPr>
-              <p:nvPr/>
-            </p:nvCxnSpPr>
-            <p:spPr>
-              <a:xfrm flipV="1">
-                <a:off x="6438661" y="1695727"/>
-                <a:ext cx="1743313" cy="776890"/>
-              </a:xfrm>
-              <a:prstGeom prst="line">
-                <a:avLst/>
-              </a:prstGeom>
-            </p:spPr>
-            <p:style>
-              <a:lnRef idx="2">
-                <a:schemeClr val="dk1"/>
-              </a:lnRef>
-              <a:fillRef idx="0">
-                <a:schemeClr val="dk1"/>
-              </a:fillRef>
-              <a:effectRef idx="1">
-                <a:schemeClr val="dk1"/>
-              </a:effectRef>
-              <a:fontRef idx="minor">
-                <a:schemeClr val="tx1"/>
-              </a:fontRef>
-            </p:style>
-          </p:cxnSp>
-          <mc:AlternateContent xmlns:mc="http://schemas.openxmlformats.org/markup-compatibility/2006" xmlns:a14="http://schemas.microsoft.com/office/drawing/2010/main">
-            <mc:Choice Requires="a14">
-              <p:sp>
-                <p:nvSpPr>
-                  <p:cNvPr id="40" name="Textfeld 39">
-                    <a:extLst>
-                      <a:ext uri="{FF2B5EF4-FFF2-40B4-BE49-F238E27FC236}">
-                        <a16:creationId xmlns:a16="http://schemas.microsoft.com/office/drawing/2014/main" id="{B999F7DD-CD04-0CF2-9E9A-DEC0E2142DF0}"/>
-                      </a:ext>
-                    </a:extLst>
-                  </p:cNvPr>
-                  <p:cNvSpPr txBox="1"/>
-                  <p:nvPr/>
-                </p:nvSpPr>
-                <p:spPr>
-                  <a:xfrm>
-                    <a:off x="6357134" y="1641728"/>
-                    <a:ext cx="343080" cy="369332"/>
-                  </a:xfrm>
-                  <a:prstGeom prst="rect">
-                    <a:avLst/>
-                  </a:prstGeom>
-                  <a:noFill/>
-                </p:spPr>
-                <p:txBody>
-                  <a:bodyPr wrap="square">
-                    <a:spAutoFit/>
-                  </a:bodyPr>
-                  <a:lstStyle/>
-                  <a:p>
-                    <a:pPr/>
-                    <a14:m>
-                      <m:oMathPara xmlns:m="http://schemas.openxmlformats.org/officeDocument/2006/math">
-                        <m:oMathParaPr>
-                          <m:jc m:val="centerGroup"/>
-                        </m:oMathParaPr>
-                        <m:oMath xmlns:m="http://schemas.openxmlformats.org/officeDocument/2006/math">
-                          <m:sSub>
-                            <m:sSubPr>
-                              <m:ctrlPr>
-                                <a:rPr lang="de-DE" sz="1800" b="0" i="1" smtClean="0">
-                                  <a:solidFill>
-                                    <a:schemeClr val="tx1"/>
-                                  </a:solidFill>
-                                  <a:latin typeface="Cambria Math" panose="02040503050406030204" pitchFamily="18" charset="0"/>
-                                  <a:ea typeface="Cambria Math" panose="02040503050406030204" pitchFamily="18" charset="0"/>
-                                </a:rPr>
-                              </m:ctrlPr>
-                            </m:sSubPr>
-                            <m:e>
-                              <m:r>
-                                <a:rPr lang="de-DE" sz="1800" b="0" i="1" smtClean="0">
-                                  <a:solidFill>
-                                    <a:schemeClr val="tx1"/>
-                                  </a:solidFill>
-                                  <a:latin typeface="Cambria Math" panose="02040503050406030204" pitchFamily="18" charset="0"/>
-                                  <a:ea typeface="Cambria Math" panose="02040503050406030204" pitchFamily="18" charset="0"/>
-                                </a:rPr>
-                                <m:t>𝑎</m:t>
-                              </m:r>
-                            </m:e>
-                            <m:sub>
-                              <m:r>
-                                <a:rPr lang="de-DE" sz="1800" b="0" i="1" smtClean="0">
-                                  <a:solidFill>
-                                    <a:schemeClr val="tx1"/>
-                                  </a:solidFill>
-                                  <a:latin typeface="Cambria Math" panose="02040503050406030204" pitchFamily="18" charset="0"/>
-                                  <a:ea typeface="Cambria Math" panose="02040503050406030204" pitchFamily="18" charset="0"/>
-                                </a:rPr>
-                                <m:t>1</m:t>
-                              </m:r>
-                            </m:sub>
-                          </m:sSub>
-                        </m:oMath>
-                      </m:oMathPara>
-                    </a14:m>
-                    <a:endParaRPr lang="de-DE" dirty="0"/>
-                  </a:p>
-                </p:txBody>
-              </p:sp>
-            </mc:Choice>
-            <mc:Fallback xmlns="">
-              <p:sp>
-                <p:nvSpPr>
-                  <p:cNvPr id="40" name="Textfeld 39">
-                    <a:extLst>
-                      <a:ext uri="{FF2B5EF4-FFF2-40B4-BE49-F238E27FC236}">
-                        <a16:creationId xmlns:a16="http://schemas.microsoft.com/office/drawing/2014/main" id="{B999F7DD-CD04-0CF2-9E9A-DEC0E2142DF0}"/>
-                      </a:ext>
-                    </a:extLst>
-                  </p:cNvPr>
-                  <p:cNvSpPr txBox="1">
-                    <a:spLocks noRot="1" noChangeAspect="1" noMove="1" noResize="1" noEditPoints="1" noAdjustHandles="1" noChangeArrowheads="1" noChangeShapeType="1" noTextEdit="1"/>
-                  </p:cNvSpPr>
-                  <p:nvPr/>
-                </p:nvSpPr>
-                <p:spPr>
-                  <a:xfrm>
-                    <a:off x="6357134" y="1641728"/>
-                    <a:ext cx="343080" cy="369332"/>
-                  </a:xfrm>
-                  <a:prstGeom prst="rect">
-                    <a:avLst/>
-                  </a:prstGeom>
-                  <a:blipFill>
-                    <a:blip r:embed="rId5"/>
-                    <a:stretch>
-                      <a:fillRect r="-7143"/>
-                    </a:stretch>
-                  </a:blipFill>
-                </p:spPr>
-                <p:txBody>
-                  <a:bodyPr/>
-                  <a:lstStyle/>
-                  <a:p>
-                    <a:r>
-                      <a:rPr lang="de-DE">
-                        <a:noFill/>
-                      </a:rPr>
-                      <a:t> </a:t>
-                    </a:r>
-                  </a:p>
-                </p:txBody>
-              </p:sp>
-            </mc:Fallback>
-          </mc:AlternateContent>
-          <p:sp>
-            <p:nvSpPr>
-              <p:cNvPr id="41" name="Ellipse 40">
-                <a:extLst>
-                  <a:ext uri="{FF2B5EF4-FFF2-40B4-BE49-F238E27FC236}">
-                    <a16:creationId xmlns:a16="http://schemas.microsoft.com/office/drawing/2014/main" id="{D4ED5FCA-5E7C-DB35-9839-79FEBDF4222A}"/>
-                  </a:ext>
-                </a:extLst>
-              </p:cNvPr>
-              <p:cNvSpPr/>
-              <p:nvPr/>
-            </p:nvSpPr>
-            <p:spPr>
-              <a:xfrm>
-                <a:off x="6269516" y="1914043"/>
-                <a:ext cx="108000" cy="108000"/>
-              </a:xfrm>
-              <a:prstGeom prst="ellipse">
-                <a:avLst/>
-              </a:prstGeom>
+            </a:ln>
+          </p:spPr>
+          <p:style>
+            <a:lnRef idx="1">
+              <a:schemeClr val="accent1"/>
+            </a:lnRef>
+            <a:fillRef idx="0">
+              <a:schemeClr val="accent1"/>
+            </a:fillRef>
+            <a:effectRef idx="0">
+              <a:schemeClr val="accent1"/>
+            </a:effectRef>
+            <a:fontRef idx="minor">
+              <a:schemeClr val="tx1"/>
+            </a:fontRef>
+          </p:style>
+        </p:cxnSp>
+        <p:cxnSp>
+          <p:nvCxnSpPr>
+            <p:cNvPr id="10" name="Gerader Verbinder 9">
+              <a:extLst>
+                <a:ext uri="{FF2B5EF4-FFF2-40B4-BE49-F238E27FC236}">
+                  <a16:creationId xmlns:a16="http://schemas.microsoft.com/office/drawing/2014/main" id="{992D3395-E97B-652C-26B8-B4D46FDD41F3}"/>
+                </a:ext>
+              </a:extLst>
+            </p:cNvPr>
+            <p:cNvCxnSpPr>
+              <a:cxnSpLocks/>
+            </p:cNvCxnSpPr>
+            <p:nvPr/>
+          </p:nvCxnSpPr>
+          <p:spPr>
+            <a:xfrm>
+              <a:off x="6433897" y="2400620"/>
+              <a:ext cx="0" cy="144000"/>
+            </a:xfrm>
+            <a:prstGeom prst="line">
+              <a:avLst/>
+            </a:prstGeom>
+            <a:ln w="19050">
               <a:solidFill>
                 <a:schemeClr val="tx1"/>
               </a:solidFill>
-              <a:ln>
-                <a:solidFill>
-                  <a:schemeClr val="tx1"/>
-                </a:solidFill>
-              </a:ln>
-            </p:spPr>
-            <p:style>
-              <a:lnRef idx="2">
-                <a:schemeClr val="accent1">
-                  <a:shade val="15000"/>
-                </a:schemeClr>
-              </a:lnRef>
-              <a:fillRef idx="1">
-                <a:schemeClr val="accent1"/>
-              </a:fillRef>
-              <a:effectRef idx="0">
-                <a:schemeClr val="accent1"/>
-              </a:effectRef>
-              <a:fontRef idx="minor">
-                <a:schemeClr val="lt1"/>
-              </a:fontRef>
-            </p:style>
-            <p:txBody>
-              <a:bodyPr rtlCol="0" anchor="ctr"/>
-              <a:lstStyle/>
-              <a:p>
-                <a:pPr algn="ctr"/>
-                <a:endParaRPr lang="de-DE"/>
-              </a:p>
-            </p:txBody>
-          </p:sp>
-          <mc:AlternateContent xmlns:mc="http://schemas.openxmlformats.org/markup-compatibility/2006" xmlns:a14="http://schemas.microsoft.com/office/drawing/2010/main">
-            <mc:Choice Requires="a14">
-              <p:sp>
-                <p:nvSpPr>
-                  <p:cNvPr id="45" name="Textfeld 44">
-                    <a:extLst>
-                      <a:ext uri="{FF2B5EF4-FFF2-40B4-BE49-F238E27FC236}">
-                        <a16:creationId xmlns:a16="http://schemas.microsoft.com/office/drawing/2014/main" id="{BCC8F131-BCF4-7285-BC6C-8AAAD4FEB047}"/>
-                      </a:ext>
-                    </a:extLst>
-                  </p:cNvPr>
-                  <p:cNvSpPr txBox="1"/>
-                  <p:nvPr/>
-                </p:nvSpPr>
-                <p:spPr>
-                  <a:xfrm>
-                    <a:off x="5024508" y="2975080"/>
-                    <a:ext cx="449580" cy="369332"/>
-                  </a:xfrm>
-                  <a:prstGeom prst="rect">
-                    <a:avLst/>
-                  </a:prstGeom>
-                  <a:noFill/>
-                </p:spPr>
-                <p:txBody>
-                  <a:bodyPr wrap="square">
-                    <a:spAutoFit/>
-                  </a:bodyPr>
-                  <a:lstStyle/>
-                  <a:p>
-                    <a:pPr/>
-                    <a14:m>
-                      <m:oMathPara xmlns:m="http://schemas.openxmlformats.org/officeDocument/2006/math">
-                        <m:oMathParaPr>
-                          <m:jc m:val="centerGroup"/>
-                        </m:oMathParaPr>
-                        <m:oMath xmlns:m="http://schemas.openxmlformats.org/officeDocument/2006/math">
-                          <m:sSub>
-                            <m:sSubPr>
-                              <m:ctrlPr>
-                                <a:rPr lang="de-DE" sz="1800" b="0" i="1" smtClean="0">
-                                  <a:solidFill>
-                                    <a:schemeClr val="tx1"/>
-                                  </a:solidFill>
-                                  <a:latin typeface="Cambria Math" panose="02040503050406030204" pitchFamily="18" charset="0"/>
-                                  <a:ea typeface="Cambria Math" panose="02040503050406030204" pitchFamily="18" charset="0"/>
-                                </a:rPr>
-                              </m:ctrlPr>
-                            </m:sSubPr>
-                            <m:e>
-                              <m:r>
-                                <a:rPr lang="el-GR" i="1">
-                                  <a:latin typeface="Cambria Math" panose="02040503050406030204" pitchFamily="18" charset="0"/>
-                                  <a:ea typeface="Cambria Math" panose="02040503050406030204" pitchFamily="18" charset="0"/>
-                                </a:rPr>
-                                <m:t>𝜑</m:t>
-                              </m:r>
-                            </m:e>
-                            <m:sub>
-                              <m:r>
-                                <a:rPr lang="de-DE" sz="1800" b="0" i="1" smtClean="0">
-                                  <a:solidFill>
-                                    <a:schemeClr val="tx1"/>
-                                  </a:solidFill>
-                                  <a:latin typeface="Cambria Math" panose="02040503050406030204" pitchFamily="18" charset="0"/>
-                                  <a:ea typeface="Cambria Math" panose="02040503050406030204" pitchFamily="18" charset="0"/>
-                                </a:rPr>
-                                <m:t>3</m:t>
-                              </m:r>
-                            </m:sub>
-                          </m:sSub>
-                        </m:oMath>
-                      </m:oMathPara>
-                    </a14:m>
-                    <a:endParaRPr lang="de-DE" dirty="0"/>
-                  </a:p>
-                </p:txBody>
-              </p:sp>
-            </mc:Choice>
-            <mc:Fallback xmlns="">
-              <p:sp>
-                <p:nvSpPr>
-                  <p:cNvPr id="45" name="Textfeld 44">
-                    <a:extLst>
-                      <a:ext uri="{FF2B5EF4-FFF2-40B4-BE49-F238E27FC236}">
-                        <a16:creationId xmlns:a16="http://schemas.microsoft.com/office/drawing/2014/main" id="{BCC8F131-BCF4-7285-BC6C-8AAAD4FEB047}"/>
-                      </a:ext>
-                    </a:extLst>
-                  </p:cNvPr>
-                  <p:cNvSpPr txBox="1">
-                    <a:spLocks noRot="1" noChangeAspect="1" noMove="1" noResize="1" noEditPoints="1" noAdjustHandles="1" noChangeArrowheads="1" noChangeShapeType="1" noTextEdit="1"/>
-                  </p:cNvSpPr>
-                  <p:nvPr/>
-                </p:nvSpPr>
-                <p:spPr>
-                  <a:xfrm>
-                    <a:off x="5024508" y="2975080"/>
-                    <a:ext cx="449580" cy="369332"/>
-                  </a:xfrm>
-                  <a:prstGeom prst="rect">
-                    <a:avLst/>
-                  </a:prstGeom>
-                  <a:blipFill>
-                    <a:blip r:embed="rId6"/>
-                    <a:stretch>
-                      <a:fillRect b="-6557"/>
-                    </a:stretch>
-                  </a:blipFill>
-                </p:spPr>
-                <p:txBody>
-                  <a:bodyPr/>
-                  <a:lstStyle/>
-                  <a:p>
-                    <a:r>
-                      <a:rPr lang="de-DE">
-                        <a:noFill/>
-                      </a:rPr>
-                      <a:t> </a:t>
-                    </a:r>
-                  </a:p>
-                </p:txBody>
-              </p:sp>
-            </mc:Fallback>
-          </mc:AlternateContent>
-          <mc:AlternateContent xmlns:mc="http://schemas.openxmlformats.org/markup-compatibility/2006" xmlns:a14="http://schemas.microsoft.com/office/drawing/2010/main">
-            <mc:Choice Requires="a14">
-              <p:sp>
-                <p:nvSpPr>
-                  <p:cNvPr id="47" name="Textfeld 46">
-                    <a:extLst>
-                      <a:ext uri="{FF2B5EF4-FFF2-40B4-BE49-F238E27FC236}">
-                        <a16:creationId xmlns:a16="http://schemas.microsoft.com/office/drawing/2014/main" id="{3DB3EA05-3216-9B6A-F301-9DB302D2E91E}"/>
-                      </a:ext>
-                    </a:extLst>
-                  </p:cNvPr>
-                  <p:cNvSpPr txBox="1"/>
-                  <p:nvPr/>
-                </p:nvSpPr>
-                <p:spPr>
-                  <a:xfrm>
-                    <a:off x="6641325" y="2978203"/>
-                    <a:ext cx="449580" cy="369332"/>
-                  </a:xfrm>
-                  <a:prstGeom prst="rect">
-                    <a:avLst/>
-                  </a:prstGeom>
-                  <a:noFill/>
-                </p:spPr>
-                <p:txBody>
-                  <a:bodyPr wrap="square">
-                    <a:spAutoFit/>
-                  </a:bodyPr>
-                  <a:lstStyle/>
-                  <a:p>
-                    <a:pPr/>
-                    <a14:m>
-                      <m:oMathPara xmlns:m="http://schemas.openxmlformats.org/officeDocument/2006/math">
-                        <m:oMathParaPr>
-                          <m:jc m:val="centerGroup"/>
-                        </m:oMathParaPr>
-                        <m:oMath xmlns:m="http://schemas.openxmlformats.org/officeDocument/2006/math">
-                          <m:sSub>
-                            <m:sSubPr>
-                              <m:ctrlPr>
-                                <a:rPr lang="de-DE" sz="1800" b="0" i="1" smtClean="0">
-                                  <a:solidFill>
-                                    <a:schemeClr val="tx1"/>
-                                  </a:solidFill>
-                                  <a:latin typeface="Cambria Math" panose="02040503050406030204" pitchFamily="18" charset="0"/>
-                                  <a:ea typeface="Cambria Math" panose="02040503050406030204" pitchFamily="18" charset="0"/>
-                                </a:rPr>
-                              </m:ctrlPr>
-                            </m:sSubPr>
-                            <m:e>
-                              <m:r>
-                                <a:rPr lang="el-GR" i="1">
-                                  <a:latin typeface="Cambria Math" panose="02040503050406030204" pitchFamily="18" charset="0"/>
-                                  <a:ea typeface="Cambria Math" panose="02040503050406030204" pitchFamily="18" charset="0"/>
-                                </a:rPr>
-                                <m:t>𝜑</m:t>
-                              </m:r>
-                            </m:e>
-                            <m:sub>
-                              <m:r>
-                                <a:rPr lang="de-DE" sz="1800" b="0" i="1" smtClean="0">
-                                  <a:solidFill>
-                                    <a:schemeClr val="tx1"/>
-                                  </a:solidFill>
-                                  <a:latin typeface="Cambria Math" panose="02040503050406030204" pitchFamily="18" charset="0"/>
-                                  <a:ea typeface="Cambria Math" panose="02040503050406030204" pitchFamily="18" charset="0"/>
-                                </a:rPr>
-                                <m:t>2</m:t>
-                              </m:r>
-                            </m:sub>
-                          </m:sSub>
-                        </m:oMath>
-                      </m:oMathPara>
-                    </a14:m>
-                    <a:endParaRPr lang="de-DE" dirty="0"/>
-                  </a:p>
-                </p:txBody>
-              </p:sp>
-            </mc:Choice>
-            <mc:Fallback xmlns="">
-              <p:sp>
-                <p:nvSpPr>
-                  <p:cNvPr id="47" name="Textfeld 46">
-                    <a:extLst>
-                      <a:ext uri="{FF2B5EF4-FFF2-40B4-BE49-F238E27FC236}">
-                        <a16:creationId xmlns:a16="http://schemas.microsoft.com/office/drawing/2014/main" id="{3DB3EA05-3216-9B6A-F301-9DB302D2E91E}"/>
-                      </a:ext>
-                    </a:extLst>
-                  </p:cNvPr>
-                  <p:cNvSpPr txBox="1">
-                    <a:spLocks noRot="1" noChangeAspect="1" noMove="1" noResize="1" noEditPoints="1" noAdjustHandles="1" noChangeArrowheads="1" noChangeShapeType="1" noTextEdit="1"/>
-                  </p:cNvSpPr>
-                  <p:nvPr/>
-                </p:nvSpPr>
-                <p:spPr>
-                  <a:xfrm>
-                    <a:off x="6641325" y="2978203"/>
-                    <a:ext cx="449580" cy="369332"/>
-                  </a:xfrm>
-                  <a:prstGeom prst="rect">
-                    <a:avLst/>
-                  </a:prstGeom>
-                  <a:blipFill>
-                    <a:blip r:embed="rId7"/>
-                    <a:stretch>
-                      <a:fillRect b="-6667"/>
-                    </a:stretch>
-                  </a:blipFill>
-                </p:spPr>
-                <p:txBody>
-                  <a:bodyPr/>
-                  <a:lstStyle/>
-                  <a:p>
-                    <a:r>
-                      <a:rPr lang="de-DE">
-                        <a:noFill/>
-                      </a:rPr>
-                      <a:t> </a:t>
-                    </a:r>
-                  </a:p>
-                </p:txBody>
-              </p:sp>
-            </mc:Fallback>
-          </mc:AlternateContent>
-          <p:sp>
-            <p:nvSpPr>
-              <p:cNvPr id="49" name="Bogen 48">
-                <a:extLst>
-                  <a:ext uri="{FF2B5EF4-FFF2-40B4-BE49-F238E27FC236}">
-                    <a16:creationId xmlns:a16="http://schemas.microsoft.com/office/drawing/2014/main" id="{FC4C143F-61D3-4290-6AFD-FC76E5F11BB1}"/>
-                  </a:ext>
-                </a:extLst>
-              </p:cNvPr>
-              <p:cNvSpPr/>
-              <p:nvPr/>
-            </p:nvSpPr>
-            <p:spPr>
-              <a:xfrm>
-                <a:off x="6590127" y="2638491"/>
-                <a:ext cx="1446906" cy="1434208"/>
-              </a:xfrm>
-              <a:prstGeom prst="arc">
-                <a:avLst>
-                  <a:gd name="adj1" fmla="val 10775500"/>
-                  <a:gd name="adj2" fmla="val 13492950"/>
-                </a:avLst>
-              </a:prstGeom>
-            </p:spPr>
-            <p:style>
-              <a:lnRef idx="1">
-                <a:schemeClr val="dk1"/>
-              </a:lnRef>
-              <a:fillRef idx="0">
-                <a:schemeClr val="dk1"/>
-              </a:fillRef>
-              <a:effectRef idx="0">
-                <a:schemeClr val="dk1"/>
-              </a:effectRef>
-              <a:fontRef idx="minor">
+            </a:ln>
+          </p:spPr>
+          <p:style>
+            <a:lnRef idx="1">
+              <a:schemeClr val="accent1"/>
+            </a:lnRef>
+            <a:fillRef idx="0">
+              <a:schemeClr val="accent1"/>
+            </a:fillRef>
+            <a:effectRef idx="0">
+              <a:schemeClr val="accent1"/>
+            </a:effectRef>
+            <a:fontRef idx="minor">
+              <a:schemeClr val="tx1"/>
+            </a:fontRef>
+          </p:style>
+        </p:cxnSp>
+        <mc:AlternateContent xmlns:mc="http://schemas.openxmlformats.org/markup-compatibility/2006">
+          <mc:Choice xmlns:a14="http://schemas.microsoft.com/office/drawing/2010/main" Requires="a14">
+            <p:sp>
+              <p:nvSpPr>
+                <p:cNvPr id="12" name="Textfeld 11">
+                  <a:extLst>
+                    <a:ext uri="{FF2B5EF4-FFF2-40B4-BE49-F238E27FC236}">
+                      <a16:creationId xmlns:a16="http://schemas.microsoft.com/office/drawing/2014/main" id="{6B216A70-C918-D465-C2B1-C568A0543317}"/>
+                    </a:ext>
+                  </a:extLst>
+                </p:cNvPr>
+                <p:cNvSpPr txBox="1"/>
+                <p:nvPr/>
+              </p:nvSpPr>
+              <p:spPr>
+                <a:xfrm>
+                  <a:off x="4191301" y="3355596"/>
+                  <a:ext cx="343080" cy="369332"/>
+                </a:xfrm>
+                <a:prstGeom prst="rect">
+                  <a:avLst/>
+                </a:prstGeom>
+                <a:noFill/>
+              </p:spPr>
+              <p:txBody>
+                <a:bodyPr wrap="square">
+                  <a:spAutoFit/>
+                </a:bodyPr>
+                <a:lstStyle/>
+                <a:p>
+                  <a:pPr/>
+                  <a14:m>
+                    <m:oMathPara xmlns:m="http://schemas.openxmlformats.org/officeDocument/2006/math">
+                      <m:oMathParaPr>
+                        <m:jc m:val="centerGroup"/>
+                      </m:oMathParaPr>
+                      <m:oMath xmlns:m="http://schemas.openxmlformats.org/officeDocument/2006/math">
+                        <m:r>
+                          <a:rPr lang="de-DE" sz="1800" b="0" i="1" smtClean="0">
+                            <a:solidFill>
+                              <a:schemeClr val="tx1"/>
+                            </a:solidFill>
+                            <a:latin typeface="Cambria Math" panose="02040503050406030204" pitchFamily="18" charset="0"/>
+                            <a:ea typeface="Cambria Math" panose="02040503050406030204" pitchFamily="18" charset="0"/>
+                          </a:rPr>
+                          <m:t>𝑥</m:t>
+                        </m:r>
+                      </m:oMath>
+                    </m:oMathPara>
+                  </a14:m>
+                  <a:endParaRPr lang="de-DE" dirty="0"/>
+                </a:p>
+              </p:txBody>
+            </p:sp>
+          </mc:Choice>
+          <mc:Fallback>
+            <p:sp>
+              <p:nvSpPr>
+                <p:cNvPr id="12" name="Textfeld 11">
+                  <a:extLst>
+                    <a:ext uri="{FF2B5EF4-FFF2-40B4-BE49-F238E27FC236}">
+                      <a16:creationId xmlns:a16="http://schemas.microsoft.com/office/drawing/2014/main" id="{6B216A70-C918-D465-C2B1-C568A0543317}"/>
+                    </a:ext>
+                  </a:extLst>
+                </p:cNvPr>
+                <p:cNvSpPr txBox="1">
+                  <a:spLocks noRot="1" noChangeAspect="1" noMove="1" noResize="1" noEditPoints="1" noAdjustHandles="1" noChangeArrowheads="1" noChangeShapeType="1" noTextEdit="1"/>
+                </p:cNvSpPr>
+                <p:nvPr/>
+              </p:nvSpPr>
+              <p:spPr>
+                <a:xfrm>
+                  <a:off x="4191301" y="3355596"/>
+                  <a:ext cx="343080" cy="369332"/>
+                </a:xfrm>
+                <a:prstGeom prst="rect">
+                  <a:avLst/>
+                </a:prstGeom>
+                <a:blipFill>
+                  <a:blip r:embed="rId2"/>
+                  <a:stretch>
+                    <a:fillRect/>
+                  </a:stretch>
+                </a:blipFill>
+              </p:spPr>
+              <p:txBody>
+                <a:bodyPr/>
+                <a:lstStyle/>
+                <a:p>
+                  <a:r>
+                    <a:rPr lang="de-DE">
+                      <a:noFill/>
+                    </a:rPr>
+                    <a:t> </a:t>
+                  </a:r>
+                </a:p>
+              </p:txBody>
+            </p:sp>
+          </mc:Fallback>
+        </mc:AlternateContent>
+        <mc:AlternateContent xmlns:mc="http://schemas.openxmlformats.org/markup-compatibility/2006">
+          <mc:Choice xmlns:a14="http://schemas.microsoft.com/office/drawing/2010/main" Requires="a14">
+            <p:sp>
+              <p:nvSpPr>
+                <p:cNvPr id="14" name="Textfeld 13">
+                  <a:extLst>
+                    <a:ext uri="{FF2B5EF4-FFF2-40B4-BE49-F238E27FC236}">
+                      <a16:creationId xmlns:a16="http://schemas.microsoft.com/office/drawing/2014/main" id="{A911766B-8397-6D57-BC5D-529416720ACD}"/>
+                    </a:ext>
+                  </a:extLst>
+                </p:cNvPr>
+                <p:cNvSpPr txBox="1"/>
+                <p:nvPr/>
+              </p:nvSpPr>
+              <p:spPr>
+                <a:xfrm>
+                  <a:off x="7314541" y="3355596"/>
+                  <a:ext cx="343080" cy="369332"/>
+                </a:xfrm>
+                <a:prstGeom prst="rect">
+                  <a:avLst/>
+                </a:prstGeom>
+                <a:noFill/>
+              </p:spPr>
+              <p:txBody>
+                <a:bodyPr wrap="square">
+                  <a:spAutoFit/>
+                </a:bodyPr>
+                <a:lstStyle/>
+                <a:p>
+                  <a:pPr/>
+                  <a14:m>
+                    <m:oMathPara xmlns:m="http://schemas.openxmlformats.org/officeDocument/2006/math">
+                      <m:oMathParaPr>
+                        <m:jc m:val="centerGroup"/>
+                      </m:oMathParaPr>
+                      <m:oMath xmlns:m="http://schemas.openxmlformats.org/officeDocument/2006/math">
+                        <m:r>
+                          <a:rPr lang="de-DE" sz="1800" b="0" i="1" smtClean="0">
+                            <a:solidFill>
+                              <a:schemeClr val="tx1"/>
+                            </a:solidFill>
+                            <a:latin typeface="Cambria Math" panose="02040503050406030204" pitchFamily="18" charset="0"/>
+                            <a:ea typeface="Cambria Math" panose="02040503050406030204" pitchFamily="18" charset="0"/>
+                          </a:rPr>
+                          <m:t>𝑦</m:t>
+                        </m:r>
+                      </m:oMath>
+                    </m:oMathPara>
+                  </a14:m>
+                  <a:endParaRPr lang="de-DE" dirty="0"/>
+                </a:p>
+              </p:txBody>
+            </p:sp>
+          </mc:Choice>
+          <mc:Fallback>
+            <p:sp>
+              <p:nvSpPr>
+                <p:cNvPr id="14" name="Textfeld 13">
+                  <a:extLst>
+                    <a:ext uri="{FF2B5EF4-FFF2-40B4-BE49-F238E27FC236}">
+                      <a16:creationId xmlns:a16="http://schemas.microsoft.com/office/drawing/2014/main" id="{A911766B-8397-6D57-BC5D-529416720ACD}"/>
+                    </a:ext>
+                  </a:extLst>
+                </p:cNvPr>
+                <p:cNvSpPr txBox="1">
+                  <a:spLocks noRot="1" noChangeAspect="1" noMove="1" noResize="1" noEditPoints="1" noAdjustHandles="1" noChangeArrowheads="1" noChangeShapeType="1" noTextEdit="1"/>
+                </p:cNvSpPr>
+                <p:nvPr/>
+              </p:nvSpPr>
+              <p:spPr>
+                <a:xfrm>
+                  <a:off x="7314541" y="3355596"/>
+                  <a:ext cx="343080" cy="369332"/>
+                </a:xfrm>
+                <a:prstGeom prst="rect">
+                  <a:avLst/>
+                </a:prstGeom>
+                <a:blipFill>
+                  <a:blip r:embed="rId3"/>
+                  <a:stretch>
+                    <a:fillRect b="-6557"/>
+                  </a:stretch>
+                </a:blipFill>
+              </p:spPr>
+              <p:txBody>
+                <a:bodyPr/>
+                <a:lstStyle/>
+                <a:p>
+                  <a:r>
+                    <a:rPr lang="de-DE">
+                      <a:noFill/>
+                    </a:rPr>
+                    <a:t> </a:t>
+                  </a:r>
+                </a:p>
+              </p:txBody>
+            </p:sp>
+          </mc:Fallback>
+        </mc:AlternateContent>
+        <mc:AlternateContent xmlns:mc="http://schemas.openxmlformats.org/markup-compatibility/2006">
+          <mc:Choice xmlns:a14="http://schemas.microsoft.com/office/drawing/2010/main" Requires="a14">
+            <p:sp>
+              <p:nvSpPr>
+                <p:cNvPr id="16" name="Textfeld 15">
+                  <a:extLst>
+                    <a:ext uri="{FF2B5EF4-FFF2-40B4-BE49-F238E27FC236}">
+                      <a16:creationId xmlns:a16="http://schemas.microsoft.com/office/drawing/2014/main" id="{9AF1167D-CF89-A36B-2260-55CA6DEEF0FC}"/>
+                    </a:ext>
+                  </a:extLst>
+                </p:cNvPr>
+                <p:cNvSpPr txBox="1"/>
+                <p:nvPr/>
+              </p:nvSpPr>
+              <p:spPr>
+                <a:xfrm>
+                  <a:off x="6257594" y="2497504"/>
+                  <a:ext cx="343080" cy="369332"/>
+                </a:xfrm>
+                <a:prstGeom prst="rect">
+                  <a:avLst/>
+                </a:prstGeom>
+                <a:noFill/>
+              </p:spPr>
+              <p:txBody>
+                <a:bodyPr wrap="square">
+                  <a:spAutoFit/>
+                </a:bodyPr>
+                <a:lstStyle/>
+                <a:p>
+                  <a:pPr/>
+                  <a14:m>
+                    <m:oMathPara xmlns:m="http://schemas.openxmlformats.org/officeDocument/2006/math">
+                      <m:oMathParaPr>
+                        <m:jc m:val="centerGroup"/>
+                      </m:oMathParaPr>
+                      <m:oMath xmlns:m="http://schemas.openxmlformats.org/officeDocument/2006/math">
+                        <m:r>
+                          <a:rPr lang="de-DE" sz="1800" b="0" i="1" smtClean="0">
+                            <a:solidFill>
+                              <a:schemeClr val="tx1"/>
+                            </a:solidFill>
+                            <a:latin typeface="Cambria Math" panose="02040503050406030204" pitchFamily="18" charset="0"/>
+                            <a:ea typeface="Cambria Math" panose="02040503050406030204" pitchFamily="18" charset="0"/>
+                          </a:rPr>
+                          <m:t>𝑝</m:t>
+                        </m:r>
+                      </m:oMath>
+                    </m:oMathPara>
+                  </a14:m>
+                  <a:endParaRPr lang="de-DE" dirty="0"/>
+                </a:p>
+              </p:txBody>
+            </p:sp>
+          </mc:Choice>
+          <mc:Fallback>
+            <p:sp>
+              <p:nvSpPr>
+                <p:cNvPr id="16" name="Textfeld 15">
+                  <a:extLst>
+                    <a:ext uri="{FF2B5EF4-FFF2-40B4-BE49-F238E27FC236}">
+                      <a16:creationId xmlns:a16="http://schemas.microsoft.com/office/drawing/2014/main" id="{9AF1167D-CF89-A36B-2260-55CA6DEEF0FC}"/>
+                    </a:ext>
+                  </a:extLst>
+                </p:cNvPr>
+                <p:cNvSpPr txBox="1">
+                  <a:spLocks noRot="1" noChangeAspect="1" noMove="1" noResize="1" noEditPoints="1" noAdjustHandles="1" noChangeArrowheads="1" noChangeShapeType="1" noTextEdit="1"/>
+                </p:cNvSpPr>
+                <p:nvPr/>
+              </p:nvSpPr>
+              <p:spPr>
+                <a:xfrm>
+                  <a:off x="6257594" y="2497504"/>
+                  <a:ext cx="343080" cy="369332"/>
+                </a:xfrm>
+                <a:prstGeom prst="rect">
+                  <a:avLst/>
+                </a:prstGeom>
+                <a:blipFill>
+                  <a:blip r:embed="rId4"/>
+                  <a:stretch>
+                    <a:fillRect b="-6667"/>
+                  </a:stretch>
+                </a:blipFill>
+              </p:spPr>
+              <p:txBody>
+                <a:bodyPr/>
+                <a:lstStyle/>
+                <a:p>
+                  <a:r>
+                    <a:rPr lang="de-DE">
+                      <a:noFill/>
+                    </a:rPr>
+                    <a:t> </a:t>
+                  </a:r>
+                </a:p>
+              </p:txBody>
+            </p:sp>
+          </mc:Fallback>
+        </mc:AlternateContent>
+        <p:cxnSp>
+          <p:nvCxnSpPr>
+            <p:cNvPr id="19" name="Gerader Verbinder 18">
+              <a:extLst>
+                <a:ext uri="{FF2B5EF4-FFF2-40B4-BE49-F238E27FC236}">
+                  <a16:creationId xmlns:a16="http://schemas.microsoft.com/office/drawing/2014/main" id="{F2D23B11-1B6C-F689-6C80-62EF33CC31C6}"/>
+                </a:ext>
+              </a:extLst>
+            </p:cNvPr>
+            <p:cNvCxnSpPr>
+              <a:cxnSpLocks/>
+              <a:stCxn id="7" idx="7"/>
+            </p:cNvCxnSpPr>
+            <p:nvPr/>
+          </p:nvCxnSpPr>
+          <p:spPr>
+            <a:xfrm flipV="1">
+              <a:off x="4509516" y="2472619"/>
+              <a:ext cx="1929145" cy="844793"/>
+            </a:xfrm>
+            <a:prstGeom prst="line">
+              <a:avLst/>
+            </a:prstGeom>
+            <a:ln>
+              <a:prstDash val="dash"/>
+            </a:ln>
+          </p:spPr>
+          <p:style>
+            <a:lnRef idx="2">
+              <a:schemeClr val="dk1"/>
+            </a:lnRef>
+            <a:fillRef idx="0">
+              <a:schemeClr val="dk1"/>
+            </a:fillRef>
+            <a:effectRef idx="1">
+              <a:schemeClr val="dk1"/>
+            </a:effectRef>
+            <a:fontRef idx="minor">
+              <a:schemeClr val="tx1"/>
+            </a:fontRef>
+          </p:style>
+        </p:cxnSp>
+        <p:cxnSp>
+          <p:nvCxnSpPr>
+            <p:cNvPr id="24" name="Gerader Verbinder 23">
+              <a:extLst>
+                <a:ext uri="{FF2B5EF4-FFF2-40B4-BE49-F238E27FC236}">
+                  <a16:creationId xmlns:a16="http://schemas.microsoft.com/office/drawing/2014/main" id="{5343F90A-53EC-36F3-863E-193685162FB5}"/>
+                </a:ext>
+              </a:extLst>
+            </p:cNvPr>
+            <p:cNvCxnSpPr>
+              <a:cxnSpLocks/>
+              <a:stCxn id="8" idx="1"/>
+            </p:cNvCxnSpPr>
+            <p:nvPr/>
+          </p:nvCxnSpPr>
+          <p:spPr>
+            <a:xfrm flipH="1" flipV="1">
+              <a:off x="6433897" y="2472618"/>
+              <a:ext cx="851508" cy="844794"/>
+            </a:xfrm>
+            <a:prstGeom prst="line">
+              <a:avLst/>
+            </a:prstGeom>
+            <a:ln>
+              <a:prstDash val="dash"/>
+            </a:ln>
+          </p:spPr>
+          <p:style>
+            <a:lnRef idx="2">
+              <a:schemeClr val="dk1"/>
+            </a:lnRef>
+            <a:fillRef idx="0">
+              <a:schemeClr val="dk1"/>
+            </a:fillRef>
+            <a:effectRef idx="1">
+              <a:schemeClr val="dk1"/>
+            </a:effectRef>
+            <a:fontRef idx="minor">
+              <a:schemeClr val="tx1"/>
+            </a:fontRef>
+          </p:style>
+        </p:cxnSp>
+        <p:cxnSp>
+          <p:nvCxnSpPr>
+            <p:cNvPr id="27" name="Gerader Verbinder 26">
+              <a:extLst>
+                <a:ext uri="{FF2B5EF4-FFF2-40B4-BE49-F238E27FC236}">
+                  <a16:creationId xmlns:a16="http://schemas.microsoft.com/office/drawing/2014/main" id="{018AB8FE-4AF9-CA12-9ED8-8CF214170E03}"/>
+                </a:ext>
+              </a:extLst>
+            </p:cNvPr>
+            <p:cNvCxnSpPr>
+              <a:cxnSpLocks/>
+              <a:endCxn id="36" idx="2"/>
+            </p:cNvCxnSpPr>
+            <p:nvPr/>
+          </p:nvCxnSpPr>
+          <p:spPr>
+            <a:xfrm flipH="1" flipV="1">
+              <a:off x="5641975" y="1695727"/>
+              <a:ext cx="787159" cy="776890"/>
+            </a:xfrm>
+            <a:prstGeom prst="line">
+              <a:avLst/>
+            </a:prstGeom>
+          </p:spPr>
+          <p:style>
+            <a:lnRef idx="2">
+              <a:schemeClr val="dk1"/>
+            </a:lnRef>
+            <a:fillRef idx="0">
+              <a:schemeClr val="dk1"/>
+            </a:fillRef>
+            <a:effectRef idx="1">
+              <a:schemeClr val="dk1"/>
+            </a:effectRef>
+            <a:fontRef idx="minor">
+              <a:schemeClr val="tx1"/>
+            </a:fontRef>
+          </p:style>
+        </p:cxnSp>
+        <p:cxnSp>
+          <p:nvCxnSpPr>
+            <p:cNvPr id="31" name="Gerader Verbinder 30">
+              <a:extLst>
+                <a:ext uri="{FF2B5EF4-FFF2-40B4-BE49-F238E27FC236}">
+                  <a16:creationId xmlns:a16="http://schemas.microsoft.com/office/drawing/2014/main" id="{B4D0AB50-B97A-DE07-8E36-83D0A1FE291D}"/>
+                </a:ext>
+              </a:extLst>
+            </p:cNvPr>
+            <p:cNvCxnSpPr>
+              <a:cxnSpLocks/>
+              <a:endCxn id="36" idx="4"/>
+            </p:cNvCxnSpPr>
+            <p:nvPr/>
+          </p:nvCxnSpPr>
+          <p:spPr>
+            <a:xfrm flipV="1">
+              <a:off x="6438661" y="1695727"/>
+              <a:ext cx="1743313" cy="776890"/>
+            </a:xfrm>
+            <a:prstGeom prst="line">
+              <a:avLst/>
+            </a:prstGeom>
+          </p:spPr>
+          <p:style>
+            <a:lnRef idx="2">
+              <a:schemeClr val="dk1"/>
+            </a:lnRef>
+            <a:fillRef idx="0">
+              <a:schemeClr val="dk1"/>
+            </a:fillRef>
+            <a:effectRef idx="1">
+              <a:schemeClr val="dk1"/>
+            </a:effectRef>
+            <a:fontRef idx="minor">
+              <a:schemeClr val="tx1"/>
+            </a:fontRef>
+          </p:style>
+        </p:cxnSp>
+        <mc:AlternateContent xmlns:mc="http://schemas.openxmlformats.org/markup-compatibility/2006">
+          <mc:Choice xmlns:a14="http://schemas.microsoft.com/office/drawing/2010/main" Requires="a14">
+            <p:sp>
+              <p:nvSpPr>
+                <p:cNvPr id="40" name="Textfeld 39">
+                  <a:extLst>
+                    <a:ext uri="{FF2B5EF4-FFF2-40B4-BE49-F238E27FC236}">
+                      <a16:creationId xmlns:a16="http://schemas.microsoft.com/office/drawing/2014/main" id="{B999F7DD-CD04-0CF2-9E9A-DEC0E2142DF0}"/>
+                    </a:ext>
+                  </a:extLst>
+                </p:cNvPr>
+                <p:cNvSpPr txBox="1"/>
+                <p:nvPr/>
+              </p:nvSpPr>
+              <p:spPr>
+                <a:xfrm>
+                  <a:off x="5998728" y="1647351"/>
+                  <a:ext cx="343080" cy="369332"/>
+                </a:xfrm>
+                <a:prstGeom prst="rect">
+                  <a:avLst/>
+                </a:prstGeom>
+                <a:noFill/>
+              </p:spPr>
+              <p:txBody>
+                <a:bodyPr wrap="square">
+                  <a:spAutoFit/>
+                </a:bodyPr>
+                <a:lstStyle/>
+                <a:p>
+                  <a:pPr/>
+                  <a14:m>
+                    <m:oMathPara xmlns:m="http://schemas.openxmlformats.org/officeDocument/2006/math">
+                      <m:oMathParaPr>
+                        <m:jc m:val="centerGroup"/>
+                      </m:oMathParaPr>
+                      <m:oMath xmlns:m="http://schemas.openxmlformats.org/officeDocument/2006/math">
+                        <m:r>
+                          <a:rPr lang="de-DE" sz="1800" b="0" i="1" smtClean="0">
+                            <a:solidFill>
+                              <a:schemeClr val="tx1"/>
+                            </a:solidFill>
+                            <a:latin typeface="Cambria Math" panose="02040503050406030204" pitchFamily="18" charset="0"/>
+                            <a:ea typeface="Cambria Math" panose="02040503050406030204" pitchFamily="18" charset="0"/>
+                          </a:rPr>
+                          <m:t>𝑧</m:t>
+                        </m:r>
+                      </m:oMath>
+                    </m:oMathPara>
+                  </a14:m>
+                  <a:endParaRPr lang="de-DE" dirty="0"/>
+                </a:p>
+              </p:txBody>
+            </p:sp>
+          </mc:Choice>
+          <mc:Fallback>
+            <p:sp>
+              <p:nvSpPr>
+                <p:cNvPr id="40" name="Textfeld 39">
+                  <a:extLst>
+                    <a:ext uri="{FF2B5EF4-FFF2-40B4-BE49-F238E27FC236}">
+                      <a16:creationId xmlns:a16="http://schemas.microsoft.com/office/drawing/2014/main" id="{B999F7DD-CD04-0CF2-9E9A-DEC0E2142DF0}"/>
+                    </a:ext>
+                  </a:extLst>
+                </p:cNvPr>
+                <p:cNvSpPr txBox="1">
+                  <a:spLocks noRot="1" noChangeAspect="1" noMove="1" noResize="1" noEditPoints="1" noAdjustHandles="1" noChangeArrowheads="1" noChangeShapeType="1" noTextEdit="1"/>
+                </p:cNvSpPr>
+                <p:nvPr/>
+              </p:nvSpPr>
+              <p:spPr>
+                <a:xfrm>
+                  <a:off x="5998728" y="1647351"/>
+                  <a:ext cx="343080" cy="369332"/>
+                </a:xfrm>
+                <a:prstGeom prst="rect">
+                  <a:avLst/>
+                </a:prstGeom>
+                <a:blipFill>
+                  <a:blip r:embed="rId5"/>
+                  <a:stretch>
+                    <a:fillRect/>
+                  </a:stretch>
+                </a:blipFill>
+              </p:spPr>
+              <p:txBody>
+                <a:bodyPr/>
+                <a:lstStyle/>
+                <a:p>
+                  <a:r>
+                    <a:rPr lang="de-DE">
+                      <a:noFill/>
+                    </a:rPr>
+                    <a:t> </a:t>
+                  </a:r>
+                </a:p>
+              </p:txBody>
+            </p:sp>
+          </mc:Fallback>
+        </mc:AlternateContent>
+        <p:sp>
+          <p:nvSpPr>
+            <p:cNvPr id="41" name="Ellipse 40">
+              <a:extLst>
+                <a:ext uri="{FF2B5EF4-FFF2-40B4-BE49-F238E27FC236}">
+                  <a16:creationId xmlns:a16="http://schemas.microsoft.com/office/drawing/2014/main" id="{D4ED5FCA-5E7C-DB35-9839-79FEBDF4222A}"/>
+                </a:ext>
+              </a:extLst>
+            </p:cNvPr>
+            <p:cNvSpPr/>
+            <p:nvPr/>
+          </p:nvSpPr>
+          <p:spPr>
+            <a:xfrm>
+              <a:off x="6269516" y="1914043"/>
+              <a:ext cx="108000" cy="108000"/>
+            </a:xfrm>
+            <a:prstGeom prst="ellipse">
+              <a:avLst/>
+            </a:prstGeom>
+            <a:solidFill>
+              <a:schemeClr val="tx1"/>
+            </a:solidFill>
+            <a:ln>
+              <a:solidFill>
                 <a:schemeClr val="tx1"/>
-              </a:fontRef>
-            </p:style>
-            <p:txBody>
-              <a:bodyPr rtlCol="0" anchor="ctr"/>
-              <a:lstStyle/>
-              <a:p>
-                <a:pPr algn="ctr"/>
-                <a:endParaRPr lang="de-DE" dirty="0"/>
-              </a:p>
-            </p:txBody>
-          </p:sp>
-        </p:grpSp>
+              </a:solidFill>
+            </a:ln>
+          </p:spPr>
+          <p:style>
+            <a:lnRef idx="2">
+              <a:schemeClr val="accent1">
+                <a:shade val="15000"/>
+              </a:schemeClr>
+            </a:lnRef>
+            <a:fillRef idx="1">
+              <a:schemeClr val="accent1"/>
+            </a:fillRef>
+            <a:effectRef idx="0">
+              <a:schemeClr val="accent1"/>
+            </a:effectRef>
+            <a:fontRef idx="minor">
+              <a:schemeClr val="lt1"/>
+            </a:fontRef>
+          </p:style>
+          <p:txBody>
+            <a:bodyPr rtlCol="0" anchor="ctr"/>
+            <a:lstStyle/>
+            <a:p>
+              <a:pPr algn="ctr"/>
+              <a:endParaRPr lang="de-DE"/>
+            </a:p>
+          </p:txBody>
+        </p:sp>
+        <mc:AlternateContent xmlns:mc="http://schemas.openxmlformats.org/markup-compatibility/2006">
+          <mc:Choice xmlns:a14="http://schemas.microsoft.com/office/drawing/2010/main" Requires="a14">
+            <p:sp>
+              <p:nvSpPr>
+                <p:cNvPr id="3" name="Textfeld 2">
+                  <a:extLst>
+                    <a:ext uri="{FF2B5EF4-FFF2-40B4-BE49-F238E27FC236}">
+                      <a16:creationId xmlns:a16="http://schemas.microsoft.com/office/drawing/2014/main" id="{5F42FA53-7911-FF52-61A0-252EFD1A3301}"/>
+                    </a:ext>
+                  </a:extLst>
+                </p:cNvPr>
+                <p:cNvSpPr txBox="1"/>
+                <p:nvPr/>
+              </p:nvSpPr>
+              <p:spPr>
+                <a:xfrm>
+                  <a:off x="6458493" y="1855860"/>
+                  <a:ext cx="685800" cy="369332"/>
+                </a:xfrm>
+                <a:prstGeom prst="rect">
+                  <a:avLst/>
+                </a:prstGeom>
+                <a:noFill/>
+              </p:spPr>
+              <p:txBody>
+                <a:bodyPr wrap="square">
+                  <a:spAutoFit/>
+                </a:bodyPr>
+                <a:lstStyle/>
+                <a:p>
+                  <a:pPr/>
+                  <a14:m>
+                    <m:oMathPara xmlns:m="http://schemas.openxmlformats.org/officeDocument/2006/math">
+                      <m:oMathParaPr>
+                        <m:jc m:val="centerGroup"/>
+                      </m:oMathParaPr>
+                      <m:oMath xmlns:m="http://schemas.openxmlformats.org/officeDocument/2006/math">
+                        <m:sSub>
+                          <m:sSubPr>
+                            <m:ctrlPr>
+                              <a:rPr lang="de-DE" sz="1800" b="0" i="1" smtClean="0">
+                                <a:solidFill>
+                                  <a:schemeClr val="tx1"/>
+                                </a:solidFill>
+                                <a:latin typeface="Cambria Math" panose="02040503050406030204" pitchFamily="18" charset="0"/>
+                                <a:ea typeface="Cambria Math" panose="02040503050406030204" pitchFamily="18" charset="0"/>
+                              </a:rPr>
+                            </m:ctrlPr>
+                          </m:sSubPr>
+                          <m:e>
+                            <m:r>
+                              <a:rPr lang="de-DE" sz="1800" b="0" i="1" smtClean="0">
+                                <a:solidFill>
+                                  <a:schemeClr val="tx1"/>
+                                </a:solidFill>
+                                <a:latin typeface="Cambria Math" panose="02040503050406030204" pitchFamily="18" charset="0"/>
+                                <a:ea typeface="Cambria Math" panose="02040503050406030204" pitchFamily="18" charset="0"/>
+                              </a:rPr>
+                              <m:t>𝑓</m:t>
+                            </m:r>
+                          </m:e>
+                          <m:sub>
+                            <m:r>
+                              <a:rPr lang="de-DE" sz="1800" b="0" i="1" smtClean="0">
+                                <a:solidFill>
+                                  <a:schemeClr val="tx1"/>
+                                </a:solidFill>
+                                <a:latin typeface="Cambria Math" panose="02040503050406030204" pitchFamily="18" charset="0"/>
+                                <a:ea typeface="Cambria Math" panose="02040503050406030204" pitchFamily="18" charset="0"/>
+                              </a:rPr>
+                              <m:t>𝑧</m:t>
+                            </m:r>
+                          </m:sub>
+                        </m:sSub>
+                      </m:oMath>
+                    </m:oMathPara>
+                  </a14:m>
+                  <a:endParaRPr lang="de-DE" dirty="0"/>
+                </a:p>
+              </p:txBody>
+            </p:sp>
+          </mc:Choice>
+          <mc:Fallback>
+            <p:sp>
+              <p:nvSpPr>
+                <p:cNvPr id="3" name="Textfeld 2">
+                  <a:extLst>
+                    <a:ext uri="{FF2B5EF4-FFF2-40B4-BE49-F238E27FC236}">
+                      <a16:creationId xmlns:a16="http://schemas.microsoft.com/office/drawing/2014/main" id="{5F42FA53-7911-FF52-61A0-252EFD1A3301}"/>
+                    </a:ext>
+                  </a:extLst>
+                </p:cNvPr>
+                <p:cNvSpPr txBox="1">
+                  <a:spLocks noRot="1" noChangeAspect="1" noMove="1" noResize="1" noEditPoints="1" noAdjustHandles="1" noChangeArrowheads="1" noChangeShapeType="1" noTextEdit="1"/>
+                </p:cNvSpPr>
+                <p:nvPr/>
+              </p:nvSpPr>
+              <p:spPr>
+                <a:xfrm>
+                  <a:off x="6458493" y="1855860"/>
+                  <a:ext cx="685800" cy="369332"/>
+                </a:xfrm>
+                <a:prstGeom prst="rect">
+                  <a:avLst/>
+                </a:prstGeom>
+                <a:blipFill>
+                  <a:blip r:embed="rId6"/>
+                  <a:stretch>
+                    <a:fillRect b="-13115"/>
+                  </a:stretch>
+                </a:blipFill>
+              </p:spPr>
+              <p:txBody>
+                <a:bodyPr/>
+                <a:lstStyle/>
+                <a:p>
+                  <a:r>
+                    <a:rPr lang="de-DE">
+                      <a:noFill/>
+                    </a:rPr>
+                    <a:t> </a:t>
+                  </a:r>
+                </a:p>
+              </p:txBody>
+            </p:sp>
+          </mc:Fallback>
+        </mc:AlternateContent>
       </p:grpSp>
     </p:spTree>
     <p:extLst>
@@ -13015,10 +12873,10 @@
         </p:nvGrpSpPr>
         <p:grpSpPr>
           <a:xfrm>
-            <a:off x="4019550" y="1314450"/>
-            <a:ext cx="4486275" cy="2840098"/>
+            <a:off x="4019550" y="1308735"/>
+            <a:ext cx="4486275" cy="2747645"/>
             <a:chOff x="4019550" y="1314450"/>
-            <a:chExt cx="4486275" cy="2840098"/>
+            <a:chExt cx="4486275" cy="2750680"/>
           </a:xfrm>
         </p:grpSpPr>
         <p:grpSp>
@@ -13036,17 +12894,17 @@
           <p:grpSpPr>
             <a:xfrm>
               <a:off x="4019550" y="1314450"/>
-              <a:ext cx="4486275" cy="2840098"/>
+              <a:ext cx="4486275" cy="2750680"/>
               <a:chOff x="4019550" y="1314450"/>
-              <a:chExt cx="4486275" cy="2840098"/>
+              <a:chExt cx="4486275" cy="2750680"/>
             </a:xfrm>
           </p:grpSpPr>
           <p:grpSp>
             <p:nvGrpSpPr>
-              <p:cNvPr id="84" name="Gruppieren 83">
+              <p:cNvPr id="83" name="Gruppieren 82">
                 <a:extLst>
                   <a:ext uri="{FF2B5EF4-FFF2-40B4-BE49-F238E27FC236}">
-                    <a16:creationId xmlns:a16="http://schemas.microsoft.com/office/drawing/2014/main" id="{969F2665-4DCD-2EA2-DBE0-B369FD186979}"/>
+                    <a16:creationId xmlns:a16="http://schemas.microsoft.com/office/drawing/2014/main" id="{2C888447-7336-8F1F-03DD-0F67DB85FB15}"/>
                   </a:ext>
                 </a:extLst>
               </p:cNvPr>
@@ -13055,10 +12913,10 @@
             </p:nvGrpSpPr>
             <p:grpSpPr>
               <a:xfrm>
-                <a:off x="5362349" y="2575648"/>
-                <a:ext cx="1983901" cy="1578900"/>
-                <a:chOff x="5362349" y="2575648"/>
-                <a:chExt cx="1983901" cy="1578900"/>
+                <a:off x="5605781" y="2684107"/>
+                <a:ext cx="1753363" cy="1381023"/>
+                <a:chOff x="5605781" y="2684107"/>
+                <a:chExt cx="1753363" cy="1381023"/>
               </a:xfrm>
               <a:solidFill>
                 <a:schemeClr val="accent6">
@@ -13067,190 +12925,12 @@
                 </a:schemeClr>
               </a:solidFill>
             </p:grpSpPr>
-            <p:grpSp>
-              <p:nvGrpSpPr>
-                <p:cNvPr id="83" name="Gruppieren 82">
+            <p:sp>
+              <p:nvSpPr>
+                <p:cNvPr id="80" name="Trapezoid 79">
                   <a:extLst>
                     <a:ext uri="{FF2B5EF4-FFF2-40B4-BE49-F238E27FC236}">
-                      <a16:creationId xmlns:a16="http://schemas.microsoft.com/office/drawing/2014/main" id="{2C888447-7336-8F1F-03DD-0F67DB85FB15}"/>
-                    </a:ext>
-                  </a:extLst>
-                </p:cNvPr>
-                <p:cNvGrpSpPr/>
-                <p:nvPr/>
-              </p:nvGrpSpPr>
-              <p:grpSpPr>
-                <a:xfrm>
-                  <a:off x="5606239" y="2575648"/>
-                  <a:ext cx="1740011" cy="1578900"/>
-                  <a:chOff x="5606239" y="2575648"/>
-                  <a:chExt cx="1740011" cy="1578900"/>
-                </a:xfrm>
-                <a:grpFill/>
-              </p:grpSpPr>
-              <p:sp>
-                <p:nvSpPr>
-                  <p:cNvPr id="79" name="Gleichschenkliges Dreieck 78">
-                    <a:extLst>
-                      <a:ext uri="{FF2B5EF4-FFF2-40B4-BE49-F238E27FC236}">
-                        <a16:creationId xmlns:a16="http://schemas.microsoft.com/office/drawing/2014/main" id="{42C03767-D8B3-4681-BF55-13628CD1CC5A}"/>
-                      </a:ext>
-                    </a:extLst>
-                  </p:cNvPr>
-                  <p:cNvSpPr/>
-                  <p:nvPr/>
-                </p:nvSpPr>
-                <p:spPr>
-                  <a:xfrm rot="12580127">
-                    <a:off x="5627274" y="2575648"/>
-                    <a:ext cx="1550424" cy="1578900"/>
-                  </a:xfrm>
-                  <a:prstGeom prst="triangle">
-                    <a:avLst>
-                      <a:gd name="adj" fmla="val 100000"/>
-                    </a:avLst>
-                  </a:prstGeom>
-                  <a:grpFill/>
-                  <a:ln>
-                    <a:noFill/>
-                  </a:ln>
-                </p:spPr>
-                <p:style>
-                  <a:lnRef idx="2">
-                    <a:schemeClr val="accent1">
-                      <a:shade val="15000"/>
-                    </a:schemeClr>
-                  </a:lnRef>
-                  <a:fillRef idx="1">
-                    <a:schemeClr val="accent1"/>
-                  </a:fillRef>
-                  <a:effectRef idx="0">
-                    <a:schemeClr val="accent1"/>
-                  </a:effectRef>
-                  <a:fontRef idx="minor">
-                    <a:schemeClr val="lt1"/>
-                  </a:fontRef>
-                </p:style>
-                <p:txBody>
-                  <a:bodyPr rtlCol="0" anchor="ctr"/>
-                  <a:lstStyle/>
-                  <a:p>
-                    <a:pPr algn="ctr"/>
-                    <a:endParaRPr lang="de-DE"/>
-                  </a:p>
-                </p:txBody>
-              </p:sp>
-              <p:sp>
-                <p:nvSpPr>
-                  <p:cNvPr id="80" name="Trapezoid 79">
-                    <a:extLst>
-                      <a:ext uri="{FF2B5EF4-FFF2-40B4-BE49-F238E27FC236}">
-                        <a16:creationId xmlns:a16="http://schemas.microsoft.com/office/drawing/2014/main" id="{D6E0388C-DC5A-1D55-C556-7B58CFDA3FE1}"/>
-                      </a:ext>
-                    </a:extLst>
-                  </p:cNvPr>
-                  <p:cNvSpPr/>
-                  <p:nvPr/>
-                </p:nvSpPr>
-                <p:spPr>
-                  <a:xfrm flipV="1">
-                    <a:off x="5606239" y="3366948"/>
-                    <a:ext cx="1686695" cy="694372"/>
-                  </a:xfrm>
-                  <a:prstGeom prst="trapezoid">
-                    <a:avLst>
-                      <a:gd name="adj" fmla="val 55911"/>
-                    </a:avLst>
-                  </a:prstGeom>
-                  <a:grpFill/>
-                  <a:ln>
-                    <a:noFill/>
-                  </a:ln>
-                </p:spPr>
-                <p:style>
-                  <a:lnRef idx="2">
-                    <a:schemeClr val="accent1">
-                      <a:shade val="15000"/>
-                    </a:schemeClr>
-                  </a:lnRef>
-                  <a:fillRef idx="1">
-                    <a:schemeClr val="accent1"/>
-                  </a:fillRef>
-                  <a:effectRef idx="0">
-                    <a:schemeClr val="accent1"/>
-                  </a:effectRef>
-                  <a:fontRef idx="minor">
-                    <a:schemeClr val="lt1"/>
-                  </a:fontRef>
-                </p:style>
-                <p:txBody>
-                  <a:bodyPr rtlCol="0" anchor="ctr"/>
-                  <a:lstStyle/>
-                  <a:p>
-                    <a:pPr algn="ctr"/>
-                    <a:endParaRPr lang="de-DE"/>
-                  </a:p>
-                </p:txBody>
-              </p:sp>
-              <p:sp>
-                <p:nvSpPr>
-                  <p:cNvPr id="81" name="Trapezoid 80">
-                    <a:extLst>
-                      <a:ext uri="{FF2B5EF4-FFF2-40B4-BE49-F238E27FC236}">
-                        <a16:creationId xmlns:a16="http://schemas.microsoft.com/office/drawing/2014/main" id="{FEC85268-4BE3-1683-8B74-4699421FB7F8}"/>
-                      </a:ext>
-                    </a:extLst>
-                  </p:cNvPr>
-                  <p:cNvSpPr/>
-                  <p:nvPr/>
-                </p:nvSpPr>
-                <p:spPr>
-                  <a:xfrm rot="1764843" flipV="1">
-                    <a:off x="6016122" y="2685822"/>
-                    <a:ext cx="1330128" cy="830807"/>
-                  </a:xfrm>
-                  <a:prstGeom prst="trapezoid">
-                    <a:avLst>
-                      <a:gd name="adj" fmla="val 0"/>
-                    </a:avLst>
-                  </a:prstGeom>
-                  <a:grpFill/>
-                  <a:ln>
-                    <a:noFill/>
-                  </a:ln>
-                </p:spPr>
-                <p:style>
-                  <a:lnRef idx="2">
-                    <a:schemeClr val="accent1">
-                      <a:shade val="15000"/>
-                    </a:schemeClr>
-                  </a:lnRef>
-                  <a:fillRef idx="1">
-                    <a:schemeClr val="accent1"/>
-                  </a:fillRef>
-                  <a:effectRef idx="0">
-                    <a:schemeClr val="accent1"/>
-                  </a:effectRef>
-                  <a:fontRef idx="minor">
-                    <a:schemeClr val="lt1"/>
-                  </a:fontRef>
-                </p:style>
-                <p:txBody>
-                  <a:bodyPr rtlCol="0" anchor="ctr"/>
-                  <a:lstStyle/>
-                  <a:p>
-                    <a:pPr algn="ctr"/>
-                    <a:endParaRPr lang="de-DE"/>
-                  </a:p>
-                </p:txBody>
-              </p:sp>
-            </p:grpSp>
-            <p:sp>
-              <p:nvSpPr>
-                <p:cNvPr id="82" name="Trapezoid 81">
-                  <a:extLst>
-                    <a:ext uri="{FF2B5EF4-FFF2-40B4-BE49-F238E27FC236}">
-                      <a16:creationId xmlns:a16="http://schemas.microsoft.com/office/drawing/2014/main" id="{5F425978-A94A-CE78-56F7-D02F836C5C84}"/>
+                      <a16:creationId xmlns:a16="http://schemas.microsoft.com/office/drawing/2014/main" id="{D6E0388C-DC5A-1D55-C556-7B58CFDA3FE1}"/>
                     </a:ext>
                   </a:extLst>
                 </p:cNvPr>
@@ -13258,16 +12938,74 @@
                 <p:nvPr/>
               </p:nvSpPr>
               <p:spPr>
-                <a:xfrm rot="1764843" flipV="1">
-                  <a:off x="5362349" y="3572079"/>
-                  <a:ext cx="772885" cy="320955"/>
+                <a:xfrm flipV="1">
+                  <a:off x="5605781" y="3370758"/>
+                  <a:ext cx="1692000" cy="694372"/>
+                </a:xfrm>
+                <a:prstGeom prst="trapezoid">
+                  <a:avLst>
+                    <a:gd name="adj" fmla="val 58838"/>
+                  </a:avLst>
+                </a:prstGeom>
+                <a:solidFill>
+                  <a:srgbClr val="9DC3E6"/>
+                </a:solidFill>
+                <a:ln>
+                  <a:solidFill>
+                    <a:srgbClr val="9DC3E6"/>
+                  </a:solidFill>
+                </a:ln>
+              </p:spPr>
+              <p:style>
+                <a:lnRef idx="2">
+                  <a:schemeClr val="accent1">
+                    <a:shade val="15000"/>
+                  </a:schemeClr>
+                </a:lnRef>
+                <a:fillRef idx="1">
+                  <a:schemeClr val="accent1"/>
+                </a:fillRef>
+                <a:effectRef idx="0">
+                  <a:schemeClr val="accent1"/>
+                </a:effectRef>
+                <a:fontRef idx="minor">
+                  <a:schemeClr val="lt1"/>
+                </a:fontRef>
+              </p:style>
+              <p:txBody>
+                <a:bodyPr rtlCol="0" anchor="ctr"/>
+                <a:lstStyle/>
+                <a:p>
+                  <a:pPr algn="ctr"/>
+                  <a:endParaRPr lang="de-DE" dirty="0"/>
+                </a:p>
+              </p:txBody>
+            </p:sp>
+            <p:sp>
+              <p:nvSpPr>
+                <p:cNvPr id="81" name="Trapezoid 80">
+                  <a:extLst>
+                    <a:ext uri="{FF2B5EF4-FFF2-40B4-BE49-F238E27FC236}">
+                      <a16:creationId xmlns:a16="http://schemas.microsoft.com/office/drawing/2014/main" id="{FEC85268-4BE3-1683-8B74-4699421FB7F8}"/>
+                    </a:ext>
+                  </a:extLst>
+                </p:cNvPr>
+                <p:cNvSpPr/>
+                <p:nvPr/>
+              </p:nvSpPr>
+              <p:spPr>
+                <a:xfrm rot="1817112" flipV="1">
+                  <a:off x="6029016" y="2684107"/>
+                  <a:ext cx="1330128" cy="830807"/>
                 </a:xfrm>
                 <a:prstGeom prst="trapezoid">
                   <a:avLst>
                     <a:gd name="adj" fmla="val 0"/>
                   </a:avLst>
                 </a:prstGeom>
-                <a:grpFill/>
+                <a:solidFill>
+                  <a:srgbClr val="9DC3E6"/>
+                </a:solidFill>
                 <a:ln>
                   <a:noFill/>
                 </a:ln>
@@ -13312,8 +13050,8 @@
             </p:nvSpPr>
             <p:spPr>
               <a:xfrm rot="1791420">
-                <a:off x="4276457" y="1800260"/>
-                <a:ext cx="1550496" cy="1590259"/>
+                <a:off x="4224117" y="1996569"/>
+                <a:ext cx="2339150" cy="1590259"/>
               </a:xfrm>
               <a:prstGeom prst="rect">
                 <a:avLst/>
@@ -13325,7 +13063,9 @@
                 </a:schemeClr>
               </a:solidFill>
               <a:ln>
-                <a:noFill/>
+                <a:solidFill>
+                  <a:srgbClr val="9DC3E6"/>
+                </a:solidFill>
               </a:ln>
             </p:spPr>
             <p:style>
@@ -13349,7 +13089,7 @@
               <a:lstStyle/>
               <a:p>
                 <a:pPr algn="ctr"/>
-                <a:endParaRPr lang="de-DE"/>
+                <a:endParaRPr lang="de-DE" dirty="0"/>
               </a:p>
             </p:txBody>
           </p:sp>
@@ -13369,8 +13109,8 @@
             </p:nvCxnSpPr>
             <p:spPr>
               <a:xfrm flipH="1">
-                <a:off x="5300663" y="1776413"/>
-                <a:ext cx="1110962" cy="1948515"/>
+                <a:off x="6119669" y="1776413"/>
+                <a:ext cx="291956" cy="519012"/>
               </a:xfrm>
               <a:prstGeom prst="line">
                 <a:avLst/>
@@ -13741,8 +13481,8 @@
                 </p:nvSpPr>
                 <p:spPr>
                   <a:xfrm>
-                    <a:off x="6563191" y="2897414"/>
-                    <a:ext cx="343080" cy="369332"/>
+                    <a:off x="6446307" y="2838425"/>
+                    <a:ext cx="343080" cy="462175"/>
                   </a:xfrm>
                   <a:prstGeom prst="rect">
                     <a:avLst/>
@@ -13765,7 +13505,7 @@
                           <m:sSub>
                             <m:sSubPr>
                               <m:ctrlPr>
-                                <a:rPr lang="de-DE" sz="1800" b="0" i="1" smtClean="0">
+                                <a:rPr lang="de-DE" sz="2400" b="0" i="1" smtClean="0">
                                   <a:solidFill>
                                     <a:schemeClr val="tx1"/>
                                   </a:solidFill>
@@ -13776,7 +13516,7 @@
                             </m:sSubPr>
                             <m:e>
                               <m:r>
-                                <a:rPr lang="de-DE" sz="1800" b="0" i="1" smtClean="0">
+                                <a:rPr lang="de-DE" sz="2400" b="0" i="1" smtClean="0">
                                   <a:solidFill>
                                     <a:schemeClr val="tx1"/>
                                   </a:solidFill>
@@ -13788,7 +13528,7 @@
                             </m:e>
                             <m:sub>
                               <m:r>
-                                <a:rPr lang="de-DE" sz="1800" b="0" i="1" smtClean="0">
+                                <a:rPr lang="de-DE" sz="2400" b="0" i="1" smtClean="0">
                                   <a:solidFill>
                                     <a:schemeClr val="tx1"/>
                                   </a:solidFill>
@@ -13802,7 +13542,7 @@
                         </m:oMath>
                       </m:oMathPara>
                     </a14:m>
-                    <a:endParaRPr lang="de-DE" dirty="0"/>
+                    <a:endParaRPr lang="de-DE" sz="2400" dirty="0"/>
                   </a:p>
                 </p:txBody>
               </p:sp>
@@ -13824,8 +13564,8 @@
                 </p:nvSpPr>
                 <p:spPr>
                   <a:xfrm>
-                    <a:off x="6563191" y="2897414"/>
-                    <a:ext cx="343080" cy="369332"/>
+                    <a:off x="6446307" y="2838425"/>
+                    <a:ext cx="343080" cy="462175"/>
                   </a:xfrm>
                   <a:prstGeom prst="rect">
                     <a:avLst/>
@@ -13833,7 +13573,7 @@
                   <a:blipFill>
                     <a:blip r:embed="rId2"/>
                     <a:stretch>
-                      <a:fillRect/>
+                      <a:fillRect r="-22807" b="-1316"/>
                     </a:stretch>
                   </a:blipFill>
                 </p:spPr>
@@ -13868,8 +13608,8 @@
                 </p:nvSpPr>
                 <p:spPr>
                   <a:xfrm>
-                    <a:off x="4747662" y="2649184"/>
-                    <a:ext cx="343080" cy="369332"/>
+                    <a:off x="4853863" y="2593970"/>
+                    <a:ext cx="343080" cy="462175"/>
                   </a:xfrm>
                   <a:prstGeom prst="rect">
                     <a:avLst/>
@@ -13892,7 +13632,7 @@
                           <m:sSub>
                             <m:sSubPr>
                               <m:ctrlPr>
-                                <a:rPr lang="de-DE" sz="1800" b="0" i="1" smtClean="0">
+                                <a:rPr lang="de-DE" sz="2400" b="0" i="1" smtClean="0">
                                   <a:solidFill>
                                     <a:schemeClr val="tx1"/>
                                   </a:solidFill>
@@ -13903,7 +13643,7 @@
                             </m:sSubPr>
                             <m:e>
                               <m:r>
-                                <a:rPr lang="de-DE" sz="1800" b="0" i="1" smtClean="0">
+                                <a:rPr lang="de-DE" sz="2400" b="0" i="1" smtClean="0">
                                   <a:solidFill>
                                     <a:schemeClr val="tx1"/>
                                   </a:solidFill>
@@ -13915,7 +13655,7 @@
                             </m:e>
                             <m:sub>
                               <m:r>
-                                <a:rPr lang="de-DE" sz="1800" b="0" i="1" smtClean="0">
+                                <a:rPr lang="de-DE" sz="2400" b="0" i="1" smtClean="0">
                                   <a:solidFill>
                                     <a:schemeClr val="tx1"/>
                                   </a:solidFill>
@@ -13929,7 +13669,7 @@
                         </m:oMath>
                       </m:oMathPara>
                     </a14:m>
-                    <a:endParaRPr lang="de-DE" dirty="0"/>
+                    <a:endParaRPr lang="de-DE" sz="2400" dirty="0"/>
                   </a:p>
                 </p:txBody>
               </p:sp>
@@ -13951,8 +13691,8 @@
                 </p:nvSpPr>
                 <p:spPr>
                   <a:xfrm>
-                    <a:off x="4747662" y="2649184"/>
-                    <a:ext cx="343080" cy="369332"/>
+                    <a:off x="4853863" y="2593970"/>
+                    <a:ext cx="343080" cy="462175"/>
                   </a:xfrm>
                   <a:prstGeom prst="rect">
                     <a:avLst/>
@@ -13960,7 +13700,7 @@
                   <a:blipFill>
                     <a:blip r:embed="rId3"/>
                     <a:stretch>
-                      <a:fillRect/>
+                      <a:fillRect r="-21053" b="-1316"/>
                     </a:stretch>
                   </a:blipFill>
                 </p:spPr>
@@ -13979,8 +13719,8 @@
               </p:sp>
             </mc:Fallback>
           </mc:AlternateContent>
-          <mc:AlternateContent xmlns:mc="http://schemas.openxmlformats.org/markup-compatibility/2006" xmlns:a14="http://schemas.microsoft.com/office/drawing/2010/main">
-            <mc:Choice Requires="a14">
+          <mc:AlternateContent xmlns:mc="http://schemas.openxmlformats.org/markup-compatibility/2006">
+            <mc:Choice xmlns:a14="http://schemas.microsoft.com/office/drawing/2010/main" Requires="a14">
               <p:sp>
                 <p:nvSpPr>
                   <p:cNvPr id="15" name="Textfeld 14">
@@ -13995,8 +13735,8 @@
                 </p:nvSpPr>
                 <p:spPr>
                   <a:xfrm>
-                    <a:off x="5835959" y="1824149"/>
-                    <a:ext cx="343080" cy="369332"/>
+                    <a:off x="5808677" y="2134829"/>
+                    <a:ext cx="343080" cy="462175"/>
                   </a:xfrm>
                   <a:prstGeom prst="rect">
                     <a:avLst/>
@@ -14017,7 +13757,7 @@
                         </m:oMathParaPr>
                         <m:oMath xmlns:m="http://schemas.openxmlformats.org/officeDocument/2006/math">
                           <m:r>
-                            <a:rPr lang="de-DE" sz="1800" b="0" i="1" smtClean="0">
+                            <a:rPr lang="de-DE" sz="2400" b="0" i="1" smtClean="0">
                               <a:solidFill>
                                 <a:schemeClr val="tx1"/>
                               </a:solidFill>
@@ -14034,7 +13774,7 @@
                 </p:txBody>
               </p:sp>
             </mc:Choice>
-            <mc:Fallback xmlns="">
+            <mc:Fallback>
               <p:sp>
                 <p:nvSpPr>
                   <p:cNvPr id="15" name="Textfeld 14">
@@ -14051,8 +13791,8 @@
                 </p:nvSpPr>
                 <p:spPr>
                   <a:xfrm>
-                    <a:off x="5835959" y="1824149"/>
-                    <a:ext cx="343080" cy="369332"/>
+                    <a:off x="5808677" y="2134829"/>
+                    <a:ext cx="343080" cy="462175"/>
                   </a:xfrm>
                   <a:prstGeom prst="rect">
                     <a:avLst/>
@@ -14060,7 +13800,7 @@
                   <a:blipFill>
                     <a:blip r:embed="rId4"/>
                     <a:stretch>
-                      <a:fillRect b="-6557"/>
+                      <a:fillRect l="-5357" r="-8929" b="-10526"/>
                     </a:stretch>
                   </a:blipFill>
                 </p:spPr>
@@ -14079,8 +13819,8 @@
               </p:sp>
             </mc:Fallback>
           </mc:AlternateContent>
-          <mc:AlternateContent xmlns:mc="http://schemas.openxmlformats.org/markup-compatibility/2006" xmlns:a14="http://schemas.microsoft.com/office/drawing/2010/main">
-            <mc:Choice Requires="a14">
+          <mc:AlternateContent xmlns:mc="http://schemas.openxmlformats.org/markup-compatibility/2006">
+            <mc:Choice xmlns:a14="http://schemas.microsoft.com/office/drawing/2010/main" Requires="a14">
               <p:sp>
                 <p:nvSpPr>
                   <p:cNvPr id="20" name="Textfeld 19">
@@ -14096,7 +13836,7 @@
                 <p:spPr>
                   <a:xfrm>
                     <a:off x="6433334" y="1469409"/>
-                    <a:ext cx="343080" cy="369332"/>
+                    <a:ext cx="343080" cy="462175"/>
                   </a:xfrm>
                   <a:prstGeom prst="rect">
                     <a:avLst/>
@@ -14117,7 +13857,7 @@
                         </m:oMathParaPr>
                         <m:oMath xmlns:m="http://schemas.openxmlformats.org/officeDocument/2006/math">
                           <m:r>
-                            <a:rPr lang="de-DE" sz="1800" b="0" i="1" smtClean="0">
+                            <a:rPr lang="de-DE" sz="2400" b="0" i="1" smtClean="0">
                               <a:solidFill>
                                 <a:schemeClr val="tx1"/>
                               </a:solidFill>
@@ -14134,7 +13874,7 @@
                 </p:txBody>
               </p:sp>
             </mc:Choice>
-            <mc:Fallback xmlns="">
+            <mc:Fallback>
               <p:sp>
                 <p:nvSpPr>
                   <p:cNvPr id="20" name="Textfeld 19">
@@ -14152,7 +13892,7 @@
                 <p:spPr>
                   <a:xfrm>
                     <a:off x="6433334" y="1469409"/>
-                    <a:ext cx="343080" cy="369332"/>
+                    <a:ext cx="343080" cy="462175"/>
                   </a:xfrm>
                   <a:prstGeom prst="rect">
                     <a:avLst/>
